--- a/Document/UI/인게임 UI.pptx
+++ b/Document/UI/인게임 UI.pptx
@@ -212,7 +212,7 @@
           <a:p>
             <a:fld id="{87BDE628-EDD5-484F-A921-62305232CA16}" type="datetimeFigureOut">
               <a:rPr lang="ko-KR" altLang="en-US" smtClean="0"/>
-              <a:t>2022-03-03(Thu)</a:t>
+              <a:t>2022-03-08(Tue)</a:t>
             </a:fld>
             <a:endParaRPr lang="ko-KR" altLang="en-US"/>
           </a:p>
@@ -1886,7 +1886,7 @@
           <a:p>
             <a:fld id="{D462599A-B33D-436C-B092-176AB220EA1F}" type="datetimeFigureOut">
               <a:rPr lang="ko-KR" altLang="en-US" smtClean="0"/>
-              <a:t>2022-03-03(Thu)</a:t>
+              <a:t>2022-03-08(Tue)</a:t>
             </a:fld>
             <a:endParaRPr lang="ko-KR" altLang="en-US"/>
           </a:p>
@@ -2084,7 +2084,7 @@
           <a:p>
             <a:fld id="{D462599A-B33D-436C-B092-176AB220EA1F}" type="datetimeFigureOut">
               <a:rPr lang="ko-KR" altLang="en-US" smtClean="0"/>
-              <a:t>2022-03-03(Thu)</a:t>
+              <a:t>2022-03-08(Tue)</a:t>
             </a:fld>
             <a:endParaRPr lang="ko-KR" altLang="en-US"/>
           </a:p>
@@ -2292,7 +2292,7 @@
           <a:p>
             <a:fld id="{D462599A-B33D-436C-B092-176AB220EA1F}" type="datetimeFigureOut">
               <a:rPr lang="ko-KR" altLang="en-US" smtClean="0"/>
-              <a:t>2022-03-03(Thu)</a:t>
+              <a:t>2022-03-08(Tue)</a:t>
             </a:fld>
             <a:endParaRPr lang="ko-KR" altLang="en-US"/>
           </a:p>
@@ -2742,7 +2742,7 @@
           <a:p>
             <a:fld id="{D462599A-B33D-436C-B092-176AB220EA1F}" type="datetimeFigureOut">
               <a:rPr lang="ko-KR" altLang="en-US" smtClean="0"/>
-              <a:t>2022-03-03(Thu)</a:t>
+              <a:t>2022-03-08(Tue)</a:t>
             </a:fld>
             <a:endParaRPr lang="ko-KR" altLang="en-US"/>
           </a:p>
@@ -3017,7 +3017,7 @@
           <a:p>
             <a:fld id="{D462599A-B33D-436C-B092-176AB220EA1F}" type="datetimeFigureOut">
               <a:rPr lang="ko-KR" altLang="en-US" smtClean="0"/>
-              <a:t>2022-03-03(Thu)</a:t>
+              <a:t>2022-03-08(Tue)</a:t>
             </a:fld>
             <a:endParaRPr lang="ko-KR" altLang="en-US"/>
           </a:p>
@@ -3282,7 +3282,7 @@
           <a:p>
             <a:fld id="{D462599A-B33D-436C-B092-176AB220EA1F}" type="datetimeFigureOut">
               <a:rPr lang="ko-KR" altLang="en-US" smtClean="0"/>
-              <a:t>2022-03-03(Thu)</a:t>
+              <a:t>2022-03-08(Tue)</a:t>
             </a:fld>
             <a:endParaRPr lang="ko-KR" altLang="en-US"/>
           </a:p>
@@ -3694,7 +3694,7 @@
           <a:p>
             <a:fld id="{D462599A-B33D-436C-B092-176AB220EA1F}" type="datetimeFigureOut">
               <a:rPr lang="ko-KR" altLang="en-US" smtClean="0"/>
-              <a:t>2022-03-03(Thu)</a:t>
+              <a:t>2022-03-08(Tue)</a:t>
             </a:fld>
             <a:endParaRPr lang="ko-KR" altLang="en-US"/>
           </a:p>
@@ -3835,7 +3835,7 @@
           <a:p>
             <a:fld id="{D462599A-B33D-436C-B092-176AB220EA1F}" type="datetimeFigureOut">
               <a:rPr lang="ko-KR" altLang="en-US" smtClean="0"/>
-              <a:t>2022-03-03(Thu)</a:t>
+              <a:t>2022-03-08(Tue)</a:t>
             </a:fld>
             <a:endParaRPr lang="ko-KR" altLang="en-US"/>
           </a:p>
@@ -3948,7 +3948,7 @@
           <a:p>
             <a:fld id="{D462599A-B33D-436C-B092-176AB220EA1F}" type="datetimeFigureOut">
               <a:rPr lang="ko-KR" altLang="en-US" smtClean="0"/>
-              <a:t>2022-03-03(Thu)</a:t>
+              <a:t>2022-03-08(Tue)</a:t>
             </a:fld>
             <a:endParaRPr lang="ko-KR" altLang="en-US"/>
           </a:p>
@@ -4259,7 +4259,7 @@
           <a:p>
             <a:fld id="{D462599A-B33D-436C-B092-176AB220EA1F}" type="datetimeFigureOut">
               <a:rPr lang="ko-KR" altLang="en-US" smtClean="0"/>
-              <a:t>2022-03-03(Thu)</a:t>
+              <a:t>2022-03-08(Tue)</a:t>
             </a:fld>
             <a:endParaRPr lang="ko-KR" altLang="en-US"/>
           </a:p>
@@ -4547,7 +4547,7 @@
           <a:p>
             <a:fld id="{D462599A-B33D-436C-B092-176AB220EA1F}" type="datetimeFigureOut">
               <a:rPr lang="ko-KR" altLang="en-US" smtClean="0"/>
-              <a:t>2022-03-03(Thu)</a:t>
+              <a:t>2022-03-08(Tue)</a:t>
             </a:fld>
             <a:endParaRPr lang="ko-KR" altLang="en-US"/>
           </a:p>
@@ -4788,7 +4788,7 @@
           <a:p>
             <a:fld id="{D462599A-B33D-436C-B092-176AB220EA1F}" type="datetimeFigureOut">
               <a:rPr lang="ko-KR" altLang="en-US" smtClean="0"/>
-              <a:t>2022-03-03(Thu)</a:t>
+              <a:t>2022-03-08(Tue)</a:t>
             </a:fld>
             <a:endParaRPr lang="ko-KR" altLang="en-US"/>
           </a:p>
@@ -10326,79 +10326,6 @@
       </p:sp>
       <p:sp>
         <p:nvSpPr>
-          <p:cNvPr id="45" name="TextBox 44">
-            <a:extLst>
-              <a:ext uri="{FF2B5EF4-FFF2-40B4-BE49-F238E27FC236}">
-                <a16:creationId xmlns:a16="http://schemas.microsoft.com/office/drawing/2014/main" id="{57D06DEF-15F9-4712-9D22-926C4874A3DB}"/>
-              </a:ext>
-            </a:extLst>
-          </p:cNvPr>
-          <p:cNvSpPr txBox="1"/>
-          <p:nvPr/>
-        </p:nvSpPr>
-        <p:spPr>
-          <a:xfrm>
-            <a:off x="2689871" y="6085827"/>
-            <a:ext cx="3445174" cy="600164"/>
-          </a:xfrm>
-          <a:prstGeom prst="rect">
-            <a:avLst/>
-          </a:prstGeom>
-          <a:noFill/>
-        </p:spPr>
-        <p:txBody>
-          <a:bodyPr wrap="none" rtlCol="0">
-            <a:spAutoFit/>
-          </a:bodyPr>
-          <a:lstStyle/>
-          <a:p>
-            <a:pPr marL="285750" indent="-285750">
-              <a:buFontTx/>
-              <a:buChar char="-"/>
-            </a:pPr>
-            <a:r>
-              <a:rPr lang="en-US" altLang="ko-KR" sz="1100" dirty="0"/>
-              <a:t>* </a:t>
-            </a:r>
-            <a:r>
-              <a:rPr lang="ko-KR" altLang="en-US" sz="1100" dirty="0"/>
-              <a:t>더 추가 예정</a:t>
-            </a:r>
-            <a:endParaRPr lang="en-US" altLang="ko-KR" sz="1100" dirty="0"/>
-          </a:p>
-          <a:p>
-            <a:pPr marL="285750" indent="-285750">
-              <a:buFontTx/>
-              <a:buChar char="-"/>
-            </a:pPr>
-            <a:r>
-              <a:rPr lang="ko-KR" altLang="en-US" sz="1100" dirty="0"/>
-              <a:t>게임 나가기 버튼을 누르면 방에서 퇴장</a:t>
-            </a:r>
-            <a:endParaRPr lang="en-US" altLang="ko-KR" sz="1100" dirty="0"/>
-          </a:p>
-          <a:p>
-            <a:pPr marL="285750" indent="-285750">
-              <a:buFontTx/>
-              <a:buChar char="-"/>
-            </a:pPr>
-            <a:r>
-              <a:rPr lang="ko-KR" altLang="en-US" sz="1100" dirty="0"/>
-              <a:t>게임으로 돌아가기 누르면 </a:t>
-            </a:r>
-            <a:r>
-              <a:rPr lang="en-US" altLang="ko-KR" sz="1100" dirty="0"/>
-              <a:t>X </a:t>
-            </a:r>
-            <a:r>
-              <a:rPr lang="ko-KR" altLang="en-US" sz="1100" dirty="0"/>
-              <a:t>누르는 것과 동일</a:t>
-            </a:r>
-          </a:p>
-        </p:txBody>
-      </p:sp>
-      <p:sp>
-        <p:nvSpPr>
           <p:cNvPr id="39" name="TextBox 38">
             <a:extLst>
               <a:ext uri="{FF2B5EF4-FFF2-40B4-BE49-F238E27FC236}">
@@ -11059,79 +10986,6 @@
               <a:t>0%</a:t>
             </a:r>
             <a:endParaRPr lang="ko-KR" altLang="en-US" dirty="0"/>
-          </a:p>
-        </p:txBody>
-      </p:sp>
-      <p:sp>
-        <p:nvSpPr>
-          <p:cNvPr id="45" name="TextBox 44">
-            <a:extLst>
-              <a:ext uri="{FF2B5EF4-FFF2-40B4-BE49-F238E27FC236}">
-                <a16:creationId xmlns:a16="http://schemas.microsoft.com/office/drawing/2014/main" id="{57D06DEF-15F9-4712-9D22-926C4874A3DB}"/>
-              </a:ext>
-            </a:extLst>
-          </p:cNvPr>
-          <p:cNvSpPr txBox="1"/>
-          <p:nvPr/>
-        </p:nvSpPr>
-        <p:spPr>
-          <a:xfrm>
-            <a:off x="2689871" y="6085827"/>
-            <a:ext cx="3445174" cy="600164"/>
-          </a:xfrm>
-          <a:prstGeom prst="rect">
-            <a:avLst/>
-          </a:prstGeom>
-          <a:noFill/>
-        </p:spPr>
-        <p:txBody>
-          <a:bodyPr wrap="none" rtlCol="0">
-            <a:spAutoFit/>
-          </a:bodyPr>
-          <a:lstStyle/>
-          <a:p>
-            <a:pPr marL="285750" indent="-285750">
-              <a:buFontTx/>
-              <a:buChar char="-"/>
-            </a:pPr>
-            <a:r>
-              <a:rPr lang="en-US" altLang="ko-KR" sz="1100" dirty="0"/>
-              <a:t>* </a:t>
-            </a:r>
-            <a:r>
-              <a:rPr lang="ko-KR" altLang="en-US" sz="1100" dirty="0"/>
-              <a:t>더 추가 예정</a:t>
-            </a:r>
-            <a:endParaRPr lang="en-US" altLang="ko-KR" sz="1100" dirty="0"/>
-          </a:p>
-          <a:p>
-            <a:pPr marL="285750" indent="-285750">
-              <a:buFontTx/>
-              <a:buChar char="-"/>
-            </a:pPr>
-            <a:r>
-              <a:rPr lang="ko-KR" altLang="en-US" sz="1100" dirty="0"/>
-              <a:t>게임 나가기 버튼을 누르면 방에서 퇴장</a:t>
-            </a:r>
-            <a:endParaRPr lang="en-US" altLang="ko-KR" sz="1100" dirty="0"/>
-          </a:p>
-          <a:p>
-            <a:pPr marL="285750" indent="-285750">
-              <a:buFontTx/>
-              <a:buChar char="-"/>
-            </a:pPr>
-            <a:r>
-              <a:rPr lang="ko-KR" altLang="en-US" sz="1100" dirty="0"/>
-              <a:t>게임으로 돌아가기 누르면 </a:t>
-            </a:r>
-            <a:r>
-              <a:rPr lang="en-US" altLang="ko-KR" sz="1100" dirty="0"/>
-              <a:t>X </a:t>
-            </a:r>
-            <a:r>
-              <a:rPr lang="ko-KR" altLang="en-US" sz="1100" dirty="0"/>
-              <a:t>누르는 것과 동일</a:t>
-            </a:r>
           </a:p>
         </p:txBody>
       </p:sp>

--- a/Document/UI/인게임 UI.pptx
+++ b/Document/UI/인게임 UI.pptx
@@ -212,7 +212,7 @@
           <a:p>
             <a:fld id="{87BDE628-EDD5-484F-A921-62305232CA16}" type="datetimeFigureOut">
               <a:rPr lang="ko-KR" altLang="en-US" smtClean="0"/>
-              <a:t>2022-03-08(Tue)</a:t>
+              <a:t>2022-03-17(Thu)</a:t>
             </a:fld>
             <a:endParaRPr lang="ko-KR" altLang="en-US"/>
           </a:p>
@@ -1886,7 +1886,7 @@
           <a:p>
             <a:fld id="{D462599A-B33D-436C-B092-176AB220EA1F}" type="datetimeFigureOut">
               <a:rPr lang="ko-KR" altLang="en-US" smtClean="0"/>
-              <a:t>2022-03-08(Tue)</a:t>
+              <a:t>2022-03-17(Thu)</a:t>
             </a:fld>
             <a:endParaRPr lang="ko-KR" altLang="en-US"/>
           </a:p>
@@ -2084,7 +2084,7 @@
           <a:p>
             <a:fld id="{D462599A-B33D-436C-B092-176AB220EA1F}" type="datetimeFigureOut">
               <a:rPr lang="ko-KR" altLang="en-US" smtClean="0"/>
-              <a:t>2022-03-08(Tue)</a:t>
+              <a:t>2022-03-17(Thu)</a:t>
             </a:fld>
             <a:endParaRPr lang="ko-KR" altLang="en-US"/>
           </a:p>
@@ -2292,7 +2292,7 @@
           <a:p>
             <a:fld id="{D462599A-B33D-436C-B092-176AB220EA1F}" type="datetimeFigureOut">
               <a:rPr lang="ko-KR" altLang="en-US" smtClean="0"/>
-              <a:t>2022-03-08(Tue)</a:t>
+              <a:t>2022-03-17(Thu)</a:t>
             </a:fld>
             <a:endParaRPr lang="ko-KR" altLang="en-US"/>
           </a:p>
@@ -2742,7 +2742,7 @@
           <a:p>
             <a:fld id="{D462599A-B33D-436C-B092-176AB220EA1F}" type="datetimeFigureOut">
               <a:rPr lang="ko-KR" altLang="en-US" smtClean="0"/>
-              <a:t>2022-03-08(Tue)</a:t>
+              <a:t>2022-03-17(Thu)</a:t>
             </a:fld>
             <a:endParaRPr lang="ko-KR" altLang="en-US"/>
           </a:p>
@@ -3017,7 +3017,7 @@
           <a:p>
             <a:fld id="{D462599A-B33D-436C-B092-176AB220EA1F}" type="datetimeFigureOut">
               <a:rPr lang="ko-KR" altLang="en-US" smtClean="0"/>
-              <a:t>2022-03-08(Tue)</a:t>
+              <a:t>2022-03-17(Thu)</a:t>
             </a:fld>
             <a:endParaRPr lang="ko-KR" altLang="en-US"/>
           </a:p>
@@ -3282,7 +3282,7 @@
           <a:p>
             <a:fld id="{D462599A-B33D-436C-B092-176AB220EA1F}" type="datetimeFigureOut">
               <a:rPr lang="ko-KR" altLang="en-US" smtClean="0"/>
-              <a:t>2022-03-08(Tue)</a:t>
+              <a:t>2022-03-17(Thu)</a:t>
             </a:fld>
             <a:endParaRPr lang="ko-KR" altLang="en-US"/>
           </a:p>
@@ -3694,7 +3694,7 @@
           <a:p>
             <a:fld id="{D462599A-B33D-436C-B092-176AB220EA1F}" type="datetimeFigureOut">
               <a:rPr lang="ko-KR" altLang="en-US" smtClean="0"/>
-              <a:t>2022-03-08(Tue)</a:t>
+              <a:t>2022-03-17(Thu)</a:t>
             </a:fld>
             <a:endParaRPr lang="ko-KR" altLang="en-US"/>
           </a:p>
@@ -3835,7 +3835,7 @@
           <a:p>
             <a:fld id="{D462599A-B33D-436C-B092-176AB220EA1F}" type="datetimeFigureOut">
               <a:rPr lang="ko-KR" altLang="en-US" smtClean="0"/>
-              <a:t>2022-03-08(Tue)</a:t>
+              <a:t>2022-03-17(Thu)</a:t>
             </a:fld>
             <a:endParaRPr lang="ko-KR" altLang="en-US"/>
           </a:p>
@@ -3948,7 +3948,7 @@
           <a:p>
             <a:fld id="{D462599A-B33D-436C-B092-176AB220EA1F}" type="datetimeFigureOut">
               <a:rPr lang="ko-KR" altLang="en-US" smtClean="0"/>
-              <a:t>2022-03-08(Tue)</a:t>
+              <a:t>2022-03-17(Thu)</a:t>
             </a:fld>
             <a:endParaRPr lang="ko-KR" altLang="en-US"/>
           </a:p>
@@ -4259,7 +4259,7 @@
           <a:p>
             <a:fld id="{D462599A-B33D-436C-B092-176AB220EA1F}" type="datetimeFigureOut">
               <a:rPr lang="ko-KR" altLang="en-US" smtClean="0"/>
-              <a:t>2022-03-08(Tue)</a:t>
+              <a:t>2022-03-17(Thu)</a:t>
             </a:fld>
             <a:endParaRPr lang="ko-KR" altLang="en-US"/>
           </a:p>
@@ -4547,7 +4547,7 @@
           <a:p>
             <a:fld id="{D462599A-B33D-436C-B092-176AB220EA1F}" type="datetimeFigureOut">
               <a:rPr lang="ko-KR" altLang="en-US" smtClean="0"/>
-              <a:t>2022-03-08(Tue)</a:t>
+              <a:t>2022-03-17(Thu)</a:t>
             </a:fld>
             <a:endParaRPr lang="ko-KR" altLang="en-US"/>
           </a:p>
@@ -4788,7 +4788,7 @@
           <a:p>
             <a:fld id="{D462599A-B33D-436C-B092-176AB220EA1F}" type="datetimeFigureOut">
               <a:rPr lang="ko-KR" altLang="en-US" smtClean="0"/>
-              <a:t>2022-03-08(Tue)</a:t>
+              <a:t>2022-03-17(Thu)</a:t>
             </a:fld>
             <a:endParaRPr lang="ko-KR" altLang="en-US"/>
           </a:p>
@@ -21782,73 +21782,6 @@
           </a:p>
         </p:txBody>
       </p:sp>
-      <p:pic>
-        <p:nvPicPr>
-          <p:cNvPr id="32" name="Picture 2">
-            <a:extLst>
-              <a:ext uri="{FF2B5EF4-FFF2-40B4-BE49-F238E27FC236}">
-                <a16:creationId xmlns:a16="http://schemas.microsoft.com/office/drawing/2014/main" id="{2EE529B9-E47F-4CF3-915A-92EC338CC6A7}"/>
-              </a:ext>
-            </a:extLst>
-          </p:cNvPr>
-          <p:cNvPicPr>
-            <a:picLocks noChangeAspect="1" noChangeArrowheads="1"/>
-          </p:cNvPicPr>
-          <p:nvPr/>
-        </p:nvPicPr>
-        <p:blipFill rotWithShape="1">
-          <a:blip r:embed="rId3">
-            <a:extLst>
-              <a:ext uri="{BEBA8EAE-BF5A-486C-A8C5-ECC9F3942E4B}">
-                <a14:imgProps xmlns:a14="http://schemas.microsoft.com/office/drawing/2010/main">
-                  <a14:imgLayer r:embed="rId4">
-                    <a14:imgEffect>
-                      <a14:backgroundRemoval t="5142" b="96986" l="709" r="97518">
-                        <a14:foregroundMark x1="3369" y1="4787" x2="1064" y2="15957"/>
-                        <a14:foregroundMark x1="1064" y1="15957" x2="84574" y2="88298"/>
-                        <a14:foregroundMark x1="84574" y1="88298" x2="40603" y2="78901"/>
-                        <a14:foregroundMark x1="40603" y1="78901" x2="38652" y2="14539"/>
-                        <a14:foregroundMark x1="38652" y1="14539" x2="55851" y2="5142"/>
-                        <a14:foregroundMark x1="85461" y1="12234" x2="92199" y2="20745"/>
-                        <a14:foregroundMark x1="94149" y1="74113" x2="97695" y2="97163"/>
-                        <a14:foregroundMark x1="97695" y1="97163" x2="97695" y2="97163"/>
-                        <a14:foregroundMark x1="96099" y1="95745" x2="24823" y2="92730"/>
-                        <a14:foregroundMark x1="32092" y1="99823" x2="709" y2="94504"/>
-                        <a14:foregroundMark x1="709" y1="94504" x2="4610" y2="19326"/>
-                        <a14:foregroundMark x1="93085" y1="61879" x2="92376" y2="74823"/>
-                      </a14:backgroundRemoval>
-                    </a14:imgEffect>
-                  </a14:imgLayer>
-                </a14:imgProps>
-              </a:ext>
-              <a:ext uri="{28A0092B-C50C-407E-A947-70E740481C1C}">
-                <a14:useLocalDpi xmlns:a14="http://schemas.microsoft.com/office/drawing/2010/main" val="0"/>
-              </a:ext>
-            </a:extLst>
-          </a:blip>
-          <a:srcRect t="36088" b="14550"/>
-          <a:stretch/>
-        </p:blipFill>
-        <p:spPr bwMode="auto">
-          <a:xfrm>
-            <a:off x="6419957" y="2655438"/>
-            <a:ext cx="4101907" cy="2050735"/>
-          </a:xfrm>
-          <a:prstGeom prst="rect">
-            <a:avLst/>
-          </a:prstGeom>
-          <a:noFill/>
-          <a:extLst>
-            <a:ext uri="{909E8E84-426E-40DD-AFC4-6F175D3DCCD1}">
-              <a14:hiddenFill xmlns:a14="http://schemas.microsoft.com/office/drawing/2010/main">
-                <a:solidFill>
-                  <a:srgbClr val="FFFFFF"/>
-                </a:solidFill>
-              </a14:hiddenFill>
-            </a:ext>
-          </a:extLst>
-        </p:spPr>
-      </p:pic>
       <p:grpSp>
         <p:nvGrpSpPr>
           <p:cNvPr id="19" name="그룹 18">

--- a/Document/UI/인게임 UI.pptx
+++ b/Document/UI/인게임 UI.pptx
@@ -212,7 +212,7 @@
           <a:p>
             <a:fld id="{87BDE628-EDD5-484F-A921-62305232CA16}" type="datetimeFigureOut">
               <a:rPr lang="ko-KR" altLang="en-US" smtClean="0"/>
-              <a:t>2022-03-17(Thu)</a:t>
+              <a:t>2022-04-05(Tue)</a:t>
             </a:fld>
             <a:endParaRPr lang="ko-KR" altLang="en-US"/>
           </a:p>
@@ -1886,7 +1886,7 @@
           <a:p>
             <a:fld id="{D462599A-B33D-436C-B092-176AB220EA1F}" type="datetimeFigureOut">
               <a:rPr lang="ko-KR" altLang="en-US" smtClean="0"/>
-              <a:t>2022-03-17(Thu)</a:t>
+              <a:t>2022-04-05(Tue)</a:t>
             </a:fld>
             <a:endParaRPr lang="ko-KR" altLang="en-US"/>
           </a:p>
@@ -2084,7 +2084,7 @@
           <a:p>
             <a:fld id="{D462599A-B33D-436C-B092-176AB220EA1F}" type="datetimeFigureOut">
               <a:rPr lang="ko-KR" altLang="en-US" smtClean="0"/>
-              <a:t>2022-03-17(Thu)</a:t>
+              <a:t>2022-04-05(Tue)</a:t>
             </a:fld>
             <a:endParaRPr lang="ko-KR" altLang="en-US"/>
           </a:p>
@@ -2292,7 +2292,7 @@
           <a:p>
             <a:fld id="{D462599A-B33D-436C-B092-176AB220EA1F}" type="datetimeFigureOut">
               <a:rPr lang="ko-KR" altLang="en-US" smtClean="0"/>
-              <a:t>2022-03-17(Thu)</a:t>
+              <a:t>2022-04-05(Tue)</a:t>
             </a:fld>
             <a:endParaRPr lang="ko-KR" altLang="en-US"/>
           </a:p>
@@ -2742,7 +2742,7 @@
           <a:p>
             <a:fld id="{D462599A-B33D-436C-B092-176AB220EA1F}" type="datetimeFigureOut">
               <a:rPr lang="ko-KR" altLang="en-US" smtClean="0"/>
-              <a:t>2022-03-17(Thu)</a:t>
+              <a:t>2022-04-05(Tue)</a:t>
             </a:fld>
             <a:endParaRPr lang="ko-KR" altLang="en-US"/>
           </a:p>
@@ -3017,7 +3017,7 @@
           <a:p>
             <a:fld id="{D462599A-B33D-436C-B092-176AB220EA1F}" type="datetimeFigureOut">
               <a:rPr lang="ko-KR" altLang="en-US" smtClean="0"/>
-              <a:t>2022-03-17(Thu)</a:t>
+              <a:t>2022-04-05(Tue)</a:t>
             </a:fld>
             <a:endParaRPr lang="ko-KR" altLang="en-US"/>
           </a:p>
@@ -3282,7 +3282,7 @@
           <a:p>
             <a:fld id="{D462599A-B33D-436C-B092-176AB220EA1F}" type="datetimeFigureOut">
               <a:rPr lang="ko-KR" altLang="en-US" smtClean="0"/>
-              <a:t>2022-03-17(Thu)</a:t>
+              <a:t>2022-04-05(Tue)</a:t>
             </a:fld>
             <a:endParaRPr lang="ko-KR" altLang="en-US"/>
           </a:p>
@@ -3694,7 +3694,7 @@
           <a:p>
             <a:fld id="{D462599A-B33D-436C-B092-176AB220EA1F}" type="datetimeFigureOut">
               <a:rPr lang="ko-KR" altLang="en-US" smtClean="0"/>
-              <a:t>2022-03-17(Thu)</a:t>
+              <a:t>2022-04-05(Tue)</a:t>
             </a:fld>
             <a:endParaRPr lang="ko-KR" altLang="en-US"/>
           </a:p>
@@ -3835,7 +3835,7 @@
           <a:p>
             <a:fld id="{D462599A-B33D-436C-B092-176AB220EA1F}" type="datetimeFigureOut">
               <a:rPr lang="ko-KR" altLang="en-US" smtClean="0"/>
-              <a:t>2022-03-17(Thu)</a:t>
+              <a:t>2022-04-05(Tue)</a:t>
             </a:fld>
             <a:endParaRPr lang="ko-KR" altLang="en-US"/>
           </a:p>
@@ -3948,7 +3948,7 @@
           <a:p>
             <a:fld id="{D462599A-B33D-436C-B092-176AB220EA1F}" type="datetimeFigureOut">
               <a:rPr lang="ko-KR" altLang="en-US" smtClean="0"/>
-              <a:t>2022-03-17(Thu)</a:t>
+              <a:t>2022-04-05(Tue)</a:t>
             </a:fld>
             <a:endParaRPr lang="ko-KR" altLang="en-US"/>
           </a:p>
@@ -4259,7 +4259,7 @@
           <a:p>
             <a:fld id="{D462599A-B33D-436C-B092-176AB220EA1F}" type="datetimeFigureOut">
               <a:rPr lang="ko-KR" altLang="en-US" smtClean="0"/>
-              <a:t>2022-03-17(Thu)</a:t>
+              <a:t>2022-04-05(Tue)</a:t>
             </a:fld>
             <a:endParaRPr lang="ko-KR" altLang="en-US"/>
           </a:p>
@@ -4547,7 +4547,7 @@
           <a:p>
             <a:fld id="{D462599A-B33D-436C-B092-176AB220EA1F}" type="datetimeFigureOut">
               <a:rPr lang="ko-KR" altLang="en-US" smtClean="0"/>
-              <a:t>2022-03-17(Thu)</a:t>
+              <a:t>2022-04-05(Tue)</a:t>
             </a:fld>
             <a:endParaRPr lang="ko-KR" altLang="en-US"/>
           </a:p>
@@ -4788,7 +4788,7 @@
           <a:p>
             <a:fld id="{D462599A-B33D-436C-B092-176AB220EA1F}" type="datetimeFigureOut">
               <a:rPr lang="ko-KR" altLang="en-US" smtClean="0"/>
-              <a:t>2022-03-17(Thu)</a:t>
+              <a:t>2022-04-05(Tue)</a:t>
             </a:fld>
             <a:endParaRPr lang="ko-KR" altLang="en-US"/>
           </a:p>
@@ -22545,8 +22545,8 @@
         </p:nvSpPr>
         <p:spPr>
           <a:xfrm>
-            <a:off x="1201374" y="3325604"/>
-            <a:ext cx="4631396" cy="1508105"/>
+            <a:off x="1180962" y="2775098"/>
+            <a:ext cx="4778872" cy="2354491"/>
           </a:xfrm>
           <a:prstGeom prst="rect">
             <a:avLst/>
@@ -22582,15 +22582,7 @@
           <a:p>
             <a:r>
               <a:rPr lang="ko-KR" altLang="en-US" sz="1200" dirty="0"/>
-              <a:t>각 칸안에는 주운 재료들이 </a:t>
-            </a:r>
-            <a:r>
-              <a:rPr lang="ko-KR" altLang="en-US" sz="1200" dirty="0" err="1"/>
-              <a:t>한칸씩</a:t>
-            </a:r>
-            <a:r>
-              <a:rPr lang="ko-KR" altLang="en-US" sz="1200" dirty="0"/>
-              <a:t> 차지하고 같은 재료를</a:t>
+              <a:t>각 칸안에는 주운 재료들이 한 칸 씩 차지하고 같은 재료를</a:t>
             </a:r>
             <a:endParaRPr lang="en-US" altLang="ko-KR" sz="1200" dirty="0"/>
           </a:p>
@@ -22630,7 +22622,44 @@
               <a:rPr lang="en-US" altLang="ko-KR" sz="1100" dirty="0"/>
               <a:t>.</a:t>
             </a:r>
-            <a:endParaRPr lang="ko-KR" altLang="en-US" sz="1200" dirty="0"/>
+          </a:p>
+          <a:p>
+            <a:endParaRPr lang="en-US" altLang="ko-KR" sz="1100" dirty="0"/>
+          </a:p>
+          <a:p>
+            <a:r>
+              <a:rPr lang="ko-KR" altLang="en-US" sz="1100" dirty="0"/>
+              <a:t>다른 패널이 켜져 있을 경우</a:t>
+            </a:r>
+            <a:r>
+              <a:rPr lang="ko-KR" altLang="en-US" sz="1200" dirty="0"/>
+              <a:t> 아이템을 얻었을 때 인벤토리의 빈 칸 중</a:t>
+            </a:r>
+            <a:endParaRPr lang="en-US" altLang="ko-KR" sz="1200" dirty="0"/>
+          </a:p>
+          <a:p>
+            <a:r>
+              <a:rPr lang="ko-KR" altLang="en-US" sz="1100" dirty="0"/>
+              <a:t>가장 왼쪽에</a:t>
+            </a:r>
+            <a:r>
+              <a:rPr lang="en-US" altLang="ko-KR" sz="1100" dirty="0"/>
+              <a:t> </a:t>
+            </a:r>
+            <a:r>
+              <a:rPr lang="ko-KR" altLang="en-US" sz="1100" dirty="0"/>
+              <a:t>있는 칸에 들어갑니다</a:t>
+            </a:r>
+            <a:r>
+              <a:rPr lang="en-US" altLang="ko-KR" sz="1100" dirty="0"/>
+              <a:t>.</a:t>
+            </a:r>
+          </a:p>
+          <a:p>
+            <a:endParaRPr lang="en-US" altLang="ko-KR" sz="1100" dirty="0"/>
+          </a:p>
+          <a:p>
+            <a:endParaRPr lang="en-US" altLang="ko-KR" sz="1100" dirty="0"/>
           </a:p>
         </p:txBody>
       </p:sp>

--- a/Document/UI/인게임 UI.pptx
+++ b/Document/UI/인게임 UI.pptx
@@ -212,7 +212,7 @@
           <a:p>
             <a:fld id="{87BDE628-EDD5-484F-A921-62305232CA16}" type="datetimeFigureOut">
               <a:rPr lang="ko-KR" altLang="en-US" smtClean="0"/>
-              <a:t>2022-04-05(Tue)</a:t>
+              <a:t>2022-04-07(Thu)</a:t>
             </a:fld>
             <a:endParaRPr lang="ko-KR" altLang="en-US"/>
           </a:p>
@@ -1886,7 +1886,7 @@
           <a:p>
             <a:fld id="{D462599A-B33D-436C-B092-176AB220EA1F}" type="datetimeFigureOut">
               <a:rPr lang="ko-KR" altLang="en-US" smtClean="0"/>
-              <a:t>2022-04-05(Tue)</a:t>
+              <a:t>2022-04-07(Thu)</a:t>
             </a:fld>
             <a:endParaRPr lang="ko-KR" altLang="en-US"/>
           </a:p>
@@ -2084,7 +2084,7 @@
           <a:p>
             <a:fld id="{D462599A-B33D-436C-B092-176AB220EA1F}" type="datetimeFigureOut">
               <a:rPr lang="ko-KR" altLang="en-US" smtClean="0"/>
-              <a:t>2022-04-05(Tue)</a:t>
+              <a:t>2022-04-07(Thu)</a:t>
             </a:fld>
             <a:endParaRPr lang="ko-KR" altLang="en-US"/>
           </a:p>
@@ -2292,7 +2292,7 @@
           <a:p>
             <a:fld id="{D462599A-B33D-436C-B092-176AB220EA1F}" type="datetimeFigureOut">
               <a:rPr lang="ko-KR" altLang="en-US" smtClean="0"/>
-              <a:t>2022-04-05(Tue)</a:t>
+              <a:t>2022-04-07(Thu)</a:t>
             </a:fld>
             <a:endParaRPr lang="ko-KR" altLang="en-US"/>
           </a:p>
@@ -2742,7 +2742,7 @@
           <a:p>
             <a:fld id="{D462599A-B33D-436C-B092-176AB220EA1F}" type="datetimeFigureOut">
               <a:rPr lang="ko-KR" altLang="en-US" smtClean="0"/>
-              <a:t>2022-04-05(Tue)</a:t>
+              <a:t>2022-04-07(Thu)</a:t>
             </a:fld>
             <a:endParaRPr lang="ko-KR" altLang="en-US"/>
           </a:p>
@@ -3017,7 +3017,7 @@
           <a:p>
             <a:fld id="{D462599A-B33D-436C-B092-176AB220EA1F}" type="datetimeFigureOut">
               <a:rPr lang="ko-KR" altLang="en-US" smtClean="0"/>
-              <a:t>2022-04-05(Tue)</a:t>
+              <a:t>2022-04-07(Thu)</a:t>
             </a:fld>
             <a:endParaRPr lang="ko-KR" altLang="en-US"/>
           </a:p>
@@ -3282,7 +3282,7 @@
           <a:p>
             <a:fld id="{D462599A-B33D-436C-B092-176AB220EA1F}" type="datetimeFigureOut">
               <a:rPr lang="ko-KR" altLang="en-US" smtClean="0"/>
-              <a:t>2022-04-05(Tue)</a:t>
+              <a:t>2022-04-07(Thu)</a:t>
             </a:fld>
             <a:endParaRPr lang="ko-KR" altLang="en-US"/>
           </a:p>
@@ -3694,7 +3694,7 @@
           <a:p>
             <a:fld id="{D462599A-B33D-436C-B092-176AB220EA1F}" type="datetimeFigureOut">
               <a:rPr lang="ko-KR" altLang="en-US" smtClean="0"/>
-              <a:t>2022-04-05(Tue)</a:t>
+              <a:t>2022-04-07(Thu)</a:t>
             </a:fld>
             <a:endParaRPr lang="ko-KR" altLang="en-US"/>
           </a:p>
@@ -3835,7 +3835,7 @@
           <a:p>
             <a:fld id="{D462599A-B33D-436C-B092-176AB220EA1F}" type="datetimeFigureOut">
               <a:rPr lang="ko-KR" altLang="en-US" smtClean="0"/>
-              <a:t>2022-04-05(Tue)</a:t>
+              <a:t>2022-04-07(Thu)</a:t>
             </a:fld>
             <a:endParaRPr lang="ko-KR" altLang="en-US"/>
           </a:p>
@@ -3948,7 +3948,7 @@
           <a:p>
             <a:fld id="{D462599A-B33D-436C-B092-176AB220EA1F}" type="datetimeFigureOut">
               <a:rPr lang="ko-KR" altLang="en-US" smtClean="0"/>
-              <a:t>2022-04-05(Tue)</a:t>
+              <a:t>2022-04-07(Thu)</a:t>
             </a:fld>
             <a:endParaRPr lang="ko-KR" altLang="en-US"/>
           </a:p>
@@ -4259,7 +4259,7 @@
           <a:p>
             <a:fld id="{D462599A-B33D-436C-B092-176AB220EA1F}" type="datetimeFigureOut">
               <a:rPr lang="ko-KR" altLang="en-US" smtClean="0"/>
-              <a:t>2022-04-05(Tue)</a:t>
+              <a:t>2022-04-07(Thu)</a:t>
             </a:fld>
             <a:endParaRPr lang="ko-KR" altLang="en-US"/>
           </a:p>
@@ -4547,7 +4547,7 @@
           <a:p>
             <a:fld id="{D462599A-B33D-436C-B092-176AB220EA1F}" type="datetimeFigureOut">
               <a:rPr lang="ko-KR" altLang="en-US" smtClean="0"/>
-              <a:t>2022-04-05(Tue)</a:t>
+              <a:t>2022-04-07(Thu)</a:t>
             </a:fld>
             <a:endParaRPr lang="ko-KR" altLang="en-US"/>
           </a:p>
@@ -4788,7 +4788,7 @@
           <a:p>
             <a:fld id="{D462599A-B33D-436C-B092-176AB220EA1F}" type="datetimeFigureOut">
               <a:rPr lang="ko-KR" altLang="en-US" smtClean="0"/>
-              <a:t>2022-04-05(Tue)</a:t>
+              <a:t>2022-04-07(Thu)</a:t>
             </a:fld>
             <a:endParaRPr lang="ko-KR" altLang="en-US"/>
           </a:p>

--- a/Document/UI/인게임 UI.pptx
+++ b/Document/UI/인게임 UI.pptx
@@ -212,7 +212,7 @@
           <a:p>
             <a:fld id="{87BDE628-EDD5-484F-A921-62305232CA16}" type="datetimeFigureOut">
               <a:rPr lang="ko-KR" altLang="en-US" smtClean="0"/>
-              <a:t>2022-05-18(Wed)</a:t>
+              <a:t>2022-05-24(Tue)</a:t>
             </a:fld>
             <a:endParaRPr lang="ko-KR" altLang="en-US"/>
           </a:p>
@@ -1886,7 +1886,7 @@
           <a:p>
             <a:fld id="{D462599A-B33D-436C-B092-176AB220EA1F}" type="datetimeFigureOut">
               <a:rPr lang="ko-KR" altLang="en-US" smtClean="0"/>
-              <a:t>2022-05-18(Wed)</a:t>
+              <a:t>2022-05-24(Tue)</a:t>
             </a:fld>
             <a:endParaRPr lang="ko-KR" altLang="en-US"/>
           </a:p>
@@ -2084,7 +2084,7 @@
           <a:p>
             <a:fld id="{D462599A-B33D-436C-B092-176AB220EA1F}" type="datetimeFigureOut">
               <a:rPr lang="ko-KR" altLang="en-US" smtClean="0"/>
-              <a:t>2022-05-18(Wed)</a:t>
+              <a:t>2022-05-24(Tue)</a:t>
             </a:fld>
             <a:endParaRPr lang="ko-KR" altLang="en-US"/>
           </a:p>
@@ -2292,7 +2292,7 @@
           <a:p>
             <a:fld id="{D462599A-B33D-436C-B092-176AB220EA1F}" type="datetimeFigureOut">
               <a:rPr lang="ko-KR" altLang="en-US" smtClean="0"/>
-              <a:t>2022-05-18(Wed)</a:t>
+              <a:t>2022-05-24(Tue)</a:t>
             </a:fld>
             <a:endParaRPr lang="ko-KR" altLang="en-US"/>
           </a:p>
@@ -2742,7 +2742,7 @@
           <a:p>
             <a:fld id="{D462599A-B33D-436C-B092-176AB220EA1F}" type="datetimeFigureOut">
               <a:rPr lang="ko-KR" altLang="en-US" smtClean="0"/>
-              <a:t>2022-05-18(Wed)</a:t>
+              <a:t>2022-05-24(Tue)</a:t>
             </a:fld>
             <a:endParaRPr lang="ko-KR" altLang="en-US"/>
           </a:p>
@@ -3017,7 +3017,7 @@
           <a:p>
             <a:fld id="{D462599A-B33D-436C-B092-176AB220EA1F}" type="datetimeFigureOut">
               <a:rPr lang="ko-KR" altLang="en-US" smtClean="0"/>
-              <a:t>2022-05-18(Wed)</a:t>
+              <a:t>2022-05-24(Tue)</a:t>
             </a:fld>
             <a:endParaRPr lang="ko-KR" altLang="en-US"/>
           </a:p>
@@ -3282,7 +3282,7 @@
           <a:p>
             <a:fld id="{D462599A-B33D-436C-B092-176AB220EA1F}" type="datetimeFigureOut">
               <a:rPr lang="ko-KR" altLang="en-US" smtClean="0"/>
-              <a:t>2022-05-18(Wed)</a:t>
+              <a:t>2022-05-24(Tue)</a:t>
             </a:fld>
             <a:endParaRPr lang="ko-KR" altLang="en-US"/>
           </a:p>
@@ -3694,7 +3694,7 @@
           <a:p>
             <a:fld id="{D462599A-B33D-436C-B092-176AB220EA1F}" type="datetimeFigureOut">
               <a:rPr lang="ko-KR" altLang="en-US" smtClean="0"/>
-              <a:t>2022-05-18(Wed)</a:t>
+              <a:t>2022-05-24(Tue)</a:t>
             </a:fld>
             <a:endParaRPr lang="ko-KR" altLang="en-US"/>
           </a:p>
@@ -3835,7 +3835,7 @@
           <a:p>
             <a:fld id="{D462599A-B33D-436C-B092-176AB220EA1F}" type="datetimeFigureOut">
               <a:rPr lang="ko-KR" altLang="en-US" smtClean="0"/>
-              <a:t>2022-05-18(Wed)</a:t>
+              <a:t>2022-05-24(Tue)</a:t>
             </a:fld>
             <a:endParaRPr lang="ko-KR" altLang="en-US"/>
           </a:p>
@@ -3948,7 +3948,7 @@
           <a:p>
             <a:fld id="{D462599A-B33D-436C-B092-176AB220EA1F}" type="datetimeFigureOut">
               <a:rPr lang="ko-KR" altLang="en-US" smtClean="0"/>
-              <a:t>2022-05-18(Wed)</a:t>
+              <a:t>2022-05-24(Tue)</a:t>
             </a:fld>
             <a:endParaRPr lang="ko-KR" altLang="en-US"/>
           </a:p>
@@ -4259,7 +4259,7 @@
           <a:p>
             <a:fld id="{D462599A-B33D-436C-B092-176AB220EA1F}" type="datetimeFigureOut">
               <a:rPr lang="ko-KR" altLang="en-US" smtClean="0"/>
-              <a:t>2022-05-18(Wed)</a:t>
+              <a:t>2022-05-24(Tue)</a:t>
             </a:fld>
             <a:endParaRPr lang="ko-KR" altLang="en-US"/>
           </a:p>
@@ -4547,7 +4547,7 @@
           <a:p>
             <a:fld id="{D462599A-B33D-436C-B092-176AB220EA1F}" type="datetimeFigureOut">
               <a:rPr lang="ko-KR" altLang="en-US" smtClean="0"/>
-              <a:t>2022-05-18(Wed)</a:t>
+              <a:t>2022-05-24(Tue)</a:t>
             </a:fld>
             <a:endParaRPr lang="ko-KR" altLang="en-US"/>
           </a:p>
@@ -4788,7 +4788,7 @@
           <a:p>
             <a:fld id="{D462599A-B33D-436C-B092-176AB220EA1F}" type="datetimeFigureOut">
               <a:rPr lang="ko-KR" altLang="en-US" smtClean="0"/>
-              <a:t>2022-05-18(Wed)</a:t>
+              <a:t>2022-05-24(Tue)</a:t>
             </a:fld>
             <a:endParaRPr lang="ko-KR" altLang="en-US"/>
           </a:p>
@@ -12840,1900 +12840,6 @@
           </a:p>
         </p:txBody>
       </p:sp>
-      <p:cxnSp>
-        <p:nvCxnSpPr>
-          <p:cNvPr id="14" name="직선 화살표 연결선 13">
-            <a:extLst>
-              <a:ext uri="{FF2B5EF4-FFF2-40B4-BE49-F238E27FC236}">
-                <a16:creationId xmlns:a16="http://schemas.microsoft.com/office/drawing/2014/main" id="{F2894BF7-28B6-47C2-AA9C-C5EDA85E920C}"/>
-              </a:ext>
-            </a:extLst>
-          </p:cNvPr>
-          <p:cNvCxnSpPr>
-            <a:cxnSpLocks/>
-            <a:stCxn id="69" idx="2"/>
-            <a:endCxn id="11" idx="2"/>
-          </p:cNvCxnSpPr>
-          <p:nvPr/>
-        </p:nvCxnSpPr>
-        <p:spPr>
-          <a:xfrm>
-            <a:off x="1071554" y="3359966"/>
-            <a:ext cx="1422265" cy="210626"/>
-          </a:xfrm>
-          <a:prstGeom prst="straightConnector1">
-            <a:avLst/>
-          </a:prstGeom>
-          <a:ln>
-            <a:tailEnd type="triangle"/>
-          </a:ln>
-        </p:spPr>
-        <p:style>
-          <a:lnRef idx="1">
-            <a:schemeClr val="accent1"/>
-          </a:lnRef>
-          <a:fillRef idx="0">
-            <a:schemeClr val="accent1"/>
-          </a:fillRef>
-          <a:effectRef idx="0">
-            <a:schemeClr val="accent1"/>
-          </a:effectRef>
-          <a:fontRef idx="minor">
-            <a:schemeClr val="tx1"/>
-          </a:fontRef>
-        </p:style>
-      </p:cxnSp>
-      <p:sp>
-        <p:nvSpPr>
-          <p:cNvPr id="69" name="TextBox 68">
-            <a:extLst>
-              <a:ext uri="{FF2B5EF4-FFF2-40B4-BE49-F238E27FC236}">
-                <a16:creationId xmlns:a16="http://schemas.microsoft.com/office/drawing/2014/main" id="{BE7CA51F-48D1-46FF-881F-50CA94FA33A3}"/>
-              </a:ext>
-            </a:extLst>
-          </p:cNvPr>
-          <p:cNvSpPr txBox="1"/>
-          <p:nvPr/>
-        </p:nvSpPr>
-        <p:spPr>
-          <a:xfrm>
-            <a:off x="361263" y="2990634"/>
-            <a:ext cx="1420582" cy="369332"/>
-          </a:xfrm>
-          <a:prstGeom prst="rect">
-            <a:avLst/>
-          </a:prstGeom>
-          <a:noFill/>
-        </p:spPr>
-        <p:txBody>
-          <a:bodyPr wrap="square" rtlCol="0">
-            <a:spAutoFit/>
-          </a:bodyPr>
-          <a:lstStyle/>
-          <a:p>
-            <a:r>
-              <a:rPr lang="ko-KR" altLang="en-US" dirty="0"/>
-              <a:t>캐릭터 얼굴</a:t>
-            </a:r>
-          </a:p>
-        </p:txBody>
-      </p:sp>
-      <p:cxnSp>
-        <p:nvCxnSpPr>
-          <p:cNvPr id="70" name="직선 화살표 연결선 69">
-            <a:extLst>
-              <a:ext uri="{FF2B5EF4-FFF2-40B4-BE49-F238E27FC236}">
-                <a16:creationId xmlns:a16="http://schemas.microsoft.com/office/drawing/2014/main" id="{B4A091F1-C472-40D4-BA27-6DA0AAF87A93}"/>
-              </a:ext>
-            </a:extLst>
-          </p:cNvPr>
-          <p:cNvCxnSpPr>
-            <a:cxnSpLocks/>
-            <a:stCxn id="72" idx="1"/>
-            <a:endCxn id="56" idx="3"/>
-          </p:cNvCxnSpPr>
-          <p:nvPr/>
-        </p:nvCxnSpPr>
-        <p:spPr>
-          <a:xfrm flipH="1">
-            <a:off x="7352142" y="3063938"/>
-            <a:ext cx="773978" cy="506654"/>
-          </a:xfrm>
-          <a:prstGeom prst="straightConnector1">
-            <a:avLst/>
-          </a:prstGeom>
-          <a:ln>
-            <a:tailEnd type="triangle"/>
-          </a:ln>
-        </p:spPr>
-        <p:style>
-          <a:lnRef idx="1">
-            <a:schemeClr val="accent1"/>
-          </a:lnRef>
-          <a:fillRef idx="0">
-            <a:schemeClr val="accent1"/>
-          </a:fillRef>
-          <a:effectRef idx="0">
-            <a:schemeClr val="accent1"/>
-          </a:effectRef>
-          <a:fontRef idx="minor">
-            <a:schemeClr val="tx1"/>
-          </a:fontRef>
-        </p:style>
-      </p:cxnSp>
-      <p:sp>
-        <p:nvSpPr>
-          <p:cNvPr id="72" name="TextBox 71">
-            <a:extLst>
-              <a:ext uri="{FF2B5EF4-FFF2-40B4-BE49-F238E27FC236}">
-                <a16:creationId xmlns:a16="http://schemas.microsoft.com/office/drawing/2014/main" id="{BDFFA95C-2DE8-4F84-A1FF-719F0C55BC91}"/>
-              </a:ext>
-            </a:extLst>
-          </p:cNvPr>
-          <p:cNvSpPr txBox="1"/>
-          <p:nvPr/>
-        </p:nvSpPr>
-        <p:spPr>
-          <a:xfrm>
-            <a:off x="8126120" y="2925438"/>
-            <a:ext cx="2919389" cy="276999"/>
-          </a:xfrm>
-          <a:prstGeom prst="rect">
-            <a:avLst/>
-          </a:prstGeom>
-          <a:noFill/>
-        </p:spPr>
-        <p:txBody>
-          <a:bodyPr wrap="none" rtlCol="0">
-            <a:spAutoFit/>
-          </a:bodyPr>
-          <a:lstStyle/>
-          <a:p>
-            <a:r>
-              <a:rPr lang="ko-KR" altLang="en-US" sz="1200" dirty="0"/>
-              <a:t>투표할 사람을 정했을 때 클릭하면 체크</a:t>
-            </a:r>
-          </a:p>
-        </p:txBody>
-      </p:sp>
-      <p:sp>
-        <p:nvSpPr>
-          <p:cNvPr id="32" name="사각형: 둥근 모서리 31">
-            <a:extLst>
-              <a:ext uri="{FF2B5EF4-FFF2-40B4-BE49-F238E27FC236}">
-                <a16:creationId xmlns:a16="http://schemas.microsoft.com/office/drawing/2014/main" id="{3E07EA69-1FDF-4D5D-83A7-E90F7109DAA4}"/>
-              </a:ext>
-            </a:extLst>
-          </p:cNvPr>
-          <p:cNvSpPr/>
-          <p:nvPr/>
-        </p:nvSpPr>
-        <p:spPr>
-          <a:xfrm rot="5400000">
-            <a:off x="3453974" y="1201614"/>
-            <a:ext cx="2890172" cy="5755919"/>
-          </a:xfrm>
-          <a:prstGeom prst="roundRect">
-            <a:avLst/>
-          </a:prstGeom>
-          <a:noFill/>
-          <a:ln w="38100">
-            <a:solidFill>
-              <a:schemeClr val="tx1"/>
-            </a:solidFill>
-          </a:ln>
-        </p:spPr>
-        <p:style>
-          <a:lnRef idx="2">
-            <a:schemeClr val="accent1">
-              <a:shade val="50000"/>
-            </a:schemeClr>
-          </a:lnRef>
-          <a:fillRef idx="1">
-            <a:schemeClr val="accent1"/>
-          </a:fillRef>
-          <a:effectRef idx="0">
-            <a:schemeClr val="accent1"/>
-          </a:effectRef>
-          <a:fontRef idx="minor">
-            <a:schemeClr val="lt1"/>
-          </a:fontRef>
-        </p:style>
-        <p:txBody>
-          <a:bodyPr rtlCol="0" anchor="ctr"/>
-          <a:lstStyle/>
-          <a:p>
-            <a:pPr algn="ctr"/>
-            <a:endParaRPr lang="ko-KR" altLang="en-US" dirty="0"/>
-          </a:p>
-        </p:txBody>
-      </p:sp>
-      <p:sp>
-        <p:nvSpPr>
-          <p:cNvPr id="10" name="사각형: 둥근 모서리 9">
-            <a:extLst>
-              <a:ext uri="{FF2B5EF4-FFF2-40B4-BE49-F238E27FC236}">
-                <a16:creationId xmlns:a16="http://schemas.microsoft.com/office/drawing/2014/main" id="{EDBC91B5-89B2-4805-AB7B-AF4090DEA2F0}"/>
-              </a:ext>
-            </a:extLst>
-          </p:cNvPr>
-          <p:cNvSpPr/>
-          <p:nvPr/>
-        </p:nvSpPr>
-        <p:spPr>
-          <a:xfrm>
-            <a:off x="2355275" y="3298119"/>
-            <a:ext cx="2530762" cy="544946"/>
-          </a:xfrm>
-          <a:prstGeom prst="roundRect">
-            <a:avLst/>
-          </a:prstGeom>
-          <a:noFill/>
-          <a:ln w="28575">
-            <a:solidFill>
-              <a:schemeClr val="tx1"/>
-            </a:solidFill>
-          </a:ln>
-        </p:spPr>
-        <p:style>
-          <a:lnRef idx="2">
-            <a:schemeClr val="accent1">
-              <a:shade val="50000"/>
-            </a:schemeClr>
-          </a:lnRef>
-          <a:fillRef idx="1">
-            <a:schemeClr val="accent1"/>
-          </a:fillRef>
-          <a:effectRef idx="0">
-            <a:schemeClr val="accent1"/>
-          </a:effectRef>
-          <a:fontRef idx="minor">
-            <a:schemeClr val="lt1"/>
-          </a:fontRef>
-        </p:style>
-        <p:txBody>
-          <a:bodyPr rtlCol="0" anchor="ctr"/>
-          <a:lstStyle/>
-          <a:p>
-            <a:pPr algn="ctr"/>
-            <a:endParaRPr lang="ko-KR" altLang="en-US"/>
-          </a:p>
-        </p:txBody>
-      </p:sp>
-      <p:sp>
-        <p:nvSpPr>
-          <p:cNvPr id="11" name="타원 10">
-            <a:extLst>
-              <a:ext uri="{FF2B5EF4-FFF2-40B4-BE49-F238E27FC236}">
-                <a16:creationId xmlns:a16="http://schemas.microsoft.com/office/drawing/2014/main" id="{2094B17E-C569-4985-95FC-19E2430AFF74}"/>
-              </a:ext>
-            </a:extLst>
-          </p:cNvPr>
-          <p:cNvSpPr/>
-          <p:nvPr/>
-        </p:nvSpPr>
-        <p:spPr>
-          <a:xfrm>
-            <a:off x="2493819" y="3359966"/>
-            <a:ext cx="369455" cy="421252"/>
-          </a:xfrm>
-          <a:prstGeom prst="ellipse">
-            <a:avLst/>
-          </a:prstGeom>
-          <a:noFill/>
-          <a:ln>
-            <a:solidFill>
-              <a:schemeClr val="tx1"/>
-            </a:solidFill>
-          </a:ln>
-        </p:spPr>
-        <p:style>
-          <a:lnRef idx="2">
-            <a:schemeClr val="accent1">
-              <a:shade val="50000"/>
-            </a:schemeClr>
-          </a:lnRef>
-          <a:fillRef idx="1">
-            <a:schemeClr val="accent1"/>
-          </a:fillRef>
-          <a:effectRef idx="0">
-            <a:schemeClr val="accent1"/>
-          </a:effectRef>
-          <a:fontRef idx="minor">
-            <a:schemeClr val="lt1"/>
-          </a:fontRef>
-        </p:style>
-        <p:txBody>
-          <a:bodyPr rtlCol="0" anchor="ctr"/>
-          <a:lstStyle/>
-          <a:p>
-            <a:pPr algn="ctr"/>
-            <a:endParaRPr lang="ko-KR" altLang="en-US"/>
-          </a:p>
-        </p:txBody>
-      </p:sp>
-      <p:sp>
-        <p:nvSpPr>
-          <p:cNvPr id="17" name="TextBox 16">
-            <a:extLst>
-              <a:ext uri="{FF2B5EF4-FFF2-40B4-BE49-F238E27FC236}">
-                <a16:creationId xmlns:a16="http://schemas.microsoft.com/office/drawing/2014/main" id="{19BB85C2-6F8C-4FBC-868D-0425F2E1CA65}"/>
-              </a:ext>
-            </a:extLst>
-          </p:cNvPr>
-          <p:cNvSpPr txBox="1"/>
-          <p:nvPr/>
-        </p:nvSpPr>
-        <p:spPr>
-          <a:xfrm>
-            <a:off x="2947418" y="3421657"/>
-            <a:ext cx="723275" cy="307777"/>
-          </a:xfrm>
-          <a:prstGeom prst="rect">
-            <a:avLst/>
-          </a:prstGeom>
-          <a:noFill/>
-        </p:spPr>
-        <p:txBody>
-          <a:bodyPr wrap="none" rtlCol="0">
-            <a:spAutoFit/>
-          </a:bodyPr>
-          <a:lstStyle/>
-          <a:p>
-            <a:r>
-              <a:rPr lang="ko-KR" altLang="en-US" sz="1400" dirty="0"/>
-              <a:t>닉네임</a:t>
-            </a:r>
-          </a:p>
-        </p:txBody>
-      </p:sp>
-      <p:sp>
-        <p:nvSpPr>
-          <p:cNvPr id="18" name="직사각형 17">
-            <a:extLst>
-              <a:ext uri="{FF2B5EF4-FFF2-40B4-BE49-F238E27FC236}">
-                <a16:creationId xmlns:a16="http://schemas.microsoft.com/office/drawing/2014/main" id="{70D197A7-83CA-44F9-993E-C4E4DD786177}"/>
-              </a:ext>
-            </a:extLst>
-          </p:cNvPr>
-          <p:cNvSpPr/>
-          <p:nvPr/>
-        </p:nvSpPr>
-        <p:spPr>
-          <a:xfrm>
-            <a:off x="4456113" y="3459490"/>
-            <a:ext cx="226723" cy="222203"/>
-          </a:xfrm>
-          <a:prstGeom prst="rect">
-            <a:avLst/>
-          </a:prstGeom>
-          <a:noFill/>
-          <a:ln w="57150">
-            <a:solidFill>
-              <a:schemeClr val="tx1"/>
-            </a:solidFill>
-          </a:ln>
-        </p:spPr>
-        <p:style>
-          <a:lnRef idx="2">
-            <a:schemeClr val="accent1">
-              <a:shade val="50000"/>
-            </a:schemeClr>
-          </a:lnRef>
-          <a:fillRef idx="1">
-            <a:schemeClr val="accent1"/>
-          </a:fillRef>
-          <a:effectRef idx="0">
-            <a:schemeClr val="accent1"/>
-          </a:effectRef>
-          <a:fontRef idx="minor">
-            <a:schemeClr val="lt1"/>
-          </a:fontRef>
-        </p:style>
-        <p:txBody>
-          <a:bodyPr rtlCol="0" anchor="ctr"/>
-          <a:lstStyle/>
-          <a:p>
-            <a:pPr algn="ctr"/>
-            <a:endParaRPr lang="ko-KR" altLang="en-US"/>
-          </a:p>
-        </p:txBody>
-      </p:sp>
-      <p:pic>
-        <p:nvPicPr>
-          <p:cNvPr id="35" name="그래픽 34" descr="배지 체크 표시1 윤곽선">
-            <a:extLst>
-              <a:ext uri="{FF2B5EF4-FFF2-40B4-BE49-F238E27FC236}">
-                <a16:creationId xmlns:a16="http://schemas.microsoft.com/office/drawing/2014/main" id="{9E0B10D3-D1E0-4FA1-9EE9-D00E39452C60}"/>
-              </a:ext>
-            </a:extLst>
-          </p:cNvPr>
-          <p:cNvPicPr>
-            <a:picLocks noChangeAspect="1"/>
-          </p:cNvPicPr>
-          <p:nvPr/>
-        </p:nvPicPr>
-        <p:blipFill>
-          <a:blip r:embed="rId3" cstate="hqprint">
-            <a:extLst>
-              <a:ext uri="{28A0092B-C50C-407E-A947-70E740481C1C}">
-                <a14:useLocalDpi xmlns:a14="http://schemas.microsoft.com/office/drawing/2010/main" val="0"/>
-              </a:ext>
-              <a:ext uri="{96DAC541-7B7A-43D3-8B79-37D633B846F1}">
-                <asvg:svgBlip xmlns:asvg="http://schemas.microsoft.com/office/drawing/2016/SVG/main" r:embed="rId4"/>
-              </a:ext>
-            </a:extLst>
-          </a:blip>
-          <a:stretch>
-            <a:fillRect/>
-          </a:stretch>
-        </p:blipFill>
-        <p:spPr>
-          <a:xfrm>
-            <a:off x="4411301" y="3401466"/>
-            <a:ext cx="316345" cy="316345"/>
-          </a:xfrm>
-          <a:prstGeom prst="rect">
-            <a:avLst/>
-          </a:prstGeom>
-        </p:spPr>
-      </p:pic>
-      <p:sp>
-        <p:nvSpPr>
-          <p:cNvPr id="41" name="사각형: 둥근 모서리 40">
-            <a:extLst>
-              <a:ext uri="{FF2B5EF4-FFF2-40B4-BE49-F238E27FC236}">
-                <a16:creationId xmlns:a16="http://schemas.microsoft.com/office/drawing/2014/main" id="{3A677B29-823D-4007-A984-D3E22ED8FC48}"/>
-              </a:ext>
-            </a:extLst>
-          </p:cNvPr>
-          <p:cNvSpPr/>
-          <p:nvPr/>
-        </p:nvSpPr>
-        <p:spPr>
-          <a:xfrm>
-            <a:off x="2355275" y="3956669"/>
-            <a:ext cx="2530762" cy="544946"/>
-          </a:xfrm>
-          <a:prstGeom prst="roundRect">
-            <a:avLst/>
-          </a:prstGeom>
-          <a:noFill/>
-          <a:ln w="28575">
-            <a:solidFill>
-              <a:schemeClr val="tx1"/>
-            </a:solidFill>
-          </a:ln>
-        </p:spPr>
-        <p:style>
-          <a:lnRef idx="2">
-            <a:schemeClr val="accent1">
-              <a:shade val="50000"/>
-            </a:schemeClr>
-          </a:lnRef>
-          <a:fillRef idx="1">
-            <a:schemeClr val="accent1"/>
-          </a:fillRef>
-          <a:effectRef idx="0">
-            <a:schemeClr val="accent1"/>
-          </a:effectRef>
-          <a:fontRef idx="minor">
-            <a:schemeClr val="lt1"/>
-          </a:fontRef>
-        </p:style>
-        <p:txBody>
-          <a:bodyPr rtlCol="0" anchor="ctr"/>
-          <a:lstStyle/>
-          <a:p>
-            <a:pPr algn="ctr"/>
-            <a:endParaRPr lang="ko-KR" altLang="en-US"/>
-          </a:p>
-        </p:txBody>
-      </p:sp>
-      <p:sp>
-        <p:nvSpPr>
-          <p:cNvPr id="42" name="타원 41">
-            <a:extLst>
-              <a:ext uri="{FF2B5EF4-FFF2-40B4-BE49-F238E27FC236}">
-                <a16:creationId xmlns:a16="http://schemas.microsoft.com/office/drawing/2014/main" id="{1C33A168-6FC0-4088-A401-648E23988D4A}"/>
-              </a:ext>
-            </a:extLst>
-          </p:cNvPr>
-          <p:cNvSpPr/>
-          <p:nvPr/>
-        </p:nvSpPr>
-        <p:spPr>
-          <a:xfrm>
-            <a:off x="2493819" y="4018515"/>
-            <a:ext cx="369455" cy="421252"/>
-          </a:xfrm>
-          <a:prstGeom prst="ellipse">
-            <a:avLst/>
-          </a:prstGeom>
-          <a:noFill/>
-          <a:ln>
-            <a:solidFill>
-              <a:schemeClr val="tx1"/>
-            </a:solidFill>
-          </a:ln>
-        </p:spPr>
-        <p:style>
-          <a:lnRef idx="2">
-            <a:schemeClr val="accent1">
-              <a:shade val="50000"/>
-            </a:schemeClr>
-          </a:lnRef>
-          <a:fillRef idx="1">
-            <a:schemeClr val="accent1"/>
-          </a:fillRef>
-          <a:effectRef idx="0">
-            <a:schemeClr val="accent1"/>
-          </a:effectRef>
-          <a:fontRef idx="minor">
-            <a:schemeClr val="lt1"/>
-          </a:fontRef>
-        </p:style>
-        <p:txBody>
-          <a:bodyPr rtlCol="0" anchor="ctr"/>
-          <a:lstStyle/>
-          <a:p>
-            <a:pPr algn="ctr"/>
-            <a:endParaRPr lang="ko-KR" altLang="en-US"/>
-          </a:p>
-        </p:txBody>
-      </p:sp>
-      <p:sp>
-        <p:nvSpPr>
-          <p:cNvPr id="43" name="TextBox 42">
-            <a:extLst>
-              <a:ext uri="{FF2B5EF4-FFF2-40B4-BE49-F238E27FC236}">
-                <a16:creationId xmlns:a16="http://schemas.microsoft.com/office/drawing/2014/main" id="{3951CF08-7A6C-42E6-A66D-A16774E54F8A}"/>
-              </a:ext>
-            </a:extLst>
-          </p:cNvPr>
-          <p:cNvSpPr txBox="1"/>
-          <p:nvPr/>
-        </p:nvSpPr>
-        <p:spPr>
-          <a:xfrm>
-            <a:off x="2947418" y="4080206"/>
-            <a:ext cx="723275" cy="307777"/>
-          </a:xfrm>
-          <a:prstGeom prst="rect">
-            <a:avLst/>
-          </a:prstGeom>
-          <a:noFill/>
-        </p:spPr>
-        <p:txBody>
-          <a:bodyPr wrap="none" rtlCol="0">
-            <a:spAutoFit/>
-          </a:bodyPr>
-          <a:lstStyle/>
-          <a:p>
-            <a:r>
-              <a:rPr lang="ko-KR" altLang="en-US" sz="1400" dirty="0"/>
-              <a:t>닉네임</a:t>
-            </a:r>
-          </a:p>
-        </p:txBody>
-      </p:sp>
-      <p:sp>
-        <p:nvSpPr>
-          <p:cNvPr id="44" name="직사각형 43">
-            <a:extLst>
-              <a:ext uri="{FF2B5EF4-FFF2-40B4-BE49-F238E27FC236}">
-                <a16:creationId xmlns:a16="http://schemas.microsoft.com/office/drawing/2014/main" id="{DD471BCC-69F7-4876-A3B3-C25B7E4025B9}"/>
-              </a:ext>
-            </a:extLst>
-          </p:cNvPr>
-          <p:cNvSpPr/>
-          <p:nvPr/>
-        </p:nvSpPr>
-        <p:spPr>
-          <a:xfrm>
-            <a:off x="4456113" y="4118039"/>
-            <a:ext cx="226723" cy="222203"/>
-          </a:xfrm>
-          <a:prstGeom prst="rect">
-            <a:avLst/>
-          </a:prstGeom>
-          <a:noFill/>
-          <a:ln w="57150">
-            <a:solidFill>
-              <a:schemeClr val="tx1"/>
-            </a:solidFill>
-          </a:ln>
-        </p:spPr>
-        <p:style>
-          <a:lnRef idx="2">
-            <a:schemeClr val="accent1">
-              <a:shade val="50000"/>
-            </a:schemeClr>
-          </a:lnRef>
-          <a:fillRef idx="1">
-            <a:schemeClr val="accent1"/>
-          </a:fillRef>
-          <a:effectRef idx="0">
-            <a:schemeClr val="accent1"/>
-          </a:effectRef>
-          <a:fontRef idx="minor">
-            <a:schemeClr val="lt1"/>
-          </a:fontRef>
-        </p:style>
-        <p:txBody>
-          <a:bodyPr rtlCol="0" anchor="ctr"/>
-          <a:lstStyle/>
-          <a:p>
-            <a:pPr algn="ctr"/>
-            <a:endParaRPr lang="ko-KR" altLang="en-US"/>
-          </a:p>
-        </p:txBody>
-      </p:sp>
-      <p:sp>
-        <p:nvSpPr>
-          <p:cNvPr id="45" name="사각형: 둥근 모서리 44">
-            <a:extLst>
-              <a:ext uri="{FF2B5EF4-FFF2-40B4-BE49-F238E27FC236}">
-                <a16:creationId xmlns:a16="http://schemas.microsoft.com/office/drawing/2014/main" id="{457DAA12-1439-4C7A-A2CB-11A8A8F5C31D}"/>
-              </a:ext>
-            </a:extLst>
-          </p:cNvPr>
-          <p:cNvSpPr/>
-          <p:nvPr/>
-        </p:nvSpPr>
-        <p:spPr>
-          <a:xfrm>
-            <a:off x="2355275" y="4661861"/>
-            <a:ext cx="2530762" cy="544946"/>
-          </a:xfrm>
-          <a:prstGeom prst="roundRect">
-            <a:avLst/>
-          </a:prstGeom>
-          <a:noFill/>
-          <a:ln w="28575">
-            <a:solidFill>
-              <a:schemeClr val="tx1"/>
-            </a:solidFill>
-          </a:ln>
-        </p:spPr>
-        <p:style>
-          <a:lnRef idx="2">
-            <a:schemeClr val="accent1">
-              <a:shade val="50000"/>
-            </a:schemeClr>
-          </a:lnRef>
-          <a:fillRef idx="1">
-            <a:schemeClr val="accent1"/>
-          </a:fillRef>
-          <a:effectRef idx="0">
-            <a:schemeClr val="accent1"/>
-          </a:effectRef>
-          <a:fontRef idx="minor">
-            <a:schemeClr val="lt1"/>
-          </a:fontRef>
-        </p:style>
-        <p:txBody>
-          <a:bodyPr rtlCol="0" anchor="ctr"/>
-          <a:lstStyle/>
-          <a:p>
-            <a:pPr algn="ctr"/>
-            <a:endParaRPr lang="ko-KR" altLang="en-US"/>
-          </a:p>
-        </p:txBody>
-      </p:sp>
-      <p:sp>
-        <p:nvSpPr>
-          <p:cNvPr id="46" name="타원 45">
-            <a:extLst>
-              <a:ext uri="{FF2B5EF4-FFF2-40B4-BE49-F238E27FC236}">
-                <a16:creationId xmlns:a16="http://schemas.microsoft.com/office/drawing/2014/main" id="{626A93EE-9382-4887-916E-8E087D26749F}"/>
-              </a:ext>
-            </a:extLst>
-          </p:cNvPr>
-          <p:cNvSpPr/>
-          <p:nvPr/>
-        </p:nvSpPr>
-        <p:spPr>
-          <a:xfrm>
-            <a:off x="2493819" y="4723708"/>
-            <a:ext cx="369455" cy="421252"/>
-          </a:xfrm>
-          <a:prstGeom prst="ellipse">
-            <a:avLst/>
-          </a:prstGeom>
-          <a:noFill/>
-          <a:ln>
-            <a:solidFill>
-              <a:schemeClr val="tx1"/>
-            </a:solidFill>
-          </a:ln>
-        </p:spPr>
-        <p:style>
-          <a:lnRef idx="2">
-            <a:schemeClr val="accent1">
-              <a:shade val="50000"/>
-            </a:schemeClr>
-          </a:lnRef>
-          <a:fillRef idx="1">
-            <a:schemeClr val="accent1"/>
-          </a:fillRef>
-          <a:effectRef idx="0">
-            <a:schemeClr val="accent1"/>
-          </a:effectRef>
-          <a:fontRef idx="minor">
-            <a:schemeClr val="lt1"/>
-          </a:fontRef>
-        </p:style>
-        <p:txBody>
-          <a:bodyPr rtlCol="0" anchor="ctr"/>
-          <a:lstStyle/>
-          <a:p>
-            <a:pPr algn="ctr"/>
-            <a:endParaRPr lang="ko-KR" altLang="en-US"/>
-          </a:p>
-        </p:txBody>
-      </p:sp>
-      <p:sp>
-        <p:nvSpPr>
-          <p:cNvPr id="47" name="TextBox 46">
-            <a:extLst>
-              <a:ext uri="{FF2B5EF4-FFF2-40B4-BE49-F238E27FC236}">
-                <a16:creationId xmlns:a16="http://schemas.microsoft.com/office/drawing/2014/main" id="{9CE1287B-06AD-420E-BF7E-F6C24630EAE9}"/>
-              </a:ext>
-            </a:extLst>
-          </p:cNvPr>
-          <p:cNvSpPr txBox="1"/>
-          <p:nvPr/>
-        </p:nvSpPr>
-        <p:spPr>
-          <a:xfrm>
-            <a:off x="2947418" y="4785399"/>
-            <a:ext cx="723275" cy="307777"/>
-          </a:xfrm>
-          <a:prstGeom prst="rect">
-            <a:avLst/>
-          </a:prstGeom>
-          <a:noFill/>
-        </p:spPr>
-        <p:txBody>
-          <a:bodyPr wrap="none" rtlCol="0">
-            <a:spAutoFit/>
-          </a:bodyPr>
-          <a:lstStyle/>
-          <a:p>
-            <a:r>
-              <a:rPr lang="ko-KR" altLang="en-US" sz="1400" dirty="0"/>
-              <a:t>닉네임</a:t>
-            </a:r>
-          </a:p>
-        </p:txBody>
-      </p:sp>
-      <p:sp>
-        <p:nvSpPr>
-          <p:cNvPr id="48" name="직사각형 47">
-            <a:extLst>
-              <a:ext uri="{FF2B5EF4-FFF2-40B4-BE49-F238E27FC236}">
-                <a16:creationId xmlns:a16="http://schemas.microsoft.com/office/drawing/2014/main" id="{8C6B10DD-3A6F-44F8-913C-B8FFF920FB46}"/>
-              </a:ext>
-            </a:extLst>
-          </p:cNvPr>
-          <p:cNvSpPr/>
-          <p:nvPr/>
-        </p:nvSpPr>
-        <p:spPr>
-          <a:xfrm>
-            <a:off x="4456113" y="4823232"/>
-            <a:ext cx="226723" cy="222203"/>
-          </a:xfrm>
-          <a:prstGeom prst="rect">
-            <a:avLst/>
-          </a:prstGeom>
-          <a:noFill/>
-          <a:ln w="57150">
-            <a:solidFill>
-              <a:schemeClr val="tx1"/>
-            </a:solidFill>
-          </a:ln>
-        </p:spPr>
-        <p:style>
-          <a:lnRef idx="2">
-            <a:schemeClr val="accent1">
-              <a:shade val="50000"/>
-            </a:schemeClr>
-          </a:lnRef>
-          <a:fillRef idx="1">
-            <a:schemeClr val="accent1"/>
-          </a:fillRef>
-          <a:effectRef idx="0">
-            <a:schemeClr val="accent1"/>
-          </a:effectRef>
-          <a:fontRef idx="minor">
-            <a:schemeClr val="lt1"/>
-          </a:fontRef>
-        </p:style>
-        <p:txBody>
-          <a:bodyPr rtlCol="0" anchor="ctr"/>
-          <a:lstStyle/>
-          <a:p>
-            <a:pPr algn="ctr"/>
-            <a:endParaRPr lang="ko-KR" altLang="en-US"/>
-          </a:p>
-        </p:txBody>
-      </p:sp>
-      <p:sp>
-        <p:nvSpPr>
-          <p:cNvPr id="53" name="사각형: 둥근 모서리 52">
-            <a:extLst>
-              <a:ext uri="{FF2B5EF4-FFF2-40B4-BE49-F238E27FC236}">
-                <a16:creationId xmlns:a16="http://schemas.microsoft.com/office/drawing/2014/main" id="{DCA1A6A9-6785-4E93-B5DA-C540EA76197B}"/>
-              </a:ext>
-            </a:extLst>
-          </p:cNvPr>
-          <p:cNvSpPr/>
-          <p:nvPr/>
-        </p:nvSpPr>
-        <p:spPr>
-          <a:xfrm>
-            <a:off x="5024581" y="3298119"/>
-            <a:ext cx="2530762" cy="544946"/>
-          </a:xfrm>
-          <a:prstGeom prst="roundRect">
-            <a:avLst/>
-          </a:prstGeom>
-          <a:noFill/>
-          <a:ln w="28575">
-            <a:solidFill>
-              <a:schemeClr val="tx1"/>
-            </a:solidFill>
-          </a:ln>
-        </p:spPr>
-        <p:style>
-          <a:lnRef idx="2">
-            <a:schemeClr val="accent1">
-              <a:shade val="50000"/>
-            </a:schemeClr>
-          </a:lnRef>
-          <a:fillRef idx="1">
-            <a:schemeClr val="accent1"/>
-          </a:fillRef>
-          <a:effectRef idx="0">
-            <a:schemeClr val="accent1"/>
-          </a:effectRef>
-          <a:fontRef idx="minor">
-            <a:schemeClr val="lt1"/>
-          </a:fontRef>
-        </p:style>
-        <p:txBody>
-          <a:bodyPr rtlCol="0" anchor="ctr"/>
-          <a:lstStyle/>
-          <a:p>
-            <a:pPr algn="ctr"/>
-            <a:endParaRPr lang="ko-KR" altLang="en-US"/>
-          </a:p>
-        </p:txBody>
-      </p:sp>
-      <p:sp>
-        <p:nvSpPr>
-          <p:cNvPr id="54" name="타원 53">
-            <a:extLst>
-              <a:ext uri="{FF2B5EF4-FFF2-40B4-BE49-F238E27FC236}">
-                <a16:creationId xmlns:a16="http://schemas.microsoft.com/office/drawing/2014/main" id="{9E701967-5A95-4F21-AC4B-8188AC476968}"/>
-              </a:ext>
-            </a:extLst>
-          </p:cNvPr>
-          <p:cNvSpPr/>
-          <p:nvPr/>
-        </p:nvSpPr>
-        <p:spPr>
-          <a:xfrm>
-            <a:off x="5163125" y="3359966"/>
-            <a:ext cx="369455" cy="421252"/>
-          </a:xfrm>
-          <a:prstGeom prst="ellipse">
-            <a:avLst/>
-          </a:prstGeom>
-          <a:noFill/>
-          <a:ln>
-            <a:solidFill>
-              <a:schemeClr val="tx1"/>
-            </a:solidFill>
-          </a:ln>
-        </p:spPr>
-        <p:style>
-          <a:lnRef idx="2">
-            <a:schemeClr val="accent1">
-              <a:shade val="50000"/>
-            </a:schemeClr>
-          </a:lnRef>
-          <a:fillRef idx="1">
-            <a:schemeClr val="accent1"/>
-          </a:fillRef>
-          <a:effectRef idx="0">
-            <a:schemeClr val="accent1"/>
-          </a:effectRef>
-          <a:fontRef idx="minor">
-            <a:schemeClr val="lt1"/>
-          </a:fontRef>
-        </p:style>
-        <p:txBody>
-          <a:bodyPr rtlCol="0" anchor="ctr"/>
-          <a:lstStyle/>
-          <a:p>
-            <a:pPr algn="ctr"/>
-            <a:endParaRPr lang="ko-KR" altLang="en-US"/>
-          </a:p>
-        </p:txBody>
-      </p:sp>
-      <p:sp>
-        <p:nvSpPr>
-          <p:cNvPr id="55" name="TextBox 54">
-            <a:extLst>
-              <a:ext uri="{FF2B5EF4-FFF2-40B4-BE49-F238E27FC236}">
-                <a16:creationId xmlns:a16="http://schemas.microsoft.com/office/drawing/2014/main" id="{86E69DAA-6323-4BCF-8E42-EEB4954100A0}"/>
-              </a:ext>
-            </a:extLst>
-          </p:cNvPr>
-          <p:cNvSpPr txBox="1"/>
-          <p:nvPr/>
-        </p:nvSpPr>
-        <p:spPr>
-          <a:xfrm>
-            <a:off x="5616724" y="3421657"/>
-            <a:ext cx="723275" cy="307777"/>
-          </a:xfrm>
-          <a:prstGeom prst="rect">
-            <a:avLst/>
-          </a:prstGeom>
-          <a:noFill/>
-        </p:spPr>
-        <p:txBody>
-          <a:bodyPr wrap="none" rtlCol="0">
-            <a:spAutoFit/>
-          </a:bodyPr>
-          <a:lstStyle/>
-          <a:p>
-            <a:r>
-              <a:rPr lang="ko-KR" altLang="en-US" sz="1400" dirty="0"/>
-              <a:t>닉네임</a:t>
-            </a:r>
-          </a:p>
-        </p:txBody>
-      </p:sp>
-      <p:sp>
-        <p:nvSpPr>
-          <p:cNvPr id="56" name="직사각형 55">
-            <a:extLst>
-              <a:ext uri="{FF2B5EF4-FFF2-40B4-BE49-F238E27FC236}">
-                <a16:creationId xmlns:a16="http://schemas.microsoft.com/office/drawing/2014/main" id="{94DA639A-F756-4AAB-A6C4-3D0BA4D017A8}"/>
-              </a:ext>
-            </a:extLst>
-          </p:cNvPr>
-          <p:cNvSpPr/>
-          <p:nvPr/>
-        </p:nvSpPr>
-        <p:spPr>
-          <a:xfrm>
-            <a:off x="7125419" y="3459490"/>
-            <a:ext cx="226723" cy="222203"/>
-          </a:xfrm>
-          <a:prstGeom prst="rect">
-            <a:avLst/>
-          </a:prstGeom>
-          <a:noFill/>
-          <a:ln w="57150">
-            <a:solidFill>
-              <a:schemeClr val="tx1"/>
-            </a:solidFill>
-          </a:ln>
-        </p:spPr>
-        <p:style>
-          <a:lnRef idx="2">
-            <a:schemeClr val="accent1">
-              <a:shade val="50000"/>
-            </a:schemeClr>
-          </a:lnRef>
-          <a:fillRef idx="1">
-            <a:schemeClr val="accent1"/>
-          </a:fillRef>
-          <a:effectRef idx="0">
-            <a:schemeClr val="accent1"/>
-          </a:effectRef>
-          <a:fontRef idx="minor">
-            <a:schemeClr val="lt1"/>
-          </a:fontRef>
-        </p:style>
-        <p:txBody>
-          <a:bodyPr rtlCol="0" anchor="ctr"/>
-          <a:lstStyle/>
-          <a:p>
-            <a:pPr algn="ctr"/>
-            <a:endParaRPr lang="ko-KR" altLang="en-US"/>
-          </a:p>
-        </p:txBody>
-      </p:sp>
-      <p:sp>
-        <p:nvSpPr>
-          <p:cNvPr id="57" name="사각형: 둥근 모서리 56">
-            <a:extLst>
-              <a:ext uri="{FF2B5EF4-FFF2-40B4-BE49-F238E27FC236}">
-                <a16:creationId xmlns:a16="http://schemas.microsoft.com/office/drawing/2014/main" id="{FEE89782-C8D0-40DA-892F-746B8611C534}"/>
-              </a:ext>
-            </a:extLst>
-          </p:cNvPr>
-          <p:cNvSpPr/>
-          <p:nvPr/>
-        </p:nvSpPr>
-        <p:spPr>
-          <a:xfrm>
-            <a:off x="5024581" y="3956669"/>
-            <a:ext cx="2530762" cy="544946"/>
-          </a:xfrm>
-          <a:prstGeom prst="roundRect">
-            <a:avLst/>
-          </a:prstGeom>
-          <a:noFill/>
-          <a:ln w="28575">
-            <a:solidFill>
-              <a:schemeClr val="tx1"/>
-            </a:solidFill>
-          </a:ln>
-        </p:spPr>
-        <p:style>
-          <a:lnRef idx="2">
-            <a:schemeClr val="accent1">
-              <a:shade val="50000"/>
-            </a:schemeClr>
-          </a:lnRef>
-          <a:fillRef idx="1">
-            <a:schemeClr val="accent1"/>
-          </a:fillRef>
-          <a:effectRef idx="0">
-            <a:schemeClr val="accent1"/>
-          </a:effectRef>
-          <a:fontRef idx="minor">
-            <a:schemeClr val="lt1"/>
-          </a:fontRef>
-        </p:style>
-        <p:txBody>
-          <a:bodyPr rtlCol="0" anchor="ctr"/>
-          <a:lstStyle/>
-          <a:p>
-            <a:pPr algn="ctr"/>
-            <a:endParaRPr lang="ko-KR" altLang="en-US"/>
-          </a:p>
-        </p:txBody>
-      </p:sp>
-      <p:sp>
-        <p:nvSpPr>
-          <p:cNvPr id="58" name="타원 57">
-            <a:extLst>
-              <a:ext uri="{FF2B5EF4-FFF2-40B4-BE49-F238E27FC236}">
-                <a16:creationId xmlns:a16="http://schemas.microsoft.com/office/drawing/2014/main" id="{ECFCD0AE-731D-4918-B826-44475D08A3B8}"/>
-              </a:ext>
-            </a:extLst>
-          </p:cNvPr>
-          <p:cNvSpPr/>
-          <p:nvPr/>
-        </p:nvSpPr>
-        <p:spPr>
-          <a:xfrm>
-            <a:off x="5163125" y="4018515"/>
-            <a:ext cx="369455" cy="421252"/>
-          </a:xfrm>
-          <a:prstGeom prst="ellipse">
-            <a:avLst/>
-          </a:prstGeom>
-          <a:noFill/>
-          <a:ln>
-            <a:solidFill>
-              <a:schemeClr val="tx1"/>
-            </a:solidFill>
-          </a:ln>
-        </p:spPr>
-        <p:style>
-          <a:lnRef idx="2">
-            <a:schemeClr val="accent1">
-              <a:shade val="50000"/>
-            </a:schemeClr>
-          </a:lnRef>
-          <a:fillRef idx="1">
-            <a:schemeClr val="accent1"/>
-          </a:fillRef>
-          <a:effectRef idx="0">
-            <a:schemeClr val="accent1"/>
-          </a:effectRef>
-          <a:fontRef idx="minor">
-            <a:schemeClr val="lt1"/>
-          </a:fontRef>
-        </p:style>
-        <p:txBody>
-          <a:bodyPr rtlCol="0" anchor="ctr"/>
-          <a:lstStyle/>
-          <a:p>
-            <a:pPr algn="ctr"/>
-            <a:endParaRPr lang="ko-KR" altLang="en-US"/>
-          </a:p>
-        </p:txBody>
-      </p:sp>
-      <p:sp>
-        <p:nvSpPr>
-          <p:cNvPr id="59" name="TextBox 58">
-            <a:extLst>
-              <a:ext uri="{FF2B5EF4-FFF2-40B4-BE49-F238E27FC236}">
-                <a16:creationId xmlns:a16="http://schemas.microsoft.com/office/drawing/2014/main" id="{B351196A-96E5-4848-8E11-A0FF0442996E}"/>
-              </a:ext>
-            </a:extLst>
-          </p:cNvPr>
-          <p:cNvSpPr txBox="1"/>
-          <p:nvPr/>
-        </p:nvSpPr>
-        <p:spPr>
-          <a:xfrm>
-            <a:off x="5616724" y="4080206"/>
-            <a:ext cx="723275" cy="307777"/>
-          </a:xfrm>
-          <a:prstGeom prst="rect">
-            <a:avLst/>
-          </a:prstGeom>
-          <a:noFill/>
-        </p:spPr>
-        <p:txBody>
-          <a:bodyPr wrap="none" rtlCol="0">
-            <a:spAutoFit/>
-          </a:bodyPr>
-          <a:lstStyle/>
-          <a:p>
-            <a:r>
-              <a:rPr lang="ko-KR" altLang="en-US" sz="1400" dirty="0"/>
-              <a:t>닉네임</a:t>
-            </a:r>
-          </a:p>
-        </p:txBody>
-      </p:sp>
-      <p:sp>
-        <p:nvSpPr>
-          <p:cNvPr id="60" name="직사각형 59">
-            <a:extLst>
-              <a:ext uri="{FF2B5EF4-FFF2-40B4-BE49-F238E27FC236}">
-                <a16:creationId xmlns:a16="http://schemas.microsoft.com/office/drawing/2014/main" id="{D0CBF729-D694-47FD-A02A-323AB7A955AF}"/>
-              </a:ext>
-            </a:extLst>
-          </p:cNvPr>
-          <p:cNvSpPr/>
-          <p:nvPr/>
-        </p:nvSpPr>
-        <p:spPr>
-          <a:xfrm>
-            <a:off x="7125419" y="4118039"/>
-            <a:ext cx="226723" cy="222203"/>
-          </a:xfrm>
-          <a:prstGeom prst="rect">
-            <a:avLst/>
-          </a:prstGeom>
-          <a:noFill/>
-          <a:ln w="57150">
-            <a:solidFill>
-              <a:schemeClr val="tx1"/>
-            </a:solidFill>
-          </a:ln>
-        </p:spPr>
-        <p:style>
-          <a:lnRef idx="2">
-            <a:schemeClr val="accent1">
-              <a:shade val="50000"/>
-            </a:schemeClr>
-          </a:lnRef>
-          <a:fillRef idx="1">
-            <a:schemeClr val="accent1"/>
-          </a:fillRef>
-          <a:effectRef idx="0">
-            <a:schemeClr val="accent1"/>
-          </a:effectRef>
-          <a:fontRef idx="minor">
-            <a:schemeClr val="lt1"/>
-          </a:fontRef>
-        </p:style>
-        <p:txBody>
-          <a:bodyPr rtlCol="0" anchor="ctr"/>
-          <a:lstStyle/>
-          <a:p>
-            <a:pPr algn="ctr"/>
-            <a:endParaRPr lang="ko-KR" altLang="en-US"/>
-          </a:p>
-        </p:txBody>
-      </p:sp>
-      <p:sp>
-        <p:nvSpPr>
-          <p:cNvPr id="61" name="사각형: 둥근 모서리 60">
-            <a:extLst>
-              <a:ext uri="{FF2B5EF4-FFF2-40B4-BE49-F238E27FC236}">
-                <a16:creationId xmlns:a16="http://schemas.microsoft.com/office/drawing/2014/main" id="{09E2CB4D-4D01-4A69-99CA-9A90E821009C}"/>
-              </a:ext>
-            </a:extLst>
-          </p:cNvPr>
-          <p:cNvSpPr/>
-          <p:nvPr/>
-        </p:nvSpPr>
-        <p:spPr>
-          <a:xfrm>
-            <a:off x="5024581" y="4661861"/>
-            <a:ext cx="2530762" cy="544946"/>
-          </a:xfrm>
-          <a:prstGeom prst="roundRect">
-            <a:avLst/>
-          </a:prstGeom>
-          <a:noFill/>
-          <a:ln w="28575">
-            <a:solidFill>
-              <a:schemeClr val="tx1"/>
-            </a:solidFill>
-          </a:ln>
-        </p:spPr>
-        <p:style>
-          <a:lnRef idx="2">
-            <a:schemeClr val="accent1">
-              <a:shade val="50000"/>
-            </a:schemeClr>
-          </a:lnRef>
-          <a:fillRef idx="1">
-            <a:schemeClr val="accent1"/>
-          </a:fillRef>
-          <a:effectRef idx="0">
-            <a:schemeClr val="accent1"/>
-          </a:effectRef>
-          <a:fontRef idx="minor">
-            <a:schemeClr val="lt1"/>
-          </a:fontRef>
-        </p:style>
-        <p:txBody>
-          <a:bodyPr rtlCol="0" anchor="ctr"/>
-          <a:lstStyle/>
-          <a:p>
-            <a:pPr algn="ctr"/>
-            <a:endParaRPr lang="ko-KR" altLang="en-US"/>
-          </a:p>
-        </p:txBody>
-      </p:sp>
-      <p:sp>
-        <p:nvSpPr>
-          <p:cNvPr id="62" name="타원 61">
-            <a:extLst>
-              <a:ext uri="{FF2B5EF4-FFF2-40B4-BE49-F238E27FC236}">
-                <a16:creationId xmlns:a16="http://schemas.microsoft.com/office/drawing/2014/main" id="{1F25B457-E726-4DF7-9A9C-7DED17A66034}"/>
-              </a:ext>
-            </a:extLst>
-          </p:cNvPr>
-          <p:cNvSpPr/>
-          <p:nvPr/>
-        </p:nvSpPr>
-        <p:spPr>
-          <a:xfrm>
-            <a:off x="5163125" y="4723708"/>
-            <a:ext cx="369455" cy="421252"/>
-          </a:xfrm>
-          <a:prstGeom prst="ellipse">
-            <a:avLst/>
-          </a:prstGeom>
-          <a:noFill/>
-          <a:ln>
-            <a:solidFill>
-              <a:schemeClr val="tx1"/>
-            </a:solidFill>
-          </a:ln>
-        </p:spPr>
-        <p:style>
-          <a:lnRef idx="2">
-            <a:schemeClr val="accent1">
-              <a:shade val="50000"/>
-            </a:schemeClr>
-          </a:lnRef>
-          <a:fillRef idx="1">
-            <a:schemeClr val="accent1"/>
-          </a:fillRef>
-          <a:effectRef idx="0">
-            <a:schemeClr val="accent1"/>
-          </a:effectRef>
-          <a:fontRef idx="minor">
-            <a:schemeClr val="lt1"/>
-          </a:fontRef>
-        </p:style>
-        <p:txBody>
-          <a:bodyPr rtlCol="0" anchor="ctr"/>
-          <a:lstStyle/>
-          <a:p>
-            <a:pPr algn="ctr"/>
-            <a:endParaRPr lang="ko-KR" altLang="en-US"/>
-          </a:p>
-        </p:txBody>
-      </p:sp>
-      <p:sp>
-        <p:nvSpPr>
-          <p:cNvPr id="63" name="TextBox 62">
-            <a:extLst>
-              <a:ext uri="{FF2B5EF4-FFF2-40B4-BE49-F238E27FC236}">
-                <a16:creationId xmlns:a16="http://schemas.microsoft.com/office/drawing/2014/main" id="{F602DF95-B62F-48F0-A282-91B96B5B93FA}"/>
-              </a:ext>
-            </a:extLst>
-          </p:cNvPr>
-          <p:cNvSpPr txBox="1"/>
-          <p:nvPr/>
-        </p:nvSpPr>
-        <p:spPr>
-          <a:xfrm>
-            <a:off x="5616724" y="4785399"/>
-            <a:ext cx="723275" cy="307777"/>
-          </a:xfrm>
-          <a:prstGeom prst="rect">
-            <a:avLst/>
-          </a:prstGeom>
-          <a:noFill/>
-        </p:spPr>
-        <p:txBody>
-          <a:bodyPr wrap="none" rtlCol="0">
-            <a:spAutoFit/>
-          </a:bodyPr>
-          <a:lstStyle/>
-          <a:p>
-            <a:r>
-              <a:rPr lang="ko-KR" altLang="en-US" sz="1400" dirty="0"/>
-              <a:t>닉네임</a:t>
-            </a:r>
-          </a:p>
-        </p:txBody>
-      </p:sp>
-      <p:sp>
-        <p:nvSpPr>
-          <p:cNvPr id="64" name="직사각형 63">
-            <a:extLst>
-              <a:ext uri="{FF2B5EF4-FFF2-40B4-BE49-F238E27FC236}">
-                <a16:creationId xmlns:a16="http://schemas.microsoft.com/office/drawing/2014/main" id="{F333636D-BD76-49E8-BB7F-305F5B664CFA}"/>
-              </a:ext>
-            </a:extLst>
-          </p:cNvPr>
-          <p:cNvSpPr/>
-          <p:nvPr/>
-        </p:nvSpPr>
-        <p:spPr>
-          <a:xfrm>
-            <a:off x="7125419" y="4823232"/>
-            <a:ext cx="226723" cy="222203"/>
-          </a:xfrm>
-          <a:prstGeom prst="rect">
-            <a:avLst/>
-          </a:prstGeom>
-          <a:noFill/>
-          <a:ln w="57150">
-            <a:solidFill>
-              <a:schemeClr val="tx1"/>
-            </a:solidFill>
-          </a:ln>
-        </p:spPr>
-        <p:style>
-          <a:lnRef idx="2">
-            <a:schemeClr val="accent1">
-              <a:shade val="50000"/>
-            </a:schemeClr>
-          </a:lnRef>
-          <a:fillRef idx="1">
-            <a:schemeClr val="accent1"/>
-          </a:fillRef>
-          <a:effectRef idx="0">
-            <a:schemeClr val="accent1"/>
-          </a:effectRef>
-          <a:fontRef idx="minor">
-            <a:schemeClr val="lt1"/>
-          </a:fontRef>
-        </p:style>
-        <p:txBody>
-          <a:bodyPr rtlCol="0" anchor="ctr"/>
-          <a:lstStyle/>
-          <a:p>
-            <a:pPr algn="ctr"/>
-            <a:endParaRPr lang="ko-KR" altLang="en-US"/>
-          </a:p>
-        </p:txBody>
-      </p:sp>
-      <p:pic>
-        <p:nvPicPr>
-          <p:cNvPr id="75" name="그래픽 74" descr="말풍선 단색으로 채워진">
-            <a:extLst>
-              <a:ext uri="{FF2B5EF4-FFF2-40B4-BE49-F238E27FC236}">
-                <a16:creationId xmlns:a16="http://schemas.microsoft.com/office/drawing/2014/main" id="{BDF35978-A008-42E9-B687-134468793974}"/>
-              </a:ext>
-            </a:extLst>
-          </p:cNvPr>
-          <p:cNvPicPr>
-            <a:picLocks noChangeAspect="1"/>
-          </p:cNvPicPr>
-          <p:nvPr/>
-        </p:nvPicPr>
-        <p:blipFill>
-          <a:blip r:embed="rId5" cstate="hqprint">
-            <a:extLst>
-              <a:ext uri="{28A0092B-C50C-407E-A947-70E740481C1C}">
-                <a14:useLocalDpi xmlns:a14="http://schemas.microsoft.com/office/drawing/2010/main" val="0"/>
-              </a:ext>
-              <a:ext uri="{96DAC541-7B7A-43D3-8B79-37D633B846F1}">
-                <asvg:svgBlip xmlns:asvg="http://schemas.microsoft.com/office/drawing/2016/SVG/main" r:embed="rId6"/>
-              </a:ext>
-            </a:extLst>
-          </a:blip>
-          <a:stretch>
-            <a:fillRect/>
-          </a:stretch>
-        </p:blipFill>
-        <p:spPr>
-          <a:xfrm>
-            <a:off x="7007493" y="2904059"/>
-            <a:ext cx="298469" cy="298469"/>
-          </a:xfrm>
-          <a:prstGeom prst="rect">
-            <a:avLst/>
-          </a:prstGeom>
-        </p:spPr>
-      </p:pic>
-      <p:sp>
-        <p:nvSpPr>
-          <p:cNvPr id="77" name="직사각형 76">
-            <a:extLst>
-              <a:ext uri="{FF2B5EF4-FFF2-40B4-BE49-F238E27FC236}">
-                <a16:creationId xmlns:a16="http://schemas.microsoft.com/office/drawing/2014/main" id="{7676F92A-C9BA-43A7-A151-183AE948E82D}"/>
-              </a:ext>
-            </a:extLst>
-          </p:cNvPr>
-          <p:cNvSpPr/>
-          <p:nvPr/>
-        </p:nvSpPr>
-        <p:spPr>
-          <a:xfrm>
-            <a:off x="6931256" y="2896126"/>
-            <a:ext cx="450941" cy="298470"/>
-          </a:xfrm>
-          <a:prstGeom prst="rect">
-            <a:avLst/>
-          </a:prstGeom>
-          <a:noFill/>
-          <a:ln w="38100">
-            <a:solidFill>
-              <a:schemeClr val="tx1"/>
-            </a:solidFill>
-          </a:ln>
-        </p:spPr>
-        <p:style>
-          <a:lnRef idx="2">
-            <a:schemeClr val="accent1">
-              <a:shade val="50000"/>
-            </a:schemeClr>
-          </a:lnRef>
-          <a:fillRef idx="1">
-            <a:schemeClr val="accent1"/>
-          </a:fillRef>
-          <a:effectRef idx="0">
-            <a:schemeClr val="accent1"/>
-          </a:effectRef>
-          <a:fontRef idx="minor">
-            <a:schemeClr val="lt1"/>
-          </a:fontRef>
-        </p:style>
-        <p:txBody>
-          <a:bodyPr rtlCol="0" anchor="ctr"/>
-          <a:lstStyle/>
-          <a:p>
-            <a:pPr algn="ctr"/>
-            <a:endParaRPr lang="ko-KR" altLang="en-US"/>
-          </a:p>
-        </p:txBody>
-      </p:sp>
-      <p:sp>
-        <p:nvSpPr>
-          <p:cNvPr id="84" name="TextBox 83">
-            <a:extLst>
-              <a:ext uri="{FF2B5EF4-FFF2-40B4-BE49-F238E27FC236}">
-                <a16:creationId xmlns:a16="http://schemas.microsoft.com/office/drawing/2014/main" id="{F435611E-4DED-4666-852C-48991CC1FD4C}"/>
-              </a:ext>
-            </a:extLst>
-          </p:cNvPr>
-          <p:cNvSpPr txBox="1"/>
-          <p:nvPr/>
-        </p:nvSpPr>
-        <p:spPr>
-          <a:xfrm>
-            <a:off x="3386227" y="2833690"/>
-            <a:ext cx="2574743" cy="369332"/>
-          </a:xfrm>
-          <a:prstGeom prst="rect">
-            <a:avLst/>
-          </a:prstGeom>
-          <a:noFill/>
-        </p:spPr>
-        <p:txBody>
-          <a:bodyPr wrap="none" rtlCol="0">
-            <a:spAutoFit/>
-          </a:bodyPr>
-          <a:lstStyle/>
-          <a:p>
-            <a:r>
-              <a:rPr lang="ko-KR" altLang="en-US" b="1" dirty="0"/>
-              <a:t>회의가 시작되었습니다</a:t>
-            </a:r>
-          </a:p>
-        </p:txBody>
-      </p:sp>
-      <p:pic>
-        <p:nvPicPr>
-          <p:cNvPr id="2050" name="Picture 2" descr="투표 - 무료 여러 가지 잡다한개 아이콘">
-            <a:extLst>
-              <a:ext uri="{FF2B5EF4-FFF2-40B4-BE49-F238E27FC236}">
-                <a16:creationId xmlns:a16="http://schemas.microsoft.com/office/drawing/2014/main" id="{5CFE332D-27EB-4AE5-B1B5-CB698876CED6}"/>
-              </a:ext>
-            </a:extLst>
-          </p:cNvPr>
-          <p:cNvPicPr>
-            <a:picLocks noChangeAspect="1" noChangeArrowheads="1"/>
-          </p:cNvPicPr>
-          <p:nvPr/>
-        </p:nvPicPr>
-        <p:blipFill>
-          <a:blip r:embed="rId7" cstate="hqprint">
-            <a:extLst>
-              <a:ext uri="{28A0092B-C50C-407E-A947-70E740481C1C}">
-                <a14:useLocalDpi xmlns:a14="http://schemas.microsoft.com/office/drawing/2010/main" val="0"/>
-              </a:ext>
-            </a:extLst>
-          </a:blip>
-          <a:srcRect/>
-          <a:stretch>
-            <a:fillRect/>
-          </a:stretch>
-        </p:blipFill>
-        <p:spPr bwMode="auto">
-          <a:xfrm>
-            <a:off x="6435447" y="2882557"/>
-            <a:ext cx="298471" cy="298471"/>
-          </a:xfrm>
-          <a:prstGeom prst="rect">
-            <a:avLst/>
-          </a:prstGeom>
-          <a:noFill/>
-          <a:extLst>
-            <a:ext uri="{909E8E84-426E-40DD-AFC4-6F175D3DCCD1}">
-              <a14:hiddenFill xmlns:a14="http://schemas.microsoft.com/office/drawing/2010/main">
-                <a:solidFill>
-                  <a:srgbClr val="FFFFFF"/>
-                </a:solidFill>
-              </a14:hiddenFill>
-            </a:ext>
-          </a:extLst>
-        </p:spPr>
-      </p:pic>
-      <p:sp>
-        <p:nvSpPr>
-          <p:cNvPr id="142" name="직사각형 141">
-            <a:extLst>
-              <a:ext uri="{FF2B5EF4-FFF2-40B4-BE49-F238E27FC236}">
-                <a16:creationId xmlns:a16="http://schemas.microsoft.com/office/drawing/2014/main" id="{8A2C0557-DB11-47B6-A1CC-413C065E856B}"/>
-              </a:ext>
-            </a:extLst>
-          </p:cNvPr>
-          <p:cNvSpPr/>
-          <p:nvPr/>
-        </p:nvSpPr>
-        <p:spPr>
-          <a:xfrm>
-            <a:off x="6356685" y="2886045"/>
-            <a:ext cx="450941" cy="298470"/>
-          </a:xfrm>
-          <a:prstGeom prst="rect">
-            <a:avLst/>
-          </a:prstGeom>
-          <a:noFill/>
-          <a:ln w="38100">
-            <a:solidFill>
-              <a:schemeClr val="tx1"/>
-            </a:solidFill>
-          </a:ln>
-        </p:spPr>
-        <p:style>
-          <a:lnRef idx="2">
-            <a:schemeClr val="accent1">
-              <a:shade val="50000"/>
-            </a:schemeClr>
-          </a:lnRef>
-          <a:fillRef idx="1">
-            <a:schemeClr val="accent1"/>
-          </a:fillRef>
-          <a:effectRef idx="0">
-            <a:schemeClr val="accent1"/>
-          </a:effectRef>
-          <a:fontRef idx="minor">
-            <a:schemeClr val="lt1"/>
-          </a:fontRef>
-        </p:style>
-        <p:txBody>
-          <a:bodyPr rtlCol="0" anchor="ctr"/>
-          <a:lstStyle/>
-          <a:p>
-            <a:pPr algn="ctr"/>
-            <a:endParaRPr lang="ko-KR" altLang="en-US"/>
-          </a:p>
-        </p:txBody>
-      </p:sp>
-      <p:cxnSp>
-        <p:nvCxnSpPr>
-          <p:cNvPr id="143" name="직선 화살표 연결선 142">
-            <a:extLst>
-              <a:ext uri="{FF2B5EF4-FFF2-40B4-BE49-F238E27FC236}">
-                <a16:creationId xmlns:a16="http://schemas.microsoft.com/office/drawing/2014/main" id="{0F240F1F-B1B7-408B-9E3D-03D7F9F3F7B2}"/>
-              </a:ext>
-            </a:extLst>
-          </p:cNvPr>
-          <p:cNvCxnSpPr>
-            <a:cxnSpLocks/>
-          </p:cNvCxnSpPr>
-          <p:nvPr/>
-        </p:nvCxnSpPr>
-        <p:spPr>
-          <a:xfrm flipH="1">
-            <a:off x="7382197" y="2387878"/>
-            <a:ext cx="773978" cy="506654"/>
-          </a:xfrm>
-          <a:prstGeom prst="straightConnector1">
-            <a:avLst/>
-          </a:prstGeom>
-          <a:ln>
-            <a:tailEnd type="triangle"/>
-          </a:ln>
-        </p:spPr>
-        <p:style>
-          <a:lnRef idx="1">
-            <a:schemeClr val="accent1"/>
-          </a:lnRef>
-          <a:fillRef idx="0">
-            <a:schemeClr val="accent1"/>
-          </a:fillRef>
-          <a:effectRef idx="0">
-            <a:schemeClr val="accent1"/>
-          </a:effectRef>
-          <a:fontRef idx="minor">
-            <a:schemeClr val="tx1"/>
-          </a:fontRef>
-        </p:style>
-      </p:cxnSp>
-      <p:sp>
-        <p:nvSpPr>
-          <p:cNvPr id="141" name="TextBox 140">
-            <a:extLst>
-              <a:ext uri="{FF2B5EF4-FFF2-40B4-BE49-F238E27FC236}">
-                <a16:creationId xmlns:a16="http://schemas.microsoft.com/office/drawing/2014/main" id="{81335626-E2B1-4DFB-875B-70B46E7ABE5D}"/>
-              </a:ext>
-            </a:extLst>
-          </p:cNvPr>
-          <p:cNvSpPr txBox="1"/>
-          <p:nvPr/>
-        </p:nvSpPr>
-        <p:spPr>
-          <a:xfrm>
-            <a:off x="8156175" y="2201618"/>
-            <a:ext cx="854721" cy="276999"/>
-          </a:xfrm>
-          <a:prstGeom prst="rect">
-            <a:avLst/>
-          </a:prstGeom>
-          <a:noFill/>
-        </p:spPr>
-        <p:txBody>
-          <a:bodyPr wrap="none" rtlCol="0">
-            <a:spAutoFit/>
-          </a:bodyPr>
-          <a:lstStyle/>
-          <a:p>
-            <a:r>
-              <a:rPr lang="ko-KR" altLang="en-US" sz="1200" b="1" dirty="0"/>
-              <a:t>채팅 버튼</a:t>
-            </a:r>
-          </a:p>
-        </p:txBody>
-      </p:sp>
-      <p:cxnSp>
-        <p:nvCxnSpPr>
-          <p:cNvPr id="145" name="직선 화살표 연결선 144">
-            <a:extLst>
-              <a:ext uri="{FF2B5EF4-FFF2-40B4-BE49-F238E27FC236}">
-                <a16:creationId xmlns:a16="http://schemas.microsoft.com/office/drawing/2014/main" id="{01F2171A-63BD-45FD-8D8C-DC3231C442CB}"/>
-              </a:ext>
-            </a:extLst>
-          </p:cNvPr>
-          <p:cNvCxnSpPr>
-            <a:cxnSpLocks/>
-          </p:cNvCxnSpPr>
-          <p:nvPr/>
-        </p:nvCxnSpPr>
-        <p:spPr>
-          <a:xfrm flipH="1">
-            <a:off x="6587271" y="2326659"/>
-            <a:ext cx="773978" cy="506654"/>
-          </a:xfrm>
-          <a:prstGeom prst="straightConnector1">
-            <a:avLst/>
-          </a:prstGeom>
-          <a:ln>
-            <a:tailEnd type="triangle"/>
-          </a:ln>
-        </p:spPr>
-        <p:style>
-          <a:lnRef idx="1">
-            <a:schemeClr val="accent1"/>
-          </a:lnRef>
-          <a:fillRef idx="0">
-            <a:schemeClr val="accent1"/>
-          </a:fillRef>
-          <a:effectRef idx="0">
-            <a:schemeClr val="accent1"/>
-          </a:effectRef>
-          <a:fontRef idx="minor">
-            <a:schemeClr val="tx1"/>
-          </a:fontRef>
-        </p:style>
-      </p:cxnSp>
-      <p:sp>
-        <p:nvSpPr>
-          <p:cNvPr id="146" name="TextBox 145">
-            <a:extLst>
-              <a:ext uri="{FF2B5EF4-FFF2-40B4-BE49-F238E27FC236}">
-                <a16:creationId xmlns:a16="http://schemas.microsoft.com/office/drawing/2014/main" id="{3CC2ACEE-F563-419C-A696-F0684079AFEE}"/>
-              </a:ext>
-            </a:extLst>
-          </p:cNvPr>
-          <p:cNvSpPr txBox="1"/>
-          <p:nvPr/>
-        </p:nvSpPr>
-        <p:spPr>
-          <a:xfrm>
-            <a:off x="6807626" y="2084513"/>
-            <a:ext cx="1217000" cy="276999"/>
-          </a:xfrm>
-          <a:prstGeom prst="rect">
-            <a:avLst/>
-          </a:prstGeom>
-          <a:noFill/>
-        </p:spPr>
-        <p:txBody>
-          <a:bodyPr wrap="none" rtlCol="0">
-            <a:spAutoFit/>
-          </a:bodyPr>
-          <a:lstStyle/>
-          <a:p>
-            <a:r>
-              <a:rPr lang="ko-KR" altLang="en-US" sz="1200" b="1" dirty="0"/>
-              <a:t>투표 완료 버튼</a:t>
-            </a:r>
-            <a:endParaRPr lang="ko-KR" altLang="en-US" b="1" dirty="0"/>
-          </a:p>
-        </p:txBody>
-      </p:sp>
-      <p:pic>
-        <p:nvPicPr>
-          <p:cNvPr id="2052" name="Picture 4" descr="투표 - 무료 여러 가지 잡다한개 아이콘">
-            <a:extLst>
-              <a:ext uri="{FF2B5EF4-FFF2-40B4-BE49-F238E27FC236}">
-                <a16:creationId xmlns:a16="http://schemas.microsoft.com/office/drawing/2014/main" id="{F169E55C-7258-49F8-8382-A1893326265B}"/>
-              </a:ext>
-            </a:extLst>
-          </p:cNvPr>
-          <p:cNvPicPr>
-            <a:picLocks noChangeAspect="1" noChangeArrowheads="1"/>
-          </p:cNvPicPr>
-          <p:nvPr/>
-        </p:nvPicPr>
-        <p:blipFill>
-          <a:blip r:embed="rId8" cstate="hqprint">
-            <a:extLst>
-              <a:ext uri="{28A0092B-C50C-407E-A947-70E740481C1C}">
-                <a14:useLocalDpi xmlns:a14="http://schemas.microsoft.com/office/drawing/2010/main" val="0"/>
-              </a:ext>
-            </a:extLst>
-          </a:blip>
-          <a:srcRect/>
-          <a:stretch>
-            <a:fillRect/>
-          </a:stretch>
-        </p:blipFill>
-        <p:spPr bwMode="auto">
-          <a:xfrm>
-            <a:off x="3984376" y="3372590"/>
-            <a:ext cx="399295" cy="399295"/>
-          </a:xfrm>
-          <a:prstGeom prst="rect">
-            <a:avLst/>
-          </a:prstGeom>
-          <a:noFill/>
-          <a:extLst>
-            <a:ext uri="{909E8E84-426E-40DD-AFC4-6F175D3DCCD1}">
-              <a14:hiddenFill xmlns:a14="http://schemas.microsoft.com/office/drawing/2010/main">
-                <a:solidFill>
-                  <a:srgbClr val="FFFFFF"/>
-                </a:solidFill>
-              </a14:hiddenFill>
-            </a:ext>
-          </a:extLst>
-        </p:spPr>
-      </p:pic>
-      <p:cxnSp>
-        <p:nvCxnSpPr>
-          <p:cNvPr id="148" name="직선 화살표 연결선 147">
-            <a:extLst>
-              <a:ext uri="{FF2B5EF4-FFF2-40B4-BE49-F238E27FC236}">
-                <a16:creationId xmlns:a16="http://schemas.microsoft.com/office/drawing/2014/main" id="{3A85476D-7681-4754-8CCD-5E6BA3B1045C}"/>
-              </a:ext>
-            </a:extLst>
-          </p:cNvPr>
-          <p:cNvCxnSpPr>
-            <a:cxnSpLocks/>
-          </p:cNvCxnSpPr>
-          <p:nvPr/>
-        </p:nvCxnSpPr>
-        <p:spPr>
-          <a:xfrm flipV="1">
-            <a:off x="1641945" y="3711114"/>
-            <a:ext cx="2294583" cy="368459"/>
-          </a:xfrm>
-          <a:prstGeom prst="straightConnector1">
-            <a:avLst/>
-          </a:prstGeom>
-          <a:ln>
-            <a:tailEnd type="triangle"/>
-          </a:ln>
-        </p:spPr>
-        <p:style>
-          <a:lnRef idx="1">
-            <a:schemeClr val="accent1"/>
-          </a:lnRef>
-          <a:fillRef idx="0">
-            <a:schemeClr val="accent1"/>
-          </a:fillRef>
-          <a:effectRef idx="0">
-            <a:schemeClr val="accent1"/>
-          </a:effectRef>
-          <a:fontRef idx="minor">
-            <a:schemeClr val="tx1"/>
-          </a:fontRef>
-        </p:style>
-      </p:cxnSp>
-      <p:sp>
-        <p:nvSpPr>
-          <p:cNvPr id="153" name="TextBox 152">
-            <a:extLst>
-              <a:ext uri="{FF2B5EF4-FFF2-40B4-BE49-F238E27FC236}">
-                <a16:creationId xmlns:a16="http://schemas.microsoft.com/office/drawing/2014/main" id="{4108342D-9B08-4F72-B639-4DCE55850C49}"/>
-              </a:ext>
-            </a:extLst>
-          </p:cNvPr>
-          <p:cNvSpPr txBox="1"/>
-          <p:nvPr/>
-        </p:nvSpPr>
-        <p:spPr>
-          <a:xfrm>
-            <a:off x="423835" y="3968620"/>
-            <a:ext cx="1420582" cy="600164"/>
-          </a:xfrm>
-          <a:prstGeom prst="rect">
-            <a:avLst/>
-          </a:prstGeom>
-          <a:noFill/>
-        </p:spPr>
-        <p:txBody>
-          <a:bodyPr wrap="square" rtlCol="0">
-            <a:spAutoFit/>
-          </a:bodyPr>
-          <a:lstStyle/>
-          <a:p>
-            <a:r>
-              <a:rPr lang="ko-KR" altLang="en-US" sz="1100" dirty="0"/>
-              <a:t>투표 완료 버튼을 누른 유저 아이콘을 띄워 확인</a:t>
-            </a:r>
-          </a:p>
-        </p:txBody>
-      </p:sp>
       <p:sp>
         <p:nvSpPr>
           <p:cNvPr id="49" name="TextBox 48">
@@ -15205,6 +13311,440 @@
             <a:r>
               <a:rPr lang="en-US" altLang="ko-KR" sz="2800" b="1" dirty="0"/>
               <a:t>UI</a:t>
+            </a:r>
+          </a:p>
+        </p:txBody>
+      </p:sp>
+      <p:pic>
+        <p:nvPicPr>
+          <p:cNvPr id="3" name="그림 2">
+            <a:extLst>
+              <a:ext uri="{FF2B5EF4-FFF2-40B4-BE49-F238E27FC236}">
+                <a16:creationId xmlns:a16="http://schemas.microsoft.com/office/drawing/2014/main" id="{86EFFA82-3E98-720C-42AD-2E02C304D80C}"/>
+              </a:ext>
+            </a:extLst>
+          </p:cNvPr>
+          <p:cNvPicPr>
+            <a:picLocks noChangeAspect="1"/>
+          </p:cNvPicPr>
+          <p:nvPr/>
+        </p:nvPicPr>
+        <p:blipFill>
+          <a:blip r:embed="rId3"/>
+          <a:stretch>
+            <a:fillRect/>
+          </a:stretch>
+        </p:blipFill>
+        <p:spPr>
+          <a:xfrm>
+            <a:off x="2420470" y="2062519"/>
+            <a:ext cx="7702052" cy="4122938"/>
+          </a:xfrm>
+          <a:prstGeom prst="rect">
+            <a:avLst/>
+          </a:prstGeom>
+        </p:spPr>
+      </p:pic>
+      <p:sp>
+        <p:nvSpPr>
+          <p:cNvPr id="5" name="직사각형 4">
+            <a:extLst>
+              <a:ext uri="{FF2B5EF4-FFF2-40B4-BE49-F238E27FC236}">
+                <a16:creationId xmlns:a16="http://schemas.microsoft.com/office/drawing/2014/main" id="{D53831B2-1342-2223-DEEA-D7D8DBBC5E04}"/>
+              </a:ext>
+            </a:extLst>
+          </p:cNvPr>
+          <p:cNvSpPr/>
+          <p:nvPr/>
+        </p:nvSpPr>
+        <p:spPr>
+          <a:xfrm>
+            <a:off x="2789122" y="2222768"/>
+            <a:ext cx="1263480" cy="519953"/>
+          </a:xfrm>
+          <a:prstGeom prst="rect">
+            <a:avLst/>
+          </a:prstGeom>
+          <a:noFill/>
+          <a:ln>
+            <a:solidFill>
+              <a:schemeClr val="tx1"/>
+            </a:solidFill>
+          </a:ln>
+        </p:spPr>
+        <p:style>
+          <a:lnRef idx="2">
+            <a:schemeClr val="accent1">
+              <a:shade val="50000"/>
+            </a:schemeClr>
+          </a:lnRef>
+          <a:fillRef idx="1">
+            <a:schemeClr val="accent1"/>
+          </a:fillRef>
+          <a:effectRef idx="0">
+            <a:schemeClr val="accent1"/>
+          </a:effectRef>
+          <a:fontRef idx="minor">
+            <a:schemeClr val="lt1"/>
+          </a:fontRef>
+        </p:style>
+        <p:txBody>
+          <a:bodyPr rtlCol="0" anchor="ctr"/>
+          <a:lstStyle/>
+          <a:p>
+            <a:pPr algn="ctr"/>
+            <a:endParaRPr lang="ko-KR" altLang="en-US"/>
+          </a:p>
+        </p:txBody>
+      </p:sp>
+      <p:cxnSp>
+        <p:nvCxnSpPr>
+          <p:cNvPr id="7" name="연결선: 꺾임 6">
+            <a:extLst>
+              <a:ext uri="{FF2B5EF4-FFF2-40B4-BE49-F238E27FC236}">
+                <a16:creationId xmlns:a16="http://schemas.microsoft.com/office/drawing/2014/main" id="{68E6E7C9-0EE0-D4EF-4B4C-B1039BC56751}"/>
+              </a:ext>
+            </a:extLst>
+          </p:cNvPr>
+          <p:cNvCxnSpPr>
+            <a:cxnSpLocks/>
+            <a:stCxn id="5" idx="1"/>
+          </p:cNvCxnSpPr>
+          <p:nvPr/>
+        </p:nvCxnSpPr>
+        <p:spPr>
+          <a:xfrm rot="10800000" flipV="1">
+            <a:off x="1577788" y="2482745"/>
+            <a:ext cx="1211334" cy="259976"/>
+          </a:xfrm>
+          <a:prstGeom prst="bentConnector3">
+            <a:avLst/>
+          </a:prstGeom>
+        </p:spPr>
+        <p:style>
+          <a:lnRef idx="1">
+            <a:schemeClr val="dk1"/>
+          </a:lnRef>
+          <a:fillRef idx="0">
+            <a:schemeClr val="dk1"/>
+          </a:fillRef>
+          <a:effectRef idx="0">
+            <a:schemeClr val="dk1"/>
+          </a:effectRef>
+          <a:fontRef idx="minor">
+            <a:schemeClr val="tx1"/>
+          </a:fontRef>
+        </p:style>
+      </p:cxnSp>
+      <p:sp>
+        <p:nvSpPr>
+          <p:cNvPr id="9" name="TextBox 8">
+            <a:extLst>
+              <a:ext uri="{FF2B5EF4-FFF2-40B4-BE49-F238E27FC236}">
+                <a16:creationId xmlns:a16="http://schemas.microsoft.com/office/drawing/2014/main" id="{BB799AAA-7794-713B-F2B5-DD722AD60C1B}"/>
+              </a:ext>
+            </a:extLst>
+          </p:cNvPr>
+          <p:cNvSpPr txBox="1"/>
+          <p:nvPr/>
+        </p:nvSpPr>
+        <p:spPr>
+          <a:xfrm>
+            <a:off x="70939" y="2612733"/>
+            <a:ext cx="1524776" cy="276999"/>
+          </a:xfrm>
+          <a:prstGeom prst="rect">
+            <a:avLst/>
+          </a:prstGeom>
+          <a:noFill/>
+        </p:spPr>
+        <p:txBody>
+          <a:bodyPr wrap="none" rtlCol="0">
+            <a:spAutoFit/>
+          </a:bodyPr>
+          <a:lstStyle/>
+          <a:p>
+            <a:r>
+              <a:rPr lang="ko-KR" altLang="en-US" sz="1200" dirty="0"/>
+              <a:t>무슨 시간인지 표시</a:t>
+            </a:r>
+          </a:p>
+        </p:txBody>
+      </p:sp>
+      <p:sp>
+        <p:nvSpPr>
+          <p:cNvPr id="12" name="직사각형 11">
+            <a:extLst>
+              <a:ext uri="{FF2B5EF4-FFF2-40B4-BE49-F238E27FC236}">
+                <a16:creationId xmlns:a16="http://schemas.microsoft.com/office/drawing/2014/main" id="{ED2F3679-37ED-7618-130D-53CD6E8A35A7}"/>
+              </a:ext>
+            </a:extLst>
+          </p:cNvPr>
+          <p:cNvSpPr/>
+          <p:nvPr/>
+        </p:nvSpPr>
+        <p:spPr>
+          <a:xfrm>
+            <a:off x="2420471" y="2062519"/>
+            <a:ext cx="7700682" cy="4105199"/>
+          </a:xfrm>
+          <a:prstGeom prst="rect">
+            <a:avLst/>
+          </a:prstGeom>
+          <a:noFill/>
+          <a:ln w="28575">
+            <a:solidFill>
+              <a:schemeClr val="tx1"/>
+            </a:solidFill>
+          </a:ln>
+        </p:spPr>
+        <p:style>
+          <a:lnRef idx="2">
+            <a:schemeClr val="accent1">
+              <a:shade val="50000"/>
+            </a:schemeClr>
+          </a:lnRef>
+          <a:fillRef idx="1">
+            <a:schemeClr val="accent1"/>
+          </a:fillRef>
+          <a:effectRef idx="0">
+            <a:schemeClr val="accent1"/>
+          </a:effectRef>
+          <a:fontRef idx="minor">
+            <a:schemeClr val="lt1"/>
+          </a:fontRef>
+        </p:style>
+        <p:txBody>
+          <a:bodyPr rtlCol="0" anchor="ctr"/>
+          <a:lstStyle/>
+          <a:p>
+            <a:pPr algn="ctr"/>
+            <a:endParaRPr lang="ko-KR" altLang="en-US"/>
+          </a:p>
+        </p:txBody>
+      </p:sp>
+      <p:cxnSp>
+        <p:nvCxnSpPr>
+          <p:cNvPr id="78" name="연결선: 꺾임 77">
+            <a:extLst>
+              <a:ext uri="{FF2B5EF4-FFF2-40B4-BE49-F238E27FC236}">
+                <a16:creationId xmlns:a16="http://schemas.microsoft.com/office/drawing/2014/main" id="{503FFECF-12B3-B998-FBAA-294F2BAF1278}"/>
+              </a:ext>
+            </a:extLst>
+          </p:cNvPr>
+          <p:cNvCxnSpPr>
+            <a:cxnSpLocks/>
+          </p:cNvCxnSpPr>
+          <p:nvPr/>
+        </p:nvCxnSpPr>
+        <p:spPr>
+          <a:xfrm rot="10800000" flipV="1">
+            <a:off x="9515486" y="2222768"/>
+            <a:ext cx="1211334" cy="259976"/>
+          </a:xfrm>
+          <a:prstGeom prst="bentConnector3">
+            <a:avLst>
+              <a:gd name="adj1" fmla="val 29278"/>
+            </a:avLst>
+          </a:prstGeom>
+        </p:spPr>
+        <p:style>
+          <a:lnRef idx="1">
+            <a:schemeClr val="dk1"/>
+          </a:lnRef>
+          <a:fillRef idx="0">
+            <a:schemeClr val="dk1"/>
+          </a:fillRef>
+          <a:effectRef idx="0">
+            <a:schemeClr val="dk1"/>
+          </a:effectRef>
+          <a:fontRef idx="minor">
+            <a:schemeClr val="tx1"/>
+          </a:fontRef>
+        </p:style>
+      </p:cxnSp>
+      <p:sp>
+        <p:nvSpPr>
+          <p:cNvPr id="79" name="TextBox 78">
+            <a:extLst>
+              <a:ext uri="{FF2B5EF4-FFF2-40B4-BE49-F238E27FC236}">
+                <a16:creationId xmlns:a16="http://schemas.microsoft.com/office/drawing/2014/main" id="{6430B72F-3DF4-27DA-1103-62725F2D0511}"/>
+              </a:ext>
+            </a:extLst>
+          </p:cNvPr>
+          <p:cNvSpPr txBox="1"/>
+          <p:nvPr/>
+        </p:nvSpPr>
+        <p:spPr>
+          <a:xfrm>
+            <a:off x="10726820" y="2084267"/>
+            <a:ext cx="854721" cy="276999"/>
+          </a:xfrm>
+          <a:prstGeom prst="rect">
+            <a:avLst/>
+          </a:prstGeom>
+          <a:noFill/>
+        </p:spPr>
+        <p:txBody>
+          <a:bodyPr wrap="none" rtlCol="0">
+            <a:spAutoFit/>
+          </a:bodyPr>
+          <a:lstStyle/>
+          <a:p>
+            <a:r>
+              <a:rPr lang="ko-KR" altLang="en-US" sz="1200" dirty="0"/>
+              <a:t>채팅 버튼</a:t>
+            </a:r>
+          </a:p>
+        </p:txBody>
+      </p:sp>
+      <p:sp>
+        <p:nvSpPr>
+          <p:cNvPr id="13" name="타원 12">
+            <a:extLst>
+              <a:ext uri="{FF2B5EF4-FFF2-40B4-BE49-F238E27FC236}">
+                <a16:creationId xmlns:a16="http://schemas.microsoft.com/office/drawing/2014/main" id="{576E02D3-B46C-55AE-8547-92F6AC99FB1A}"/>
+              </a:ext>
+            </a:extLst>
+          </p:cNvPr>
+          <p:cNvSpPr/>
+          <p:nvPr/>
+        </p:nvSpPr>
+        <p:spPr>
+          <a:xfrm>
+            <a:off x="9250478" y="2146730"/>
+            <a:ext cx="304800" cy="304800"/>
+          </a:xfrm>
+          <a:prstGeom prst="ellipse">
+            <a:avLst/>
+          </a:prstGeom>
+          <a:noFill/>
+          <a:ln w="38100">
+            <a:solidFill>
+              <a:schemeClr val="tx1"/>
+            </a:solidFill>
+          </a:ln>
+        </p:spPr>
+        <p:style>
+          <a:lnRef idx="2">
+            <a:schemeClr val="accent1">
+              <a:shade val="50000"/>
+            </a:schemeClr>
+          </a:lnRef>
+          <a:fillRef idx="1">
+            <a:schemeClr val="accent1"/>
+          </a:fillRef>
+          <a:effectRef idx="0">
+            <a:schemeClr val="accent1"/>
+          </a:effectRef>
+          <a:fontRef idx="minor">
+            <a:schemeClr val="lt1"/>
+          </a:fontRef>
+        </p:style>
+        <p:txBody>
+          <a:bodyPr rtlCol="0" anchor="ctr"/>
+          <a:lstStyle/>
+          <a:p>
+            <a:pPr algn="ctr"/>
+            <a:r>
+              <a:rPr lang="en-US" altLang="ko-KR" sz="1400" b="1" dirty="0">
+                <a:solidFill>
+                  <a:schemeClr val="tx1"/>
+                </a:solidFill>
+              </a:rPr>
+              <a:t>!</a:t>
+            </a:r>
+            <a:endParaRPr lang="ko-KR" altLang="en-US" sz="1400" b="1" dirty="0">
+              <a:solidFill>
+                <a:schemeClr val="tx1"/>
+              </a:solidFill>
+            </a:endParaRPr>
+          </a:p>
+        </p:txBody>
+      </p:sp>
+      <p:cxnSp>
+        <p:nvCxnSpPr>
+          <p:cNvPr id="80" name="연결선: 꺾임 79">
+            <a:extLst>
+              <a:ext uri="{FF2B5EF4-FFF2-40B4-BE49-F238E27FC236}">
+                <a16:creationId xmlns:a16="http://schemas.microsoft.com/office/drawing/2014/main" id="{36CBEC13-AFAD-1D25-1796-72DAD0582B5C}"/>
+              </a:ext>
+            </a:extLst>
+          </p:cNvPr>
+          <p:cNvCxnSpPr>
+            <a:cxnSpLocks/>
+            <a:endCxn id="13" idx="0"/>
+          </p:cNvCxnSpPr>
+          <p:nvPr/>
+        </p:nvCxnSpPr>
+        <p:spPr>
+          <a:xfrm rot="10800000" flipV="1">
+            <a:off x="9402878" y="1425818"/>
+            <a:ext cx="1211334" cy="720912"/>
+          </a:xfrm>
+          <a:prstGeom prst="bentConnector2">
+            <a:avLst/>
+          </a:prstGeom>
+        </p:spPr>
+        <p:style>
+          <a:lnRef idx="1">
+            <a:schemeClr val="dk1"/>
+          </a:lnRef>
+          <a:fillRef idx="0">
+            <a:schemeClr val="dk1"/>
+          </a:fillRef>
+          <a:effectRef idx="0">
+            <a:schemeClr val="dk1"/>
+          </a:effectRef>
+          <a:fontRef idx="minor">
+            <a:schemeClr val="tx1"/>
+          </a:fontRef>
+        </p:style>
+      </p:cxnSp>
+      <p:sp>
+        <p:nvSpPr>
+          <p:cNvPr id="81" name="TextBox 80">
+            <a:extLst>
+              <a:ext uri="{FF2B5EF4-FFF2-40B4-BE49-F238E27FC236}">
+                <a16:creationId xmlns:a16="http://schemas.microsoft.com/office/drawing/2014/main" id="{4C068CCD-1519-BD9F-A87F-7C17EE891D0E}"/>
+              </a:ext>
+            </a:extLst>
+          </p:cNvPr>
+          <p:cNvSpPr txBox="1"/>
+          <p:nvPr/>
+        </p:nvSpPr>
+        <p:spPr>
+          <a:xfrm>
+            <a:off x="10633984" y="1296404"/>
+            <a:ext cx="1733167" cy="461665"/>
+          </a:xfrm>
+          <a:prstGeom prst="rect">
+            <a:avLst/>
+          </a:prstGeom>
+          <a:noFill/>
+        </p:spPr>
+        <p:txBody>
+          <a:bodyPr wrap="none" rtlCol="0">
+            <a:spAutoFit/>
+          </a:bodyPr>
+          <a:lstStyle/>
+          <a:p>
+            <a:pPr algn="ctr"/>
+            <a:r>
+              <a:rPr lang="ko-KR" altLang="en-US" sz="1200" dirty="0"/>
+              <a:t>새로운 채팅이 있을 때</a:t>
+            </a:r>
+            <a:endParaRPr lang="en-US" altLang="ko-KR" sz="1200" dirty="0"/>
+          </a:p>
+          <a:p>
+            <a:pPr algn="ctr"/>
+            <a:r>
+              <a:rPr lang="en-US" altLang="ko-KR" sz="1200" dirty="0"/>
+              <a:t>“ ! ” </a:t>
+            </a:r>
+            <a:r>
+              <a:rPr lang="ko-KR" altLang="en-US" sz="1200" dirty="0"/>
+              <a:t>표시 </a:t>
             </a:r>
           </a:p>
         </p:txBody>

--- a/Document/UI/인게임 UI.pptx
+++ b/Document/UI/인게임 UI.pptx
@@ -5,7 +5,7 @@
     <p:sldMasterId id="2147483648" r:id="rId1"/>
   </p:sldMasterIdLst>
   <p:notesMasterIdLst>
-    <p:notesMasterId r:id="rId19"/>
+    <p:notesMasterId r:id="rId20"/>
   </p:notesMasterIdLst>
   <p:sldIdLst>
     <p:sldId id="257" r:id="rId2"/>
@@ -22,9 +22,10 @@
     <p:sldId id="280" r:id="rId13"/>
     <p:sldId id="301" r:id="rId14"/>
     <p:sldId id="302" r:id="rId15"/>
-    <p:sldId id="293" r:id="rId16"/>
-    <p:sldId id="294" r:id="rId17"/>
-    <p:sldId id="291" r:id="rId18"/>
+    <p:sldId id="291" r:id="rId16"/>
+    <p:sldId id="293" r:id="rId17"/>
+    <p:sldId id="304" r:id="rId18"/>
+    <p:sldId id="294" r:id="rId19"/>
   </p:sldIdLst>
   <p:sldSz cx="12192000" cy="6858000"/>
   <p:notesSz cx="6858000" cy="9144000"/>
@@ -213,7 +214,7 @@
           <a:p>
             <a:fld id="{87BDE628-EDD5-484F-A921-62305232CA16}" type="datetimeFigureOut">
               <a:rPr lang="ko-KR" altLang="en-US" smtClean="0"/>
-              <a:t>2022-05-25(Wed)</a:t>
+              <a:t>2022-06-02(Thu)</a:t>
             </a:fld>
             <a:endParaRPr lang="ko-KR" altLang="en-US"/>
           </a:p>
@@ -974,7 +975,7 @@
     </p:spTree>
     <p:extLst>
       <p:ext uri="{BB962C8B-B14F-4D97-AF65-F5344CB8AC3E}">
-        <p14:creationId xmlns:p14="http://schemas.microsoft.com/office/powerpoint/2010/main" val="2757618217"/>
+        <p14:creationId xmlns:p14="http://schemas.microsoft.com/office/powerpoint/2010/main" val="389974596"/>
       </p:ext>
     </p:extLst>
   </p:cSld>
@@ -1058,7 +1059,7 @@
     </p:spTree>
     <p:extLst>
       <p:ext uri="{BB962C8B-B14F-4D97-AF65-F5344CB8AC3E}">
-        <p14:creationId xmlns:p14="http://schemas.microsoft.com/office/powerpoint/2010/main" val="1223845825"/>
+        <p14:creationId xmlns:p14="http://schemas.microsoft.com/office/powerpoint/2010/main" val="2757618217"/>
       </p:ext>
     </p:extLst>
   </p:cSld>
@@ -1142,7 +1143,91 @@
     </p:spTree>
     <p:extLst>
       <p:ext uri="{BB962C8B-B14F-4D97-AF65-F5344CB8AC3E}">
-        <p14:creationId xmlns:p14="http://schemas.microsoft.com/office/powerpoint/2010/main" val="389974596"/>
+        <p14:creationId xmlns:p14="http://schemas.microsoft.com/office/powerpoint/2010/main" val="1012691641"/>
+      </p:ext>
+    </p:extLst>
+  </p:cSld>
+  <p:clrMapOvr>
+    <a:masterClrMapping/>
+  </p:clrMapOvr>
+</p:notes>
+</file>
+
+<file path=ppt/notesSlides/notesSlide17.xml><?xml version="1.0" encoding="utf-8"?>
+<p:notes xmlns:a="http://schemas.openxmlformats.org/drawingml/2006/main" xmlns:r="http://schemas.openxmlformats.org/officeDocument/2006/relationships" xmlns:p="http://schemas.openxmlformats.org/presentationml/2006/main">
+  <p:cSld>
+    <p:spTree>
+      <p:nvGrpSpPr>
+        <p:cNvPr id="1" name=""/>
+        <p:cNvGrpSpPr/>
+        <p:nvPr/>
+      </p:nvGrpSpPr>
+      <p:grpSpPr>
+        <a:xfrm>
+          <a:off x="0" y="0"/>
+          <a:ext cx="0" cy="0"/>
+          <a:chOff x="0" y="0"/>
+          <a:chExt cx="0" cy="0"/>
+        </a:xfrm>
+      </p:grpSpPr>
+      <p:sp>
+        <p:nvSpPr>
+          <p:cNvPr id="2" name="슬라이드 이미지 개체 틀 1"/>
+          <p:cNvSpPr>
+            <a:spLocks noGrp="1" noRot="1" noChangeAspect="1"/>
+          </p:cNvSpPr>
+          <p:nvPr>
+            <p:ph type="sldImg"/>
+          </p:nvPr>
+        </p:nvSpPr>
+        <p:spPr/>
+      </p:sp>
+      <p:sp>
+        <p:nvSpPr>
+          <p:cNvPr id="3" name="슬라이드 노트 개체 틀 2"/>
+          <p:cNvSpPr>
+            <a:spLocks noGrp="1"/>
+          </p:cNvSpPr>
+          <p:nvPr>
+            <p:ph type="body" idx="1"/>
+          </p:nvPr>
+        </p:nvSpPr>
+        <p:spPr/>
+        <p:txBody>
+          <a:bodyPr/>
+          <a:lstStyle/>
+          <a:p>
+            <a:endParaRPr lang="ko-KR" altLang="en-US" dirty="0"/>
+          </a:p>
+        </p:txBody>
+      </p:sp>
+      <p:sp>
+        <p:nvSpPr>
+          <p:cNvPr id="4" name="슬라이드 번호 개체 틀 3"/>
+          <p:cNvSpPr>
+            <a:spLocks noGrp="1"/>
+          </p:cNvSpPr>
+          <p:nvPr>
+            <p:ph type="sldNum" sz="quarter" idx="5"/>
+          </p:nvPr>
+        </p:nvSpPr>
+        <p:spPr/>
+        <p:txBody>
+          <a:bodyPr/>
+          <a:lstStyle/>
+          <a:p>
+            <a:fld id="{73EB825B-89DC-4B21-8B3A-B3CA9CD761CE}" type="slidenum">
+              <a:rPr lang="ko-KR" altLang="en-US" smtClean="0"/>
+              <a:t>18</a:t>
+            </a:fld>
+            <a:endParaRPr lang="ko-KR" altLang="en-US"/>
+          </a:p>
+        </p:txBody>
+      </p:sp>
+    </p:spTree>
+    <p:extLst>
+      <p:ext uri="{BB962C8B-B14F-4D97-AF65-F5344CB8AC3E}">
+        <p14:creationId xmlns:p14="http://schemas.microsoft.com/office/powerpoint/2010/main" val="1223845825"/>
       </p:ext>
     </p:extLst>
   </p:cSld>
@@ -1971,7 +2056,7 @@
           <a:p>
             <a:fld id="{D462599A-B33D-436C-B092-176AB220EA1F}" type="datetimeFigureOut">
               <a:rPr lang="ko-KR" altLang="en-US" smtClean="0"/>
-              <a:t>2022-05-25(Wed)</a:t>
+              <a:t>2022-06-02(Thu)</a:t>
             </a:fld>
             <a:endParaRPr lang="ko-KR" altLang="en-US"/>
           </a:p>
@@ -2169,7 +2254,7 @@
           <a:p>
             <a:fld id="{D462599A-B33D-436C-B092-176AB220EA1F}" type="datetimeFigureOut">
               <a:rPr lang="ko-KR" altLang="en-US" smtClean="0"/>
-              <a:t>2022-05-25(Wed)</a:t>
+              <a:t>2022-06-02(Thu)</a:t>
             </a:fld>
             <a:endParaRPr lang="ko-KR" altLang="en-US"/>
           </a:p>
@@ -2377,7 +2462,7 @@
           <a:p>
             <a:fld id="{D462599A-B33D-436C-B092-176AB220EA1F}" type="datetimeFigureOut">
               <a:rPr lang="ko-KR" altLang="en-US" smtClean="0"/>
-              <a:t>2022-05-25(Wed)</a:t>
+              <a:t>2022-06-02(Thu)</a:t>
             </a:fld>
             <a:endParaRPr lang="ko-KR" altLang="en-US"/>
           </a:p>
@@ -2827,7 +2912,7 @@
           <a:p>
             <a:fld id="{D462599A-B33D-436C-B092-176AB220EA1F}" type="datetimeFigureOut">
               <a:rPr lang="ko-KR" altLang="en-US" smtClean="0"/>
-              <a:t>2022-05-25(Wed)</a:t>
+              <a:t>2022-06-02(Thu)</a:t>
             </a:fld>
             <a:endParaRPr lang="ko-KR" altLang="en-US"/>
           </a:p>
@@ -3102,7 +3187,7 @@
           <a:p>
             <a:fld id="{D462599A-B33D-436C-B092-176AB220EA1F}" type="datetimeFigureOut">
               <a:rPr lang="ko-KR" altLang="en-US" smtClean="0"/>
-              <a:t>2022-05-25(Wed)</a:t>
+              <a:t>2022-06-02(Thu)</a:t>
             </a:fld>
             <a:endParaRPr lang="ko-KR" altLang="en-US"/>
           </a:p>
@@ -3367,7 +3452,7 @@
           <a:p>
             <a:fld id="{D462599A-B33D-436C-B092-176AB220EA1F}" type="datetimeFigureOut">
               <a:rPr lang="ko-KR" altLang="en-US" smtClean="0"/>
-              <a:t>2022-05-25(Wed)</a:t>
+              <a:t>2022-06-02(Thu)</a:t>
             </a:fld>
             <a:endParaRPr lang="ko-KR" altLang="en-US"/>
           </a:p>
@@ -3779,7 +3864,7 @@
           <a:p>
             <a:fld id="{D462599A-B33D-436C-B092-176AB220EA1F}" type="datetimeFigureOut">
               <a:rPr lang="ko-KR" altLang="en-US" smtClean="0"/>
-              <a:t>2022-05-25(Wed)</a:t>
+              <a:t>2022-06-02(Thu)</a:t>
             </a:fld>
             <a:endParaRPr lang="ko-KR" altLang="en-US"/>
           </a:p>
@@ -3920,7 +4005,7 @@
           <a:p>
             <a:fld id="{D462599A-B33D-436C-B092-176AB220EA1F}" type="datetimeFigureOut">
               <a:rPr lang="ko-KR" altLang="en-US" smtClean="0"/>
-              <a:t>2022-05-25(Wed)</a:t>
+              <a:t>2022-06-02(Thu)</a:t>
             </a:fld>
             <a:endParaRPr lang="ko-KR" altLang="en-US"/>
           </a:p>
@@ -4033,7 +4118,7 @@
           <a:p>
             <a:fld id="{D462599A-B33D-436C-B092-176AB220EA1F}" type="datetimeFigureOut">
               <a:rPr lang="ko-KR" altLang="en-US" smtClean="0"/>
-              <a:t>2022-05-25(Wed)</a:t>
+              <a:t>2022-06-02(Thu)</a:t>
             </a:fld>
             <a:endParaRPr lang="ko-KR" altLang="en-US"/>
           </a:p>
@@ -4344,7 +4429,7 @@
           <a:p>
             <a:fld id="{D462599A-B33D-436C-B092-176AB220EA1F}" type="datetimeFigureOut">
               <a:rPr lang="ko-KR" altLang="en-US" smtClean="0"/>
-              <a:t>2022-05-25(Wed)</a:t>
+              <a:t>2022-06-02(Thu)</a:t>
             </a:fld>
             <a:endParaRPr lang="ko-KR" altLang="en-US"/>
           </a:p>
@@ -4632,7 +4717,7 @@
           <a:p>
             <a:fld id="{D462599A-B33D-436C-B092-176AB220EA1F}" type="datetimeFigureOut">
               <a:rPr lang="ko-KR" altLang="en-US" smtClean="0"/>
-              <a:t>2022-05-25(Wed)</a:t>
+              <a:t>2022-06-02(Thu)</a:t>
             </a:fld>
             <a:endParaRPr lang="ko-KR" altLang="en-US"/>
           </a:p>
@@ -4873,7 +4958,7 @@
           <a:p>
             <a:fld id="{D462599A-B33D-436C-B092-176AB220EA1F}" type="datetimeFigureOut">
               <a:rPr lang="ko-KR" altLang="en-US" smtClean="0"/>
-              <a:t>2022-05-25(Wed)</a:t>
+              <a:t>2022-06-02(Thu)</a:t>
             </a:fld>
             <a:endParaRPr lang="ko-KR" altLang="en-US"/>
           </a:p>
@@ -29466,3610 +29551,6 @@
       </p:grpSpPr>
       <p:sp>
         <p:nvSpPr>
-          <p:cNvPr id="74" name="순서도: 대체 처리 73">
-            <a:extLst>
-              <a:ext uri="{FF2B5EF4-FFF2-40B4-BE49-F238E27FC236}">
-                <a16:creationId xmlns:a16="http://schemas.microsoft.com/office/drawing/2014/main" id="{294AD6F2-A79D-404E-BF1D-C62F08BFF979}"/>
-              </a:ext>
-            </a:extLst>
-          </p:cNvPr>
-          <p:cNvSpPr/>
-          <p:nvPr/>
-        </p:nvSpPr>
-        <p:spPr>
-          <a:xfrm>
-            <a:off x="5885269" y="841660"/>
-            <a:ext cx="1300356" cy="612648"/>
-          </a:xfrm>
-          <a:prstGeom prst="flowChartAlternateProcess">
-            <a:avLst/>
-          </a:prstGeom>
-          <a:solidFill>
-            <a:schemeClr val="accent4">
-              <a:lumMod val="40000"/>
-              <a:lumOff val="60000"/>
-            </a:schemeClr>
-          </a:solidFill>
-          <a:ln>
-            <a:noFill/>
-          </a:ln>
-        </p:spPr>
-        <p:style>
-          <a:lnRef idx="2">
-            <a:schemeClr val="accent1">
-              <a:shade val="50000"/>
-            </a:schemeClr>
-          </a:lnRef>
-          <a:fillRef idx="1">
-            <a:schemeClr val="accent1"/>
-          </a:fillRef>
-          <a:effectRef idx="0">
-            <a:schemeClr val="accent1"/>
-          </a:effectRef>
-          <a:fontRef idx="minor">
-            <a:schemeClr val="lt1"/>
-          </a:fontRef>
-        </p:style>
-        <p:txBody>
-          <a:bodyPr rtlCol="0" anchor="ctr"/>
-          <a:lstStyle/>
-          <a:p>
-            <a:pPr algn="ctr"/>
-            <a:endParaRPr lang="ko-KR" altLang="en-US"/>
-          </a:p>
-        </p:txBody>
-      </p:sp>
-      <p:sp>
-        <p:nvSpPr>
-          <p:cNvPr id="4" name="직사각형 3">
-            <a:extLst>
-              <a:ext uri="{FF2B5EF4-FFF2-40B4-BE49-F238E27FC236}">
-                <a16:creationId xmlns:a16="http://schemas.microsoft.com/office/drawing/2014/main" id="{AE93FE2A-85FE-4157-951C-FC2FADBB3B34}"/>
-              </a:ext>
-            </a:extLst>
-          </p:cNvPr>
-          <p:cNvSpPr/>
-          <p:nvPr/>
-        </p:nvSpPr>
-        <p:spPr>
-          <a:xfrm>
-            <a:off x="0" y="0"/>
-            <a:ext cx="12192000" cy="1034474"/>
-          </a:xfrm>
-          <a:prstGeom prst="rect">
-            <a:avLst/>
-          </a:prstGeom>
-          <a:solidFill>
-            <a:schemeClr val="accent5">
-              <a:lumMod val="60000"/>
-              <a:lumOff val="40000"/>
-            </a:schemeClr>
-          </a:solidFill>
-        </p:spPr>
-        <p:style>
-          <a:lnRef idx="2">
-            <a:schemeClr val="accent1">
-              <a:shade val="50000"/>
-            </a:schemeClr>
-          </a:lnRef>
-          <a:fillRef idx="1">
-            <a:schemeClr val="accent1"/>
-          </a:fillRef>
-          <a:effectRef idx="0">
-            <a:schemeClr val="accent1"/>
-          </a:effectRef>
-          <a:fontRef idx="minor">
-            <a:schemeClr val="lt1"/>
-          </a:fontRef>
-        </p:style>
-        <p:txBody>
-          <a:bodyPr rtlCol="0" anchor="ctr"/>
-          <a:lstStyle/>
-          <a:p>
-            <a:pPr algn="ctr"/>
-            <a:endParaRPr lang="ko-KR" altLang="en-US" dirty="0"/>
-          </a:p>
-        </p:txBody>
-      </p:sp>
-      <p:sp>
-        <p:nvSpPr>
-          <p:cNvPr id="49" name="TextBox 48">
-            <a:extLst>
-              <a:ext uri="{FF2B5EF4-FFF2-40B4-BE49-F238E27FC236}">
-                <a16:creationId xmlns:a16="http://schemas.microsoft.com/office/drawing/2014/main" id="{90F0C337-277C-47A2-B4D0-FA7A8AE955D8}"/>
-              </a:ext>
-            </a:extLst>
-          </p:cNvPr>
-          <p:cNvSpPr txBox="1"/>
-          <p:nvPr/>
-        </p:nvSpPr>
-        <p:spPr>
-          <a:xfrm>
-            <a:off x="11508508" y="6289963"/>
-            <a:ext cx="311304" cy="369332"/>
-          </a:xfrm>
-          <a:prstGeom prst="rect">
-            <a:avLst/>
-          </a:prstGeom>
-          <a:noFill/>
-        </p:spPr>
-        <p:txBody>
-          <a:bodyPr wrap="none" rtlCol="0">
-            <a:spAutoFit/>
-          </a:bodyPr>
-          <a:lstStyle/>
-          <a:p>
-            <a:r>
-              <a:rPr lang="en-US" altLang="ko-KR" dirty="0"/>
-              <a:t>1</a:t>
-            </a:r>
-            <a:endParaRPr lang="ko-KR" altLang="en-US" dirty="0"/>
-          </a:p>
-        </p:txBody>
-      </p:sp>
-      <p:sp>
-        <p:nvSpPr>
-          <p:cNvPr id="50" name="TextBox 49">
-            <a:extLst>
-              <a:ext uri="{FF2B5EF4-FFF2-40B4-BE49-F238E27FC236}">
-                <a16:creationId xmlns:a16="http://schemas.microsoft.com/office/drawing/2014/main" id="{E3859988-6E1C-4E5D-AC78-3E4EDCCF7B4C}"/>
-              </a:ext>
-            </a:extLst>
-          </p:cNvPr>
-          <p:cNvSpPr txBox="1"/>
-          <p:nvPr/>
-        </p:nvSpPr>
-        <p:spPr>
-          <a:xfrm>
-            <a:off x="37779" y="1043754"/>
-            <a:ext cx="1055097" cy="400110"/>
-          </a:xfrm>
-          <a:prstGeom prst="rect">
-            <a:avLst/>
-          </a:prstGeom>
-          <a:noFill/>
-        </p:spPr>
-        <p:txBody>
-          <a:bodyPr wrap="none" rtlCol="0">
-            <a:spAutoFit/>
-          </a:bodyPr>
-          <a:lstStyle/>
-          <a:p>
-            <a:r>
-              <a:rPr lang="ko-KR" altLang="en-US" sz="2000" b="1" dirty="0"/>
-              <a:t>지도 </a:t>
-            </a:r>
-            <a:r>
-              <a:rPr lang="en-US" altLang="ko-KR" sz="2000" b="1" dirty="0"/>
-              <a:t>UI</a:t>
-            </a:r>
-            <a:endParaRPr lang="ko-KR" altLang="en-US" sz="1600" b="1" dirty="0"/>
-          </a:p>
-        </p:txBody>
-      </p:sp>
-      <p:sp>
-        <p:nvSpPr>
-          <p:cNvPr id="51" name="직사각형 50">
-            <a:extLst>
-              <a:ext uri="{FF2B5EF4-FFF2-40B4-BE49-F238E27FC236}">
-                <a16:creationId xmlns:a16="http://schemas.microsoft.com/office/drawing/2014/main" id="{3D382302-BF1A-442E-8BDA-565037D70A8B}"/>
-              </a:ext>
-            </a:extLst>
-          </p:cNvPr>
-          <p:cNvSpPr/>
-          <p:nvPr/>
-        </p:nvSpPr>
-        <p:spPr>
-          <a:xfrm flipH="1">
-            <a:off x="1130655" y="1034474"/>
-            <a:ext cx="45719" cy="369332"/>
-          </a:xfrm>
-          <a:prstGeom prst="rect">
-            <a:avLst/>
-          </a:prstGeom>
-          <a:solidFill>
-            <a:schemeClr val="tx1"/>
-          </a:solidFill>
-          <a:ln>
-            <a:noFill/>
-          </a:ln>
-        </p:spPr>
-        <p:style>
-          <a:lnRef idx="2">
-            <a:schemeClr val="accent1">
-              <a:shade val="50000"/>
-            </a:schemeClr>
-          </a:lnRef>
-          <a:fillRef idx="1">
-            <a:schemeClr val="accent1"/>
-          </a:fillRef>
-          <a:effectRef idx="0">
-            <a:schemeClr val="accent1"/>
-          </a:effectRef>
-          <a:fontRef idx="minor">
-            <a:schemeClr val="lt1"/>
-          </a:fontRef>
-        </p:style>
-        <p:txBody>
-          <a:bodyPr rtlCol="0" anchor="ctr"/>
-          <a:lstStyle/>
-          <a:p>
-            <a:pPr algn="ctr"/>
-            <a:endParaRPr lang="ko-KR" altLang="en-US"/>
-          </a:p>
-        </p:txBody>
-      </p:sp>
-      <p:sp>
-        <p:nvSpPr>
-          <p:cNvPr id="52" name="TextBox 51">
-            <a:extLst>
-              <a:ext uri="{FF2B5EF4-FFF2-40B4-BE49-F238E27FC236}">
-                <a16:creationId xmlns:a16="http://schemas.microsoft.com/office/drawing/2014/main" id="{A1F4A5FD-40A4-451A-B2FB-92DEB327DC03}"/>
-              </a:ext>
-            </a:extLst>
-          </p:cNvPr>
-          <p:cNvSpPr txBox="1"/>
-          <p:nvPr/>
-        </p:nvSpPr>
-        <p:spPr>
-          <a:xfrm>
-            <a:off x="1166095" y="1054590"/>
-            <a:ext cx="1657826" cy="400110"/>
-          </a:xfrm>
-          <a:prstGeom prst="rect">
-            <a:avLst/>
-          </a:prstGeom>
-          <a:noFill/>
-        </p:spPr>
-        <p:txBody>
-          <a:bodyPr wrap="none" rtlCol="0">
-            <a:spAutoFit/>
-          </a:bodyPr>
-          <a:lstStyle/>
-          <a:p>
-            <a:r>
-              <a:rPr lang="ko-KR" altLang="en-US" sz="2000" b="1" dirty="0"/>
-              <a:t>상세 지도 </a:t>
-            </a:r>
-            <a:r>
-              <a:rPr lang="en-US" altLang="ko-KR" sz="2000" b="1" dirty="0"/>
-              <a:t>UI</a:t>
-            </a:r>
-            <a:endParaRPr lang="ko-KR" altLang="en-US" sz="1600" b="1" dirty="0"/>
-          </a:p>
-        </p:txBody>
-      </p:sp>
-      <p:sp>
-        <p:nvSpPr>
-          <p:cNvPr id="65" name="직사각형 64">
-            <a:extLst>
-              <a:ext uri="{FF2B5EF4-FFF2-40B4-BE49-F238E27FC236}">
-                <a16:creationId xmlns:a16="http://schemas.microsoft.com/office/drawing/2014/main" id="{D024B20E-4717-49C8-AA42-2FE248CE3FEB}"/>
-              </a:ext>
-            </a:extLst>
-          </p:cNvPr>
-          <p:cNvSpPr/>
-          <p:nvPr/>
-        </p:nvSpPr>
-        <p:spPr>
-          <a:xfrm flipH="1">
-            <a:off x="2789122" y="1043434"/>
-            <a:ext cx="45719" cy="369332"/>
-          </a:xfrm>
-          <a:prstGeom prst="rect">
-            <a:avLst/>
-          </a:prstGeom>
-          <a:solidFill>
-            <a:schemeClr val="tx1"/>
-          </a:solidFill>
-          <a:ln>
-            <a:noFill/>
-          </a:ln>
-        </p:spPr>
-        <p:style>
-          <a:lnRef idx="2">
-            <a:schemeClr val="accent1">
-              <a:shade val="50000"/>
-            </a:schemeClr>
-          </a:lnRef>
-          <a:fillRef idx="1">
-            <a:schemeClr val="accent1"/>
-          </a:fillRef>
-          <a:effectRef idx="0">
-            <a:schemeClr val="accent1"/>
-          </a:effectRef>
-          <a:fontRef idx="minor">
-            <a:schemeClr val="lt1"/>
-          </a:fontRef>
-        </p:style>
-        <p:txBody>
-          <a:bodyPr rtlCol="0" anchor="ctr"/>
-          <a:lstStyle/>
-          <a:p>
-            <a:pPr algn="ctr"/>
-            <a:endParaRPr lang="ko-KR" altLang="en-US"/>
-          </a:p>
-        </p:txBody>
-      </p:sp>
-      <p:sp>
-        <p:nvSpPr>
-          <p:cNvPr id="66" name="TextBox 65">
-            <a:extLst>
-              <a:ext uri="{FF2B5EF4-FFF2-40B4-BE49-F238E27FC236}">
-                <a16:creationId xmlns:a16="http://schemas.microsoft.com/office/drawing/2014/main" id="{4C698B71-8AE3-4BC1-B7EB-94BB7FDA7538}"/>
-              </a:ext>
-            </a:extLst>
-          </p:cNvPr>
-          <p:cNvSpPr txBox="1"/>
-          <p:nvPr/>
-        </p:nvSpPr>
-        <p:spPr>
-          <a:xfrm>
-            <a:off x="2789122" y="1065572"/>
-            <a:ext cx="1804354" cy="369332"/>
-          </a:xfrm>
-          <a:prstGeom prst="rect">
-            <a:avLst/>
-          </a:prstGeom>
-          <a:noFill/>
-        </p:spPr>
-        <p:txBody>
-          <a:bodyPr wrap="square">
-            <a:spAutoFit/>
-          </a:bodyPr>
-          <a:lstStyle/>
-          <a:p>
-            <a:r>
-              <a:rPr lang="ko-KR" altLang="en-US" sz="1800" b="1" dirty="0"/>
-              <a:t>인 게임 설정 창</a:t>
-            </a:r>
-            <a:endParaRPr lang="ko-KR" altLang="en-US" dirty="0"/>
-          </a:p>
-        </p:txBody>
-      </p:sp>
-      <p:sp>
-        <p:nvSpPr>
-          <p:cNvPr id="67" name="TextBox 66">
-            <a:extLst>
-              <a:ext uri="{FF2B5EF4-FFF2-40B4-BE49-F238E27FC236}">
-                <a16:creationId xmlns:a16="http://schemas.microsoft.com/office/drawing/2014/main" id="{BC75135E-239E-492D-95ED-86F104B99FC1}"/>
-              </a:ext>
-            </a:extLst>
-          </p:cNvPr>
-          <p:cNvSpPr txBox="1"/>
-          <p:nvPr/>
-        </p:nvSpPr>
-        <p:spPr>
-          <a:xfrm>
-            <a:off x="4593476" y="1028045"/>
-            <a:ext cx="1300356" cy="400110"/>
-          </a:xfrm>
-          <a:prstGeom prst="rect">
-            <a:avLst/>
-          </a:prstGeom>
-          <a:noFill/>
-        </p:spPr>
-        <p:txBody>
-          <a:bodyPr wrap="none" rtlCol="0">
-            <a:spAutoFit/>
-          </a:bodyPr>
-          <a:lstStyle/>
-          <a:p>
-            <a:r>
-              <a:rPr lang="ko-KR" altLang="en-US" sz="2000" b="1" dirty="0"/>
-              <a:t>시체 발견</a:t>
-            </a:r>
-            <a:endParaRPr lang="ko-KR" altLang="en-US" sz="1600" b="1" dirty="0"/>
-          </a:p>
-        </p:txBody>
-      </p:sp>
-      <p:sp>
-        <p:nvSpPr>
-          <p:cNvPr id="68" name="직사각형 67">
-            <a:extLst>
-              <a:ext uri="{FF2B5EF4-FFF2-40B4-BE49-F238E27FC236}">
-                <a16:creationId xmlns:a16="http://schemas.microsoft.com/office/drawing/2014/main" id="{B30CE26B-B0AE-4080-9A8C-7C566DAC7DC8}"/>
-              </a:ext>
-            </a:extLst>
-          </p:cNvPr>
-          <p:cNvSpPr/>
-          <p:nvPr/>
-        </p:nvSpPr>
-        <p:spPr>
-          <a:xfrm flipH="1">
-            <a:off x="4582073" y="1043434"/>
-            <a:ext cx="45719" cy="369332"/>
-          </a:xfrm>
-          <a:prstGeom prst="rect">
-            <a:avLst/>
-          </a:prstGeom>
-          <a:solidFill>
-            <a:schemeClr val="tx1"/>
-          </a:solidFill>
-          <a:ln>
-            <a:noFill/>
-          </a:ln>
-        </p:spPr>
-        <p:style>
-          <a:lnRef idx="2">
-            <a:schemeClr val="accent1">
-              <a:shade val="50000"/>
-            </a:schemeClr>
-          </a:lnRef>
-          <a:fillRef idx="1">
-            <a:schemeClr val="accent1"/>
-          </a:fillRef>
-          <a:effectRef idx="0">
-            <a:schemeClr val="accent1"/>
-          </a:effectRef>
-          <a:fontRef idx="minor">
-            <a:schemeClr val="lt1"/>
-          </a:fontRef>
-        </p:style>
-        <p:txBody>
-          <a:bodyPr rtlCol="0" anchor="ctr"/>
-          <a:lstStyle/>
-          <a:p>
-            <a:pPr algn="ctr"/>
-            <a:endParaRPr lang="ko-KR" altLang="en-US"/>
-          </a:p>
-        </p:txBody>
-      </p:sp>
-      <p:sp>
-        <p:nvSpPr>
-          <p:cNvPr id="71" name="직사각형 70">
-            <a:extLst>
-              <a:ext uri="{FF2B5EF4-FFF2-40B4-BE49-F238E27FC236}">
-                <a16:creationId xmlns:a16="http://schemas.microsoft.com/office/drawing/2014/main" id="{48E0314B-6982-4E54-B3AC-7AFDD1F8EEAC}"/>
-              </a:ext>
-            </a:extLst>
-          </p:cNvPr>
-          <p:cNvSpPr/>
-          <p:nvPr/>
-        </p:nvSpPr>
-        <p:spPr>
-          <a:xfrm flipH="1">
-            <a:off x="5846097" y="1052400"/>
-            <a:ext cx="45719" cy="369332"/>
-          </a:xfrm>
-          <a:prstGeom prst="rect">
-            <a:avLst/>
-          </a:prstGeom>
-          <a:solidFill>
-            <a:schemeClr val="tx1"/>
-          </a:solidFill>
-          <a:ln>
-            <a:noFill/>
-          </a:ln>
-        </p:spPr>
-        <p:style>
-          <a:lnRef idx="2">
-            <a:schemeClr val="accent1">
-              <a:shade val="50000"/>
-            </a:schemeClr>
-          </a:lnRef>
-          <a:fillRef idx="1">
-            <a:schemeClr val="accent1"/>
-          </a:fillRef>
-          <a:effectRef idx="0">
-            <a:schemeClr val="accent1"/>
-          </a:effectRef>
-          <a:fontRef idx="minor">
-            <a:schemeClr val="lt1"/>
-          </a:fontRef>
-        </p:style>
-        <p:txBody>
-          <a:bodyPr rtlCol="0" anchor="ctr"/>
-          <a:lstStyle/>
-          <a:p>
-            <a:pPr algn="ctr"/>
-            <a:endParaRPr lang="ko-KR" altLang="en-US"/>
-          </a:p>
-        </p:txBody>
-      </p:sp>
-      <p:sp>
-        <p:nvSpPr>
-          <p:cNvPr id="73" name="TextBox 72">
-            <a:extLst>
-              <a:ext uri="{FF2B5EF4-FFF2-40B4-BE49-F238E27FC236}">
-                <a16:creationId xmlns:a16="http://schemas.microsoft.com/office/drawing/2014/main" id="{343A38EA-5C1E-4382-9A73-E68269F3FFE2}"/>
-              </a:ext>
-            </a:extLst>
-          </p:cNvPr>
-          <p:cNvSpPr txBox="1"/>
-          <p:nvPr/>
-        </p:nvSpPr>
-        <p:spPr>
-          <a:xfrm>
-            <a:off x="5852533" y="1049011"/>
-            <a:ext cx="1459243" cy="369332"/>
-          </a:xfrm>
-          <a:prstGeom prst="rect">
-            <a:avLst/>
-          </a:prstGeom>
-          <a:noFill/>
-        </p:spPr>
-        <p:txBody>
-          <a:bodyPr wrap="square">
-            <a:spAutoFit/>
-          </a:bodyPr>
-          <a:lstStyle/>
-          <a:p>
-            <a:r>
-              <a:rPr lang="ko-KR" altLang="en-US" sz="1800" b="1" dirty="0"/>
-              <a:t>회의 </a:t>
-            </a:r>
-            <a:r>
-              <a:rPr lang="en-US" altLang="ko-KR" sz="1800" b="1" dirty="0"/>
-              <a:t>/ </a:t>
-            </a:r>
-            <a:r>
-              <a:rPr lang="ko-KR" altLang="en-US" sz="1800" b="1" dirty="0"/>
-              <a:t>채팅 </a:t>
-            </a:r>
-            <a:endParaRPr lang="ko-KR" altLang="en-US" dirty="0"/>
-          </a:p>
-        </p:txBody>
-      </p:sp>
-      <p:sp>
-        <p:nvSpPr>
-          <p:cNvPr id="76" name="TextBox 75">
-            <a:extLst>
-              <a:ext uri="{FF2B5EF4-FFF2-40B4-BE49-F238E27FC236}">
-                <a16:creationId xmlns:a16="http://schemas.microsoft.com/office/drawing/2014/main" id="{BE7A8F25-A929-4ABF-9702-4EE0B7A5F35A}"/>
-              </a:ext>
-            </a:extLst>
-          </p:cNvPr>
-          <p:cNvSpPr txBox="1"/>
-          <p:nvPr/>
-        </p:nvSpPr>
-        <p:spPr>
-          <a:xfrm>
-            <a:off x="646546" y="255627"/>
-            <a:ext cx="4230254" cy="523220"/>
-          </a:xfrm>
-          <a:prstGeom prst="rect">
-            <a:avLst/>
-          </a:prstGeom>
-          <a:noFill/>
-        </p:spPr>
-        <p:txBody>
-          <a:bodyPr wrap="square" rtlCol="0">
-            <a:spAutoFit/>
-          </a:bodyPr>
-          <a:lstStyle/>
-          <a:p>
-            <a:r>
-              <a:rPr lang="en-US" altLang="ko-KR" sz="2800" b="1" dirty="0"/>
-              <a:t>UI</a:t>
-            </a:r>
-          </a:p>
-        </p:txBody>
-      </p:sp>
-      <p:pic>
-        <p:nvPicPr>
-          <p:cNvPr id="3" name="그림 2">
-            <a:extLst>
-              <a:ext uri="{FF2B5EF4-FFF2-40B4-BE49-F238E27FC236}">
-                <a16:creationId xmlns:a16="http://schemas.microsoft.com/office/drawing/2014/main" id="{86EFFA82-3E98-720C-42AD-2E02C304D80C}"/>
-              </a:ext>
-            </a:extLst>
-          </p:cNvPr>
-          <p:cNvPicPr>
-            <a:picLocks noChangeAspect="1"/>
-          </p:cNvPicPr>
-          <p:nvPr/>
-        </p:nvPicPr>
-        <p:blipFill>
-          <a:blip r:embed="rId3"/>
-          <a:stretch>
-            <a:fillRect/>
-          </a:stretch>
-        </p:blipFill>
-        <p:spPr>
-          <a:xfrm>
-            <a:off x="2420470" y="2062519"/>
-            <a:ext cx="7702052" cy="4122938"/>
-          </a:xfrm>
-          <a:prstGeom prst="rect">
-            <a:avLst/>
-          </a:prstGeom>
-        </p:spPr>
-      </p:pic>
-      <p:sp>
-        <p:nvSpPr>
-          <p:cNvPr id="5" name="직사각형 4">
-            <a:extLst>
-              <a:ext uri="{FF2B5EF4-FFF2-40B4-BE49-F238E27FC236}">
-                <a16:creationId xmlns:a16="http://schemas.microsoft.com/office/drawing/2014/main" id="{D53831B2-1342-2223-DEEA-D7D8DBBC5E04}"/>
-              </a:ext>
-            </a:extLst>
-          </p:cNvPr>
-          <p:cNvSpPr/>
-          <p:nvPr/>
-        </p:nvSpPr>
-        <p:spPr>
-          <a:xfrm>
-            <a:off x="2789122" y="2222768"/>
-            <a:ext cx="1263480" cy="519953"/>
-          </a:xfrm>
-          <a:prstGeom prst="rect">
-            <a:avLst/>
-          </a:prstGeom>
-          <a:noFill/>
-          <a:ln>
-            <a:solidFill>
-              <a:schemeClr val="tx1"/>
-            </a:solidFill>
-          </a:ln>
-        </p:spPr>
-        <p:style>
-          <a:lnRef idx="2">
-            <a:schemeClr val="accent1">
-              <a:shade val="50000"/>
-            </a:schemeClr>
-          </a:lnRef>
-          <a:fillRef idx="1">
-            <a:schemeClr val="accent1"/>
-          </a:fillRef>
-          <a:effectRef idx="0">
-            <a:schemeClr val="accent1"/>
-          </a:effectRef>
-          <a:fontRef idx="minor">
-            <a:schemeClr val="lt1"/>
-          </a:fontRef>
-        </p:style>
-        <p:txBody>
-          <a:bodyPr rtlCol="0" anchor="ctr"/>
-          <a:lstStyle/>
-          <a:p>
-            <a:pPr algn="ctr"/>
-            <a:endParaRPr lang="ko-KR" altLang="en-US"/>
-          </a:p>
-        </p:txBody>
-      </p:sp>
-      <p:cxnSp>
-        <p:nvCxnSpPr>
-          <p:cNvPr id="7" name="연결선: 꺾임 6">
-            <a:extLst>
-              <a:ext uri="{FF2B5EF4-FFF2-40B4-BE49-F238E27FC236}">
-                <a16:creationId xmlns:a16="http://schemas.microsoft.com/office/drawing/2014/main" id="{68E6E7C9-0EE0-D4EF-4B4C-B1039BC56751}"/>
-              </a:ext>
-            </a:extLst>
-          </p:cNvPr>
-          <p:cNvCxnSpPr>
-            <a:cxnSpLocks/>
-            <a:stCxn id="5" idx="1"/>
-          </p:cNvCxnSpPr>
-          <p:nvPr/>
-        </p:nvCxnSpPr>
-        <p:spPr>
-          <a:xfrm rot="10800000" flipV="1">
-            <a:off x="1577788" y="2482745"/>
-            <a:ext cx="1211334" cy="259976"/>
-          </a:xfrm>
-          <a:prstGeom prst="bentConnector3">
-            <a:avLst/>
-          </a:prstGeom>
-        </p:spPr>
-        <p:style>
-          <a:lnRef idx="1">
-            <a:schemeClr val="dk1"/>
-          </a:lnRef>
-          <a:fillRef idx="0">
-            <a:schemeClr val="dk1"/>
-          </a:fillRef>
-          <a:effectRef idx="0">
-            <a:schemeClr val="dk1"/>
-          </a:effectRef>
-          <a:fontRef idx="minor">
-            <a:schemeClr val="tx1"/>
-          </a:fontRef>
-        </p:style>
-      </p:cxnSp>
-      <p:sp>
-        <p:nvSpPr>
-          <p:cNvPr id="9" name="TextBox 8">
-            <a:extLst>
-              <a:ext uri="{FF2B5EF4-FFF2-40B4-BE49-F238E27FC236}">
-                <a16:creationId xmlns:a16="http://schemas.microsoft.com/office/drawing/2014/main" id="{BB799AAA-7794-713B-F2B5-DD722AD60C1B}"/>
-              </a:ext>
-            </a:extLst>
-          </p:cNvPr>
-          <p:cNvSpPr txBox="1"/>
-          <p:nvPr/>
-        </p:nvSpPr>
-        <p:spPr>
-          <a:xfrm>
-            <a:off x="70939" y="2612733"/>
-            <a:ext cx="1524776" cy="276999"/>
-          </a:xfrm>
-          <a:prstGeom prst="rect">
-            <a:avLst/>
-          </a:prstGeom>
-          <a:noFill/>
-        </p:spPr>
-        <p:txBody>
-          <a:bodyPr wrap="none" rtlCol="0">
-            <a:spAutoFit/>
-          </a:bodyPr>
-          <a:lstStyle/>
-          <a:p>
-            <a:r>
-              <a:rPr lang="ko-KR" altLang="en-US" sz="1200" dirty="0"/>
-              <a:t>무슨 시간인지 표시</a:t>
-            </a:r>
-          </a:p>
-        </p:txBody>
-      </p:sp>
-      <p:sp>
-        <p:nvSpPr>
-          <p:cNvPr id="12" name="직사각형 11">
-            <a:extLst>
-              <a:ext uri="{FF2B5EF4-FFF2-40B4-BE49-F238E27FC236}">
-                <a16:creationId xmlns:a16="http://schemas.microsoft.com/office/drawing/2014/main" id="{ED2F3679-37ED-7618-130D-53CD6E8A35A7}"/>
-              </a:ext>
-            </a:extLst>
-          </p:cNvPr>
-          <p:cNvSpPr/>
-          <p:nvPr/>
-        </p:nvSpPr>
-        <p:spPr>
-          <a:xfrm>
-            <a:off x="2420471" y="2062519"/>
-            <a:ext cx="7700682" cy="4105199"/>
-          </a:xfrm>
-          <a:prstGeom prst="rect">
-            <a:avLst/>
-          </a:prstGeom>
-          <a:noFill/>
-          <a:ln w="28575">
-            <a:solidFill>
-              <a:schemeClr val="tx1"/>
-            </a:solidFill>
-          </a:ln>
-        </p:spPr>
-        <p:style>
-          <a:lnRef idx="2">
-            <a:schemeClr val="accent1">
-              <a:shade val="50000"/>
-            </a:schemeClr>
-          </a:lnRef>
-          <a:fillRef idx="1">
-            <a:schemeClr val="accent1"/>
-          </a:fillRef>
-          <a:effectRef idx="0">
-            <a:schemeClr val="accent1"/>
-          </a:effectRef>
-          <a:fontRef idx="minor">
-            <a:schemeClr val="lt1"/>
-          </a:fontRef>
-        </p:style>
-        <p:txBody>
-          <a:bodyPr rtlCol="0" anchor="ctr"/>
-          <a:lstStyle/>
-          <a:p>
-            <a:pPr algn="ctr"/>
-            <a:endParaRPr lang="ko-KR" altLang="en-US"/>
-          </a:p>
-        </p:txBody>
-      </p:sp>
-      <p:cxnSp>
-        <p:nvCxnSpPr>
-          <p:cNvPr id="78" name="연결선: 꺾임 77">
-            <a:extLst>
-              <a:ext uri="{FF2B5EF4-FFF2-40B4-BE49-F238E27FC236}">
-                <a16:creationId xmlns:a16="http://schemas.microsoft.com/office/drawing/2014/main" id="{503FFECF-12B3-B998-FBAA-294F2BAF1278}"/>
-              </a:ext>
-            </a:extLst>
-          </p:cNvPr>
-          <p:cNvCxnSpPr>
-            <a:cxnSpLocks/>
-          </p:cNvCxnSpPr>
-          <p:nvPr/>
-        </p:nvCxnSpPr>
-        <p:spPr>
-          <a:xfrm rot="10800000" flipV="1">
-            <a:off x="9515486" y="2222768"/>
-            <a:ext cx="1211334" cy="259976"/>
-          </a:xfrm>
-          <a:prstGeom prst="bentConnector3">
-            <a:avLst>
-              <a:gd name="adj1" fmla="val 29278"/>
-            </a:avLst>
-          </a:prstGeom>
-        </p:spPr>
-        <p:style>
-          <a:lnRef idx="1">
-            <a:schemeClr val="dk1"/>
-          </a:lnRef>
-          <a:fillRef idx="0">
-            <a:schemeClr val="dk1"/>
-          </a:fillRef>
-          <a:effectRef idx="0">
-            <a:schemeClr val="dk1"/>
-          </a:effectRef>
-          <a:fontRef idx="minor">
-            <a:schemeClr val="tx1"/>
-          </a:fontRef>
-        </p:style>
-      </p:cxnSp>
-      <p:sp>
-        <p:nvSpPr>
-          <p:cNvPr id="79" name="TextBox 78">
-            <a:extLst>
-              <a:ext uri="{FF2B5EF4-FFF2-40B4-BE49-F238E27FC236}">
-                <a16:creationId xmlns:a16="http://schemas.microsoft.com/office/drawing/2014/main" id="{6430B72F-3DF4-27DA-1103-62725F2D0511}"/>
-              </a:ext>
-            </a:extLst>
-          </p:cNvPr>
-          <p:cNvSpPr txBox="1"/>
-          <p:nvPr/>
-        </p:nvSpPr>
-        <p:spPr>
-          <a:xfrm>
-            <a:off x="10726820" y="2084267"/>
-            <a:ext cx="854721" cy="276999"/>
-          </a:xfrm>
-          <a:prstGeom prst="rect">
-            <a:avLst/>
-          </a:prstGeom>
-          <a:noFill/>
-        </p:spPr>
-        <p:txBody>
-          <a:bodyPr wrap="none" rtlCol="0">
-            <a:spAutoFit/>
-          </a:bodyPr>
-          <a:lstStyle/>
-          <a:p>
-            <a:r>
-              <a:rPr lang="ko-KR" altLang="en-US" sz="1200" dirty="0"/>
-              <a:t>채팅 버튼</a:t>
-            </a:r>
-          </a:p>
-        </p:txBody>
-      </p:sp>
-      <p:sp>
-        <p:nvSpPr>
-          <p:cNvPr id="13" name="타원 12">
-            <a:extLst>
-              <a:ext uri="{FF2B5EF4-FFF2-40B4-BE49-F238E27FC236}">
-                <a16:creationId xmlns:a16="http://schemas.microsoft.com/office/drawing/2014/main" id="{576E02D3-B46C-55AE-8547-92F6AC99FB1A}"/>
-              </a:ext>
-            </a:extLst>
-          </p:cNvPr>
-          <p:cNvSpPr/>
-          <p:nvPr/>
-        </p:nvSpPr>
-        <p:spPr>
-          <a:xfrm>
-            <a:off x="9250478" y="2146730"/>
-            <a:ext cx="304800" cy="304800"/>
-          </a:xfrm>
-          <a:prstGeom prst="ellipse">
-            <a:avLst/>
-          </a:prstGeom>
-          <a:noFill/>
-          <a:ln w="38100">
-            <a:solidFill>
-              <a:schemeClr val="tx1"/>
-            </a:solidFill>
-          </a:ln>
-        </p:spPr>
-        <p:style>
-          <a:lnRef idx="2">
-            <a:schemeClr val="accent1">
-              <a:shade val="50000"/>
-            </a:schemeClr>
-          </a:lnRef>
-          <a:fillRef idx="1">
-            <a:schemeClr val="accent1"/>
-          </a:fillRef>
-          <a:effectRef idx="0">
-            <a:schemeClr val="accent1"/>
-          </a:effectRef>
-          <a:fontRef idx="minor">
-            <a:schemeClr val="lt1"/>
-          </a:fontRef>
-        </p:style>
-        <p:txBody>
-          <a:bodyPr rtlCol="0" anchor="ctr"/>
-          <a:lstStyle/>
-          <a:p>
-            <a:pPr algn="ctr"/>
-            <a:r>
-              <a:rPr lang="en-US" altLang="ko-KR" sz="1400" b="1" dirty="0">
-                <a:solidFill>
-                  <a:schemeClr val="tx1"/>
-                </a:solidFill>
-              </a:rPr>
-              <a:t>!</a:t>
-            </a:r>
-            <a:endParaRPr lang="ko-KR" altLang="en-US" sz="1400" b="1" dirty="0">
-              <a:solidFill>
-                <a:schemeClr val="tx1"/>
-              </a:solidFill>
-            </a:endParaRPr>
-          </a:p>
-        </p:txBody>
-      </p:sp>
-      <p:cxnSp>
-        <p:nvCxnSpPr>
-          <p:cNvPr id="80" name="연결선: 꺾임 79">
-            <a:extLst>
-              <a:ext uri="{FF2B5EF4-FFF2-40B4-BE49-F238E27FC236}">
-                <a16:creationId xmlns:a16="http://schemas.microsoft.com/office/drawing/2014/main" id="{36CBEC13-AFAD-1D25-1796-72DAD0582B5C}"/>
-              </a:ext>
-            </a:extLst>
-          </p:cNvPr>
-          <p:cNvCxnSpPr>
-            <a:cxnSpLocks/>
-            <a:endCxn id="13" idx="0"/>
-          </p:cNvCxnSpPr>
-          <p:nvPr/>
-        </p:nvCxnSpPr>
-        <p:spPr>
-          <a:xfrm rot="10800000" flipV="1">
-            <a:off x="9402878" y="1425818"/>
-            <a:ext cx="1211334" cy="720912"/>
-          </a:xfrm>
-          <a:prstGeom prst="bentConnector2">
-            <a:avLst/>
-          </a:prstGeom>
-        </p:spPr>
-        <p:style>
-          <a:lnRef idx="1">
-            <a:schemeClr val="dk1"/>
-          </a:lnRef>
-          <a:fillRef idx="0">
-            <a:schemeClr val="dk1"/>
-          </a:fillRef>
-          <a:effectRef idx="0">
-            <a:schemeClr val="dk1"/>
-          </a:effectRef>
-          <a:fontRef idx="minor">
-            <a:schemeClr val="tx1"/>
-          </a:fontRef>
-        </p:style>
-      </p:cxnSp>
-      <p:sp>
-        <p:nvSpPr>
-          <p:cNvPr id="81" name="TextBox 80">
-            <a:extLst>
-              <a:ext uri="{FF2B5EF4-FFF2-40B4-BE49-F238E27FC236}">
-                <a16:creationId xmlns:a16="http://schemas.microsoft.com/office/drawing/2014/main" id="{4C068CCD-1519-BD9F-A87F-7C17EE891D0E}"/>
-              </a:ext>
-            </a:extLst>
-          </p:cNvPr>
-          <p:cNvSpPr txBox="1"/>
-          <p:nvPr/>
-        </p:nvSpPr>
-        <p:spPr>
-          <a:xfrm>
-            <a:off x="10633984" y="1296404"/>
-            <a:ext cx="1733167" cy="461665"/>
-          </a:xfrm>
-          <a:prstGeom prst="rect">
-            <a:avLst/>
-          </a:prstGeom>
-          <a:noFill/>
-        </p:spPr>
-        <p:txBody>
-          <a:bodyPr wrap="none" rtlCol="0">
-            <a:spAutoFit/>
-          </a:bodyPr>
-          <a:lstStyle/>
-          <a:p>
-            <a:pPr algn="ctr"/>
-            <a:r>
-              <a:rPr lang="ko-KR" altLang="en-US" sz="1200" dirty="0"/>
-              <a:t>새로운 채팅이 있을 때</a:t>
-            </a:r>
-            <a:endParaRPr lang="en-US" altLang="ko-KR" sz="1200" dirty="0"/>
-          </a:p>
-          <a:p>
-            <a:pPr algn="ctr"/>
-            <a:r>
-              <a:rPr lang="en-US" altLang="ko-KR" sz="1200" dirty="0"/>
-              <a:t>“ ! ” </a:t>
-            </a:r>
-            <a:r>
-              <a:rPr lang="ko-KR" altLang="en-US" sz="1200" dirty="0"/>
-              <a:t>표시 </a:t>
-            </a:r>
-          </a:p>
-        </p:txBody>
-      </p:sp>
-    </p:spTree>
-    <p:extLst>
-      <p:ext uri="{BB962C8B-B14F-4D97-AF65-F5344CB8AC3E}">
-        <p14:creationId xmlns:p14="http://schemas.microsoft.com/office/powerpoint/2010/main" val="350406687"/>
-      </p:ext>
-    </p:extLst>
-  </p:cSld>
-  <p:clrMapOvr>
-    <a:masterClrMapping/>
-  </p:clrMapOvr>
-</p:sld>
-</file>
-
-<file path=ppt/slides/slide16.xml><?xml version="1.0" encoding="utf-8"?>
-<p:sld xmlns:a="http://schemas.openxmlformats.org/drawingml/2006/main" xmlns:r="http://schemas.openxmlformats.org/officeDocument/2006/relationships" xmlns:p="http://schemas.openxmlformats.org/presentationml/2006/main">
-  <p:cSld>
-    <p:spTree>
-      <p:nvGrpSpPr>
-        <p:cNvPr id="1" name=""/>
-        <p:cNvGrpSpPr/>
-        <p:nvPr/>
-      </p:nvGrpSpPr>
-      <p:grpSpPr>
-        <a:xfrm>
-          <a:off x="0" y="0"/>
-          <a:ext cx="0" cy="0"/>
-          <a:chOff x="0" y="0"/>
-          <a:chExt cx="0" cy="0"/>
-        </a:xfrm>
-      </p:grpSpPr>
-      <p:sp>
-        <p:nvSpPr>
-          <p:cNvPr id="56" name="순서도: 대체 처리 55">
-            <a:extLst>
-              <a:ext uri="{FF2B5EF4-FFF2-40B4-BE49-F238E27FC236}">
-                <a16:creationId xmlns:a16="http://schemas.microsoft.com/office/drawing/2014/main" id="{17E9539D-1240-4422-AF9F-519265EC292B}"/>
-              </a:ext>
-            </a:extLst>
-          </p:cNvPr>
-          <p:cNvSpPr/>
-          <p:nvPr/>
-        </p:nvSpPr>
-        <p:spPr>
-          <a:xfrm>
-            <a:off x="5888606" y="836979"/>
-            <a:ext cx="1300355" cy="612648"/>
-          </a:xfrm>
-          <a:prstGeom prst="flowChartAlternateProcess">
-            <a:avLst/>
-          </a:prstGeom>
-          <a:solidFill>
-            <a:schemeClr val="accent4">
-              <a:lumMod val="40000"/>
-              <a:lumOff val="60000"/>
-            </a:schemeClr>
-          </a:solidFill>
-          <a:ln>
-            <a:noFill/>
-          </a:ln>
-        </p:spPr>
-        <p:style>
-          <a:lnRef idx="2">
-            <a:schemeClr val="accent1">
-              <a:shade val="50000"/>
-            </a:schemeClr>
-          </a:lnRef>
-          <a:fillRef idx="1">
-            <a:schemeClr val="accent1"/>
-          </a:fillRef>
-          <a:effectRef idx="0">
-            <a:schemeClr val="accent1"/>
-          </a:effectRef>
-          <a:fontRef idx="minor">
-            <a:schemeClr val="lt1"/>
-          </a:fontRef>
-        </p:style>
-        <p:txBody>
-          <a:bodyPr rtlCol="0" anchor="ctr"/>
-          <a:lstStyle/>
-          <a:p>
-            <a:pPr algn="ctr"/>
-            <a:endParaRPr lang="ko-KR" altLang="en-US"/>
-          </a:p>
-        </p:txBody>
-      </p:sp>
-      <p:sp>
-        <p:nvSpPr>
-          <p:cNvPr id="4" name="직사각형 3">
-            <a:extLst>
-              <a:ext uri="{FF2B5EF4-FFF2-40B4-BE49-F238E27FC236}">
-                <a16:creationId xmlns:a16="http://schemas.microsoft.com/office/drawing/2014/main" id="{AE93FE2A-85FE-4157-951C-FC2FADBB3B34}"/>
-              </a:ext>
-            </a:extLst>
-          </p:cNvPr>
-          <p:cNvSpPr/>
-          <p:nvPr/>
-        </p:nvSpPr>
-        <p:spPr>
-          <a:xfrm>
-            <a:off x="0" y="0"/>
-            <a:ext cx="12192000" cy="1034474"/>
-          </a:xfrm>
-          <a:prstGeom prst="rect">
-            <a:avLst/>
-          </a:prstGeom>
-          <a:solidFill>
-            <a:schemeClr val="accent5">
-              <a:lumMod val="60000"/>
-              <a:lumOff val="40000"/>
-            </a:schemeClr>
-          </a:solidFill>
-        </p:spPr>
-        <p:style>
-          <a:lnRef idx="2">
-            <a:schemeClr val="accent1">
-              <a:shade val="50000"/>
-            </a:schemeClr>
-          </a:lnRef>
-          <a:fillRef idx="1">
-            <a:schemeClr val="accent1"/>
-          </a:fillRef>
-          <a:effectRef idx="0">
-            <a:schemeClr val="accent1"/>
-          </a:effectRef>
-          <a:fontRef idx="minor">
-            <a:schemeClr val="lt1"/>
-          </a:fontRef>
-        </p:style>
-        <p:txBody>
-          <a:bodyPr rtlCol="0" anchor="ctr"/>
-          <a:lstStyle/>
-          <a:p>
-            <a:pPr algn="ctr"/>
-            <a:endParaRPr lang="ko-KR" altLang="en-US" dirty="0"/>
-          </a:p>
-        </p:txBody>
-      </p:sp>
-      <p:sp>
-        <p:nvSpPr>
-          <p:cNvPr id="89" name="사각형: 둥근 모서리 88">
-            <a:extLst>
-              <a:ext uri="{FF2B5EF4-FFF2-40B4-BE49-F238E27FC236}">
-                <a16:creationId xmlns:a16="http://schemas.microsoft.com/office/drawing/2014/main" id="{608457E6-7E6B-440D-97E9-1F8D94D0A3B0}"/>
-              </a:ext>
-            </a:extLst>
-          </p:cNvPr>
-          <p:cNvSpPr/>
-          <p:nvPr/>
-        </p:nvSpPr>
-        <p:spPr>
-          <a:xfrm rot="5400000">
-            <a:off x="4300513" y="1086446"/>
-            <a:ext cx="2890172" cy="5755919"/>
-          </a:xfrm>
-          <a:prstGeom prst="roundRect">
-            <a:avLst/>
-          </a:prstGeom>
-          <a:noFill/>
-          <a:ln w="38100">
-            <a:solidFill>
-              <a:schemeClr val="tx1"/>
-            </a:solidFill>
-          </a:ln>
-        </p:spPr>
-        <p:style>
-          <a:lnRef idx="2">
-            <a:schemeClr val="accent1">
-              <a:shade val="50000"/>
-            </a:schemeClr>
-          </a:lnRef>
-          <a:fillRef idx="1">
-            <a:schemeClr val="accent1"/>
-          </a:fillRef>
-          <a:effectRef idx="0">
-            <a:schemeClr val="accent1"/>
-          </a:effectRef>
-          <a:fontRef idx="minor">
-            <a:schemeClr val="lt1"/>
-          </a:fontRef>
-        </p:style>
-        <p:txBody>
-          <a:bodyPr rtlCol="0" anchor="ctr"/>
-          <a:lstStyle/>
-          <a:p>
-            <a:pPr algn="ctr"/>
-            <a:endParaRPr lang="ko-KR" altLang="en-US" dirty="0"/>
-          </a:p>
-        </p:txBody>
-      </p:sp>
-      <p:sp>
-        <p:nvSpPr>
-          <p:cNvPr id="90" name="사각형: 둥근 모서리 89">
-            <a:extLst>
-              <a:ext uri="{FF2B5EF4-FFF2-40B4-BE49-F238E27FC236}">
-                <a16:creationId xmlns:a16="http://schemas.microsoft.com/office/drawing/2014/main" id="{23F879A3-86DE-4705-B60A-A8C7EA62E757}"/>
-              </a:ext>
-            </a:extLst>
-          </p:cNvPr>
-          <p:cNvSpPr/>
-          <p:nvPr/>
-        </p:nvSpPr>
-        <p:spPr>
-          <a:xfrm>
-            <a:off x="3192576" y="3297842"/>
-            <a:ext cx="2530762" cy="544946"/>
-          </a:xfrm>
-          <a:prstGeom prst="roundRect">
-            <a:avLst/>
-          </a:prstGeom>
-          <a:noFill/>
-          <a:ln w="28575">
-            <a:solidFill>
-              <a:schemeClr val="tx1"/>
-            </a:solidFill>
-          </a:ln>
-        </p:spPr>
-        <p:style>
-          <a:lnRef idx="2">
-            <a:schemeClr val="accent1">
-              <a:shade val="50000"/>
-            </a:schemeClr>
-          </a:lnRef>
-          <a:fillRef idx="1">
-            <a:schemeClr val="accent1"/>
-          </a:fillRef>
-          <a:effectRef idx="0">
-            <a:schemeClr val="accent1"/>
-          </a:effectRef>
-          <a:fontRef idx="minor">
-            <a:schemeClr val="lt1"/>
-          </a:fontRef>
-        </p:style>
-        <p:txBody>
-          <a:bodyPr rtlCol="0" anchor="ctr"/>
-          <a:lstStyle/>
-          <a:p>
-            <a:pPr algn="ctr"/>
-            <a:endParaRPr lang="ko-KR" altLang="en-US"/>
-          </a:p>
-        </p:txBody>
-      </p:sp>
-      <p:sp>
-        <p:nvSpPr>
-          <p:cNvPr id="91" name="타원 90">
-            <a:extLst>
-              <a:ext uri="{FF2B5EF4-FFF2-40B4-BE49-F238E27FC236}">
-                <a16:creationId xmlns:a16="http://schemas.microsoft.com/office/drawing/2014/main" id="{B010CA26-07D3-47F4-90FD-9E0F266F933F}"/>
-              </a:ext>
-            </a:extLst>
-          </p:cNvPr>
-          <p:cNvSpPr/>
-          <p:nvPr/>
-        </p:nvSpPr>
-        <p:spPr>
-          <a:xfrm>
-            <a:off x="3331120" y="3359689"/>
-            <a:ext cx="369455" cy="421252"/>
-          </a:xfrm>
-          <a:prstGeom prst="ellipse">
-            <a:avLst/>
-          </a:prstGeom>
-          <a:noFill/>
-          <a:ln>
-            <a:solidFill>
-              <a:schemeClr val="tx1"/>
-            </a:solidFill>
-          </a:ln>
-        </p:spPr>
-        <p:style>
-          <a:lnRef idx="2">
-            <a:schemeClr val="accent1">
-              <a:shade val="50000"/>
-            </a:schemeClr>
-          </a:lnRef>
-          <a:fillRef idx="1">
-            <a:schemeClr val="accent1"/>
-          </a:fillRef>
-          <a:effectRef idx="0">
-            <a:schemeClr val="accent1"/>
-          </a:effectRef>
-          <a:fontRef idx="minor">
-            <a:schemeClr val="lt1"/>
-          </a:fontRef>
-        </p:style>
-        <p:txBody>
-          <a:bodyPr rtlCol="0" anchor="ctr"/>
-          <a:lstStyle/>
-          <a:p>
-            <a:pPr algn="ctr"/>
-            <a:endParaRPr lang="ko-KR" altLang="en-US"/>
-          </a:p>
-        </p:txBody>
-      </p:sp>
-      <p:sp>
-        <p:nvSpPr>
-          <p:cNvPr id="92" name="TextBox 91">
-            <a:extLst>
-              <a:ext uri="{FF2B5EF4-FFF2-40B4-BE49-F238E27FC236}">
-                <a16:creationId xmlns:a16="http://schemas.microsoft.com/office/drawing/2014/main" id="{B439D1B3-2260-4A6A-B9DA-470A45244CDA}"/>
-              </a:ext>
-            </a:extLst>
-          </p:cNvPr>
-          <p:cNvSpPr txBox="1"/>
-          <p:nvPr/>
-        </p:nvSpPr>
-        <p:spPr>
-          <a:xfrm>
-            <a:off x="3784719" y="3421380"/>
-            <a:ext cx="723275" cy="307777"/>
-          </a:xfrm>
-          <a:prstGeom prst="rect">
-            <a:avLst/>
-          </a:prstGeom>
-          <a:noFill/>
-        </p:spPr>
-        <p:txBody>
-          <a:bodyPr wrap="none" rtlCol="0">
-            <a:spAutoFit/>
-          </a:bodyPr>
-          <a:lstStyle/>
-          <a:p>
-            <a:r>
-              <a:rPr lang="ko-KR" altLang="en-US" sz="1400" dirty="0"/>
-              <a:t>닉네임</a:t>
-            </a:r>
-          </a:p>
-        </p:txBody>
-      </p:sp>
-      <p:sp>
-        <p:nvSpPr>
-          <p:cNvPr id="93" name="직사각형 92">
-            <a:extLst>
-              <a:ext uri="{FF2B5EF4-FFF2-40B4-BE49-F238E27FC236}">
-                <a16:creationId xmlns:a16="http://schemas.microsoft.com/office/drawing/2014/main" id="{54291E31-8200-43FC-88B3-AE5994971B63}"/>
-              </a:ext>
-            </a:extLst>
-          </p:cNvPr>
-          <p:cNvSpPr/>
-          <p:nvPr/>
-        </p:nvSpPr>
-        <p:spPr>
-          <a:xfrm>
-            <a:off x="5293414" y="3459213"/>
-            <a:ext cx="226723" cy="222203"/>
-          </a:xfrm>
-          <a:prstGeom prst="rect">
-            <a:avLst/>
-          </a:prstGeom>
-          <a:noFill/>
-          <a:ln w="57150">
-            <a:solidFill>
-              <a:schemeClr val="tx1"/>
-            </a:solidFill>
-          </a:ln>
-        </p:spPr>
-        <p:style>
-          <a:lnRef idx="2">
-            <a:schemeClr val="accent1">
-              <a:shade val="50000"/>
-            </a:schemeClr>
-          </a:lnRef>
-          <a:fillRef idx="1">
-            <a:schemeClr val="accent1"/>
-          </a:fillRef>
-          <a:effectRef idx="0">
-            <a:schemeClr val="accent1"/>
-          </a:effectRef>
-          <a:fontRef idx="minor">
-            <a:schemeClr val="lt1"/>
-          </a:fontRef>
-        </p:style>
-        <p:txBody>
-          <a:bodyPr rtlCol="0" anchor="ctr"/>
-          <a:lstStyle/>
-          <a:p>
-            <a:pPr algn="ctr"/>
-            <a:endParaRPr lang="ko-KR" altLang="en-US"/>
-          </a:p>
-        </p:txBody>
-      </p:sp>
-      <p:pic>
-        <p:nvPicPr>
-          <p:cNvPr id="94" name="그래픽 93" descr="배지 체크 표시1 윤곽선">
-            <a:extLst>
-              <a:ext uri="{FF2B5EF4-FFF2-40B4-BE49-F238E27FC236}">
-                <a16:creationId xmlns:a16="http://schemas.microsoft.com/office/drawing/2014/main" id="{87E68483-3896-4DB3-964F-FE59DE1A541B}"/>
-              </a:ext>
-            </a:extLst>
-          </p:cNvPr>
-          <p:cNvPicPr>
-            <a:picLocks noChangeAspect="1"/>
-          </p:cNvPicPr>
-          <p:nvPr/>
-        </p:nvPicPr>
-        <p:blipFill>
-          <a:blip r:embed="rId3" cstate="hqprint">
-            <a:extLst>
-              <a:ext uri="{28A0092B-C50C-407E-A947-70E740481C1C}">
-                <a14:useLocalDpi xmlns:a14="http://schemas.microsoft.com/office/drawing/2010/main" val="0"/>
-              </a:ext>
-              <a:ext uri="{96DAC541-7B7A-43D3-8B79-37D633B846F1}">
-                <asvg:svgBlip xmlns:asvg="http://schemas.microsoft.com/office/drawing/2016/SVG/main" r:embed="rId4"/>
-              </a:ext>
-            </a:extLst>
-          </a:blip>
-          <a:stretch>
-            <a:fillRect/>
-          </a:stretch>
-        </p:blipFill>
-        <p:spPr>
-          <a:xfrm>
-            <a:off x="5248602" y="3401189"/>
-            <a:ext cx="316345" cy="316345"/>
-          </a:xfrm>
-          <a:prstGeom prst="rect">
-            <a:avLst/>
-          </a:prstGeom>
-        </p:spPr>
-      </p:pic>
-      <p:sp>
-        <p:nvSpPr>
-          <p:cNvPr id="95" name="사각형: 둥근 모서리 94">
-            <a:extLst>
-              <a:ext uri="{FF2B5EF4-FFF2-40B4-BE49-F238E27FC236}">
-                <a16:creationId xmlns:a16="http://schemas.microsoft.com/office/drawing/2014/main" id="{FC295DBC-101B-4F61-BA58-5008FFBB335B}"/>
-              </a:ext>
-            </a:extLst>
-          </p:cNvPr>
-          <p:cNvSpPr/>
-          <p:nvPr/>
-        </p:nvSpPr>
-        <p:spPr>
-          <a:xfrm>
-            <a:off x="3192576" y="3956392"/>
-            <a:ext cx="2530762" cy="544946"/>
-          </a:xfrm>
-          <a:prstGeom prst="roundRect">
-            <a:avLst/>
-          </a:prstGeom>
-          <a:noFill/>
-          <a:ln w="28575">
-            <a:solidFill>
-              <a:schemeClr val="tx1"/>
-            </a:solidFill>
-          </a:ln>
-        </p:spPr>
-        <p:style>
-          <a:lnRef idx="2">
-            <a:schemeClr val="accent1">
-              <a:shade val="50000"/>
-            </a:schemeClr>
-          </a:lnRef>
-          <a:fillRef idx="1">
-            <a:schemeClr val="accent1"/>
-          </a:fillRef>
-          <a:effectRef idx="0">
-            <a:schemeClr val="accent1"/>
-          </a:effectRef>
-          <a:fontRef idx="minor">
-            <a:schemeClr val="lt1"/>
-          </a:fontRef>
-        </p:style>
-        <p:txBody>
-          <a:bodyPr rtlCol="0" anchor="ctr"/>
-          <a:lstStyle/>
-          <a:p>
-            <a:pPr algn="ctr"/>
-            <a:endParaRPr lang="ko-KR" altLang="en-US"/>
-          </a:p>
-        </p:txBody>
-      </p:sp>
-      <p:sp>
-        <p:nvSpPr>
-          <p:cNvPr id="96" name="타원 95">
-            <a:extLst>
-              <a:ext uri="{FF2B5EF4-FFF2-40B4-BE49-F238E27FC236}">
-                <a16:creationId xmlns:a16="http://schemas.microsoft.com/office/drawing/2014/main" id="{1C00BEA2-920A-47F8-B1F1-EB015A2736EA}"/>
-              </a:ext>
-            </a:extLst>
-          </p:cNvPr>
-          <p:cNvSpPr/>
-          <p:nvPr/>
-        </p:nvSpPr>
-        <p:spPr>
-          <a:xfrm>
-            <a:off x="3331120" y="4018238"/>
-            <a:ext cx="369455" cy="421252"/>
-          </a:xfrm>
-          <a:prstGeom prst="ellipse">
-            <a:avLst/>
-          </a:prstGeom>
-          <a:noFill/>
-          <a:ln>
-            <a:solidFill>
-              <a:schemeClr val="tx1"/>
-            </a:solidFill>
-          </a:ln>
-        </p:spPr>
-        <p:style>
-          <a:lnRef idx="2">
-            <a:schemeClr val="accent1">
-              <a:shade val="50000"/>
-            </a:schemeClr>
-          </a:lnRef>
-          <a:fillRef idx="1">
-            <a:schemeClr val="accent1"/>
-          </a:fillRef>
-          <a:effectRef idx="0">
-            <a:schemeClr val="accent1"/>
-          </a:effectRef>
-          <a:fontRef idx="minor">
-            <a:schemeClr val="lt1"/>
-          </a:fontRef>
-        </p:style>
-        <p:txBody>
-          <a:bodyPr rtlCol="0" anchor="ctr"/>
-          <a:lstStyle/>
-          <a:p>
-            <a:pPr algn="ctr"/>
-            <a:endParaRPr lang="ko-KR" altLang="en-US"/>
-          </a:p>
-        </p:txBody>
-      </p:sp>
-      <p:sp>
-        <p:nvSpPr>
-          <p:cNvPr id="97" name="TextBox 96">
-            <a:extLst>
-              <a:ext uri="{FF2B5EF4-FFF2-40B4-BE49-F238E27FC236}">
-                <a16:creationId xmlns:a16="http://schemas.microsoft.com/office/drawing/2014/main" id="{261039C7-62FD-4EB3-9E2C-A505F4BCF423}"/>
-              </a:ext>
-            </a:extLst>
-          </p:cNvPr>
-          <p:cNvSpPr txBox="1"/>
-          <p:nvPr/>
-        </p:nvSpPr>
-        <p:spPr>
-          <a:xfrm>
-            <a:off x="3784719" y="4079929"/>
-            <a:ext cx="723275" cy="307777"/>
-          </a:xfrm>
-          <a:prstGeom prst="rect">
-            <a:avLst/>
-          </a:prstGeom>
-          <a:noFill/>
-        </p:spPr>
-        <p:txBody>
-          <a:bodyPr wrap="none" rtlCol="0">
-            <a:spAutoFit/>
-          </a:bodyPr>
-          <a:lstStyle/>
-          <a:p>
-            <a:r>
-              <a:rPr lang="ko-KR" altLang="en-US" sz="1400" dirty="0"/>
-              <a:t>닉네임</a:t>
-            </a:r>
-          </a:p>
-        </p:txBody>
-      </p:sp>
-      <p:sp>
-        <p:nvSpPr>
-          <p:cNvPr id="98" name="직사각형 97">
-            <a:extLst>
-              <a:ext uri="{FF2B5EF4-FFF2-40B4-BE49-F238E27FC236}">
-                <a16:creationId xmlns:a16="http://schemas.microsoft.com/office/drawing/2014/main" id="{8C07C99C-AE8B-4261-8980-E7B3C5E843DA}"/>
-              </a:ext>
-            </a:extLst>
-          </p:cNvPr>
-          <p:cNvSpPr/>
-          <p:nvPr/>
-        </p:nvSpPr>
-        <p:spPr>
-          <a:xfrm>
-            <a:off x="5293414" y="4117762"/>
-            <a:ext cx="226723" cy="222203"/>
-          </a:xfrm>
-          <a:prstGeom prst="rect">
-            <a:avLst/>
-          </a:prstGeom>
-          <a:noFill/>
-          <a:ln w="57150">
-            <a:solidFill>
-              <a:schemeClr val="tx1"/>
-            </a:solidFill>
-          </a:ln>
-        </p:spPr>
-        <p:style>
-          <a:lnRef idx="2">
-            <a:schemeClr val="accent1">
-              <a:shade val="50000"/>
-            </a:schemeClr>
-          </a:lnRef>
-          <a:fillRef idx="1">
-            <a:schemeClr val="accent1"/>
-          </a:fillRef>
-          <a:effectRef idx="0">
-            <a:schemeClr val="accent1"/>
-          </a:effectRef>
-          <a:fontRef idx="minor">
-            <a:schemeClr val="lt1"/>
-          </a:fontRef>
-        </p:style>
-        <p:txBody>
-          <a:bodyPr rtlCol="0" anchor="ctr"/>
-          <a:lstStyle/>
-          <a:p>
-            <a:pPr algn="ctr"/>
-            <a:endParaRPr lang="ko-KR" altLang="en-US"/>
-          </a:p>
-        </p:txBody>
-      </p:sp>
-      <p:sp>
-        <p:nvSpPr>
-          <p:cNvPr id="99" name="사각형: 둥근 모서리 98">
-            <a:extLst>
-              <a:ext uri="{FF2B5EF4-FFF2-40B4-BE49-F238E27FC236}">
-                <a16:creationId xmlns:a16="http://schemas.microsoft.com/office/drawing/2014/main" id="{52065981-E402-4CD8-B38B-A52A89B7720C}"/>
-              </a:ext>
-            </a:extLst>
-          </p:cNvPr>
-          <p:cNvSpPr/>
-          <p:nvPr/>
-        </p:nvSpPr>
-        <p:spPr>
-          <a:xfrm>
-            <a:off x="3192576" y="4661584"/>
-            <a:ext cx="2530762" cy="544946"/>
-          </a:xfrm>
-          <a:prstGeom prst="roundRect">
-            <a:avLst/>
-          </a:prstGeom>
-          <a:noFill/>
-          <a:ln w="28575">
-            <a:solidFill>
-              <a:schemeClr val="tx1"/>
-            </a:solidFill>
-          </a:ln>
-        </p:spPr>
-        <p:style>
-          <a:lnRef idx="2">
-            <a:schemeClr val="accent1">
-              <a:shade val="50000"/>
-            </a:schemeClr>
-          </a:lnRef>
-          <a:fillRef idx="1">
-            <a:schemeClr val="accent1"/>
-          </a:fillRef>
-          <a:effectRef idx="0">
-            <a:schemeClr val="accent1"/>
-          </a:effectRef>
-          <a:fontRef idx="minor">
-            <a:schemeClr val="lt1"/>
-          </a:fontRef>
-        </p:style>
-        <p:txBody>
-          <a:bodyPr rtlCol="0" anchor="ctr"/>
-          <a:lstStyle/>
-          <a:p>
-            <a:pPr algn="ctr"/>
-            <a:endParaRPr lang="ko-KR" altLang="en-US"/>
-          </a:p>
-        </p:txBody>
-      </p:sp>
-      <p:sp>
-        <p:nvSpPr>
-          <p:cNvPr id="100" name="타원 99">
-            <a:extLst>
-              <a:ext uri="{FF2B5EF4-FFF2-40B4-BE49-F238E27FC236}">
-                <a16:creationId xmlns:a16="http://schemas.microsoft.com/office/drawing/2014/main" id="{D90E9936-9C88-4EA7-B1B3-31117A36A53E}"/>
-              </a:ext>
-            </a:extLst>
-          </p:cNvPr>
-          <p:cNvSpPr/>
-          <p:nvPr/>
-        </p:nvSpPr>
-        <p:spPr>
-          <a:xfrm>
-            <a:off x="3331120" y="4723431"/>
-            <a:ext cx="369455" cy="421252"/>
-          </a:xfrm>
-          <a:prstGeom prst="ellipse">
-            <a:avLst/>
-          </a:prstGeom>
-          <a:noFill/>
-          <a:ln>
-            <a:solidFill>
-              <a:schemeClr val="tx1"/>
-            </a:solidFill>
-          </a:ln>
-        </p:spPr>
-        <p:style>
-          <a:lnRef idx="2">
-            <a:schemeClr val="accent1">
-              <a:shade val="50000"/>
-            </a:schemeClr>
-          </a:lnRef>
-          <a:fillRef idx="1">
-            <a:schemeClr val="accent1"/>
-          </a:fillRef>
-          <a:effectRef idx="0">
-            <a:schemeClr val="accent1"/>
-          </a:effectRef>
-          <a:fontRef idx="minor">
-            <a:schemeClr val="lt1"/>
-          </a:fontRef>
-        </p:style>
-        <p:txBody>
-          <a:bodyPr rtlCol="0" anchor="ctr"/>
-          <a:lstStyle/>
-          <a:p>
-            <a:pPr algn="ctr"/>
-            <a:endParaRPr lang="ko-KR" altLang="en-US"/>
-          </a:p>
-        </p:txBody>
-      </p:sp>
-      <p:sp>
-        <p:nvSpPr>
-          <p:cNvPr id="101" name="TextBox 100">
-            <a:extLst>
-              <a:ext uri="{FF2B5EF4-FFF2-40B4-BE49-F238E27FC236}">
-                <a16:creationId xmlns:a16="http://schemas.microsoft.com/office/drawing/2014/main" id="{A2783CF6-31A5-4368-A8F5-1BC9E9D9EFA8}"/>
-              </a:ext>
-            </a:extLst>
-          </p:cNvPr>
-          <p:cNvSpPr txBox="1"/>
-          <p:nvPr/>
-        </p:nvSpPr>
-        <p:spPr>
-          <a:xfrm>
-            <a:off x="3784719" y="4785122"/>
-            <a:ext cx="723275" cy="307777"/>
-          </a:xfrm>
-          <a:prstGeom prst="rect">
-            <a:avLst/>
-          </a:prstGeom>
-          <a:noFill/>
-        </p:spPr>
-        <p:txBody>
-          <a:bodyPr wrap="none" rtlCol="0">
-            <a:spAutoFit/>
-          </a:bodyPr>
-          <a:lstStyle/>
-          <a:p>
-            <a:r>
-              <a:rPr lang="ko-KR" altLang="en-US" sz="1400" dirty="0"/>
-              <a:t>닉네임</a:t>
-            </a:r>
-          </a:p>
-        </p:txBody>
-      </p:sp>
-      <p:sp>
-        <p:nvSpPr>
-          <p:cNvPr id="102" name="직사각형 101">
-            <a:extLst>
-              <a:ext uri="{FF2B5EF4-FFF2-40B4-BE49-F238E27FC236}">
-                <a16:creationId xmlns:a16="http://schemas.microsoft.com/office/drawing/2014/main" id="{0ECAB0AB-AAE9-4516-82EC-94C16D4F9623}"/>
-              </a:ext>
-            </a:extLst>
-          </p:cNvPr>
-          <p:cNvSpPr/>
-          <p:nvPr/>
-        </p:nvSpPr>
-        <p:spPr>
-          <a:xfrm>
-            <a:off x="5293414" y="4822955"/>
-            <a:ext cx="226723" cy="222203"/>
-          </a:xfrm>
-          <a:prstGeom prst="rect">
-            <a:avLst/>
-          </a:prstGeom>
-          <a:noFill/>
-          <a:ln w="57150">
-            <a:solidFill>
-              <a:schemeClr val="tx1"/>
-            </a:solidFill>
-          </a:ln>
-        </p:spPr>
-        <p:style>
-          <a:lnRef idx="2">
-            <a:schemeClr val="accent1">
-              <a:shade val="50000"/>
-            </a:schemeClr>
-          </a:lnRef>
-          <a:fillRef idx="1">
-            <a:schemeClr val="accent1"/>
-          </a:fillRef>
-          <a:effectRef idx="0">
-            <a:schemeClr val="accent1"/>
-          </a:effectRef>
-          <a:fontRef idx="minor">
-            <a:schemeClr val="lt1"/>
-          </a:fontRef>
-        </p:style>
-        <p:txBody>
-          <a:bodyPr rtlCol="0" anchor="ctr"/>
-          <a:lstStyle/>
-          <a:p>
-            <a:pPr algn="ctr"/>
-            <a:endParaRPr lang="ko-KR" altLang="en-US"/>
-          </a:p>
-        </p:txBody>
-      </p:sp>
-      <p:sp>
-        <p:nvSpPr>
-          <p:cNvPr id="103" name="사각형: 둥근 모서리 102">
-            <a:extLst>
-              <a:ext uri="{FF2B5EF4-FFF2-40B4-BE49-F238E27FC236}">
-                <a16:creationId xmlns:a16="http://schemas.microsoft.com/office/drawing/2014/main" id="{CC1070F2-2EF6-4857-BDBC-261AA17FA349}"/>
-              </a:ext>
-            </a:extLst>
-          </p:cNvPr>
-          <p:cNvSpPr/>
-          <p:nvPr/>
-        </p:nvSpPr>
-        <p:spPr>
-          <a:xfrm>
-            <a:off x="5861882" y="3297842"/>
-            <a:ext cx="2530762" cy="544946"/>
-          </a:xfrm>
-          <a:prstGeom prst="roundRect">
-            <a:avLst/>
-          </a:prstGeom>
-          <a:noFill/>
-          <a:ln w="28575">
-            <a:solidFill>
-              <a:schemeClr val="tx1"/>
-            </a:solidFill>
-          </a:ln>
-        </p:spPr>
-        <p:style>
-          <a:lnRef idx="2">
-            <a:schemeClr val="accent1">
-              <a:shade val="50000"/>
-            </a:schemeClr>
-          </a:lnRef>
-          <a:fillRef idx="1">
-            <a:schemeClr val="accent1"/>
-          </a:fillRef>
-          <a:effectRef idx="0">
-            <a:schemeClr val="accent1"/>
-          </a:effectRef>
-          <a:fontRef idx="minor">
-            <a:schemeClr val="lt1"/>
-          </a:fontRef>
-        </p:style>
-        <p:txBody>
-          <a:bodyPr rtlCol="0" anchor="ctr"/>
-          <a:lstStyle/>
-          <a:p>
-            <a:pPr algn="ctr"/>
-            <a:endParaRPr lang="ko-KR" altLang="en-US"/>
-          </a:p>
-        </p:txBody>
-      </p:sp>
-      <p:sp>
-        <p:nvSpPr>
-          <p:cNvPr id="104" name="타원 103">
-            <a:extLst>
-              <a:ext uri="{FF2B5EF4-FFF2-40B4-BE49-F238E27FC236}">
-                <a16:creationId xmlns:a16="http://schemas.microsoft.com/office/drawing/2014/main" id="{78A32110-28A7-4C7B-BD04-77F93D5CAED9}"/>
-              </a:ext>
-            </a:extLst>
-          </p:cNvPr>
-          <p:cNvSpPr/>
-          <p:nvPr/>
-        </p:nvSpPr>
-        <p:spPr>
-          <a:xfrm>
-            <a:off x="6000426" y="3359689"/>
-            <a:ext cx="369455" cy="421252"/>
-          </a:xfrm>
-          <a:prstGeom prst="ellipse">
-            <a:avLst/>
-          </a:prstGeom>
-          <a:noFill/>
-          <a:ln>
-            <a:solidFill>
-              <a:schemeClr val="tx1"/>
-            </a:solidFill>
-          </a:ln>
-        </p:spPr>
-        <p:style>
-          <a:lnRef idx="2">
-            <a:schemeClr val="accent1">
-              <a:shade val="50000"/>
-            </a:schemeClr>
-          </a:lnRef>
-          <a:fillRef idx="1">
-            <a:schemeClr val="accent1"/>
-          </a:fillRef>
-          <a:effectRef idx="0">
-            <a:schemeClr val="accent1"/>
-          </a:effectRef>
-          <a:fontRef idx="minor">
-            <a:schemeClr val="lt1"/>
-          </a:fontRef>
-        </p:style>
-        <p:txBody>
-          <a:bodyPr rtlCol="0" anchor="ctr"/>
-          <a:lstStyle/>
-          <a:p>
-            <a:pPr algn="ctr"/>
-            <a:endParaRPr lang="ko-KR" altLang="en-US"/>
-          </a:p>
-        </p:txBody>
-      </p:sp>
-      <p:sp>
-        <p:nvSpPr>
-          <p:cNvPr id="105" name="TextBox 104">
-            <a:extLst>
-              <a:ext uri="{FF2B5EF4-FFF2-40B4-BE49-F238E27FC236}">
-                <a16:creationId xmlns:a16="http://schemas.microsoft.com/office/drawing/2014/main" id="{4A77C50E-FEEA-4569-ADD1-61F88A83EF88}"/>
-              </a:ext>
-            </a:extLst>
-          </p:cNvPr>
-          <p:cNvSpPr txBox="1"/>
-          <p:nvPr/>
-        </p:nvSpPr>
-        <p:spPr>
-          <a:xfrm>
-            <a:off x="6454025" y="3421380"/>
-            <a:ext cx="723275" cy="307777"/>
-          </a:xfrm>
-          <a:prstGeom prst="rect">
-            <a:avLst/>
-          </a:prstGeom>
-          <a:noFill/>
-        </p:spPr>
-        <p:txBody>
-          <a:bodyPr wrap="none" rtlCol="0">
-            <a:spAutoFit/>
-          </a:bodyPr>
-          <a:lstStyle/>
-          <a:p>
-            <a:r>
-              <a:rPr lang="ko-KR" altLang="en-US" sz="1400" dirty="0"/>
-              <a:t>닉네임</a:t>
-            </a:r>
-          </a:p>
-        </p:txBody>
-      </p:sp>
-      <p:sp>
-        <p:nvSpPr>
-          <p:cNvPr id="106" name="직사각형 105">
-            <a:extLst>
-              <a:ext uri="{FF2B5EF4-FFF2-40B4-BE49-F238E27FC236}">
-                <a16:creationId xmlns:a16="http://schemas.microsoft.com/office/drawing/2014/main" id="{B733BBD6-8D48-4D22-BD45-5E577730AD08}"/>
-              </a:ext>
-            </a:extLst>
-          </p:cNvPr>
-          <p:cNvSpPr/>
-          <p:nvPr/>
-        </p:nvSpPr>
-        <p:spPr>
-          <a:xfrm>
-            <a:off x="7962720" y="3459213"/>
-            <a:ext cx="226723" cy="222203"/>
-          </a:xfrm>
-          <a:prstGeom prst="rect">
-            <a:avLst/>
-          </a:prstGeom>
-          <a:noFill/>
-          <a:ln w="57150">
-            <a:solidFill>
-              <a:schemeClr val="tx1"/>
-            </a:solidFill>
-          </a:ln>
-        </p:spPr>
-        <p:style>
-          <a:lnRef idx="2">
-            <a:schemeClr val="accent1">
-              <a:shade val="50000"/>
-            </a:schemeClr>
-          </a:lnRef>
-          <a:fillRef idx="1">
-            <a:schemeClr val="accent1"/>
-          </a:fillRef>
-          <a:effectRef idx="0">
-            <a:schemeClr val="accent1"/>
-          </a:effectRef>
-          <a:fontRef idx="minor">
-            <a:schemeClr val="lt1"/>
-          </a:fontRef>
-        </p:style>
-        <p:txBody>
-          <a:bodyPr rtlCol="0" anchor="ctr"/>
-          <a:lstStyle/>
-          <a:p>
-            <a:pPr algn="ctr"/>
-            <a:endParaRPr lang="ko-KR" altLang="en-US"/>
-          </a:p>
-        </p:txBody>
-      </p:sp>
-      <p:sp>
-        <p:nvSpPr>
-          <p:cNvPr id="107" name="사각형: 둥근 모서리 106">
-            <a:extLst>
-              <a:ext uri="{FF2B5EF4-FFF2-40B4-BE49-F238E27FC236}">
-                <a16:creationId xmlns:a16="http://schemas.microsoft.com/office/drawing/2014/main" id="{DBBB916D-C468-4700-93AD-88DD1F17A3E8}"/>
-              </a:ext>
-            </a:extLst>
-          </p:cNvPr>
-          <p:cNvSpPr/>
-          <p:nvPr/>
-        </p:nvSpPr>
-        <p:spPr>
-          <a:xfrm>
-            <a:off x="5861882" y="3956392"/>
-            <a:ext cx="2530762" cy="544946"/>
-          </a:xfrm>
-          <a:prstGeom prst="roundRect">
-            <a:avLst/>
-          </a:prstGeom>
-          <a:noFill/>
-          <a:ln w="28575">
-            <a:solidFill>
-              <a:schemeClr val="tx1"/>
-            </a:solidFill>
-          </a:ln>
-        </p:spPr>
-        <p:style>
-          <a:lnRef idx="2">
-            <a:schemeClr val="accent1">
-              <a:shade val="50000"/>
-            </a:schemeClr>
-          </a:lnRef>
-          <a:fillRef idx="1">
-            <a:schemeClr val="accent1"/>
-          </a:fillRef>
-          <a:effectRef idx="0">
-            <a:schemeClr val="accent1"/>
-          </a:effectRef>
-          <a:fontRef idx="minor">
-            <a:schemeClr val="lt1"/>
-          </a:fontRef>
-        </p:style>
-        <p:txBody>
-          <a:bodyPr rtlCol="0" anchor="ctr"/>
-          <a:lstStyle/>
-          <a:p>
-            <a:pPr algn="ctr"/>
-            <a:endParaRPr lang="ko-KR" altLang="en-US"/>
-          </a:p>
-        </p:txBody>
-      </p:sp>
-      <p:sp>
-        <p:nvSpPr>
-          <p:cNvPr id="108" name="타원 107">
-            <a:extLst>
-              <a:ext uri="{FF2B5EF4-FFF2-40B4-BE49-F238E27FC236}">
-                <a16:creationId xmlns:a16="http://schemas.microsoft.com/office/drawing/2014/main" id="{FF251265-AD61-4E44-B54C-1BEEC69A189B}"/>
-              </a:ext>
-            </a:extLst>
-          </p:cNvPr>
-          <p:cNvSpPr/>
-          <p:nvPr/>
-        </p:nvSpPr>
-        <p:spPr>
-          <a:xfrm>
-            <a:off x="6000426" y="4018238"/>
-            <a:ext cx="369455" cy="421252"/>
-          </a:xfrm>
-          <a:prstGeom prst="ellipse">
-            <a:avLst/>
-          </a:prstGeom>
-          <a:noFill/>
-          <a:ln>
-            <a:solidFill>
-              <a:schemeClr val="tx1"/>
-            </a:solidFill>
-          </a:ln>
-        </p:spPr>
-        <p:style>
-          <a:lnRef idx="2">
-            <a:schemeClr val="accent1">
-              <a:shade val="50000"/>
-            </a:schemeClr>
-          </a:lnRef>
-          <a:fillRef idx="1">
-            <a:schemeClr val="accent1"/>
-          </a:fillRef>
-          <a:effectRef idx="0">
-            <a:schemeClr val="accent1"/>
-          </a:effectRef>
-          <a:fontRef idx="minor">
-            <a:schemeClr val="lt1"/>
-          </a:fontRef>
-        </p:style>
-        <p:txBody>
-          <a:bodyPr rtlCol="0" anchor="ctr"/>
-          <a:lstStyle/>
-          <a:p>
-            <a:pPr algn="ctr"/>
-            <a:endParaRPr lang="ko-KR" altLang="en-US"/>
-          </a:p>
-        </p:txBody>
-      </p:sp>
-      <p:sp>
-        <p:nvSpPr>
-          <p:cNvPr id="109" name="TextBox 108">
-            <a:extLst>
-              <a:ext uri="{FF2B5EF4-FFF2-40B4-BE49-F238E27FC236}">
-                <a16:creationId xmlns:a16="http://schemas.microsoft.com/office/drawing/2014/main" id="{8A037143-A0F4-463C-873F-ECD12ACCBD74}"/>
-              </a:ext>
-            </a:extLst>
-          </p:cNvPr>
-          <p:cNvSpPr txBox="1"/>
-          <p:nvPr/>
-        </p:nvSpPr>
-        <p:spPr>
-          <a:xfrm>
-            <a:off x="6454025" y="4079929"/>
-            <a:ext cx="723275" cy="307777"/>
-          </a:xfrm>
-          <a:prstGeom prst="rect">
-            <a:avLst/>
-          </a:prstGeom>
-          <a:noFill/>
-        </p:spPr>
-        <p:txBody>
-          <a:bodyPr wrap="none" rtlCol="0">
-            <a:spAutoFit/>
-          </a:bodyPr>
-          <a:lstStyle/>
-          <a:p>
-            <a:r>
-              <a:rPr lang="ko-KR" altLang="en-US" sz="1400" dirty="0"/>
-              <a:t>닉네임</a:t>
-            </a:r>
-          </a:p>
-        </p:txBody>
-      </p:sp>
-      <p:sp>
-        <p:nvSpPr>
-          <p:cNvPr id="110" name="직사각형 109">
-            <a:extLst>
-              <a:ext uri="{FF2B5EF4-FFF2-40B4-BE49-F238E27FC236}">
-                <a16:creationId xmlns:a16="http://schemas.microsoft.com/office/drawing/2014/main" id="{D81CC301-CE70-4463-AC8F-BD924264B52F}"/>
-              </a:ext>
-            </a:extLst>
-          </p:cNvPr>
-          <p:cNvSpPr/>
-          <p:nvPr/>
-        </p:nvSpPr>
-        <p:spPr>
-          <a:xfrm>
-            <a:off x="7962720" y="4117762"/>
-            <a:ext cx="226723" cy="222203"/>
-          </a:xfrm>
-          <a:prstGeom prst="rect">
-            <a:avLst/>
-          </a:prstGeom>
-          <a:noFill/>
-          <a:ln w="57150">
-            <a:solidFill>
-              <a:schemeClr val="tx1"/>
-            </a:solidFill>
-          </a:ln>
-        </p:spPr>
-        <p:style>
-          <a:lnRef idx="2">
-            <a:schemeClr val="accent1">
-              <a:shade val="50000"/>
-            </a:schemeClr>
-          </a:lnRef>
-          <a:fillRef idx="1">
-            <a:schemeClr val="accent1"/>
-          </a:fillRef>
-          <a:effectRef idx="0">
-            <a:schemeClr val="accent1"/>
-          </a:effectRef>
-          <a:fontRef idx="minor">
-            <a:schemeClr val="lt1"/>
-          </a:fontRef>
-        </p:style>
-        <p:txBody>
-          <a:bodyPr rtlCol="0" anchor="ctr"/>
-          <a:lstStyle/>
-          <a:p>
-            <a:pPr algn="ctr"/>
-            <a:endParaRPr lang="ko-KR" altLang="en-US"/>
-          </a:p>
-        </p:txBody>
-      </p:sp>
-      <p:sp>
-        <p:nvSpPr>
-          <p:cNvPr id="111" name="사각형: 둥근 모서리 110">
-            <a:extLst>
-              <a:ext uri="{FF2B5EF4-FFF2-40B4-BE49-F238E27FC236}">
-                <a16:creationId xmlns:a16="http://schemas.microsoft.com/office/drawing/2014/main" id="{A99A30B4-D18A-497A-B9D1-6147373AD50E}"/>
-              </a:ext>
-            </a:extLst>
-          </p:cNvPr>
-          <p:cNvSpPr/>
-          <p:nvPr/>
-        </p:nvSpPr>
-        <p:spPr>
-          <a:xfrm>
-            <a:off x="5861882" y="4661584"/>
-            <a:ext cx="2530762" cy="544946"/>
-          </a:xfrm>
-          <a:prstGeom prst="roundRect">
-            <a:avLst/>
-          </a:prstGeom>
-          <a:noFill/>
-          <a:ln w="28575">
-            <a:solidFill>
-              <a:schemeClr val="tx1"/>
-            </a:solidFill>
-          </a:ln>
-        </p:spPr>
-        <p:style>
-          <a:lnRef idx="2">
-            <a:schemeClr val="accent1">
-              <a:shade val="50000"/>
-            </a:schemeClr>
-          </a:lnRef>
-          <a:fillRef idx="1">
-            <a:schemeClr val="accent1"/>
-          </a:fillRef>
-          <a:effectRef idx="0">
-            <a:schemeClr val="accent1"/>
-          </a:effectRef>
-          <a:fontRef idx="minor">
-            <a:schemeClr val="lt1"/>
-          </a:fontRef>
-        </p:style>
-        <p:txBody>
-          <a:bodyPr rtlCol="0" anchor="ctr"/>
-          <a:lstStyle/>
-          <a:p>
-            <a:pPr algn="ctr"/>
-            <a:endParaRPr lang="ko-KR" altLang="en-US"/>
-          </a:p>
-        </p:txBody>
-      </p:sp>
-      <p:sp>
-        <p:nvSpPr>
-          <p:cNvPr id="112" name="타원 111">
-            <a:extLst>
-              <a:ext uri="{FF2B5EF4-FFF2-40B4-BE49-F238E27FC236}">
-                <a16:creationId xmlns:a16="http://schemas.microsoft.com/office/drawing/2014/main" id="{C1254373-2502-46EE-96B3-83F6EE9C618C}"/>
-              </a:ext>
-            </a:extLst>
-          </p:cNvPr>
-          <p:cNvSpPr/>
-          <p:nvPr/>
-        </p:nvSpPr>
-        <p:spPr>
-          <a:xfrm>
-            <a:off x="6000426" y="4723431"/>
-            <a:ext cx="369455" cy="421252"/>
-          </a:xfrm>
-          <a:prstGeom prst="ellipse">
-            <a:avLst/>
-          </a:prstGeom>
-          <a:noFill/>
-          <a:ln>
-            <a:solidFill>
-              <a:schemeClr val="tx1"/>
-            </a:solidFill>
-          </a:ln>
-        </p:spPr>
-        <p:style>
-          <a:lnRef idx="2">
-            <a:schemeClr val="accent1">
-              <a:shade val="50000"/>
-            </a:schemeClr>
-          </a:lnRef>
-          <a:fillRef idx="1">
-            <a:schemeClr val="accent1"/>
-          </a:fillRef>
-          <a:effectRef idx="0">
-            <a:schemeClr val="accent1"/>
-          </a:effectRef>
-          <a:fontRef idx="minor">
-            <a:schemeClr val="lt1"/>
-          </a:fontRef>
-        </p:style>
-        <p:txBody>
-          <a:bodyPr rtlCol="0" anchor="ctr"/>
-          <a:lstStyle/>
-          <a:p>
-            <a:pPr algn="ctr"/>
-            <a:endParaRPr lang="ko-KR" altLang="en-US"/>
-          </a:p>
-        </p:txBody>
-      </p:sp>
-      <p:sp>
-        <p:nvSpPr>
-          <p:cNvPr id="113" name="TextBox 112">
-            <a:extLst>
-              <a:ext uri="{FF2B5EF4-FFF2-40B4-BE49-F238E27FC236}">
-                <a16:creationId xmlns:a16="http://schemas.microsoft.com/office/drawing/2014/main" id="{FC7F1F0F-2D8E-496B-9DFD-141A50281502}"/>
-              </a:ext>
-            </a:extLst>
-          </p:cNvPr>
-          <p:cNvSpPr txBox="1"/>
-          <p:nvPr/>
-        </p:nvSpPr>
-        <p:spPr>
-          <a:xfrm>
-            <a:off x="6454025" y="4785122"/>
-            <a:ext cx="723275" cy="307777"/>
-          </a:xfrm>
-          <a:prstGeom prst="rect">
-            <a:avLst/>
-          </a:prstGeom>
-          <a:noFill/>
-        </p:spPr>
-        <p:txBody>
-          <a:bodyPr wrap="none" rtlCol="0">
-            <a:spAutoFit/>
-          </a:bodyPr>
-          <a:lstStyle/>
-          <a:p>
-            <a:r>
-              <a:rPr lang="ko-KR" altLang="en-US" sz="1400" dirty="0"/>
-              <a:t>닉네임</a:t>
-            </a:r>
-          </a:p>
-        </p:txBody>
-      </p:sp>
-      <p:sp>
-        <p:nvSpPr>
-          <p:cNvPr id="114" name="직사각형 113">
-            <a:extLst>
-              <a:ext uri="{FF2B5EF4-FFF2-40B4-BE49-F238E27FC236}">
-                <a16:creationId xmlns:a16="http://schemas.microsoft.com/office/drawing/2014/main" id="{9EA30E00-E9C0-49FE-AC52-7D9BC55C0C98}"/>
-              </a:ext>
-            </a:extLst>
-          </p:cNvPr>
-          <p:cNvSpPr/>
-          <p:nvPr/>
-        </p:nvSpPr>
-        <p:spPr>
-          <a:xfrm>
-            <a:off x="7962720" y="4822955"/>
-            <a:ext cx="226723" cy="222203"/>
-          </a:xfrm>
-          <a:prstGeom prst="rect">
-            <a:avLst/>
-          </a:prstGeom>
-          <a:noFill/>
-          <a:ln w="57150">
-            <a:solidFill>
-              <a:schemeClr val="tx1"/>
-            </a:solidFill>
-          </a:ln>
-        </p:spPr>
-        <p:style>
-          <a:lnRef idx="2">
-            <a:schemeClr val="accent1">
-              <a:shade val="50000"/>
-            </a:schemeClr>
-          </a:lnRef>
-          <a:fillRef idx="1">
-            <a:schemeClr val="accent1"/>
-          </a:fillRef>
-          <a:effectRef idx="0">
-            <a:schemeClr val="accent1"/>
-          </a:effectRef>
-          <a:fontRef idx="minor">
-            <a:schemeClr val="lt1"/>
-          </a:fontRef>
-        </p:style>
-        <p:txBody>
-          <a:bodyPr rtlCol="0" anchor="ctr"/>
-          <a:lstStyle/>
-          <a:p>
-            <a:pPr algn="ctr"/>
-            <a:endParaRPr lang="ko-KR" altLang="en-US"/>
-          </a:p>
-        </p:txBody>
-      </p:sp>
-      <p:pic>
-        <p:nvPicPr>
-          <p:cNvPr id="115" name="그래픽 114" descr="말풍선 단색으로 채워진">
-            <a:extLst>
-              <a:ext uri="{FF2B5EF4-FFF2-40B4-BE49-F238E27FC236}">
-                <a16:creationId xmlns:a16="http://schemas.microsoft.com/office/drawing/2014/main" id="{21C0B236-5EFF-4B6F-BFA0-8059519BC7AD}"/>
-              </a:ext>
-            </a:extLst>
-          </p:cNvPr>
-          <p:cNvPicPr>
-            <a:picLocks noChangeAspect="1"/>
-          </p:cNvPicPr>
-          <p:nvPr/>
-        </p:nvPicPr>
-        <p:blipFill>
-          <a:blip r:embed="rId5" cstate="hqprint">
-            <a:extLst>
-              <a:ext uri="{28A0092B-C50C-407E-A947-70E740481C1C}">
-                <a14:useLocalDpi xmlns:a14="http://schemas.microsoft.com/office/drawing/2010/main" val="0"/>
-              </a:ext>
-              <a:ext uri="{96DAC541-7B7A-43D3-8B79-37D633B846F1}">
-                <asvg:svgBlip xmlns:asvg="http://schemas.microsoft.com/office/drawing/2016/SVG/main" r:embed="rId6"/>
-              </a:ext>
-            </a:extLst>
-          </a:blip>
-          <a:stretch>
-            <a:fillRect/>
-          </a:stretch>
-        </p:blipFill>
-        <p:spPr>
-          <a:xfrm>
-            <a:off x="7854032" y="2788890"/>
-            <a:ext cx="298469" cy="298469"/>
-          </a:xfrm>
-          <a:prstGeom prst="rect">
-            <a:avLst/>
-          </a:prstGeom>
-        </p:spPr>
-      </p:pic>
-      <p:sp>
-        <p:nvSpPr>
-          <p:cNvPr id="116" name="직사각형 115">
-            <a:extLst>
-              <a:ext uri="{FF2B5EF4-FFF2-40B4-BE49-F238E27FC236}">
-                <a16:creationId xmlns:a16="http://schemas.microsoft.com/office/drawing/2014/main" id="{6EA68D28-F8D8-4C4E-AFE4-4887401C9F56}"/>
-              </a:ext>
-            </a:extLst>
-          </p:cNvPr>
-          <p:cNvSpPr/>
-          <p:nvPr/>
-        </p:nvSpPr>
-        <p:spPr>
-          <a:xfrm>
-            <a:off x="7777795" y="2780957"/>
-            <a:ext cx="450941" cy="298470"/>
-          </a:xfrm>
-          <a:prstGeom prst="rect">
-            <a:avLst/>
-          </a:prstGeom>
-          <a:noFill/>
-          <a:ln w="38100">
-            <a:solidFill>
-              <a:schemeClr val="tx1"/>
-            </a:solidFill>
-          </a:ln>
-        </p:spPr>
-        <p:style>
-          <a:lnRef idx="2">
-            <a:schemeClr val="accent1">
-              <a:shade val="50000"/>
-            </a:schemeClr>
-          </a:lnRef>
-          <a:fillRef idx="1">
-            <a:schemeClr val="accent1"/>
-          </a:fillRef>
-          <a:effectRef idx="0">
-            <a:schemeClr val="accent1"/>
-          </a:effectRef>
-          <a:fontRef idx="minor">
-            <a:schemeClr val="lt1"/>
-          </a:fontRef>
-        </p:style>
-        <p:txBody>
-          <a:bodyPr rtlCol="0" anchor="ctr"/>
-          <a:lstStyle/>
-          <a:p>
-            <a:pPr algn="ctr"/>
-            <a:endParaRPr lang="ko-KR" altLang="en-US"/>
-          </a:p>
-        </p:txBody>
-      </p:sp>
-      <p:sp>
-        <p:nvSpPr>
-          <p:cNvPr id="119" name="말풍선: 사각형 118">
-            <a:extLst>
-              <a:ext uri="{FF2B5EF4-FFF2-40B4-BE49-F238E27FC236}">
-                <a16:creationId xmlns:a16="http://schemas.microsoft.com/office/drawing/2014/main" id="{BCE03CE1-FE2C-4A8A-8A09-CECCF5302271}"/>
-              </a:ext>
-            </a:extLst>
-          </p:cNvPr>
-          <p:cNvSpPr/>
-          <p:nvPr/>
-        </p:nvSpPr>
-        <p:spPr>
-          <a:xfrm rot="16200000" flipH="1">
-            <a:off x="4098857" y="1879445"/>
-            <a:ext cx="2571145" cy="4083026"/>
-          </a:xfrm>
-          <a:prstGeom prst="wedgeRectCallout">
-            <a:avLst>
-              <a:gd name="adj1" fmla="val -38795"/>
-              <a:gd name="adj2" fmla="val 57750"/>
-            </a:avLst>
-          </a:prstGeom>
-          <a:solidFill>
-            <a:schemeClr val="accent1">
-              <a:lumMod val="60000"/>
-              <a:lumOff val="40000"/>
-            </a:schemeClr>
-          </a:solidFill>
-          <a:ln w="19050">
-            <a:solidFill>
-              <a:schemeClr val="tx1"/>
-            </a:solidFill>
-          </a:ln>
-        </p:spPr>
-        <p:style>
-          <a:lnRef idx="2">
-            <a:schemeClr val="accent1">
-              <a:shade val="50000"/>
-            </a:schemeClr>
-          </a:lnRef>
-          <a:fillRef idx="1">
-            <a:schemeClr val="accent1"/>
-          </a:fillRef>
-          <a:effectRef idx="0">
-            <a:schemeClr val="accent1"/>
-          </a:effectRef>
-          <a:fontRef idx="minor">
-            <a:schemeClr val="lt1"/>
-          </a:fontRef>
-        </p:style>
-        <p:txBody>
-          <a:bodyPr rtlCol="0" anchor="ctr"/>
-          <a:lstStyle/>
-          <a:p>
-            <a:pPr algn="ctr"/>
-            <a:endParaRPr lang="ko-KR" altLang="en-US"/>
-          </a:p>
-        </p:txBody>
-      </p:sp>
-      <p:sp>
-        <p:nvSpPr>
-          <p:cNvPr id="78" name="사각형: 둥근 모서리 77">
-            <a:extLst>
-              <a:ext uri="{FF2B5EF4-FFF2-40B4-BE49-F238E27FC236}">
-                <a16:creationId xmlns:a16="http://schemas.microsoft.com/office/drawing/2014/main" id="{494E011C-3237-4282-8BC5-55131A72B9F4}"/>
-              </a:ext>
-            </a:extLst>
-          </p:cNvPr>
-          <p:cNvSpPr/>
-          <p:nvPr/>
-        </p:nvSpPr>
-        <p:spPr>
-          <a:xfrm>
-            <a:off x="3590369" y="4774749"/>
-            <a:ext cx="3566015" cy="400858"/>
-          </a:xfrm>
-          <a:prstGeom prst="roundRect">
-            <a:avLst/>
-          </a:prstGeom>
-          <a:solidFill>
-            <a:schemeClr val="bg1"/>
-          </a:solidFill>
-          <a:ln>
-            <a:solidFill>
-              <a:schemeClr val="tx1"/>
-            </a:solidFill>
-          </a:ln>
-        </p:spPr>
-        <p:style>
-          <a:lnRef idx="2">
-            <a:schemeClr val="accent1">
-              <a:shade val="50000"/>
-            </a:schemeClr>
-          </a:lnRef>
-          <a:fillRef idx="1">
-            <a:schemeClr val="accent1"/>
-          </a:fillRef>
-          <a:effectRef idx="0">
-            <a:schemeClr val="accent1"/>
-          </a:effectRef>
-          <a:fontRef idx="minor">
-            <a:schemeClr val="lt1"/>
-          </a:fontRef>
-        </p:style>
-        <p:txBody>
-          <a:bodyPr rtlCol="0" anchor="ctr"/>
-          <a:lstStyle/>
-          <a:p>
-            <a:pPr algn="ctr"/>
-            <a:r>
-              <a:rPr lang="ko-KR" altLang="en-US" dirty="0">
-                <a:solidFill>
-                  <a:schemeClr val="tx1"/>
-                </a:solidFill>
-              </a:rPr>
-              <a:t>내용</a:t>
-            </a:r>
-          </a:p>
-        </p:txBody>
-      </p:sp>
-      <p:pic>
-        <p:nvPicPr>
-          <p:cNvPr id="80" name="그래픽 79" descr="방향 윤곽선">
-            <a:extLst>
-              <a:ext uri="{FF2B5EF4-FFF2-40B4-BE49-F238E27FC236}">
-                <a16:creationId xmlns:a16="http://schemas.microsoft.com/office/drawing/2014/main" id="{704147CF-5F56-4688-AC56-D7D3C633663E}"/>
-              </a:ext>
-            </a:extLst>
-          </p:cNvPr>
-          <p:cNvPicPr>
-            <a:picLocks noChangeAspect="1"/>
-          </p:cNvPicPr>
-          <p:nvPr/>
-        </p:nvPicPr>
-        <p:blipFill>
-          <a:blip r:embed="rId7" cstate="hqprint">
-            <a:extLst>
-              <a:ext uri="{28A0092B-C50C-407E-A947-70E740481C1C}">
-                <a14:useLocalDpi xmlns:a14="http://schemas.microsoft.com/office/drawing/2010/main" val="0"/>
-              </a:ext>
-              <a:ext uri="{96DAC541-7B7A-43D3-8B79-37D633B846F1}">
-                <asvg:svgBlip xmlns:asvg="http://schemas.microsoft.com/office/drawing/2016/SVG/main" r:embed="rId8"/>
-              </a:ext>
-            </a:extLst>
-          </a:blip>
-          <a:stretch>
-            <a:fillRect/>
-          </a:stretch>
-        </p:blipFill>
-        <p:spPr>
-          <a:xfrm rot="2698813">
-            <a:off x="6819048" y="4845703"/>
-            <a:ext cx="266628" cy="266628"/>
-          </a:xfrm>
-          <a:prstGeom prst="rect">
-            <a:avLst/>
-          </a:prstGeom>
-        </p:spPr>
-      </p:pic>
-      <p:sp>
-        <p:nvSpPr>
-          <p:cNvPr id="120" name="사각형: 둥근 모서리 119">
-            <a:extLst>
-              <a:ext uri="{FF2B5EF4-FFF2-40B4-BE49-F238E27FC236}">
-                <a16:creationId xmlns:a16="http://schemas.microsoft.com/office/drawing/2014/main" id="{C76661B3-9BA3-4D09-9A01-14650BC45E32}"/>
-              </a:ext>
-            </a:extLst>
-          </p:cNvPr>
-          <p:cNvSpPr/>
-          <p:nvPr/>
-        </p:nvSpPr>
-        <p:spPr>
-          <a:xfrm>
-            <a:off x="3504085" y="2906932"/>
-            <a:ext cx="3209976" cy="394625"/>
-          </a:xfrm>
-          <a:prstGeom prst="roundRect">
-            <a:avLst/>
-          </a:prstGeom>
-        </p:spPr>
-        <p:style>
-          <a:lnRef idx="2">
-            <a:schemeClr val="accent1">
-              <a:shade val="50000"/>
-            </a:schemeClr>
-          </a:lnRef>
-          <a:fillRef idx="1">
-            <a:schemeClr val="accent1"/>
-          </a:fillRef>
-          <a:effectRef idx="0">
-            <a:schemeClr val="accent1"/>
-          </a:effectRef>
-          <a:fontRef idx="minor">
-            <a:schemeClr val="lt1"/>
-          </a:fontRef>
-        </p:style>
-        <p:txBody>
-          <a:bodyPr rtlCol="0" anchor="ctr"/>
-          <a:lstStyle/>
-          <a:p>
-            <a:pPr algn="ctr"/>
-            <a:r>
-              <a:rPr lang="ko-KR" altLang="en-US" dirty="0"/>
-              <a:t>내용</a:t>
-            </a:r>
-          </a:p>
-        </p:txBody>
-      </p:sp>
-      <p:sp>
-        <p:nvSpPr>
-          <p:cNvPr id="121" name="사각형: 둥근 모서리 120">
-            <a:extLst>
-              <a:ext uri="{FF2B5EF4-FFF2-40B4-BE49-F238E27FC236}">
-                <a16:creationId xmlns:a16="http://schemas.microsoft.com/office/drawing/2014/main" id="{DF3FCBDF-CB6E-4075-809C-E0798E7CC1C0}"/>
-              </a:ext>
-            </a:extLst>
-          </p:cNvPr>
-          <p:cNvSpPr/>
-          <p:nvPr/>
-        </p:nvSpPr>
-        <p:spPr>
-          <a:xfrm>
-            <a:off x="3494316" y="3597318"/>
-            <a:ext cx="3209975" cy="394625"/>
-          </a:xfrm>
-          <a:prstGeom prst="roundRect">
-            <a:avLst/>
-          </a:prstGeom>
-        </p:spPr>
-        <p:style>
-          <a:lnRef idx="2">
-            <a:schemeClr val="accent1">
-              <a:shade val="50000"/>
-            </a:schemeClr>
-          </a:lnRef>
-          <a:fillRef idx="1">
-            <a:schemeClr val="accent1"/>
-          </a:fillRef>
-          <a:effectRef idx="0">
-            <a:schemeClr val="accent1"/>
-          </a:effectRef>
-          <a:fontRef idx="minor">
-            <a:schemeClr val="lt1"/>
-          </a:fontRef>
-        </p:style>
-        <p:txBody>
-          <a:bodyPr rtlCol="0" anchor="ctr"/>
-          <a:lstStyle/>
-          <a:p>
-            <a:pPr algn="ctr"/>
-            <a:r>
-              <a:rPr lang="ko-KR" altLang="en-US" dirty="0"/>
-              <a:t>내용</a:t>
-            </a:r>
-          </a:p>
-        </p:txBody>
-      </p:sp>
-      <p:sp>
-        <p:nvSpPr>
-          <p:cNvPr id="122" name="타원 121">
-            <a:extLst>
-              <a:ext uri="{FF2B5EF4-FFF2-40B4-BE49-F238E27FC236}">
-                <a16:creationId xmlns:a16="http://schemas.microsoft.com/office/drawing/2014/main" id="{B15E8B59-9555-43E8-91A8-945AD93A6EF0}"/>
-              </a:ext>
-            </a:extLst>
-          </p:cNvPr>
-          <p:cNvSpPr/>
-          <p:nvPr/>
-        </p:nvSpPr>
-        <p:spPr>
-          <a:xfrm>
-            <a:off x="3570521" y="2672686"/>
-            <a:ext cx="178764" cy="203826"/>
-          </a:xfrm>
-          <a:prstGeom prst="ellipse">
-            <a:avLst/>
-          </a:prstGeom>
-          <a:noFill/>
-          <a:ln>
-            <a:solidFill>
-              <a:schemeClr val="tx1"/>
-            </a:solidFill>
-          </a:ln>
-        </p:spPr>
-        <p:style>
-          <a:lnRef idx="2">
-            <a:schemeClr val="accent1">
-              <a:shade val="50000"/>
-            </a:schemeClr>
-          </a:lnRef>
-          <a:fillRef idx="1">
-            <a:schemeClr val="accent1"/>
-          </a:fillRef>
-          <a:effectRef idx="0">
-            <a:schemeClr val="accent1"/>
-          </a:effectRef>
-          <a:fontRef idx="minor">
-            <a:schemeClr val="lt1"/>
-          </a:fontRef>
-        </p:style>
-        <p:txBody>
-          <a:bodyPr rtlCol="0" anchor="ctr"/>
-          <a:lstStyle/>
-          <a:p>
-            <a:pPr algn="ctr"/>
-            <a:endParaRPr lang="ko-KR" altLang="en-US"/>
-          </a:p>
-        </p:txBody>
-      </p:sp>
-      <p:sp>
-        <p:nvSpPr>
-          <p:cNvPr id="123" name="TextBox 122">
-            <a:extLst>
-              <a:ext uri="{FF2B5EF4-FFF2-40B4-BE49-F238E27FC236}">
-                <a16:creationId xmlns:a16="http://schemas.microsoft.com/office/drawing/2014/main" id="{625B0AED-68E9-493B-938C-7E5445598491}"/>
-              </a:ext>
-            </a:extLst>
-          </p:cNvPr>
-          <p:cNvSpPr txBox="1"/>
-          <p:nvPr/>
-        </p:nvSpPr>
-        <p:spPr>
-          <a:xfrm>
-            <a:off x="3735073" y="2683892"/>
-            <a:ext cx="723275" cy="230832"/>
-          </a:xfrm>
-          <a:prstGeom prst="rect">
-            <a:avLst/>
-          </a:prstGeom>
-          <a:noFill/>
-        </p:spPr>
-        <p:txBody>
-          <a:bodyPr wrap="square" rtlCol="0">
-            <a:spAutoFit/>
-          </a:bodyPr>
-          <a:lstStyle/>
-          <a:p>
-            <a:r>
-              <a:rPr lang="ko-KR" altLang="en-US" sz="900" dirty="0"/>
-              <a:t>닉네임</a:t>
-            </a:r>
-            <a:r>
-              <a:rPr lang="en-US" altLang="ko-KR" sz="900" dirty="0"/>
-              <a:t>1</a:t>
-            </a:r>
-            <a:endParaRPr lang="ko-KR" altLang="en-US" sz="900" dirty="0"/>
-          </a:p>
-        </p:txBody>
-      </p:sp>
-      <p:sp>
-        <p:nvSpPr>
-          <p:cNvPr id="124" name="타원 123">
-            <a:extLst>
-              <a:ext uri="{FF2B5EF4-FFF2-40B4-BE49-F238E27FC236}">
-                <a16:creationId xmlns:a16="http://schemas.microsoft.com/office/drawing/2014/main" id="{77720341-1A05-4CC5-96E2-7DB31706D7BA}"/>
-              </a:ext>
-            </a:extLst>
-          </p:cNvPr>
-          <p:cNvSpPr/>
-          <p:nvPr/>
-        </p:nvSpPr>
-        <p:spPr>
-          <a:xfrm>
-            <a:off x="3584733" y="3359657"/>
-            <a:ext cx="178764" cy="203826"/>
-          </a:xfrm>
-          <a:prstGeom prst="ellipse">
-            <a:avLst/>
-          </a:prstGeom>
-          <a:noFill/>
-          <a:ln>
-            <a:solidFill>
-              <a:schemeClr val="tx1"/>
-            </a:solidFill>
-          </a:ln>
-        </p:spPr>
-        <p:style>
-          <a:lnRef idx="2">
-            <a:schemeClr val="accent1">
-              <a:shade val="50000"/>
-            </a:schemeClr>
-          </a:lnRef>
-          <a:fillRef idx="1">
-            <a:schemeClr val="accent1"/>
-          </a:fillRef>
-          <a:effectRef idx="0">
-            <a:schemeClr val="accent1"/>
-          </a:effectRef>
-          <a:fontRef idx="minor">
-            <a:schemeClr val="lt1"/>
-          </a:fontRef>
-        </p:style>
-        <p:txBody>
-          <a:bodyPr rtlCol="0" anchor="ctr"/>
-          <a:lstStyle/>
-          <a:p>
-            <a:pPr algn="ctr"/>
-            <a:endParaRPr lang="ko-KR" altLang="en-US"/>
-          </a:p>
-        </p:txBody>
-      </p:sp>
-      <p:sp>
-        <p:nvSpPr>
-          <p:cNvPr id="125" name="TextBox 124">
-            <a:extLst>
-              <a:ext uri="{FF2B5EF4-FFF2-40B4-BE49-F238E27FC236}">
-                <a16:creationId xmlns:a16="http://schemas.microsoft.com/office/drawing/2014/main" id="{9D19CFD0-76B3-4402-A00C-CCC6073DEA9F}"/>
-              </a:ext>
-            </a:extLst>
-          </p:cNvPr>
-          <p:cNvSpPr txBox="1"/>
-          <p:nvPr/>
-        </p:nvSpPr>
-        <p:spPr>
-          <a:xfrm>
-            <a:off x="3749285" y="3370863"/>
-            <a:ext cx="723275" cy="230832"/>
-          </a:xfrm>
-          <a:prstGeom prst="rect">
-            <a:avLst/>
-          </a:prstGeom>
-          <a:noFill/>
-        </p:spPr>
-        <p:txBody>
-          <a:bodyPr wrap="square" rtlCol="0">
-            <a:spAutoFit/>
-          </a:bodyPr>
-          <a:lstStyle/>
-          <a:p>
-            <a:r>
-              <a:rPr lang="ko-KR" altLang="en-US" sz="900" dirty="0"/>
-              <a:t>닉네임</a:t>
-            </a:r>
-            <a:r>
-              <a:rPr lang="en-US" altLang="ko-KR" sz="900" dirty="0"/>
-              <a:t>2</a:t>
-            </a:r>
-            <a:endParaRPr lang="ko-KR" altLang="en-US" sz="900" dirty="0"/>
-          </a:p>
-        </p:txBody>
-      </p:sp>
-      <p:sp>
-        <p:nvSpPr>
-          <p:cNvPr id="137" name="사각형: 둥근 모서리 136">
-            <a:extLst>
-              <a:ext uri="{FF2B5EF4-FFF2-40B4-BE49-F238E27FC236}">
-                <a16:creationId xmlns:a16="http://schemas.microsoft.com/office/drawing/2014/main" id="{DAF23040-D116-4BEE-B32C-FFE6B6153499}"/>
-              </a:ext>
-            </a:extLst>
-          </p:cNvPr>
-          <p:cNvSpPr/>
-          <p:nvPr/>
-        </p:nvSpPr>
-        <p:spPr>
-          <a:xfrm>
-            <a:off x="3494316" y="4265318"/>
-            <a:ext cx="3209975" cy="394625"/>
-          </a:xfrm>
-          <a:prstGeom prst="roundRect">
-            <a:avLst/>
-          </a:prstGeom>
-        </p:spPr>
-        <p:style>
-          <a:lnRef idx="2">
-            <a:schemeClr val="accent1">
-              <a:shade val="50000"/>
-            </a:schemeClr>
-          </a:lnRef>
-          <a:fillRef idx="1">
-            <a:schemeClr val="accent1"/>
-          </a:fillRef>
-          <a:effectRef idx="0">
-            <a:schemeClr val="accent1"/>
-          </a:effectRef>
-          <a:fontRef idx="minor">
-            <a:schemeClr val="lt1"/>
-          </a:fontRef>
-        </p:style>
-        <p:txBody>
-          <a:bodyPr rtlCol="0" anchor="ctr"/>
-          <a:lstStyle/>
-          <a:p>
-            <a:pPr algn="ctr"/>
-            <a:r>
-              <a:rPr lang="ko-KR" altLang="en-US" dirty="0"/>
-              <a:t>내용</a:t>
-            </a:r>
-          </a:p>
-        </p:txBody>
-      </p:sp>
-      <p:sp>
-        <p:nvSpPr>
-          <p:cNvPr id="138" name="타원 137">
-            <a:extLst>
-              <a:ext uri="{FF2B5EF4-FFF2-40B4-BE49-F238E27FC236}">
-                <a16:creationId xmlns:a16="http://schemas.microsoft.com/office/drawing/2014/main" id="{2FC2F31A-1955-4A22-9303-0160B4813AF9}"/>
-              </a:ext>
-            </a:extLst>
-          </p:cNvPr>
-          <p:cNvSpPr/>
-          <p:nvPr/>
-        </p:nvSpPr>
-        <p:spPr>
-          <a:xfrm>
-            <a:off x="3584733" y="4027657"/>
-            <a:ext cx="178764" cy="203826"/>
-          </a:xfrm>
-          <a:prstGeom prst="ellipse">
-            <a:avLst/>
-          </a:prstGeom>
-          <a:noFill/>
-          <a:ln>
-            <a:solidFill>
-              <a:schemeClr val="tx1"/>
-            </a:solidFill>
-          </a:ln>
-        </p:spPr>
-        <p:style>
-          <a:lnRef idx="2">
-            <a:schemeClr val="accent1">
-              <a:shade val="50000"/>
-            </a:schemeClr>
-          </a:lnRef>
-          <a:fillRef idx="1">
-            <a:schemeClr val="accent1"/>
-          </a:fillRef>
-          <a:effectRef idx="0">
-            <a:schemeClr val="accent1"/>
-          </a:effectRef>
-          <a:fontRef idx="minor">
-            <a:schemeClr val="lt1"/>
-          </a:fontRef>
-        </p:style>
-        <p:txBody>
-          <a:bodyPr rtlCol="0" anchor="ctr"/>
-          <a:lstStyle/>
-          <a:p>
-            <a:pPr algn="ctr"/>
-            <a:endParaRPr lang="ko-KR" altLang="en-US"/>
-          </a:p>
-        </p:txBody>
-      </p:sp>
-      <p:sp>
-        <p:nvSpPr>
-          <p:cNvPr id="139" name="TextBox 138">
-            <a:extLst>
-              <a:ext uri="{FF2B5EF4-FFF2-40B4-BE49-F238E27FC236}">
-                <a16:creationId xmlns:a16="http://schemas.microsoft.com/office/drawing/2014/main" id="{0F780F69-52A0-420C-B455-4FACD22ACFFF}"/>
-              </a:ext>
-            </a:extLst>
-          </p:cNvPr>
-          <p:cNvSpPr txBox="1"/>
-          <p:nvPr/>
-        </p:nvSpPr>
-        <p:spPr>
-          <a:xfrm>
-            <a:off x="3749285" y="4038863"/>
-            <a:ext cx="723275" cy="230832"/>
-          </a:xfrm>
-          <a:prstGeom prst="rect">
-            <a:avLst/>
-          </a:prstGeom>
-          <a:noFill/>
-        </p:spPr>
-        <p:txBody>
-          <a:bodyPr wrap="square" rtlCol="0">
-            <a:spAutoFit/>
-          </a:bodyPr>
-          <a:lstStyle/>
-          <a:p>
-            <a:r>
-              <a:rPr lang="ko-KR" altLang="en-US" sz="900" dirty="0"/>
-              <a:t>닉네임</a:t>
-            </a:r>
-            <a:r>
-              <a:rPr lang="en-US" altLang="ko-KR" sz="900" dirty="0"/>
-              <a:t>3</a:t>
-            </a:r>
-            <a:endParaRPr lang="ko-KR" altLang="en-US" sz="900" dirty="0"/>
-          </a:p>
-        </p:txBody>
-      </p:sp>
-      <p:sp>
-        <p:nvSpPr>
-          <p:cNvPr id="2" name="TextBox 1">
-            <a:extLst>
-              <a:ext uri="{FF2B5EF4-FFF2-40B4-BE49-F238E27FC236}">
-                <a16:creationId xmlns:a16="http://schemas.microsoft.com/office/drawing/2014/main" id="{A98BCEBB-440B-4FA9-B5CC-21E41434E827}"/>
-              </a:ext>
-            </a:extLst>
-          </p:cNvPr>
-          <p:cNvSpPr txBox="1"/>
-          <p:nvPr/>
-        </p:nvSpPr>
-        <p:spPr>
-          <a:xfrm>
-            <a:off x="2949336" y="5818683"/>
-            <a:ext cx="5142755" cy="369332"/>
-          </a:xfrm>
-          <a:prstGeom prst="rect">
-            <a:avLst/>
-          </a:prstGeom>
-          <a:noFill/>
-        </p:spPr>
-        <p:txBody>
-          <a:bodyPr wrap="none" rtlCol="0">
-            <a:spAutoFit/>
-          </a:bodyPr>
-          <a:lstStyle/>
-          <a:p>
-            <a:r>
-              <a:rPr lang="ko-KR" altLang="en-US" dirty="0"/>
-              <a:t>채팅 내용은 상하 스크롤로 위에 내용 확인 가능</a:t>
-            </a:r>
-          </a:p>
-        </p:txBody>
-      </p:sp>
-      <p:sp>
-        <p:nvSpPr>
-          <p:cNvPr id="45" name="TextBox 44">
-            <a:extLst>
-              <a:ext uri="{FF2B5EF4-FFF2-40B4-BE49-F238E27FC236}">
-                <a16:creationId xmlns:a16="http://schemas.microsoft.com/office/drawing/2014/main" id="{5B1CF336-D764-4D9A-A389-B2C40CFA3C99}"/>
-              </a:ext>
-            </a:extLst>
-          </p:cNvPr>
-          <p:cNvSpPr txBox="1"/>
-          <p:nvPr/>
-        </p:nvSpPr>
-        <p:spPr>
-          <a:xfrm>
-            <a:off x="11508508" y="6289963"/>
-            <a:ext cx="311304" cy="369332"/>
-          </a:xfrm>
-          <a:prstGeom prst="rect">
-            <a:avLst/>
-          </a:prstGeom>
-          <a:noFill/>
-        </p:spPr>
-        <p:txBody>
-          <a:bodyPr wrap="none" rtlCol="0">
-            <a:spAutoFit/>
-          </a:bodyPr>
-          <a:lstStyle/>
-          <a:p>
-            <a:r>
-              <a:rPr lang="en-US" altLang="ko-KR" dirty="0"/>
-              <a:t>1</a:t>
-            </a:r>
-            <a:endParaRPr lang="ko-KR" altLang="en-US" dirty="0"/>
-          </a:p>
-        </p:txBody>
-      </p:sp>
-      <p:sp>
-        <p:nvSpPr>
-          <p:cNvPr id="46" name="TextBox 45">
-            <a:extLst>
-              <a:ext uri="{FF2B5EF4-FFF2-40B4-BE49-F238E27FC236}">
-                <a16:creationId xmlns:a16="http://schemas.microsoft.com/office/drawing/2014/main" id="{A6D69477-6D03-43C3-8DAD-5F767B40C5D2}"/>
-              </a:ext>
-            </a:extLst>
-          </p:cNvPr>
-          <p:cNvSpPr txBox="1"/>
-          <p:nvPr/>
-        </p:nvSpPr>
-        <p:spPr>
-          <a:xfrm>
-            <a:off x="37779" y="1043754"/>
-            <a:ext cx="1055097" cy="400110"/>
-          </a:xfrm>
-          <a:prstGeom prst="rect">
-            <a:avLst/>
-          </a:prstGeom>
-          <a:noFill/>
-        </p:spPr>
-        <p:txBody>
-          <a:bodyPr wrap="none" rtlCol="0">
-            <a:spAutoFit/>
-          </a:bodyPr>
-          <a:lstStyle/>
-          <a:p>
-            <a:r>
-              <a:rPr lang="ko-KR" altLang="en-US" sz="2000" b="1" dirty="0"/>
-              <a:t>지도 </a:t>
-            </a:r>
-            <a:r>
-              <a:rPr lang="en-US" altLang="ko-KR" sz="2000" b="1" dirty="0"/>
-              <a:t>UI</a:t>
-            </a:r>
-            <a:endParaRPr lang="ko-KR" altLang="en-US" sz="1600" b="1" dirty="0"/>
-          </a:p>
-        </p:txBody>
-      </p:sp>
-      <p:sp>
-        <p:nvSpPr>
-          <p:cNvPr id="47" name="직사각형 46">
-            <a:extLst>
-              <a:ext uri="{FF2B5EF4-FFF2-40B4-BE49-F238E27FC236}">
-                <a16:creationId xmlns:a16="http://schemas.microsoft.com/office/drawing/2014/main" id="{94667296-1920-44F7-AC25-D45E249F72B4}"/>
-              </a:ext>
-            </a:extLst>
-          </p:cNvPr>
-          <p:cNvSpPr/>
-          <p:nvPr/>
-        </p:nvSpPr>
-        <p:spPr>
-          <a:xfrm flipH="1">
-            <a:off x="1130655" y="1034474"/>
-            <a:ext cx="45719" cy="369332"/>
-          </a:xfrm>
-          <a:prstGeom prst="rect">
-            <a:avLst/>
-          </a:prstGeom>
-          <a:solidFill>
-            <a:schemeClr val="tx1"/>
-          </a:solidFill>
-          <a:ln>
-            <a:noFill/>
-          </a:ln>
-        </p:spPr>
-        <p:style>
-          <a:lnRef idx="2">
-            <a:schemeClr val="accent1">
-              <a:shade val="50000"/>
-            </a:schemeClr>
-          </a:lnRef>
-          <a:fillRef idx="1">
-            <a:schemeClr val="accent1"/>
-          </a:fillRef>
-          <a:effectRef idx="0">
-            <a:schemeClr val="accent1"/>
-          </a:effectRef>
-          <a:fontRef idx="minor">
-            <a:schemeClr val="lt1"/>
-          </a:fontRef>
-        </p:style>
-        <p:txBody>
-          <a:bodyPr rtlCol="0" anchor="ctr"/>
-          <a:lstStyle/>
-          <a:p>
-            <a:pPr algn="ctr"/>
-            <a:endParaRPr lang="ko-KR" altLang="en-US"/>
-          </a:p>
-        </p:txBody>
-      </p:sp>
-      <p:sp>
-        <p:nvSpPr>
-          <p:cNvPr id="48" name="TextBox 47">
-            <a:extLst>
-              <a:ext uri="{FF2B5EF4-FFF2-40B4-BE49-F238E27FC236}">
-                <a16:creationId xmlns:a16="http://schemas.microsoft.com/office/drawing/2014/main" id="{A3EF6E99-5422-4434-AC5A-88490FD45AA7}"/>
-              </a:ext>
-            </a:extLst>
-          </p:cNvPr>
-          <p:cNvSpPr txBox="1"/>
-          <p:nvPr/>
-        </p:nvSpPr>
-        <p:spPr>
-          <a:xfrm>
-            <a:off x="1166095" y="1054590"/>
-            <a:ext cx="1657826" cy="400110"/>
-          </a:xfrm>
-          <a:prstGeom prst="rect">
-            <a:avLst/>
-          </a:prstGeom>
-          <a:noFill/>
-        </p:spPr>
-        <p:txBody>
-          <a:bodyPr wrap="none" rtlCol="0">
-            <a:spAutoFit/>
-          </a:bodyPr>
-          <a:lstStyle/>
-          <a:p>
-            <a:r>
-              <a:rPr lang="ko-KR" altLang="en-US" sz="2000" b="1" dirty="0"/>
-              <a:t>상세 지도 </a:t>
-            </a:r>
-            <a:r>
-              <a:rPr lang="en-US" altLang="ko-KR" sz="2000" b="1" dirty="0"/>
-              <a:t>UI</a:t>
-            </a:r>
-            <a:endParaRPr lang="ko-KR" altLang="en-US" sz="1600" b="1" dirty="0"/>
-          </a:p>
-        </p:txBody>
-      </p:sp>
-      <p:sp>
-        <p:nvSpPr>
-          <p:cNvPr id="49" name="직사각형 48">
-            <a:extLst>
-              <a:ext uri="{FF2B5EF4-FFF2-40B4-BE49-F238E27FC236}">
-                <a16:creationId xmlns:a16="http://schemas.microsoft.com/office/drawing/2014/main" id="{5F274BD1-9ABC-45B5-8862-1E5A0BB37537}"/>
-              </a:ext>
-            </a:extLst>
-          </p:cNvPr>
-          <p:cNvSpPr/>
-          <p:nvPr/>
-        </p:nvSpPr>
-        <p:spPr>
-          <a:xfrm flipH="1">
-            <a:off x="2789122" y="1043434"/>
-            <a:ext cx="45719" cy="369332"/>
-          </a:xfrm>
-          <a:prstGeom prst="rect">
-            <a:avLst/>
-          </a:prstGeom>
-          <a:solidFill>
-            <a:schemeClr val="tx1"/>
-          </a:solidFill>
-          <a:ln>
-            <a:noFill/>
-          </a:ln>
-        </p:spPr>
-        <p:style>
-          <a:lnRef idx="2">
-            <a:schemeClr val="accent1">
-              <a:shade val="50000"/>
-            </a:schemeClr>
-          </a:lnRef>
-          <a:fillRef idx="1">
-            <a:schemeClr val="accent1"/>
-          </a:fillRef>
-          <a:effectRef idx="0">
-            <a:schemeClr val="accent1"/>
-          </a:effectRef>
-          <a:fontRef idx="minor">
-            <a:schemeClr val="lt1"/>
-          </a:fontRef>
-        </p:style>
-        <p:txBody>
-          <a:bodyPr rtlCol="0" anchor="ctr"/>
-          <a:lstStyle/>
-          <a:p>
-            <a:pPr algn="ctr"/>
-            <a:endParaRPr lang="ko-KR" altLang="en-US"/>
-          </a:p>
-        </p:txBody>
-      </p:sp>
-      <p:sp>
-        <p:nvSpPr>
-          <p:cNvPr id="50" name="TextBox 49">
-            <a:extLst>
-              <a:ext uri="{FF2B5EF4-FFF2-40B4-BE49-F238E27FC236}">
-                <a16:creationId xmlns:a16="http://schemas.microsoft.com/office/drawing/2014/main" id="{AB9F9C3B-3CA2-48A8-908F-AB7BFCD73E5B}"/>
-              </a:ext>
-            </a:extLst>
-          </p:cNvPr>
-          <p:cNvSpPr txBox="1"/>
-          <p:nvPr/>
-        </p:nvSpPr>
-        <p:spPr>
-          <a:xfrm>
-            <a:off x="2789122" y="1065572"/>
-            <a:ext cx="1804354" cy="369332"/>
-          </a:xfrm>
-          <a:prstGeom prst="rect">
-            <a:avLst/>
-          </a:prstGeom>
-          <a:noFill/>
-        </p:spPr>
-        <p:txBody>
-          <a:bodyPr wrap="square">
-            <a:spAutoFit/>
-          </a:bodyPr>
-          <a:lstStyle/>
-          <a:p>
-            <a:r>
-              <a:rPr lang="ko-KR" altLang="en-US" sz="1800" b="1" dirty="0"/>
-              <a:t>인 게임 설정 창</a:t>
-            </a:r>
-            <a:endParaRPr lang="ko-KR" altLang="en-US" dirty="0"/>
-          </a:p>
-        </p:txBody>
-      </p:sp>
-      <p:sp>
-        <p:nvSpPr>
-          <p:cNvPr id="51" name="TextBox 50">
-            <a:extLst>
-              <a:ext uri="{FF2B5EF4-FFF2-40B4-BE49-F238E27FC236}">
-                <a16:creationId xmlns:a16="http://schemas.microsoft.com/office/drawing/2014/main" id="{637F18A2-CBDF-45D8-B7BA-FFC399229F03}"/>
-              </a:ext>
-            </a:extLst>
-          </p:cNvPr>
-          <p:cNvSpPr txBox="1"/>
-          <p:nvPr/>
-        </p:nvSpPr>
-        <p:spPr>
-          <a:xfrm>
-            <a:off x="4593476" y="1028045"/>
-            <a:ext cx="1300356" cy="400110"/>
-          </a:xfrm>
-          <a:prstGeom prst="rect">
-            <a:avLst/>
-          </a:prstGeom>
-          <a:noFill/>
-        </p:spPr>
-        <p:txBody>
-          <a:bodyPr wrap="none" rtlCol="0">
-            <a:spAutoFit/>
-          </a:bodyPr>
-          <a:lstStyle/>
-          <a:p>
-            <a:r>
-              <a:rPr lang="ko-KR" altLang="en-US" sz="2000" b="1" dirty="0"/>
-              <a:t>시체 발견</a:t>
-            </a:r>
-            <a:endParaRPr lang="ko-KR" altLang="en-US" sz="1600" b="1" dirty="0"/>
-          </a:p>
-        </p:txBody>
-      </p:sp>
-      <p:sp>
-        <p:nvSpPr>
-          <p:cNvPr id="52" name="직사각형 51">
-            <a:extLst>
-              <a:ext uri="{FF2B5EF4-FFF2-40B4-BE49-F238E27FC236}">
-                <a16:creationId xmlns:a16="http://schemas.microsoft.com/office/drawing/2014/main" id="{342F2A5B-282F-4C6D-B5FD-6EA168C135AF}"/>
-              </a:ext>
-            </a:extLst>
-          </p:cNvPr>
-          <p:cNvSpPr/>
-          <p:nvPr/>
-        </p:nvSpPr>
-        <p:spPr>
-          <a:xfrm flipH="1">
-            <a:off x="4582073" y="1043434"/>
-            <a:ext cx="45719" cy="369332"/>
-          </a:xfrm>
-          <a:prstGeom prst="rect">
-            <a:avLst/>
-          </a:prstGeom>
-          <a:solidFill>
-            <a:schemeClr val="tx1"/>
-          </a:solidFill>
-          <a:ln>
-            <a:noFill/>
-          </a:ln>
-        </p:spPr>
-        <p:style>
-          <a:lnRef idx="2">
-            <a:schemeClr val="accent1">
-              <a:shade val="50000"/>
-            </a:schemeClr>
-          </a:lnRef>
-          <a:fillRef idx="1">
-            <a:schemeClr val="accent1"/>
-          </a:fillRef>
-          <a:effectRef idx="0">
-            <a:schemeClr val="accent1"/>
-          </a:effectRef>
-          <a:fontRef idx="minor">
-            <a:schemeClr val="lt1"/>
-          </a:fontRef>
-        </p:style>
-        <p:txBody>
-          <a:bodyPr rtlCol="0" anchor="ctr"/>
-          <a:lstStyle/>
-          <a:p>
-            <a:pPr algn="ctr"/>
-            <a:endParaRPr lang="ko-KR" altLang="en-US"/>
-          </a:p>
-        </p:txBody>
-      </p:sp>
-      <p:sp>
-        <p:nvSpPr>
-          <p:cNvPr id="53" name="직사각형 52">
-            <a:extLst>
-              <a:ext uri="{FF2B5EF4-FFF2-40B4-BE49-F238E27FC236}">
-                <a16:creationId xmlns:a16="http://schemas.microsoft.com/office/drawing/2014/main" id="{934ED787-C040-4D56-9CC8-5A7752795219}"/>
-              </a:ext>
-            </a:extLst>
-          </p:cNvPr>
-          <p:cNvSpPr/>
-          <p:nvPr/>
-        </p:nvSpPr>
-        <p:spPr>
-          <a:xfrm flipH="1">
-            <a:off x="5846097" y="1052400"/>
-            <a:ext cx="45719" cy="369332"/>
-          </a:xfrm>
-          <a:prstGeom prst="rect">
-            <a:avLst/>
-          </a:prstGeom>
-          <a:solidFill>
-            <a:schemeClr val="tx1"/>
-          </a:solidFill>
-          <a:ln>
-            <a:noFill/>
-          </a:ln>
-        </p:spPr>
-        <p:style>
-          <a:lnRef idx="2">
-            <a:schemeClr val="accent1">
-              <a:shade val="50000"/>
-            </a:schemeClr>
-          </a:lnRef>
-          <a:fillRef idx="1">
-            <a:schemeClr val="accent1"/>
-          </a:fillRef>
-          <a:effectRef idx="0">
-            <a:schemeClr val="accent1"/>
-          </a:effectRef>
-          <a:fontRef idx="minor">
-            <a:schemeClr val="lt1"/>
-          </a:fontRef>
-        </p:style>
-        <p:txBody>
-          <a:bodyPr rtlCol="0" anchor="ctr"/>
-          <a:lstStyle/>
-          <a:p>
-            <a:pPr algn="ctr"/>
-            <a:endParaRPr lang="ko-KR" altLang="en-US"/>
-          </a:p>
-        </p:txBody>
-      </p:sp>
-      <p:sp>
-        <p:nvSpPr>
-          <p:cNvPr id="54" name="TextBox 53">
-            <a:extLst>
-              <a:ext uri="{FF2B5EF4-FFF2-40B4-BE49-F238E27FC236}">
-                <a16:creationId xmlns:a16="http://schemas.microsoft.com/office/drawing/2014/main" id="{D9196220-159C-4C04-A057-0B78E96416F5}"/>
-              </a:ext>
-            </a:extLst>
-          </p:cNvPr>
-          <p:cNvSpPr txBox="1"/>
-          <p:nvPr/>
-        </p:nvSpPr>
-        <p:spPr>
-          <a:xfrm>
-            <a:off x="5891816" y="1049021"/>
-            <a:ext cx="1459243" cy="369332"/>
-          </a:xfrm>
-          <a:prstGeom prst="rect">
-            <a:avLst/>
-          </a:prstGeom>
-          <a:noFill/>
-        </p:spPr>
-        <p:txBody>
-          <a:bodyPr wrap="square">
-            <a:spAutoFit/>
-          </a:bodyPr>
-          <a:lstStyle/>
-          <a:p>
-            <a:r>
-              <a:rPr lang="ko-KR" altLang="en-US" sz="1800" b="1" dirty="0"/>
-              <a:t>회의 </a:t>
-            </a:r>
-            <a:r>
-              <a:rPr lang="en-US" altLang="ko-KR" sz="1800" b="1" dirty="0"/>
-              <a:t>/ </a:t>
-            </a:r>
-            <a:r>
-              <a:rPr lang="ko-KR" altLang="en-US" sz="1800" b="1" dirty="0"/>
-              <a:t>채팅 </a:t>
-            </a:r>
-            <a:endParaRPr lang="ko-KR" altLang="en-US" dirty="0"/>
-          </a:p>
-        </p:txBody>
-      </p:sp>
-      <p:sp>
-        <p:nvSpPr>
-          <p:cNvPr id="57" name="TextBox 56">
-            <a:extLst>
-              <a:ext uri="{FF2B5EF4-FFF2-40B4-BE49-F238E27FC236}">
-                <a16:creationId xmlns:a16="http://schemas.microsoft.com/office/drawing/2014/main" id="{19937574-FA27-42F6-BB9C-7537B4BB7908}"/>
-              </a:ext>
-            </a:extLst>
-          </p:cNvPr>
-          <p:cNvSpPr txBox="1"/>
-          <p:nvPr/>
-        </p:nvSpPr>
-        <p:spPr>
-          <a:xfrm>
-            <a:off x="646546" y="255627"/>
-            <a:ext cx="4230254" cy="523220"/>
-          </a:xfrm>
-          <a:prstGeom prst="rect">
-            <a:avLst/>
-          </a:prstGeom>
-          <a:noFill/>
-        </p:spPr>
-        <p:txBody>
-          <a:bodyPr wrap="square" rtlCol="0">
-            <a:spAutoFit/>
-          </a:bodyPr>
-          <a:lstStyle/>
-          <a:p>
-            <a:r>
-              <a:rPr lang="en-US" altLang="ko-KR" sz="2800" b="1" dirty="0"/>
-              <a:t>UI</a:t>
-            </a:r>
-          </a:p>
-        </p:txBody>
-      </p:sp>
-    </p:spTree>
-    <p:extLst>
-      <p:ext uri="{BB962C8B-B14F-4D97-AF65-F5344CB8AC3E}">
-        <p14:creationId xmlns:p14="http://schemas.microsoft.com/office/powerpoint/2010/main" val="1904591000"/>
-      </p:ext>
-    </p:extLst>
-  </p:cSld>
-  <p:clrMapOvr>
-    <a:masterClrMapping/>
-  </p:clrMapOvr>
-</p:sld>
-</file>
-
-<file path=ppt/slides/slide17.xml><?xml version="1.0" encoding="utf-8"?>
-<p:sld xmlns:a="http://schemas.openxmlformats.org/drawingml/2006/main" xmlns:r="http://schemas.openxmlformats.org/officeDocument/2006/relationships" xmlns:p="http://schemas.openxmlformats.org/presentationml/2006/main">
-  <p:cSld>
-    <p:spTree>
-      <p:nvGrpSpPr>
-        <p:cNvPr id="1" name=""/>
-        <p:cNvGrpSpPr/>
-        <p:nvPr/>
-      </p:nvGrpSpPr>
-      <p:grpSpPr>
-        <a:xfrm>
-          <a:off x="0" y="0"/>
-          <a:ext cx="0" cy="0"/>
-          <a:chOff x="0" y="0"/>
-          <a:chExt cx="0" cy="0"/>
-        </a:xfrm>
-      </p:grpSpPr>
-      <p:sp>
-        <p:nvSpPr>
           <p:cNvPr id="38" name="순서도: 대체 처리 37">
             <a:extLst>
               <a:ext uri="{FF2B5EF4-FFF2-40B4-BE49-F238E27FC236}">
@@ -34516,6 +30997,4994 @@
     <p:extLst>
       <p:ext uri="{BB962C8B-B14F-4D97-AF65-F5344CB8AC3E}">
         <p14:creationId xmlns:p14="http://schemas.microsoft.com/office/powerpoint/2010/main" val="2555584757"/>
+      </p:ext>
+    </p:extLst>
+  </p:cSld>
+  <p:clrMapOvr>
+    <a:masterClrMapping/>
+  </p:clrMapOvr>
+</p:sld>
+</file>
+
+<file path=ppt/slides/slide16.xml><?xml version="1.0" encoding="utf-8"?>
+<p:sld xmlns:a="http://schemas.openxmlformats.org/drawingml/2006/main" xmlns:r="http://schemas.openxmlformats.org/officeDocument/2006/relationships" xmlns:p="http://schemas.openxmlformats.org/presentationml/2006/main">
+  <p:cSld>
+    <p:spTree>
+      <p:nvGrpSpPr>
+        <p:cNvPr id="1" name=""/>
+        <p:cNvGrpSpPr/>
+        <p:nvPr/>
+      </p:nvGrpSpPr>
+      <p:grpSpPr>
+        <a:xfrm>
+          <a:off x="0" y="0"/>
+          <a:ext cx="0" cy="0"/>
+          <a:chOff x="0" y="0"/>
+          <a:chExt cx="0" cy="0"/>
+        </a:xfrm>
+      </p:grpSpPr>
+      <p:sp>
+        <p:nvSpPr>
+          <p:cNvPr id="74" name="순서도: 대체 처리 73">
+            <a:extLst>
+              <a:ext uri="{FF2B5EF4-FFF2-40B4-BE49-F238E27FC236}">
+                <a16:creationId xmlns:a16="http://schemas.microsoft.com/office/drawing/2014/main" id="{294AD6F2-A79D-404E-BF1D-C62F08BFF979}"/>
+              </a:ext>
+            </a:extLst>
+          </p:cNvPr>
+          <p:cNvSpPr/>
+          <p:nvPr/>
+        </p:nvSpPr>
+        <p:spPr>
+          <a:xfrm>
+            <a:off x="5885269" y="841660"/>
+            <a:ext cx="1300356" cy="612648"/>
+          </a:xfrm>
+          <a:prstGeom prst="flowChartAlternateProcess">
+            <a:avLst/>
+          </a:prstGeom>
+          <a:solidFill>
+            <a:schemeClr val="accent4">
+              <a:lumMod val="40000"/>
+              <a:lumOff val="60000"/>
+            </a:schemeClr>
+          </a:solidFill>
+          <a:ln>
+            <a:noFill/>
+          </a:ln>
+        </p:spPr>
+        <p:style>
+          <a:lnRef idx="2">
+            <a:schemeClr val="accent1">
+              <a:shade val="50000"/>
+            </a:schemeClr>
+          </a:lnRef>
+          <a:fillRef idx="1">
+            <a:schemeClr val="accent1"/>
+          </a:fillRef>
+          <a:effectRef idx="0">
+            <a:schemeClr val="accent1"/>
+          </a:effectRef>
+          <a:fontRef idx="minor">
+            <a:schemeClr val="lt1"/>
+          </a:fontRef>
+        </p:style>
+        <p:txBody>
+          <a:bodyPr rtlCol="0" anchor="ctr"/>
+          <a:lstStyle/>
+          <a:p>
+            <a:pPr algn="ctr"/>
+            <a:endParaRPr lang="ko-KR" altLang="en-US"/>
+          </a:p>
+        </p:txBody>
+      </p:sp>
+      <p:sp>
+        <p:nvSpPr>
+          <p:cNvPr id="4" name="직사각형 3">
+            <a:extLst>
+              <a:ext uri="{FF2B5EF4-FFF2-40B4-BE49-F238E27FC236}">
+                <a16:creationId xmlns:a16="http://schemas.microsoft.com/office/drawing/2014/main" id="{AE93FE2A-85FE-4157-951C-FC2FADBB3B34}"/>
+              </a:ext>
+            </a:extLst>
+          </p:cNvPr>
+          <p:cNvSpPr/>
+          <p:nvPr/>
+        </p:nvSpPr>
+        <p:spPr>
+          <a:xfrm>
+            <a:off x="0" y="0"/>
+            <a:ext cx="12192000" cy="1034474"/>
+          </a:xfrm>
+          <a:prstGeom prst="rect">
+            <a:avLst/>
+          </a:prstGeom>
+          <a:solidFill>
+            <a:schemeClr val="accent5">
+              <a:lumMod val="60000"/>
+              <a:lumOff val="40000"/>
+            </a:schemeClr>
+          </a:solidFill>
+        </p:spPr>
+        <p:style>
+          <a:lnRef idx="2">
+            <a:schemeClr val="accent1">
+              <a:shade val="50000"/>
+            </a:schemeClr>
+          </a:lnRef>
+          <a:fillRef idx="1">
+            <a:schemeClr val="accent1"/>
+          </a:fillRef>
+          <a:effectRef idx="0">
+            <a:schemeClr val="accent1"/>
+          </a:effectRef>
+          <a:fontRef idx="minor">
+            <a:schemeClr val="lt1"/>
+          </a:fontRef>
+        </p:style>
+        <p:txBody>
+          <a:bodyPr rtlCol="0" anchor="ctr"/>
+          <a:lstStyle/>
+          <a:p>
+            <a:pPr algn="ctr"/>
+            <a:endParaRPr lang="ko-KR" altLang="en-US" dirty="0"/>
+          </a:p>
+        </p:txBody>
+      </p:sp>
+      <p:sp>
+        <p:nvSpPr>
+          <p:cNvPr id="49" name="TextBox 48">
+            <a:extLst>
+              <a:ext uri="{FF2B5EF4-FFF2-40B4-BE49-F238E27FC236}">
+                <a16:creationId xmlns:a16="http://schemas.microsoft.com/office/drawing/2014/main" id="{90F0C337-277C-47A2-B4D0-FA7A8AE955D8}"/>
+              </a:ext>
+            </a:extLst>
+          </p:cNvPr>
+          <p:cNvSpPr txBox="1"/>
+          <p:nvPr/>
+        </p:nvSpPr>
+        <p:spPr>
+          <a:xfrm>
+            <a:off x="11508508" y="6289963"/>
+            <a:ext cx="311304" cy="369332"/>
+          </a:xfrm>
+          <a:prstGeom prst="rect">
+            <a:avLst/>
+          </a:prstGeom>
+          <a:noFill/>
+        </p:spPr>
+        <p:txBody>
+          <a:bodyPr wrap="none" rtlCol="0">
+            <a:spAutoFit/>
+          </a:bodyPr>
+          <a:lstStyle/>
+          <a:p>
+            <a:r>
+              <a:rPr lang="en-US" altLang="ko-KR" dirty="0"/>
+              <a:t>1</a:t>
+            </a:r>
+            <a:endParaRPr lang="ko-KR" altLang="en-US" dirty="0"/>
+          </a:p>
+        </p:txBody>
+      </p:sp>
+      <p:sp>
+        <p:nvSpPr>
+          <p:cNvPr id="50" name="TextBox 49">
+            <a:extLst>
+              <a:ext uri="{FF2B5EF4-FFF2-40B4-BE49-F238E27FC236}">
+                <a16:creationId xmlns:a16="http://schemas.microsoft.com/office/drawing/2014/main" id="{E3859988-6E1C-4E5D-AC78-3E4EDCCF7B4C}"/>
+              </a:ext>
+            </a:extLst>
+          </p:cNvPr>
+          <p:cNvSpPr txBox="1"/>
+          <p:nvPr/>
+        </p:nvSpPr>
+        <p:spPr>
+          <a:xfrm>
+            <a:off x="37779" y="1043754"/>
+            <a:ext cx="1055097" cy="400110"/>
+          </a:xfrm>
+          <a:prstGeom prst="rect">
+            <a:avLst/>
+          </a:prstGeom>
+          <a:noFill/>
+        </p:spPr>
+        <p:txBody>
+          <a:bodyPr wrap="none" rtlCol="0">
+            <a:spAutoFit/>
+          </a:bodyPr>
+          <a:lstStyle/>
+          <a:p>
+            <a:r>
+              <a:rPr lang="ko-KR" altLang="en-US" sz="2000" b="1" dirty="0"/>
+              <a:t>지도 </a:t>
+            </a:r>
+            <a:r>
+              <a:rPr lang="en-US" altLang="ko-KR" sz="2000" b="1" dirty="0"/>
+              <a:t>UI</a:t>
+            </a:r>
+            <a:endParaRPr lang="ko-KR" altLang="en-US" sz="1600" b="1" dirty="0"/>
+          </a:p>
+        </p:txBody>
+      </p:sp>
+      <p:sp>
+        <p:nvSpPr>
+          <p:cNvPr id="51" name="직사각형 50">
+            <a:extLst>
+              <a:ext uri="{FF2B5EF4-FFF2-40B4-BE49-F238E27FC236}">
+                <a16:creationId xmlns:a16="http://schemas.microsoft.com/office/drawing/2014/main" id="{3D382302-BF1A-442E-8BDA-565037D70A8B}"/>
+              </a:ext>
+            </a:extLst>
+          </p:cNvPr>
+          <p:cNvSpPr/>
+          <p:nvPr/>
+        </p:nvSpPr>
+        <p:spPr>
+          <a:xfrm flipH="1">
+            <a:off x="1130655" y="1034474"/>
+            <a:ext cx="45719" cy="369332"/>
+          </a:xfrm>
+          <a:prstGeom prst="rect">
+            <a:avLst/>
+          </a:prstGeom>
+          <a:solidFill>
+            <a:schemeClr val="tx1"/>
+          </a:solidFill>
+          <a:ln>
+            <a:noFill/>
+          </a:ln>
+        </p:spPr>
+        <p:style>
+          <a:lnRef idx="2">
+            <a:schemeClr val="accent1">
+              <a:shade val="50000"/>
+            </a:schemeClr>
+          </a:lnRef>
+          <a:fillRef idx="1">
+            <a:schemeClr val="accent1"/>
+          </a:fillRef>
+          <a:effectRef idx="0">
+            <a:schemeClr val="accent1"/>
+          </a:effectRef>
+          <a:fontRef idx="minor">
+            <a:schemeClr val="lt1"/>
+          </a:fontRef>
+        </p:style>
+        <p:txBody>
+          <a:bodyPr rtlCol="0" anchor="ctr"/>
+          <a:lstStyle/>
+          <a:p>
+            <a:pPr algn="ctr"/>
+            <a:endParaRPr lang="ko-KR" altLang="en-US"/>
+          </a:p>
+        </p:txBody>
+      </p:sp>
+      <p:sp>
+        <p:nvSpPr>
+          <p:cNvPr id="52" name="TextBox 51">
+            <a:extLst>
+              <a:ext uri="{FF2B5EF4-FFF2-40B4-BE49-F238E27FC236}">
+                <a16:creationId xmlns:a16="http://schemas.microsoft.com/office/drawing/2014/main" id="{A1F4A5FD-40A4-451A-B2FB-92DEB327DC03}"/>
+              </a:ext>
+            </a:extLst>
+          </p:cNvPr>
+          <p:cNvSpPr txBox="1"/>
+          <p:nvPr/>
+        </p:nvSpPr>
+        <p:spPr>
+          <a:xfrm>
+            <a:off x="1166095" y="1054590"/>
+            <a:ext cx="1657826" cy="400110"/>
+          </a:xfrm>
+          <a:prstGeom prst="rect">
+            <a:avLst/>
+          </a:prstGeom>
+          <a:noFill/>
+        </p:spPr>
+        <p:txBody>
+          <a:bodyPr wrap="none" rtlCol="0">
+            <a:spAutoFit/>
+          </a:bodyPr>
+          <a:lstStyle/>
+          <a:p>
+            <a:r>
+              <a:rPr lang="ko-KR" altLang="en-US" sz="2000" b="1" dirty="0"/>
+              <a:t>상세 지도 </a:t>
+            </a:r>
+            <a:r>
+              <a:rPr lang="en-US" altLang="ko-KR" sz="2000" b="1" dirty="0"/>
+              <a:t>UI</a:t>
+            </a:r>
+            <a:endParaRPr lang="ko-KR" altLang="en-US" sz="1600" b="1" dirty="0"/>
+          </a:p>
+        </p:txBody>
+      </p:sp>
+      <p:sp>
+        <p:nvSpPr>
+          <p:cNvPr id="65" name="직사각형 64">
+            <a:extLst>
+              <a:ext uri="{FF2B5EF4-FFF2-40B4-BE49-F238E27FC236}">
+                <a16:creationId xmlns:a16="http://schemas.microsoft.com/office/drawing/2014/main" id="{D024B20E-4717-49C8-AA42-2FE248CE3FEB}"/>
+              </a:ext>
+            </a:extLst>
+          </p:cNvPr>
+          <p:cNvSpPr/>
+          <p:nvPr/>
+        </p:nvSpPr>
+        <p:spPr>
+          <a:xfrm flipH="1">
+            <a:off x="2789122" y="1043434"/>
+            <a:ext cx="45719" cy="369332"/>
+          </a:xfrm>
+          <a:prstGeom prst="rect">
+            <a:avLst/>
+          </a:prstGeom>
+          <a:solidFill>
+            <a:schemeClr val="tx1"/>
+          </a:solidFill>
+          <a:ln>
+            <a:noFill/>
+          </a:ln>
+        </p:spPr>
+        <p:style>
+          <a:lnRef idx="2">
+            <a:schemeClr val="accent1">
+              <a:shade val="50000"/>
+            </a:schemeClr>
+          </a:lnRef>
+          <a:fillRef idx="1">
+            <a:schemeClr val="accent1"/>
+          </a:fillRef>
+          <a:effectRef idx="0">
+            <a:schemeClr val="accent1"/>
+          </a:effectRef>
+          <a:fontRef idx="minor">
+            <a:schemeClr val="lt1"/>
+          </a:fontRef>
+        </p:style>
+        <p:txBody>
+          <a:bodyPr rtlCol="0" anchor="ctr"/>
+          <a:lstStyle/>
+          <a:p>
+            <a:pPr algn="ctr"/>
+            <a:endParaRPr lang="ko-KR" altLang="en-US"/>
+          </a:p>
+        </p:txBody>
+      </p:sp>
+      <p:sp>
+        <p:nvSpPr>
+          <p:cNvPr id="66" name="TextBox 65">
+            <a:extLst>
+              <a:ext uri="{FF2B5EF4-FFF2-40B4-BE49-F238E27FC236}">
+                <a16:creationId xmlns:a16="http://schemas.microsoft.com/office/drawing/2014/main" id="{4C698B71-8AE3-4BC1-B7EB-94BB7FDA7538}"/>
+              </a:ext>
+            </a:extLst>
+          </p:cNvPr>
+          <p:cNvSpPr txBox="1"/>
+          <p:nvPr/>
+        </p:nvSpPr>
+        <p:spPr>
+          <a:xfrm>
+            <a:off x="2789122" y="1065572"/>
+            <a:ext cx="1804354" cy="369332"/>
+          </a:xfrm>
+          <a:prstGeom prst="rect">
+            <a:avLst/>
+          </a:prstGeom>
+          <a:noFill/>
+        </p:spPr>
+        <p:txBody>
+          <a:bodyPr wrap="square">
+            <a:spAutoFit/>
+          </a:bodyPr>
+          <a:lstStyle/>
+          <a:p>
+            <a:r>
+              <a:rPr lang="ko-KR" altLang="en-US" sz="1800" b="1" dirty="0"/>
+              <a:t>인 게임 설정 창</a:t>
+            </a:r>
+            <a:endParaRPr lang="ko-KR" altLang="en-US" dirty="0"/>
+          </a:p>
+        </p:txBody>
+      </p:sp>
+      <p:sp>
+        <p:nvSpPr>
+          <p:cNvPr id="67" name="TextBox 66">
+            <a:extLst>
+              <a:ext uri="{FF2B5EF4-FFF2-40B4-BE49-F238E27FC236}">
+                <a16:creationId xmlns:a16="http://schemas.microsoft.com/office/drawing/2014/main" id="{BC75135E-239E-492D-95ED-86F104B99FC1}"/>
+              </a:ext>
+            </a:extLst>
+          </p:cNvPr>
+          <p:cNvSpPr txBox="1"/>
+          <p:nvPr/>
+        </p:nvSpPr>
+        <p:spPr>
+          <a:xfrm>
+            <a:off x="4593476" y="1028045"/>
+            <a:ext cx="1300356" cy="400110"/>
+          </a:xfrm>
+          <a:prstGeom prst="rect">
+            <a:avLst/>
+          </a:prstGeom>
+          <a:noFill/>
+        </p:spPr>
+        <p:txBody>
+          <a:bodyPr wrap="none" rtlCol="0">
+            <a:spAutoFit/>
+          </a:bodyPr>
+          <a:lstStyle/>
+          <a:p>
+            <a:r>
+              <a:rPr lang="ko-KR" altLang="en-US" sz="2000" b="1" dirty="0"/>
+              <a:t>시체 발견</a:t>
+            </a:r>
+            <a:endParaRPr lang="ko-KR" altLang="en-US" sz="1600" b="1" dirty="0"/>
+          </a:p>
+        </p:txBody>
+      </p:sp>
+      <p:sp>
+        <p:nvSpPr>
+          <p:cNvPr id="68" name="직사각형 67">
+            <a:extLst>
+              <a:ext uri="{FF2B5EF4-FFF2-40B4-BE49-F238E27FC236}">
+                <a16:creationId xmlns:a16="http://schemas.microsoft.com/office/drawing/2014/main" id="{B30CE26B-B0AE-4080-9A8C-7C566DAC7DC8}"/>
+              </a:ext>
+            </a:extLst>
+          </p:cNvPr>
+          <p:cNvSpPr/>
+          <p:nvPr/>
+        </p:nvSpPr>
+        <p:spPr>
+          <a:xfrm flipH="1">
+            <a:off x="4582073" y="1043434"/>
+            <a:ext cx="45719" cy="369332"/>
+          </a:xfrm>
+          <a:prstGeom prst="rect">
+            <a:avLst/>
+          </a:prstGeom>
+          <a:solidFill>
+            <a:schemeClr val="tx1"/>
+          </a:solidFill>
+          <a:ln>
+            <a:noFill/>
+          </a:ln>
+        </p:spPr>
+        <p:style>
+          <a:lnRef idx="2">
+            <a:schemeClr val="accent1">
+              <a:shade val="50000"/>
+            </a:schemeClr>
+          </a:lnRef>
+          <a:fillRef idx="1">
+            <a:schemeClr val="accent1"/>
+          </a:fillRef>
+          <a:effectRef idx="0">
+            <a:schemeClr val="accent1"/>
+          </a:effectRef>
+          <a:fontRef idx="minor">
+            <a:schemeClr val="lt1"/>
+          </a:fontRef>
+        </p:style>
+        <p:txBody>
+          <a:bodyPr rtlCol="0" anchor="ctr"/>
+          <a:lstStyle/>
+          <a:p>
+            <a:pPr algn="ctr"/>
+            <a:endParaRPr lang="ko-KR" altLang="en-US"/>
+          </a:p>
+        </p:txBody>
+      </p:sp>
+      <p:sp>
+        <p:nvSpPr>
+          <p:cNvPr id="71" name="직사각형 70">
+            <a:extLst>
+              <a:ext uri="{FF2B5EF4-FFF2-40B4-BE49-F238E27FC236}">
+                <a16:creationId xmlns:a16="http://schemas.microsoft.com/office/drawing/2014/main" id="{48E0314B-6982-4E54-B3AC-7AFDD1F8EEAC}"/>
+              </a:ext>
+            </a:extLst>
+          </p:cNvPr>
+          <p:cNvSpPr/>
+          <p:nvPr/>
+        </p:nvSpPr>
+        <p:spPr>
+          <a:xfrm flipH="1">
+            <a:off x="5846097" y="1052400"/>
+            <a:ext cx="45719" cy="369332"/>
+          </a:xfrm>
+          <a:prstGeom prst="rect">
+            <a:avLst/>
+          </a:prstGeom>
+          <a:solidFill>
+            <a:schemeClr val="tx1"/>
+          </a:solidFill>
+          <a:ln>
+            <a:noFill/>
+          </a:ln>
+        </p:spPr>
+        <p:style>
+          <a:lnRef idx="2">
+            <a:schemeClr val="accent1">
+              <a:shade val="50000"/>
+            </a:schemeClr>
+          </a:lnRef>
+          <a:fillRef idx="1">
+            <a:schemeClr val="accent1"/>
+          </a:fillRef>
+          <a:effectRef idx="0">
+            <a:schemeClr val="accent1"/>
+          </a:effectRef>
+          <a:fontRef idx="minor">
+            <a:schemeClr val="lt1"/>
+          </a:fontRef>
+        </p:style>
+        <p:txBody>
+          <a:bodyPr rtlCol="0" anchor="ctr"/>
+          <a:lstStyle/>
+          <a:p>
+            <a:pPr algn="ctr"/>
+            <a:endParaRPr lang="ko-KR" altLang="en-US"/>
+          </a:p>
+        </p:txBody>
+      </p:sp>
+      <p:sp>
+        <p:nvSpPr>
+          <p:cNvPr id="73" name="TextBox 72">
+            <a:extLst>
+              <a:ext uri="{FF2B5EF4-FFF2-40B4-BE49-F238E27FC236}">
+                <a16:creationId xmlns:a16="http://schemas.microsoft.com/office/drawing/2014/main" id="{343A38EA-5C1E-4382-9A73-E68269F3FFE2}"/>
+              </a:ext>
+            </a:extLst>
+          </p:cNvPr>
+          <p:cNvSpPr txBox="1"/>
+          <p:nvPr/>
+        </p:nvSpPr>
+        <p:spPr>
+          <a:xfrm>
+            <a:off x="5852533" y="1049011"/>
+            <a:ext cx="1459243" cy="369332"/>
+          </a:xfrm>
+          <a:prstGeom prst="rect">
+            <a:avLst/>
+          </a:prstGeom>
+          <a:noFill/>
+        </p:spPr>
+        <p:txBody>
+          <a:bodyPr wrap="square">
+            <a:spAutoFit/>
+          </a:bodyPr>
+          <a:lstStyle/>
+          <a:p>
+            <a:r>
+              <a:rPr lang="ko-KR" altLang="en-US" sz="1800" b="1" dirty="0"/>
+              <a:t>회의 </a:t>
+            </a:r>
+            <a:r>
+              <a:rPr lang="en-US" altLang="ko-KR" sz="1800" b="1" dirty="0"/>
+              <a:t>/ </a:t>
+            </a:r>
+            <a:r>
+              <a:rPr lang="ko-KR" altLang="en-US" sz="1800" b="1" dirty="0"/>
+              <a:t>채팅 </a:t>
+            </a:r>
+            <a:endParaRPr lang="ko-KR" altLang="en-US" dirty="0"/>
+          </a:p>
+        </p:txBody>
+      </p:sp>
+      <p:sp>
+        <p:nvSpPr>
+          <p:cNvPr id="76" name="TextBox 75">
+            <a:extLst>
+              <a:ext uri="{FF2B5EF4-FFF2-40B4-BE49-F238E27FC236}">
+                <a16:creationId xmlns:a16="http://schemas.microsoft.com/office/drawing/2014/main" id="{BE7A8F25-A929-4ABF-9702-4EE0B7A5F35A}"/>
+              </a:ext>
+            </a:extLst>
+          </p:cNvPr>
+          <p:cNvSpPr txBox="1"/>
+          <p:nvPr/>
+        </p:nvSpPr>
+        <p:spPr>
+          <a:xfrm>
+            <a:off x="646546" y="255627"/>
+            <a:ext cx="4230254" cy="523220"/>
+          </a:xfrm>
+          <a:prstGeom prst="rect">
+            <a:avLst/>
+          </a:prstGeom>
+          <a:noFill/>
+        </p:spPr>
+        <p:txBody>
+          <a:bodyPr wrap="square" rtlCol="0">
+            <a:spAutoFit/>
+          </a:bodyPr>
+          <a:lstStyle/>
+          <a:p>
+            <a:r>
+              <a:rPr lang="en-US" altLang="ko-KR" sz="2800" b="1" dirty="0"/>
+              <a:t>UI</a:t>
+            </a:r>
+          </a:p>
+        </p:txBody>
+      </p:sp>
+      <p:pic>
+        <p:nvPicPr>
+          <p:cNvPr id="3" name="그림 2">
+            <a:extLst>
+              <a:ext uri="{FF2B5EF4-FFF2-40B4-BE49-F238E27FC236}">
+                <a16:creationId xmlns:a16="http://schemas.microsoft.com/office/drawing/2014/main" id="{86EFFA82-3E98-720C-42AD-2E02C304D80C}"/>
+              </a:ext>
+            </a:extLst>
+          </p:cNvPr>
+          <p:cNvPicPr>
+            <a:picLocks noChangeAspect="1"/>
+          </p:cNvPicPr>
+          <p:nvPr/>
+        </p:nvPicPr>
+        <p:blipFill>
+          <a:blip r:embed="rId3"/>
+          <a:stretch>
+            <a:fillRect/>
+          </a:stretch>
+        </p:blipFill>
+        <p:spPr>
+          <a:xfrm>
+            <a:off x="2420470" y="2062519"/>
+            <a:ext cx="7702052" cy="4122938"/>
+          </a:xfrm>
+          <a:prstGeom prst="rect">
+            <a:avLst/>
+          </a:prstGeom>
+        </p:spPr>
+      </p:pic>
+      <p:sp>
+        <p:nvSpPr>
+          <p:cNvPr id="5" name="직사각형 4">
+            <a:extLst>
+              <a:ext uri="{FF2B5EF4-FFF2-40B4-BE49-F238E27FC236}">
+                <a16:creationId xmlns:a16="http://schemas.microsoft.com/office/drawing/2014/main" id="{D53831B2-1342-2223-DEEA-D7D8DBBC5E04}"/>
+              </a:ext>
+            </a:extLst>
+          </p:cNvPr>
+          <p:cNvSpPr/>
+          <p:nvPr/>
+        </p:nvSpPr>
+        <p:spPr>
+          <a:xfrm>
+            <a:off x="2789122" y="2222768"/>
+            <a:ext cx="1263480" cy="519953"/>
+          </a:xfrm>
+          <a:prstGeom prst="rect">
+            <a:avLst/>
+          </a:prstGeom>
+          <a:noFill/>
+          <a:ln>
+            <a:solidFill>
+              <a:schemeClr val="tx1"/>
+            </a:solidFill>
+          </a:ln>
+        </p:spPr>
+        <p:style>
+          <a:lnRef idx="2">
+            <a:schemeClr val="accent1">
+              <a:shade val="50000"/>
+            </a:schemeClr>
+          </a:lnRef>
+          <a:fillRef idx="1">
+            <a:schemeClr val="accent1"/>
+          </a:fillRef>
+          <a:effectRef idx="0">
+            <a:schemeClr val="accent1"/>
+          </a:effectRef>
+          <a:fontRef idx="minor">
+            <a:schemeClr val="lt1"/>
+          </a:fontRef>
+        </p:style>
+        <p:txBody>
+          <a:bodyPr rtlCol="0" anchor="ctr"/>
+          <a:lstStyle/>
+          <a:p>
+            <a:pPr algn="ctr"/>
+            <a:endParaRPr lang="ko-KR" altLang="en-US"/>
+          </a:p>
+        </p:txBody>
+      </p:sp>
+      <p:cxnSp>
+        <p:nvCxnSpPr>
+          <p:cNvPr id="7" name="연결선: 꺾임 6">
+            <a:extLst>
+              <a:ext uri="{FF2B5EF4-FFF2-40B4-BE49-F238E27FC236}">
+                <a16:creationId xmlns:a16="http://schemas.microsoft.com/office/drawing/2014/main" id="{68E6E7C9-0EE0-D4EF-4B4C-B1039BC56751}"/>
+              </a:ext>
+            </a:extLst>
+          </p:cNvPr>
+          <p:cNvCxnSpPr>
+            <a:cxnSpLocks/>
+            <a:stCxn id="5" idx="1"/>
+          </p:cNvCxnSpPr>
+          <p:nvPr/>
+        </p:nvCxnSpPr>
+        <p:spPr>
+          <a:xfrm rot="10800000" flipV="1">
+            <a:off x="1577788" y="2482745"/>
+            <a:ext cx="1211334" cy="259976"/>
+          </a:xfrm>
+          <a:prstGeom prst="bentConnector3">
+            <a:avLst/>
+          </a:prstGeom>
+        </p:spPr>
+        <p:style>
+          <a:lnRef idx="1">
+            <a:schemeClr val="dk1"/>
+          </a:lnRef>
+          <a:fillRef idx="0">
+            <a:schemeClr val="dk1"/>
+          </a:fillRef>
+          <a:effectRef idx="0">
+            <a:schemeClr val="dk1"/>
+          </a:effectRef>
+          <a:fontRef idx="minor">
+            <a:schemeClr val="tx1"/>
+          </a:fontRef>
+        </p:style>
+      </p:cxnSp>
+      <p:sp>
+        <p:nvSpPr>
+          <p:cNvPr id="9" name="TextBox 8">
+            <a:extLst>
+              <a:ext uri="{FF2B5EF4-FFF2-40B4-BE49-F238E27FC236}">
+                <a16:creationId xmlns:a16="http://schemas.microsoft.com/office/drawing/2014/main" id="{BB799AAA-7794-713B-F2B5-DD722AD60C1B}"/>
+              </a:ext>
+            </a:extLst>
+          </p:cNvPr>
+          <p:cNvSpPr txBox="1"/>
+          <p:nvPr/>
+        </p:nvSpPr>
+        <p:spPr>
+          <a:xfrm>
+            <a:off x="70939" y="2612733"/>
+            <a:ext cx="1524776" cy="276999"/>
+          </a:xfrm>
+          <a:prstGeom prst="rect">
+            <a:avLst/>
+          </a:prstGeom>
+          <a:noFill/>
+        </p:spPr>
+        <p:txBody>
+          <a:bodyPr wrap="none" rtlCol="0">
+            <a:spAutoFit/>
+          </a:bodyPr>
+          <a:lstStyle/>
+          <a:p>
+            <a:r>
+              <a:rPr lang="ko-KR" altLang="en-US" sz="1200" dirty="0"/>
+              <a:t>무슨 시간인지 표시</a:t>
+            </a:r>
+          </a:p>
+        </p:txBody>
+      </p:sp>
+      <p:sp>
+        <p:nvSpPr>
+          <p:cNvPr id="12" name="직사각형 11">
+            <a:extLst>
+              <a:ext uri="{FF2B5EF4-FFF2-40B4-BE49-F238E27FC236}">
+                <a16:creationId xmlns:a16="http://schemas.microsoft.com/office/drawing/2014/main" id="{ED2F3679-37ED-7618-130D-53CD6E8A35A7}"/>
+              </a:ext>
+            </a:extLst>
+          </p:cNvPr>
+          <p:cNvSpPr/>
+          <p:nvPr/>
+        </p:nvSpPr>
+        <p:spPr>
+          <a:xfrm>
+            <a:off x="2420471" y="2062519"/>
+            <a:ext cx="7700682" cy="4105199"/>
+          </a:xfrm>
+          <a:prstGeom prst="rect">
+            <a:avLst/>
+          </a:prstGeom>
+          <a:noFill/>
+          <a:ln w="28575">
+            <a:solidFill>
+              <a:schemeClr val="tx1"/>
+            </a:solidFill>
+          </a:ln>
+        </p:spPr>
+        <p:style>
+          <a:lnRef idx="2">
+            <a:schemeClr val="accent1">
+              <a:shade val="50000"/>
+            </a:schemeClr>
+          </a:lnRef>
+          <a:fillRef idx="1">
+            <a:schemeClr val="accent1"/>
+          </a:fillRef>
+          <a:effectRef idx="0">
+            <a:schemeClr val="accent1"/>
+          </a:effectRef>
+          <a:fontRef idx="minor">
+            <a:schemeClr val="lt1"/>
+          </a:fontRef>
+        </p:style>
+        <p:txBody>
+          <a:bodyPr rtlCol="0" anchor="ctr"/>
+          <a:lstStyle/>
+          <a:p>
+            <a:pPr algn="ctr"/>
+            <a:endParaRPr lang="ko-KR" altLang="en-US"/>
+          </a:p>
+        </p:txBody>
+      </p:sp>
+      <p:cxnSp>
+        <p:nvCxnSpPr>
+          <p:cNvPr id="78" name="연결선: 꺾임 77">
+            <a:extLst>
+              <a:ext uri="{FF2B5EF4-FFF2-40B4-BE49-F238E27FC236}">
+                <a16:creationId xmlns:a16="http://schemas.microsoft.com/office/drawing/2014/main" id="{503FFECF-12B3-B998-FBAA-294F2BAF1278}"/>
+              </a:ext>
+            </a:extLst>
+          </p:cNvPr>
+          <p:cNvCxnSpPr>
+            <a:cxnSpLocks/>
+          </p:cNvCxnSpPr>
+          <p:nvPr/>
+        </p:nvCxnSpPr>
+        <p:spPr>
+          <a:xfrm rot="10800000" flipV="1">
+            <a:off x="9515486" y="2222768"/>
+            <a:ext cx="1211334" cy="259976"/>
+          </a:xfrm>
+          <a:prstGeom prst="bentConnector3">
+            <a:avLst>
+              <a:gd name="adj1" fmla="val 29278"/>
+            </a:avLst>
+          </a:prstGeom>
+        </p:spPr>
+        <p:style>
+          <a:lnRef idx="1">
+            <a:schemeClr val="dk1"/>
+          </a:lnRef>
+          <a:fillRef idx="0">
+            <a:schemeClr val="dk1"/>
+          </a:fillRef>
+          <a:effectRef idx="0">
+            <a:schemeClr val="dk1"/>
+          </a:effectRef>
+          <a:fontRef idx="minor">
+            <a:schemeClr val="tx1"/>
+          </a:fontRef>
+        </p:style>
+      </p:cxnSp>
+      <p:sp>
+        <p:nvSpPr>
+          <p:cNvPr id="79" name="TextBox 78">
+            <a:extLst>
+              <a:ext uri="{FF2B5EF4-FFF2-40B4-BE49-F238E27FC236}">
+                <a16:creationId xmlns:a16="http://schemas.microsoft.com/office/drawing/2014/main" id="{6430B72F-3DF4-27DA-1103-62725F2D0511}"/>
+              </a:ext>
+            </a:extLst>
+          </p:cNvPr>
+          <p:cNvSpPr txBox="1"/>
+          <p:nvPr/>
+        </p:nvSpPr>
+        <p:spPr>
+          <a:xfrm>
+            <a:off x="10726820" y="2084267"/>
+            <a:ext cx="854721" cy="276999"/>
+          </a:xfrm>
+          <a:prstGeom prst="rect">
+            <a:avLst/>
+          </a:prstGeom>
+          <a:noFill/>
+        </p:spPr>
+        <p:txBody>
+          <a:bodyPr wrap="none" rtlCol="0">
+            <a:spAutoFit/>
+          </a:bodyPr>
+          <a:lstStyle/>
+          <a:p>
+            <a:r>
+              <a:rPr lang="ko-KR" altLang="en-US" sz="1200" dirty="0"/>
+              <a:t>채팅 버튼</a:t>
+            </a:r>
+          </a:p>
+        </p:txBody>
+      </p:sp>
+      <p:sp>
+        <p:nvSpPr>
+          <p:cNvPr id="13" name="타원 12">
+            <a:extLst>
+              <a:ext uri="{FF2B5EF4-FFF2-40B4-BE49-F238E27FC236}">
+                <a16:creationId xmlns:a16="http://schemas.microsoft.com/office/drawing/2014/main" id="{576E02D3-B46C-55AE-8547-92F6AC99FB1A}"/>
+              </a:ext>
+            </a:extLst>
+          </p:cNvPr>
+          <p:cNvSpPr/>
+          <p:nvPr/>
+        </p:nvSpPr>
+        <p:spPr>
+          <a:xfrm>
+            <a:off x="9250478" y="2146730"/>
+            <a:ext cx="304800" cy="304800"/>
+          </a:xfrm>
+          <a:prstGeom prst="ellipse">
+            <a:avLst/>
+          </a:prstGeom>
+          <a:noFill/>
+          <a:ln w="38100">
+            <a:solidFill>
+              <a:schemeClr val="tx1"/>
+            </a:solidFill>
+          </a:ln>
+        </p:spPr>
+        <p:style>
+          <a:lnRef idx="2">
+            <a:schemeClr val="accent1">
+              <a:shade val="50000"/>
+            </a:schemeClr>
+          </a:lnRef>
+          <a:fillRef idx="1">
+            <a:schemeClr val="accent1"/>
+          </a:fillRef>
+          <a:effectRef idx="0">
+            <a:schemeClr val="accent1"/>
+          </a:effectRef>
+          <a:fontRef idx="minor">
+            <a:schemeClr val="lt1"/>
+          </a:fontRef>
+        </p:style>
+        <p:txBody>
+          <a:bodyPr rtlCol="0" anchor="ctr"/>
+          <a:lstStyle/>
+          <a:p>
+            <a:pPr algn="ctr"/>
+            <a:r>
+              <a:rPr lang="en-US" altLang="ko-KR" sz="1400" b="1" dirty="0">
+                <a:solidFill>
+                  <a:schemeClr val="tx1"/>
+                </a:solidFill>
+              </a:rPr>
+              <a:t>!</a:t>
+            </a:r>
+            <a:endParaRPr lang="ko-KR" altLang="en-US" sz="1400" b="1" dirty="0">
+              <a:solidFill>
+                <a:schemeClr val="tx1"/>
+              </a:solidFill>
+            </a:endParaRPr>
+          </a:p>
+        </p:txBody>
+      </p:sp>
+      <p:cxnSp>
+        <p:nvCxnSpPr>
+          <p:cNvPr id="80" name="연결선: 꺾임 79">
+            <a:extLst>
+              <a:ext uri="{FF2B5EF4-FFF2-40B4-BE49-F238E27FC236}">
+                <a16:creationId xmlns:a16="http://schemas.microsoft.com/office/drawing/2014/main" id="{36CBEC13-AFAD-1D25-1796-72DAD0582B5C}"/>
+              </a:ext>
+            </a:extLst>
+          </p:cNvPr>
+          <p:cNvCxnSpPr>
+            <a:cxnSpLocks/>
+            <a:endCxn id="13" idx="0"/>
+          </p:cNvCxnSpPr>
+          <p:nvPr/>
+        </p:nvCxnSpPr>
+        <p:spPr>
+          <a:xfrm rot="10800000" flipV="1">
+            <a:off x="9402878" y="1425818"/>
+            <a:ext cx="1211334" cy="720912"/>
+          </a:xfrm>
+          <a:prstGeom prst="bentConnector2">
+            <a:avLst/>
+          </a:prstGeom>
+        </p:spPr>
+        <p:style>
+          <a:lnRef idx="1">
+            <a:schemeClr val="dk1"/>
+          </a:lnRef>
+          <a:fillRef idx="0">
+            <a:schemeClr val="dk1"/>
+          </a:fillRef>
+          <a:effectRef idx="0">
+            <a:schemeClr val="dk1"/>
+          </a:effectRef>
+          <a:fontRef idx="minor">
+            <a:schemeClr val="tx1"/>
+          </a:fontRef>
+        </p:style>
+      </p:cxnSp>
+      <p:sp>
+        <p:nvSpPr>
+          <p:cNvPr id="81" name="TextBox 80">
+            <a:extLst>
+              <a:ext uri="{FF2B5EF4-FFF2-40B4-BE49-F238E27FC236}">
+                <a16:creationId xmlns:a16="http://schemas.microsoft.com/office/drawing/2014/main" id="{4C068CCD-1519-BD9F-A87F-7C17EE891D0E}"/>
+              </a:ext>
+            </a:extLst>
+          </p:cNvPr>
+          <p:cNvSpPr txBox="1"/>
+          <p:nvPr/>
+        </p:nvSpPr>
+        <p:spPr>
+          <a:xfrm>
+            <a:off x="10633984" y="1296404"/>
+            <a:ext cx="1733167" cy="461665"/>
+          </a:xfrm>
+          <a:prstGeom prst="rect">
+            <a:avLst/>
+          </a:prstGeom>
+          <a:noFill/>
+        </p:spPr>
+        <p:txBody>
+          <a:bodyPr wrap="none" rtlCol="0">
+            <a:spAutoFit/>
+          </a:bodyPr>
+          <a:lstStyle/>
+          <a:p>
+            <a:pPr algn="ctr"/>
+            <a:r>
+              <a:rPr lang="ko-KR" altLang="en-US" sz="1200" dirty="0"/>
+              <a:t>새로운 채팅이 있을 때</a:t>
+            </a:r>
+            <a:endParaRPr lang="en-US" altLang="ko-KR" sz="1200" dirty="0"/>
+          </a:p>
+          <a:p>
+            <a:pPr algn="ctr"/>
+            <a:r>
+              <a:rPr lang="en-US" altLang="ko-KR" sz="1200" dirty="0"/>
+              <a:t>“ ! ” </a:t>
+            </a:r>
+            <a:r>
+              <a:rPr lang="ko-KR" altLang="en-US" sz="1200" dirty="0"/>
+              <a:t>표시 </a:t>
+            </a:r>
+          </a:p>
+        </p:txBody>
+      </p:sp>
+    </p:spTree>
+    <p:extLst>
+      <p:ext uri="{BB962C8B-B14F-4D97-AF65-F5344CB8AC3E}">
+        <p14:creationId xmlns:p14="http://schemas.microsoft.com/office/powerpoint/2010/main" val="350406687"/>
+      </p:ext>
+    </p:extLst>
+  </p:cSld>
+  <p:clrMapOvr>
+    <a:masterClrMapping/>
+  </p:clrMapOvr>
+</p:sld>
+</file>
+
+<file path=ppt/slides/slide17.xml><?xml version="1.0" encoding="utf-8"?>
+<p:sld xmlns:a="http://schemas.openxmlformats.org/drawingml/2006/main" xmlns:r="http://schemas.openxmlformats.org/officeDocument/2006/relationships" xmlns:p="http://schemas.openxmlformats.org/presentationml/2006/main">
+  <p:cSld>
+    <p:spTree>
+      <p:nvGrpSpPr>
+        <p:cNvPr id="1" name=""/>
+        <p:cNvGrpSpPr/>
+        <p:nvPr/>
+      </p:nvGrpSpPr>
+      <p:grpSpPr>
+        <a:xfrm>
+          <a:off x="0" y="0"/>
+          <a:ext cx="0" cy="0"/>
+          <a:chOff x="0" y="0"/>
+          <a:chExt cx="0" cy="0"/>
+        </a:xfrm>
+      </p:grpSpPr>
+      <p:sp>
+        <p:nvSpPr>
+          <p:cNvPr id="56" name="순서도: 대체 처리 55">
+            <a:extLst>
+              <a:ext uri="{FF2B5EF4-FFF2-40B4-BE49-F238E27FC236}">
+                <a16:creationId xmlns:a16="http://schemas.microsoft.com/office/drawing/2014/main" id="{17E9539D-1240-4422-AF9F-519265EC292B}"/>
+              </a:ext>
+            </a:extLst>
+          </p:cNvPr>
+          <p:cNvSpPr/>
+          <p:nvPr/>
+        </p:nvSpPr>
+        <p:spPr>
+          <a:xfrm>
+            <a:off x="5888606" y="836979"/>
+            <a:ext cx="1300355" cy="612648"/>
+          </a:xfrm>
+          <a:prstGeom prst="flowChartAlternateProcess">
+            <a:avLst/>
+          </a:prstGeom>
+          <a:solidFill>
+            <a:schemeClr val="accent4">
+              <a:lumMod val="40000"/>
+              <a:lumOff val="60000"/>
+            </a:schemeClr>
+          </a:solidFill>
+          <a:ln>
+            <a:noFill/>
+          </a:ln>
+        </p:spPr>
+        <p:style>
+          <a:lnRef idx="2">
+            <a:schemeClr val="accent1">
+              <a:shade val="50000"/>
+            </a:schemeClr>
+          </a:lnRef>
+          <a:fillRef idx="1">
+            <a:schemeClr val="accent1"/>
+          </a:fillRef>
+          <a:effectRef idx="0">
+            <a:schemeClr val="accent1"/>
+          </a:effectRef>
+          <a:fontRef idx="minor">
+            <a:schemeClr val="lt1"/>
+          </a:fontRef>
+        </p:style>
+        <p:txBody>
+          <a:bodyPr rtlCol="0" anchor="ctr"/>
+          <a:lstStyle/>
+          <a:p>
+            <a:pPr algn="ctr"/>
+            <a:endParaRPr lang="ko-KR" altLang="en-US"/>
+          </a:p>
+        </p:txBody>
+      </p:sp>
+      <p:sp>
+        <p:nvSpPr>
+          <p:cNvPr id="4" name="직사각형 3">
+            <a:extLst>
+              <a:ext uri="{FF2B5EF4-FFF2-40B4-BE49-F238E27FC236}">
+                <a16:creationId xmlns:a16="http://schemas.microsoft.com/office/drawing/2014/main" id="{AE93FE2A-85FE-4157-951C-FC2FADBB3B34}"/>
+              </a:ext>
+            </a:extLst>
+          </p:cNvPr>
+          <p:cNvSpPr/>
+          <p:nvPr/>
+        </p:nvSpPr>
+        <p:spPr>
+          <a:xfrm>
+            <a:off x="0" y="0"/>
+            <a:ext cx="12192000" cy="1034474"/>
+          </a:xfrm>
+          <a:prstGeom prst="rect">
+            <a:avLst/>
+          </a:prstGeom>
+          <a:solidFill>
+            <a:schemeClr val="accent5">
+              <a:lumMod val="60000"/>
+              <a:lumOff val="40000"/>
+            </a:schemeClr>
+          </a:solidFill>
+        </p:spPr>
+        <p:style>
+          <a:lnRef idx="2">
+            <a:schemeClr val="accent1">
+              <a:shade val="50000"/>
+            </a:schemeClr>
+          </a:lnRef>
+          <a:fillRef idx="1">
+            <a:schemeClr val="accent1"/>
+          </a:fillRef>
+          <a:effectRef idx="0">
+            <a:schemeClr val="accent1"/>
+          </a:effectRef>
+          <a:fontRef idx="minor">
+            <a:schemeClr val="lt1"/>
+          </a:fontRef>
+        </p:style>
+        <p:txBody>
+          <a:bodyPr rtlCol="0" anchor="ctr"/>
+          <a:lstStyle/>
+          <a:p>
+            <a:pPr algn="ctr"/>
+            <a:endParaRPr lang="ko-KR" altLang="en-US" dirty="0"/>
+          </a:p>
+        </p:txBody>
+      </p:sp>
+      <p:sp>
+        <p:nvSpPr>
+          <p:cNvPr id="89" name="사각형: 둥근 모서리 88">
+            <a:extLst>
+              <a:ext uri="{FF2B5EF4-FFF2-40B4-BE49-F238E27FC236}">
+                <a16:creationId xmlns:a16="http://schemas.microsoft.com/office/drawing/2014/main" id="{608457E6-7E6B-440D-97E9-1F8D94D0A3B0}"/>
+              </a:ext>
+            </a:extLst>
+          </p:cNvPr>
+          <p:cNvSpPr/>
+          <p:nvPr/>
+        </p:nvSpPr>
+        <p:spPr>
+          <a:xfrm rot="5400000">
+            <a:off x="4300513" y="1086446"/>
+            <a:ext cx="2890172" cy="5755919"/>
+          </a:xfrm>
+          <a:prstGeom prst="roundRect">
+            <a:avLst/>
+          </a:prstGeom>
+          <a:noFill/>
+          <a:ln w="38100">
+            <a:solidFill>
+              <a:schemeClr val="tx1"/>
+            </a:solidFill>
+          </a:ln>
+        </p:spPr>
+        <p:style>
+          <a:lnRef idx="2">
+            <a:schemeClr val="accent1">
+              <a:shade val="50000"/>
+            </a:schemeClr>
+          </a:lnRef>
+          <a:fillRef idx="1">
+            <a:schemeClr val="accent1"/>
+          </a:fillRef>
+          <a:effectRef idx="0">
+            <a:schemeClr val="accent1"/>
+          </a:effectRef>
+          <a:fontRef idx="minor">
+            <a:schemeClr val="lt1"/>
+          </a:fontRef>
+        </p:style>
+        <p:txBody>
+          <a:bodyPr rtlCol="0" anchor="ctr"/>
+          <a:lstStyle/>
+          <a:p>
+            <a:pPr algn="ctr"/>
+            <a:endParaRPr lang="ko-KR" altLang="en-US" dirty="0"/>
+          </a:p>
+        </p:txBody>
+      </p:sp>
+      <p:sp>
+        <p:nvSpPr>
+          <p:cNvPr id="90" name="사각형: 둥근 모서리 89">
+            <a:extLst>
+              <a:ext uri="{FF2B5EF4-FFF2-40B4-BE49-F238E27FC236}">
+                <a16:creationId xmlns:a16="http://schemas.microsoft.com/office/drawing/2014/main" id="{23F879A3-86DE-4705-B60A-A8C7EA62E757}"/>
+              </a:ext>
+            </a:extLst>
+          </p:cNvPr>
+          <p:cNvSpPr/>
+          <p:nvPr/>
+        </p:nvSpPr>
+        <p:spPr>
+          <a:xfrm>
+            <a:off x="3192576" y="3297842"/>
+            <a:ext cx="2530762" cy="544946"/>
+          </a:xfrm>
+          <a:prstGeom prst="roundRect">
+            <a:avLst/>
+          </a:prstGeom>
+          <a:noFill/>
+          <a:ln w="28575">
+            <a:solidFill>
+              <a:schemeClr val="tx1"/>
+            </a:solidFill>
+          </a:ln>
+        </p:spPr>
+        <p:style>
+          <a:lnRef idx="2">
+            <a:schemeClr val="accent1">
+              <a:shade val="50000"/>
+            </a:schemeClr>
+          </a:lnRef>
+          <a:fillRef idx="1">
+            <a:schemeClr val="accent1"/>
+          </a:fillRef>
+          <a:effectRef idx="0">
+            <a:schemeClr val="accent1"/>
+          </a:effectRef>
+          <a:fontRef idx="minor">
+            <a:schemeClr val="lt1"/>
+          </a:fontRef>
+        </p:style>
+        <p:txBody>
+          <a:bodyPr rtlCol="0" anchor="ctr"/>
+          <a:lstStyle/>
+          <a:p>
+            <a:pPr algn="ctr"/>
+            <a:endParaRPr lang="ko-KR" altLang="en-US"/>
+          </a:p>
+        </p:txBody>
+      </p:sp>
+      <p:sp>
+        <p:nvSpPr>
+          <p:cNvPr id="91" name="타원 90">
+            <a:extLst>
+              <a:ext uri="{FF2B5EF4-FFF2-40B4-BE49-F238E27FC236}">
+                <a16:creationId xmlns:a16="http://schemas.microsoft.com/office/drawing/2014/main" id="{B010CA26-07D3-47F4-90FD-9E0F266F933F}"/>
+              </a:ext>
+            </a:extLst>
+          </p:cNvPr>
+          <p:cNvSpPr/>
+          <p:nvPr/>
+        </p:nvSpPr>
+        <p:spPr>
+          <a:xfrm>
+            <a:off x="3331120" y="3359689"/>
+            <a:ext cx="369455" cy="421252"/>
+          </a:xfrm>
+          <a:prstGeom prst="ellipse">
+            <a:avLst/>
+          </a:prstGeom>
+          <a:noFill/>
+          <a:ln>
+            <a:solidFill>
+              <a:schemeClr val="tx1"/>
+            </a:solidFill>
+          </a:ln>
+        </p:spPr>
+        <p:style>
+          <a:lnRef idx="2">
+            <a:schemeClr val="accent1">
+              <a:shade val="50000"/>
+            </a:schemeClr>
+          </a:lnRef>
+          <a:fillRef idx="1">
+            <a:schemeClr val="accent1"/>
+          </a:fillRef>
+          <a:effectRef idx="0">
+            <a:schemeClr val="accent1"/>
+          </a:effectRef>
+          <a:fontRef idx="minor">
+            <a:schemeClr val="lt1"/>
+          </a:fontRef>
+        </p:style>
+        <p:txBody>
+          <a:bodyPr rtlCol="0" anchor="ctr"/>
+          <a:lstStyle/>
+          <a:p>
+            <a:pPr algn="ctr"/>
+            <a:endParaRPr lang="ko-KR" altLang="en-US"/>
+          </a:p>
+        </p:txBody>
+      </p:sp>
+      <p:sp>
+        <p:nvSpPr>
+          <p:cNvPr id="92" name="TextBox 91">
+            <a:extLst>
+              <a:ext uri="{FF2B5EF4-FFF2-40B4-BE49-F238E27FC236}">
+                <a16:creationId xmlns:a16="http://schemas.microsoft.com/office/drawing/2014/main" id="{B439D1B3-2260-4A6A-B9DA-470A45244CDA}"/>
+              </a:ext>
+            </a:extLst>
+          </p:cNvPr>
+          <p:cNvSpPr txBox="1"/>
+          <p:nvPr/>
+        </p:nvSpPr>
+        <p:spPr>
+          <a:xfrm>
+            <a:off x="3784719" y="3421380"/>
+            <a:ext cx="723275" cy="307777"/>
+          </a:xfrm>
+          <a:prstGeom prst="rect">
+            <a:avLst/>
+          </a:prstGeom>
+          <a:noFill/>
+        </p:spPr>
+        <p:txBody>
+          <a:bodyPr wrap="none" rtlCol="0">
+            <a:spAutoFit/>
+          </a:bodyPr>
+          <a:lstStyle/>
+          <a:p>
+            <a:r>
+              <a:rPr lang="ko-KR" altLang="en-US" sz="1400" dirty="0"/>
+              <a:t>닉네임</a:t>
+            </a:r>
+          </a:p>
+        </p:txBody>
+      </p:sp>
+      <p:sp>
+        <p:nvSpPr>
+          <p:cNvPr id="93" name="직사각형 92">
+            <a:extLst>
+              <a:ext uri="{FF2B5EF4-FFF2-40B4-BE49-F238E27FC236}">
+                <a16:creationId xmlns:a16="http://schemas.microsoft.com/office/drawing/2014/main" id="{54291E31-8200-43FC-88B3-AE5994971B63}"/>
+              </a:ext>
+            </a:extLst>
+          </p:cNvPr>
+          <p:cNvSpPr/>
+          <p:nvPr/>
+        </p:nvSpPr>
+        <p:spPr>
+          <a:xfrm>
+            <a:off x="5293414" y="3459213"/>
+            <a:ext cx="226723" cy="222203"/>
+          </a:xfrm>
+          <a:prstGeom prst="rect">
+            <a:avLst/>
+          </a:prstGeom>
+          <a:noFill/>
+          <a:ln w="57150">
+            <a:solidFill>
+              <a:schemeClr val="tx1"/>
+            </a:solidFill>
+          </a:ln>
+        </p:spPr>
+        <p:style>
+          <a:lnRef idx="2">
+            <a:schemeClr val="accent1">
+              <a:shade val="50000"/>
+            </a:schemeClr>
+          </a:lnRef>
+          <a:fillRef idx="1">
+            <a:schemeClr val="accent1"/>
+          </a:fillRef>
+          <a:effectRef idx="0">
+            <a:schemeClr val="accent1"/>
+          </a:effectRef>
+          <a:fontRef idx="minor">
+            <a:schemeClr val="lt1"/>
+          </a:fontRef>
+        </p:style>
+        <p:txBody>
+          <a:bodyPr rtlCol="0" anchor="ctr"/>
+          <a:lstStyle/>
+          <a:p>
+            <a:pPr algn="ctr"/>
+            <a:endParaRPr lang="ko-KR" altLang="en-US"/>
+          </a:p>
+        </p:txBody>
+      </p:sp>
+      <p:pic>
+        <p:nvPicPr>
+          <p:cNvPr id="94" name="그래픽 93" descr="배지 체크 표시1 윤곽선">
+            <a:extLst>
+              <a:ext uri="{FF2B5EF4-FFF2-40B4-BE49-F238E27FC236}">
+                <a16:creationId xmlns:a16="http://schemas.microsoft.com/office/drawing/2014/main" id="{87E68483-3896-4DB3-964F-FE59DE1A541B}"/>
+              </a:ext>
+            </a:extLst>
+          </p:cNvPr>
+          <p:cNvPicPr>
+            <a:picLocks noChangeAspect="1"/>
+          </p:cNvPicPr>
+          <p:nvPr/>
+        </p:nvPicPr>
+        <p:blipFill>
+          <a:blip r:embed="rId3" cstate="hqprint">
+            <a:extLst>
+              <a:ext uri="{28A0092B-C50C-407E-A947-70E740481C1C}">
+                <a14:useLocalDpi xmlns:a14="http://schemas.microsoft.com/office/drawing/2010/main" val="0"/>
+              </a:ext>
+              <a:ext uri="{96DAC541-7B7A-43D3-8B79-37D633B846F1}">
+                <asvg:svgBlip xmlns:asvg="http://schemas.microsoft.com/office/drawing/2016/SVG/main" r:embed="rId4"/>
+              </a:ext>
+            </a:extLst>
+          </a:blip>
+          <a:stretch>
+            <a:fillRect/>
+          </a:stretch>
+        </p:blipFill>
+        <p:spPr>
+          <a:xfrm>
+            <a:off x="5248602" y="3401189"/>
+            <a:ext cx="316345" cy="316345"/>
+          </a:xfrm>
+          <a:prstGeom prst="rect">
+            <a:avLst/>
+          </a:prstGeom>
+        </p:spPr>
+      </p:pic>
+      <p:sp>
+        <p:nvSpPr>
+          <p:cNvPr id="95" name="사각형: 둥근 모서리 94">
+            <a:extLst>
+              <a:ext uri="{FF2B5EF4-FFF2-40B4-BE49-F238E27FC236}">
+                <a16:creationId xmlns:a16="http://schemas.microsoft.com/office/drawing/2014/main" id="{FC295DBC-101B-4F61-BA58-5008FFBB335B}"/>
+              </a:ext>
+            </a:extLst>
+          </p:cNvPr>
+          <p:cNvSpPr/>
+          <p:nvPr/>
+        </p:nvSpPr>
+        <p:spPr>
+          <a:xfrm>
+            <a:off x="3192576" y="3956392"/>
+            <a:ext cx="2530762" cy="544946"/>
+          </a:xfrm>
+          <a:prstGeom prst="roundRect">
+            <a:avLst/>
+          </a:prstGeom>
+          <a:noFill/>
+          <a:ln w="28575">
+            <a:solidFill>
+              <a:schemeClr val="tx1"/>
+            </a:solidFill>
+          </a:ln>
+        </p:spPr>
+        <p:style>
+          <a:lnRef idx="2">
+            <a:schemeClr val="accent1">
+              <a:shade val="50000"/>
+            </a:schemeClr>
+          </a:lnRef>
+          <a:fillRef idx="1">
+            <a:schemeClr val="accent1"/>
+          </a:fillRef>
+          <a:effectRef idx="0">
+            <a:schemeClr val="accent1"/>
+          </a:effectRef>
+          <a:fontRef idx="minor">
+            <a:schemeClr val="lt1"/>
+          </a:fontRef>
+        </p:style>
+        <p:txBody>
+          <a:bodyPr rtlCol="0" anchor="ctr"/>
+          <a:lstStyle/>
+          <a:p>
+            <a:pPr algn="ctr"/>
+            <a:endParaRPr lang="ko-KR" altLang="en-US"/>
+          </a:p>
+        </p:txBody>
+      </p:sp>
+      <p:sp>
+        <p:nvSpPr>
+          <p:cNvPr id="96" name="타원 95">
+            <a:extLst>
+              <a:ext uri="{FF2B5EF4-FFF2-40B4-BE49-F238E27FC236}">
+                <a16:creationId xmlns:a16="http://schemas.microsoft.com/office/drawing/2014/main" id="{1C00BEA2-920A-47F8-B1F1-EB015A2736EA}"/>
+              </a:ext>
+            </a:extLst>
+          </p:cNvPr>
+          <p:cNvSpPr/>
+          <p:nvPr/>
+        </p:nvSpPr>
+        <p:spPr>
+          <a:xfrm>
+            <a:off x="3331120" y="4018238"/>
+            <a:ext cx="369455" cy="421252"/>
+          </a:xfrm>
+          <a:prstGeom prst="ellipse">
+            <a:avLst/>
+          </a:prstGeom>
+          <a:noFill/>
+          <a:ln>
+            <a:solidFill>
+              <a:schemeClr val="tx1"/>
+            </a:solidFill>
+          </a:ln>
+        </p:spPr>
+        <p:style>
+          <a:lnRef idx="2">
+            <a:schemeClr val="accent1">
+              <a:shade val="50000"/>
+            </a:schemeClr>
+          </a:lnRef>
+          <a:fillRef idx="1">
+            <a:schemeClr val="accent1"/>
+          </a:fillRef>
+          <a:effectRef idx="0">
+            <a:schemeClr val="accent1"/>
+          </a:effectRef>
+          <a:fontRef idx="minor">
+            <a:schemeClr val="lt1"/>
+          </a:fontRef>
+        </p:style>
+        <p:txBody>
+          <a:bodyPr rtlCol="0" anchor="ctr"/>
+          <a:lstStyle/>
+          <a:p>
+            <a:pPr algn="ctr"/>
+            <a:endParaRPr lang="ko-KR" altLang="en-US"/>
+          </a:p>
+        </p:txBody>
+      </p:sp>
+      <p:sp>
+        <p:nvSpPr>
+          <p:cNvPr id="97" name="TextBox 96">
+            <a:extLst>
+              <a:ext uri="{FF2B5EF4-FFF2-40B4-BE49-F238E27FC236}">
+                <a16:creationId xmlns:a16="http://schemas.microsoft.com/office/drawing/2014/main" id="{261039C7-62FD-4EB3-9E2C-A505F4BCF423}"/>
+              </a:ext>
+            </a:extLst>
+          </p:cNvPr>
+          <p:cNvSpPr txBox="1"/>
+          <p:nvPr/>
+        </p:nvSpPr>
+        <p:spPr>
+          <a:xfrm>
+            <a:off x="3784719" y="4079929"/>
+            <a:ext cx="723275" cy="307777"/>
+          </a:xfrm>
+          <a:prstGeom prst="rect">
+            <a:avLst/>
+          </a:prstGeom>
+          <a:noFill/>
+        </p:spPr>
+        <p:txBody>
+          <a:bodyPr wrap="none" rtlCol="0">
+            <a:spAutoFit/>
+          </a:bodyPr>
+          <a:lstStyle/>
+          <a:p>
+            <a:r>
+              <a:rPr lang="ko-KR" altLang="en-US" sz="1400" dirty="0"/>
+              <a:t>닉네임</a:t>
+            </a:r>
+          </a:p>
+        </p:txBody>
+      </p:sp>
+      <p:sp>
+        <p:nvSpPr>
+          <p:cNvPr id="98" name="직사각형 97">
+            <a:extLst>
+              <a:ext uri="{FF2B5EF4-FFF2-40B4-BE49-F238E27FC236}">
+                <a16:creationId xmlns:a16="http://schemas.microsoft.com/office/drawing/2014/main" id="{8C07C99C-AE8B-4261-8980-E7B3C5E843DA}"/>
+              </a:ext>
+            </a:extLst>
+          </p:cNvPr>
+          <p:cNvSpPr/>
+          <p:nvPr/>
+        </p:nvSpPr>
+        <p:spPr>
+          <a:xfrm>
+            <a:off x="5293414" y="4117762"/>
+            <a:ext cx="226723" cy="222203"/>
+          </a:xfrm>
+          <a:prstGeom prst="rect">
+            <a:avLst/>
+          </a:prstGeom>
+          <a:noFill/>
+          <a:ln w="57150">
+            <a:solidFill>
+              <a:schemeClr val="tx1"/>
+            </a:solidFill>
+          </a:ln>
+        </p:spPr>
+        <p:style>
+          <a:lnRef idx="2">
+            <a:schemeClr val="accent1">
+              <a:shade val="50000"/>
+            </a:schemeClr>
+          </a:lnRef>
+          <a:fillRef idx="1">
+            <a:schemeClr val="accent1"/>
+          </a:fillRef>
+          <a:effectRef idx="0">
+            <a:schemeClr val="accent1"/>
+          </a:effectRef>
+          <a:fontRef idx="minor">
+            <a:schemeClr val="lt1"/>
+          </a:fontRef>
+        </p:style>
+        <p:txBody>
+          <a:bodyPr rtlCol="0" anchor="ctr"/>
+          <a:lstStyle/>
+          <a:p>
+            <a:pPr algn="ctr"/>
+            <a:endParaRPr lang="ko-KR" altLang="en-US"/>
+          </a:p>
+        </p:txBody>
+      </p:sp>
+      <p:sp>
+        <p:nvSpPr>
+          <p:cNvPr id="99" name="사각형: 둥근 모서리 98">
+            <a:extLst>
+              <a:ext uri="{FF2B5EF4-FFF2-40B4-BE49-F238E27FC236}">
+                <a16:creationId xmlns:a16="http://schemas.microsoft.com/office/drawing/2014/main" id="{52065981-E402-4CD8-B38B-A52A89B7720C}"/>
+              </a:ext>
+            </a:extLst>
+          </p:cNvPr>
+          <p:cNvSpPr/>
+          <p:nvPr/>
+        </p:nvSpPr>
+        <p:spPr>
+          <a:xfrm>
+            <a:off x="3192576" y="4661584"/>
+            <a:ext cx="2530762" cy="544946"/>
+          </a:xfrm>
+          <a:prstGeom prst="roundRect">
+            <a:avLst/>
+          </a:prstGeom>
+          <a:noFill/>
+          <a:ln w="28575">
+            <a:solidFill>
+              <a:schemeClr val="tx1"/>
+            </a:solidFill>
+          </a:ln>
+        </p:spPr>
+        <p:style>
+          <a:lnRef idx="2">
+            <a:schemeClr val="accent1">
+              <a:shade val="50000"/>
+            </a:schemeClr>
+          </a:lnRef>
+          <a:fillRef idx="1">
+            <a:schemeClr val="accent1"/>
+          </a:fillRef>
+          <a:effectRef idx="0">
+            <a:schemeClr val="accent1"/>
+          </a:effectRef>
+          <a:fontRef idx="minor">
+            <a:schemeClr val="lt1"/>
+          </a:fontRef>
+        </p:style>
+        <p:txBody>
+          <a:bodyPr rtlCol="0" anchor="ctr"/>
+          <a:lstStyle/>
+          <a:p>
+            <a:pPr algn="ctr"/>
+            <a:endParaRPr lang="ko-KR" altLang="en-US"/>
+          </a:p>
+        </p:txBody>
+      </p:sp>
+      <p:sp>
+        <p:nvSpPr>
+          <p:cNvPr id="100" name="타원 99">
+            <a:extLst>
+              <a:ext uri="{FF2B5EF4-FFF2-40B4-BE49-F238E27FC236}">
+                <a16:creationId xmlns:a16="http://schemas.microsoft.com/office/drawing/2014/main" id="{D90E9936-9C88-4EA7-B1B3-31117A36A53E}"/>
+              </a:ext>
+            </a:extLst>
+          </p:cNvPr>
+          <p:cNvSpPr/>
+          <p:nvPr/>
+        </p:nvSpPr>
+        <p:spPr>
+          <a:xfrm>
+            <a:off x="3331120" y="4723431"/>
+            <a:ext cx="369455" cy="421252"/>
+          </a:xfrm>
+          <a:prstGeom prst="ellipse">
+            <a:avLst/>
+          </a:prstGeom>
+          <a:noFill/>
+          <a:ln>
+            <a:solidFill>
+              <a:schemeClr val="tx1"/>
+            </a:solidFill>
+          </a:ln>
+        </p:spPr>
+        <p:style>
+          <a:lnRef idx="2">
+            <a:schemeClr val="accent1">
+              <a:shade val="50000"/>
+            </a:schemeClr>
+          </a:lnRef>
+          <a:fillRef idx="1">
+            <a:schemeClr val="accent1"/>
+          </a:fillRef>
+          <a:effectRef idx="0">
+            <a:schemeClr val="accent1"/>
+          </a:effectRef>
+          <a:fontRef idx="minor">
+            <a:schemeClr val="lt1"/>
+          </a:fontRef>
+        </p:style>
+        <p:txBody>
+          <a:bodyPr rtlCol="0" anchor="ctr"/>
+          <a:lstStyle/>
+          <a:p>
+            <a:pPr algn="ctr"/>
+            <a:endParaRPr lang="ko-KR" altLang="en-US"/>
+          </a:p>
+        </p:txBody>
+      </p:sp>
+      <p:sp>
+        <p:nvSpPr>
+          <p:cNvPr id="101" name="TextBox 100">
+            <a:extLst>
+              <a:ext uri="{FF2B5EF4-FFF2-40B4-BE49-F238E27FC236}">
+                <a16:creationId xmlns:a16="http://schemas.microsoft.com/office/drawing/2014/main" id="{A2783CF6-31A5-4368-A8F5-1BC9E9D9EFA8}"/>
+              </a:ext>
+            </a:extLst>
+          </p:cNvPr>
+          <p:cNvSpPr txBox="1"/>
+          <p:nvPr/>
+        </p:nvSpPr>
+        <p:spPr>
+          <a:xfrm>
+            <a:off x="3784719" y="4785122"/>
+            <a:ext cx="723275" cy="307777"/>
+          </a:xfrm>
+          <a:prstGeom prst="rect">
+            <a:avLst/>
+          </a:prstGeom>
+          <a:noFill/>
+        </p:spPr>
+        <p:txBody>
+          <a:bodyPr wrap="none" rtlCol="0">
+            <a:spAutoFit/>
+          </a:bodyPr>
+          <a:lstStyle/>
+          <a:p>
+            <a:r>
+              <a:rPr lang="ko-KR" altLang="en-US" sz="1400" dirty="0"/>
+              <a:t>닉네임</a:t>
+            </a:r>
+          </a:p>
+        </p:txBody>
+      </p:sp>
+      <p:sp>
+        <p:nvSpPr>
+          <p:cNvPr id="102" name="직사각형 101">
+            <a:extLst>
+              <a:ext uri="{FF2B5EF4-FFF2-40B4-BE49-F238E27FC236}">
+                <a16:creationId xmlns:a16="http://schemas.microsoft.com/office/drawing/2014/main" id="{0ECAB0AB-AAE9-4516-82EC-94C16D4F9623}"/>
+              </a:ext>
+            </a:extLst>
+          </p:cNvPr>
+          <p:cNvSpPr/>
+          <p:nvPr/>
+        </p:nvSpPr>
+        <p:spPr>
+          <a:xfrm>
+            <a:off x="5293414" y="4822955"/>
+            <a:ext cx="226723" cy="222203"/>
+          </a:xfrm>
+          <a:prstGeom prst="rect">
+            <a:avLst/>
+          </a:prstGeom>
+          <a:noFill/>
+          <a:ln w="57150">
+            <a:solidFill>
+              <a:schemeClr val="tx1"/>
+            </a:solidFill>
+          </a:ln>
+        </p:spPr>
+        <p:style>
+          <a:lnRef idx="2">
+            <a:schemeClr val="accent1">
+              <a:shade val="50000"/>
+            </a:schemeClr>
+          </a:lnRef>
+          <a:fillRef idx="1">
+            <a:schemeClr val="accent1"/>
+          </a:fillRef>
+          <a:effectRef idx="0">
+            <a:schemeClr val="accent1"/>
+          </a:effectRef>
+          <a:fontRef idx="minor">
+            <a:schemeClr val="lt1"/>
+          </a:fontRef>
+        </p:style>
+        <p:txBody>
+          <a:bodyPr rtlCol="0" anchor="ctr"/>
+          <a:lstStyle/>
+          <a:p>
+            <a:pPr algn="ctr"/>
+            <a:endParaRPr lang="ko-KR" altLang="en-US"/>
+          </a:p>
+        </p:txBody>
+      </p:sp>
+      <p:sp>
+        <p:nvSpPr>
+          <p:cNvPr id="103" name="사각형: 둥근 모서리 102">
+            <a:extLst>
+              <a:ext uri="{FF2B5EF4-FFF2-40B4-BE49-F238E27FC236}">
+                <a16:creationId xmlns:a16="http://schemas.microsoft.com/office/drawing/2014/main" id="{CC1070F2-2EF6-4857-BDBC-261AA17FA349}"/>
+              </a:ext>
+            </a:extLst>
+          </p:cNvPr>
+          <p:cNvSpPr/>
+          <p:nvPr/>
+        </p:nvSpPr>
+        <p:spPr>
+          <a:xfrm>
+            <a:off x="5861882" y="3297842"/>
+            <a:ext cx="2530762" cy="544946"/>
+          </a:xfrm>
+          <a:prstGeom prst="roundRect">
+            <a:avLst/>
+          </a:prstGeom>
+          <a:noFill/>
+          <a:ln w="28575">
+            <a:solidFill>
+              <a:schemeClr val="tx1"/>
+            </a:solidFill>
+          </a:ln>
+        </p:spPr>
+        <p:style>
+          <a:lnRef idx="2">
+            <a:schemeClr val="accent1">
+              <a:shade val="50000"/>
+            </a:schemeClr>
+          </a:lnRef>
+          <a:fillRef idx="1">
+            <a:schemeClr val="accent1"/>
+          </a:fillRef>
+          <a:effectRef idx="0">
+            <a:schemeClr val="accent1"/>
+          </a:effectRef>
+          <a:fontRef idx="minor">
+            <a:schemeClr val="lt1"/>
+          </a:fontRef>
+        </p:style>
+        <p:txBody>
+          <a:bodyPr rtlCol="0" anchor="ctr"/>
+          <a:lstStyle/>
+          <a:p>
+            <a:pPr algn="ctr"/>
+            <a:endParaRPr lang="ko-KR" altLang="en-US"/>
+          </a:p>
+        </p:txBody>
+      </p:sp>
+      <p:sp>
+        <p:nvSpPr>
+          <p:cNvPr id="104" name="타원 103">
+            <a:extLst>
+              <a:ext uri="{FF2B5EF4-FFF2-40B4-BE49-F238E27FC236}">
+                <a16:creationId xmlns:a16="http://schemas.microsoft.com/office/drawing/2014/main" id="{78A32110-28A7-4C7B-BD04-77F93D5CAED9}"/>
+              </a:ext>
+            </a:extLst>
+          </p:cNvPr>
+          <p:cNvSpPr/>
+          <p:nvPr/>
+        </p:nvSpPr>
+        <p:spPr>
+          <a:xfrm>
+            <a:off x="6000426" y="3359689"/>
+            <a:ext cx="369455" cy="421252"/>
+          </a:xfrm>
+          <a:prstGeom prst="ellipse">
+            <a:avLst/>
+          </a:prstGeom>
+          <a:noFill/>
+          <a:ln>
+            <a:solidFill>
+              <a:schemeClr val="tx1"/>
+            </a:solidFill>
+          </a:ln>
+        </p:spPr>
+        <p:style>
+          <a:lnRef idx="2">
+            <a:schemeClr val="accent1">
+              <a:shade val="50000"/>
+            </a:schemeClr>
+          </a:lnRef>
+          <a:fillRef idx="1">
+            <a:schemeClr val="accent1"/>
+          </a:fillRef>
+          <a:effectRef idx="0">
+            <a:schemeClr val="accent1"/>
+          </a:effectRef>
+          <a:fontRef idx="minor">
+            <a:schemeClr val="lt1"/>
+          </a:fontRef>
+        </p:style>
+        <p:txBody>
+          <a:bodyPr rtlCol="0" anchor="ctr"/>
+          <a:lstStyle/>
+          <a:p>
+            <a:pPr algn="ctr"/>
+            <a:endParaRPr lang="ko-KR" altLang="en-US"/>
+          </a:p>
+        </p:txBody>
+      </p:sp>
+      <p:sp>
+        <p:nvSpPr>
+          <p:cNvPr id="105" name="TextBox 104">
+            <a:extLst>
+              <a:ext uri="{FF2B5EF4-FFF2-40B4-BE49-F238E27FC236}">
+                <a16:creationId xmlns:a16="http://schemas.microsoft.com/office/drawing/2014/main" id="{4A77C50E-FEEA-4569-ADD1-61F88A83EF88}"/>
+              </a:ext>
+            </a:extLst>
+          </p:cNvPr>
+          <p:cNvSpPr txBox="1"/>
+          <p:nvPr/>
+        </p:nvSpPr>
+        <p:spPr>
+          <a:xfrm>
+            <a:off x="6454025" y="3421380"/>
+            <a:ext cx="723275" cy="307777"/>
+          </a:xfrm>
+          <a:prstGeom prst="rect">
+            <a:avLst/>
+          </a:prstGeom>
+          <a:noFill/>
+        </p:spPr>
+        <p:txBody>
+          <a:bodyPr wrap="none" rtlCol="0">
+            <a:spAutoFit/>
+          </a:bodyPr>
+          <a:lstStyle/>
+          <a:p>
+            <a:r>
+              <a:rPr lang="ko-KR" altLang="en-US" sz="1400" dirty="0"/>
+              <a:t>닉네임</a:t>
+            </a:r>
+          </a:p>
+        </p:txBody>
+      </p:sp>
+      <p:sp>
+        <p:nvSpPr>
+          <p:cNvPr id="106" name="직사각형 105">
+            <a:extLst>
+              <a:ext uri="{FF2B5EF4-FFF2-40B4-BE49-F238E27FC236}">
+                <a16:creationId xmlns:a16="http://schemas.microsoft.com/office/drawing/2014/main" id="{B733BBD6-8D48-4D22-BD45-5E577730AD08}"/>
+              </a:ext>
+            </a:extLst>
+          </p:cNvPr>
+          <p:cNvSpPr/>
+          <p:nvPr/>
+        </p:nvSpPr>
+        <p:spPr>
+          <a:xfrm>
+            <a:off x="7962720" y="3459213"/>
+            <a:ext cx="226723" cy="222203"/>
+          </a:xfrm>
+          <a:prstGeom prst="rect">
+            <a:avLst/>
+          </a:prstGeom>
+          <a:noFill/>
+          <a:ln w="57150">
+            <a:solidFill>
+              <a:schemeClr val="tx1"/>
+            </a:solidFill>
+          </a:ln>
+        </p:spPr>
+        <p:style>
+          <a:lnRef idx="2">
+            <a:schemeClr val="accent1">
+              <a:shade val="50000"/>
+            </a:schemeClr>
+          </a:lnRef>
+          <a:fillRef idx="1">
+            <a:schemeClr val="accent1"/>
+          </a:fillRef>
+          <a:effectRef idx="0">
+            <a:schemeClr val="accent1"/>
+          </a:effectRef>
+          <a:fontRef idx="minor">
+            <a:schemeClr val="lt1"/>
+          </a:fontRef>
+        </p:style>
+        <p:txBody>
+          <a:bodyPr rtlCol="0" anchor="ctr"/>
+          <a:lstStyle/>
+          <a:p>
+            <a:pPr algn="ctr"/>
+            <a:endParaRPr lang="ko-KR" altLang="en-US"/>
+          </a:p>
+        </p:txBody>
+      </p:sp>
+      <p:sp>
+        <p:nvSpPr>
+          <p:cNvPr id="107" name="사각형: 둥근 모서리 106">
+            <a:extLst>
+              <a:ext uri="{FF2B5EF4-FFF2-40B4-BE49-F238E27FC236}">
+                <a16:creationId xmlns:a16="http://schemas.microsoft.com/office/drawing/2014/main" id="{DBBB916D-C468-4700-93AD-88DD1F17A3E8}"/>
+              </a:ext>
+            </a:extLst>
+          </p:cNvPr>
+          <p:cNvSpPr/>
+          <p:nvPr/>
+        </p:nvSpPr>
+        <p:spPr>
+          <a:xfrm>
+            <a:off x="5861882" y="3956392"/>
+            <a:ext cx="2530762" cy="544946"/>
+          </a:xfrm>
+          <a:prstGeom prst="roundRect">
+            <a:avLst/>
+          </a:prstGeom>
+          <a:noFill/>
+          <a:ln w="28575">
+            <a:solidFill>
+              <a:schemeClr val="tx1"/>
+            </a:solidFill>
+          </a:ln>
+        </p:spPr>
+        <p:style>
+          <a:lnRef idx="2">
+            <a:schemeClr val="accent1">
+              <a:shade val="50000"/>
+            </a:schemeClr>
+          </a:lnRef>
+          <a:fillRef idx="1">
+            <a:schemeClr val="accent1"/>
+          </a:fillRef>
+          <a:effectRef idx="0">
+            <a:schemeClr val="accent1"/>
+          </a:effectRef>
+          <a:fontRef idx="minor">
+            <a:schemeClr val="lt1"/>
+          </a:fontRef>
+        </p:style>
+        <p:txBody>
+          <a:bodyPr rtlCol="0" anchor="ctr"/>
+          <a:lstStyle/>
+          <a:p>
+            <a:pPr algn="ctr"/>
+            <a:endParaRPr lang="ko-KR" altLang="en-US"/>
+          </a:p>
+        </p:txBody>
+      </p:sp>
+      <p:sp>
+        <p:nvSpPr>
+          <p:cNvPr id="108" name="타원 107">
+            <a:extLst>
+              <a:ext uri="{FF2B5EF4-FFF2-40B4-BE49-F238E27FC236}">
+                <a16:creationId xmlns:a16="http://schemas.microsoft.com/office/drawing/2014/main" id="{FF251265-AD61-4E44-B54C-1BEEC69A189B}"/>
+              </a:ext>
+            </a:extLst>
+          </p:cNvPr>
+          <p:cNvSpPr/>
+          <p:nvPr/>
+        </p:nvSpPr>
+        <p:spPr>
+          <a:xfrm>
+            <a:off x="6000426" y="4018238"/>
+            <a:ext cx="369455" cy="421252"/>
+          </a:xfrm>
+          <a:prstGeom prst="ellipse">
+            <a:avLst/>
+          </a:prstGeom>
+          <a:noFill/>
+          <a:ln>
+            <a:solidFill>
+              <a:schemeClr val="tx1"/>
+            </a:solidFill>
+          </a:ln>
+        </p:spPr>
+        <p:style>
+          <a:lnRef idx="2">
+            <a:schemeClr val="accent1">
+              <a:shade val="50000"/>
+            </a:schemeClr>
+          </a:lnRef>
+          <a:fillRef idx="1">
+            <a:schemeClr val="accent1"/>
+          </a:fillRef>
+          <a:effectRef idx="0">
+            <a:schemeClr val="accent1"/>
+          </a:effectRef>
+          <a:fontRef idx="minor">
+            <a:schemeClr val="lt1"/>
+          </a:fontRef>
+        </p:style>
+        <p:txBody>
+          <a:bodyPr rtlCol="0" anchor="ctr"/>
+          <a:lstStyle/>
+          <a:p>
+            <a:pPr algn="ctr"/>
+            <a:endParaRPr lang="ko-KR" altLang="en-US"/>
+          </a:p>
+        </p:txBody>
+      </p:sp>
+      <p:sp>
+        <p:nvSpPr>
+          <p:cNvPr id="109" name="TextBox 108">
+            <a:extLst>
+              <a:ext uri="{FF2B5EF4-FFF2-40B4-BE49-F238E27FC236}">
+                <a16:creationId xmlns:a16="http://schemas.microsoft.com/office/drawing/2014/main" id="{8A037143-A0F4-463C-873F-ECD12ACCBD74}"/>
+              </a:ext>
+            </a:extLst>
+          </p:cNvPr>
+          <p:cNvSpPr txBox="1"/>
+          <p:nvPr/>
+        </p:nvSpPr>
+        <p:spPr>
+          <a:xfrm>
+            <a:off x="6454025" y="4079929"/>
+            <a:ext cx="723275" cy="307777"/>
+          </a:xfrm>
+          <a:prstGeom prst="rect">
+            <a:avLst/>
+          </a:prstGeom>
+          <a:noFill/>
+        </p:spPr>
+        <p:txBody>
+          <a:bodyPr wrap="none" rtlCol="0">
+            <a:spAutoFit/>
+          </a:bodyPr>
+          <a:lstStyle/>
+          <a:p>
+            <a:r>
+              <a:rPr lang="ko-KR" altLang="en-US" sz="1400" dirty="0"/>
+              <a:t>닉네임</a:t>
+            </a:r>
+          </a:p>
+        </p:txBody>
+      </p:sp>
+      <p:sp>
+        <p:nvSpPr>
+          <p:cNvPr id="110" name="직사각형 109">
+            <a:extLst>
+              <a:ext uri="{FF2B5EF4-FFF2-40B4-BE49-F238E27FC236}">
+                <a16:creationId xmlns:a16="http://schemas.microsoft.com/office/drawing/2014/main" id="{D81CC301-CE70-4463-AC8F-BD924264B52F}"/>
+              </a:ext>
+            </a:extLst>
+          </p:cNvPr>
+          <p:cNvSpPr/>
+          <p:nvPr/>
+        </p:nvSpPr>
+        <p:spPr>
+          <a:xfrm>
+            <a:off x="7962720" y="4117762"/>
+            <a:ext cx="226723" cy="222203"/>
+          </a:xfrm>
+          <a:prstGeom prst="rect">
+            <a:avLst/>
+          </a:prstGeom>
+          <a:noFill/>
+          <a:ln w="57150">
+            <a:solidFill>
+              <a:schemeClr val="tx1"/>
+            </a:solidFill>
+          </a:ln>
+        </p:spPr>
+        <p:style>
+          <a:lnRef idx="2">
+            <a:schemeClr val="accent1">
+              <a:shade val="50000"/>
+            </a:schemeClr>
+          </a:lnRef>
+          <a:fillRef idx="1">
+            <a:schemeClr val="accent1"/>
+          </a:fillRef>
+          <a:effectRef idx="0">
+            <a:schemeClr val="accent1"/>
+          </a:effectRef>
+          <a:fontRef idx="minor">
+            <a:schemeClr val="lt1"/>
+          </a:fontRef>
+        </p:style>
+        <p:txBody>
+          <a:bodyPr rtlCol="0" anchor="ctr"/>
+          <a:lstStyle/>
+          <a:p>
+            <a:pPr algn="ctr"/>
+            <a:endParaRPr lang="ko-KR" altLang="en-US"/>
+          </a:p>
+        </p:txBody>
+      </p:sp>
+      <p:sp>
+        <p:nvSpPr>
+          <p:cNvPr id="111" name="사각형: 둥근 모서리 110">
+            <a:extLst>
+              <a:ext uri="{FF2B5EF4-FFF2-40B4-BE49-F238E27FC236}">
+                <a16:creationId xmlns:a16="http://schemas.microsoft.com/office/drawing/2014/main" id="{A99A30B4-D18A-497A-B9D1-6147373AD50E}"/>
+              </a:ext>
+            </a:extLst>
+          </p:cNvPr>
+          <p:cNvSpPr/>
+          <p:nvPr/>
+        </p:nvSpPr>
+        <p:spPr>
+          <a:xfrm>
+            <a:off x="5861882" y="4661584"/>
+            <a:ext cx="2530762" cy="544946"/>
+          </a:xfrm>
+          <a:prstGeom prst="roundRect">
+            <a:avLst/>
+          </a:prstGeom>
+          <a:noFill/>
+          <a:ln w="28575">
+            <a:solidFill>
+              <a:schemeClr val="tx1"/>
+            </a:solidFill>
+          </a:ln>
+        </p:spPr>
+        <p:style>
+          <a:lnRef idx="2">
+            <a:schemeClr val="accent1">
+              <a:shade val="50000"/>
+            </a:schemeClr>
+          </a:lnRef>
+          <a:fillRef idx="1">
+            <a:schemeClr val="accent1"/>
+          </a:fillRef>
+          <a:effectRef idx="0">
+            <a:schemeClr val="accent1"/>
+          </a:effectRef>
+          <a:fontRef idx="minor">
+            <a:schemeClr val="lt1"/>
+          </a:fontRef>
+        </p:style>
+        <p:txBody>
+          <a:bodyPr rtlCol="0" anchor="ctr"/>
+          <a:lstStyle/>
+          <a:p>
+            <a:pPr algn="ctr"/>
+            <a:endParaRPr lang="ko-KR" altLang="en-US"/>
+          </a:p>
+        </p:txBody>
+      </p:sp>
+      <p:sp>
+        <p:nvSpPr>
+          <p:cNvPr id="112" name="타원 111">
+            <a:extLst>
+              <a:ext uri="{FF2B5EF4-FFF2-40B4-BE49-F238E27FC236}">
+                <a16:creationId xmlns:a16="http://schemas.microsoft.com/office/drawing/2014/main" id="{C1254373-2502-46EE-96B3-83F6EE9C618C}"/>
+              </a:ext>
+            </a:extLst>
+          </p:cNvPr>
+          <p:cNvSpPr/>
+          <p:nvPr/>
+        </p:nvSpPr>
+        <p:spPr>
+          <a:xfrm>
+            <a:off x="6000426" y="4723431"/>
+            <a:ext cx="369455" cy="421252"/>
+          </a:xfrm>
+          <a:prstGeom prst="ellipse">
+            <a:avLst/>
+          </a:prstGeom>
+          <a:noFill/>
+          <a:ln>
+            <a:solidFill>
+              <a:schemeClr val="tx1"/>
+            </a:solidFill>
+          </a:ln>
+        </p:spPr>
+        <p:style>
+          <a:lnRef idx="2">
+            <a:schemeClr val="accent1">
+              <a:shade val="50000"/>
+            </a:schemeClr>
+          </a:lnRef>
+          <a:fillRef idx="1">
+            <a:schemeClr val="accent1"/>
+          </a:fillRef>
+          <a:effectRef idx="0">
+            <a:schemeClr val="accent1"/>
+          </a:effectRef>
+          <a:fontRef idx="minor">
+            <a:schemeClr val="lt1"/>
+          </a:fontRef>
+        </p:style>
+        <p:txBody>
+          <a:bodyPr rtlCol="0" anchor="ctr"/>
+          <a:lstStyle/>
+          <a:p>
+            <a:pPr algn="ctr"/>
+            <a:endParaRPr lang="ko-KR" altLang="en-US"/>
+          </a:p>
+        </p:txBody>
+      </p:sp>
+      <p:sp>
+        <p:nvSpPr>
+          <p:cNvPr id="113" name="TextBox 112">
+            <a:extLst>
+              <a:ext uri="{FF2B5EF4-FFF2-40B4-BE49-F238E27FC236}">
+                <a16:creationId xmlns:a16="http://schemas.microsoft.com/office/drawing/2014/main" id="{FC7F1F0F-2D8E-496B-9DFD-141A50281502}"/>
+              </a:ext>
+            </a:extLst>
+          </p:cNvPr>
+          <p:cNvSpPr txBox="1"/>
+          <p:nvPr/>
+        </p:nvSpPr>
+        <p:spPr>
+          <a:xfrm>
+            <a:off x="6454025" y="4785122"/>
+            <a:ext cx="723275" cy="307777"/>
+          </a:xfrm>
+          <a:prstGeom prst="rect">
+            <a:avLst/>
+          </a:prstGeom>
+          <a:noFill/>
+        </p:spPr>
+        <p:txBody>
+          <a:bodyPr wrap="none" rtlCol="0">
+            <a:spAutoFit/>
+          </a:bodyPr>
+          <a:lstStyle/>
+          <a:p>
+            <a:r>
+              <a:rPr lang="ko-KR" altLang="en-US" sz="1400" dirty="0"/>
+              <a:t>닉네임</a:t>
+            </a:r>
+          </a:p>
+        </p:txBody>
+      </p:sp>
+      <p:sp>
+        <p:nvSpPr>
+          <p:cNvPr id="114" name="직사각형 113">
+            <a:extLst>
+              <a:ext uri="{FF2B5EF4-FFF2-40B4-BE49-F238E27FC236}">
+                <a16:creationId xmlns:a16="http://schemas.microsoft.com/office/drawing/2014/main" id="{9EA30E00-E9C0-49FE-AC52-7D9BC55C0C98}"/>
+              </a:ext>
+            </a:extLst>
+          </p:cNvPr>
+          <p:cNvSpPr/>
+          <p:nvPr/>
+        </p:nvSpPr>
+        <p:spPr>
+          <a:xfrm>
+            <a:off x="7962720" y="4822955"/>
+            <a:ext cx="226723" cy="222203"/>
+          </a:xfrm>
+          <a:prstGeom prst="rect">
+            <a:avLst/>
+          </a:prstGeom>
+          <a:noFill/>
+          <a:ln w="57150">
+            <a:solidFill>
+              <a:schemeClr val="tx1"/>
+            </a:solidFill>
+          </a:ln>
+        </p:spPr>
+        <p:style>
+          <a:lnRef idx="2">
+            <a:schemeClr val="accent1">
+              <a:shade val="50000"/>
+            </a:schemeClr>
+          </a:lnRef>
+          <a:fillRef idx="1">
+            <a:schemeClr val="accent1"/>
+          </a:fillRef>
+          <a:effectRef idx="0">
+            <a:schemeClr val="accent1"/>
+          </a:effectRef>
+          <a:fontRef idx="minor">
+            <a:schemeClr val="lt1"/>
+          </a:fontRef>
+        </p:style>
+        <p:txBody>
+          <a:bodyPr rtlCol="0" anchor="ctr"/>
+          <a:lstStyle/>
+          <a:p>
+            <a:pPr algn="ctr"/>
+            <a:endParaRPr lang="ko-KR" altLang="en-US"/>
+          </a:p>
+        </p:txBody>
+      </p:sp>
+      <p:pic>
+        <p:nvPicPr>
+          <p:cNvPr id="115" name="그래픽 114" descr="말풍선 단색으로 채워진">
+            <a:extLst>
+              <a:ext uri="{FF2B5EF4-FFF2-40B4-BE49-F238E27FC236}">
+                <a16:creationId xmlns:a16="http://schemas.microsoft.com/office/drawing/2014/main" id="{21C0B236-5EFF-4B6F-BFA0-8059519BC7AD}"/>
+              </a:ext>
+            </a:extLst>
+          </p:cNvPr>
+          <p:cNvPicPr>
+            <a:picLocks noChangeAspect="1"/>
+          </p:cNvPicPr>
+          <p:nvPr/>
+        </p:nvPicPr>
+        <p:blipFill>
+          <a:blip r:embed="rId5" cstate="hqprint">
+            <a:extLst>
+              <a:ext uri="{28A0092B-C50C-407E-A947-70E740481C1C}">
+                <a14:useLocalDpi xmlns:a14="http://schemas.microsoft.com/office/drawing/2010/main" val="0"/>
+              </a:ext>
+              <a:ext uri="{96DAC541-7B7A-43D3-8B79-37D633B846F1}">
+                <asvg:svgBlip xmlns:asvg="http://schemas.microsoft.com/office/drawing/2016/SVG/main" r:embed="rId6"/>
+              </a:ext>
+            </a:extLst>
+          </a:blip>
+          <a:stretch>
+            <a:fillRect/>
+          </a:stretch>
+        </p:blipFill>
+        <p:spPr>
+          <a:xfrm>
+            <a:off x="7854032" y="2788890"/>
+            <a:ext cx="298469" cy="298469"/>
+          </a:xfrm>
+          <a:prstGeom prst="rect">
+            <a:avLst/>
+          </a:prstGeom>
+        </p:spPr>
+      </p:pic>
+      <p:sp>
+        <p:nvSpPr>
+          <p:cNvPr id="116" name="직사각형 115">
+            <a:extLst>
+              <a:ext uri="{FF2B5EF4-FFF2-40B4-BE49-F238E27FC236}">
+                <a16:creationId xmlns:a16="http://schemas.microsoft.com/office/drawing/2014/main" id="{6EA68D28-F8D8-4C4E-AFE4-4887401C9F56}"/>
+              </a:ext>
+            </a:extLst>
+          </p:cNvPr>
+          <p:cNvSpPr/>
+          <p:nvPr/>
+        </p:nvSpPr>
+        <p:spPr>
+          <a:xfrm>
+            <a:off x="7777795" y="2780957"/>
+            <a:ext cx="450941" cy="298470"/>
+          </a:xfrm>
+          <a:prstGeom prst="rect">
+            <a:avLst/>
+          </a:prstGeom>
+          <a:noFill/>
+          <a:ln w="38100">
+            <a:solidFill>
+              <a:schemeClr val="tx1"/>
+            </a:solidFill>
+          </a:ln>
+        </p:spPr>
+        <p:style>
+          <a:lnRef idx="2">
+            <a:schemeClr val="accent1">
+              <a:shade val="50000"/>
+            </a:schemeClr>
+          </a:lnRef>
+          <a:fillRef idx="1">
+            <a:schemeClr val="accent1"/>
+          </a:fillRef>
+          <a:effectRef idx="0">
+            <a:schemeClr val="accent1"/>
+          </a:effectRef>
+          <a:fontRef idx="minor">
+            <a:schemeClr val="lt1"/>
+          </a:fontRef>
+        </p:style>
+        <p:txBody>
+          <a:bodyPr rtlCol="0" anchor="ctr"/>
+          <a:lstStyle/>
+          <a:p>
+            <a:pPr algn="ctr"/>
+            <a:endParaRPr lang="ko-KR" altLang="en-US"/>
+          </a:p>
+        </p:txBody>
+      </p:sp>
+      <p:sp>
+        <p:nvSpPr>
+          <p:cNvPr id="119" name="말풍선: 사각형 118">
+            <a:extLst>
+              <a:ext uri="{FF2B5EF4-FFF2-40B4-BE49-F238E27FC236}">
+                <a16:creationId xmlns:a16="http://schemas.microsoft.com/office/drawing/2014/main" id="{BCE03CE1-FE2C-4A8A-8A09-CECCF5302271}"/>
+              </a:ext>
+            </a:extLst>
+          </p:cNvPr>
+          <p:cNvSpPr/>
+          <p:nvPr/>
+        </p:nvSpPr>
+        <p:spPr>
+          <a:xfrm rot="16200000" flipH="1">
+            <a:off x="4098857" y="1879445"/>
+            <a:ext cx="2571145" cy="4083026"/>
+          </a:xfrm>
+          <a:prstGeom prst="wedgeRectCallout">
+            <a:avLst>
+              <a:gd name="adj1" fmla="val -38795"/>
+              <a:gd name="adj2" fmla="val 57750"/>
+            </a:avLst>
+          </a:prstGeom>
+          <a:solidFill>
+            <a:schemeClr val="accent1">
+              <a:lumMod val="60000"/>
+              <a:lumOff val="40000"/>
+            </a:schemeClr>
+          </a:solidFill>
+          <a:ln w="19050">
+            <a:solidFill>
+              <a:schemeClr val="tx1"/>
+            </a:solidFill>
+          </a:ln>
+        </p:spPr>
+        <p:style>
+          <a:lnRef idx="2">
+            <a:schemeClr val="accent1">
+              <a:shade val="50000"/>
+            </a:schemeClr>
+          </a:lnRef>
+          <a:fillRef idx="1">
+            <a:schemeClr val="accent1"/>
+          </a:fillRef>
+          <a:effectRef idx="0">
+            <a:schemeClr val="accent1"/>
+          </a:effectRef>
+          <a:fontRef idx="minor">
+            <a:schemeClr val="lt1"/>
+          </a:fontRef>
+        </p:style>
+        <p:txBody>
+          <a:bodyPr rtlCol="0" anchor="ctr"/>
+          <a:lstStyle/>
+          <a:p>
+            <a:pPr algn="ctr"/>
+            <a:endParaRPr lang="ko-KR" altLang="en-US"/>
+          </a:p>
+        </p:txBody>
+      </p:sp>
+      <p:sp>
+        <p:nvSpPr>
+          <p:cNvPr id="78" name="사각형: 둥근 모서리 77">
+            <a:extLst>
+              <a:ext uri="{FF2B5EF4-FFF2-40B4-BE49-F238E27FC236}">
+                <a16:creationId xmlns:a16="http://schemas.microsoft.com/office/drawing/2014/main" id="{494E011C-3237-4282-8BC5-55131A72B9F4}"/>
+              </a:ext>
+            </a:extLst>
+          </p:cNvPr>
+          <p:cNvSpPr/>
+          <p:nvPr/>
+        </p:nvSpPr>
+        <p:spPr>
+          <a:xfrm>
+            <a:off x="3590369" y="4881907"/>
+            <a:ext cx="3566015" cy="293700"/>
+          </a:xfrm>
+          <a:prstGeom prst="roundRect">
+            <a:avLst/>
+          </a:prstGeom>
+          <a:solidFill>
+            <a:schemeClr val="bg1"/>
+          </a:solidFill>
+          <a:ln>
+            <a:solidFill>
+              <a:schemeClr val="tx1"/>
+            </a:solidFill>
+          </a:ln>
+        </p:spPr>
+        <p:style>
+          <a:lnRef idx="2">
+            <a:schemeClr val="accent1">
+              <a:shade val="50000"/>
+            </a:schemeClr>
+          </a:lnRef>
+          <a:fillRef idx="1">
+            <a:schemeClr val="accent1"/>
+          </a:fillRef>
+          <a:effectRef idx="0">
+            <a:schemeClr val="accent1"/>
+          </a:effectRef>
+          <a:fontRef idx="minor">
+            <a:schemeClr val="lt1"/>
+          </a:fontRef>
+        </p:style>
+        <p:txBody>
+          <a:bodyPr rtlCol="0" anchor="ctr"/>
+          <a:lstStyle/>
+          <a:p>
+            <a:pPr algn="ctr"/>
+            <a:r>
+              <a:rPr lang="ko-KR" altLang="en-US" dirty="0">
+                <a:solidFill>
+                  <a:schemeClr val="tx1"/>
+                </a:solidFill>
+              </a:rPr>
+              <a:t>내용</a:t>
+            </a:r>
+          </a:p>
+        </p:txBody>
+      </p:sp>
+      <p:pic>
+        <p:nvPicPr>
+          <p:cNvPr id="80" name="그래픽 79" descr="방향 윤곽선">
+            <a:extLst>
+              <a:ext uri="{FF2B5EF4-FFF2-40B4-BE49-F238E27FC236}">
+                <a16:creationId xmlns:a16="http://schemas.microsoft.com/office/drawing/2014/main" id="{704147CF-5F56-4688-AC56-D7D3C633663E}"/>
+              </a:ext>
+            </a:extLst>
+          </p:cNvPr>
+          <p:cNvPicPr>
+            <a:picLocks noChangeAspect="1"/>
+          </p:cNvPicPr>
+          <p:nvPr/>
+        </p:nvPicPr>
+        <p:blipFill>
+          <a:blip r:embed="rId7" cstate="hqprint">
+            <a:extLst>
+              <a:ext uri="{28A0092B-C50C-407E-A947-70E740481C1C}">
+                <a14:useLocalDpi xmlns:a14="http://schemas.microsoft.com/office/drawing/2010/main" val="0"/>
+              </a:ext>
+              <a:ext uri="{96DAC541-7B7A-43D3-8B79-37D633B846F1}">
+                <asvg:svgBlip xmlns:asvg="http://schemas.microsoft.com/office/drawing/2016/SVG/main" r:embed="rId8"/>
+              </a:ext>
+            </a:extLst>
+          </a:blip>
+          <a:stretch>
+            <a:fillRect/>
+          </a:stretch>
+        </p:blipFill>
+        <p:spPr>
+          <a:xfrm rot="2698813">
+            <a:off x="6821928" y="4892153"/>
+            <a:ext cx="266628" cy="266628"/>
+          </a:xfrm>
+          <a:prstGeom prst="rect">
+            <a:avLst/>
+          </a:prstGeom>
+        </p:spPr>
+      </p:pic>
+      <p:sp>
+        <p:nvSpPr>
+          <p:cNvPr id="120" name="사각형: 둥근 모서리 119">
+            <a:extLst>
+              <a:ext uri="{FF2B5EF4-FFF2-40B4-BE49-F238E27FC236}">
+                <a16:creationId xmlns:a16="http://schemas.microsoft.com/office/drawing/2014/main" id="{C76661B3-9BA3-4D09-9A01-14650BC45E32}"/>
+              </a:ext>
+            </a:extLst>
+          </p:cNvPr>
+          <p:cNvSpPr/>
+          <p:nvPr/>
+        </p:nvSpPr>
+        <p:spPr>
+          <a:xfrm>
+            <a:off x="3504085" y="2906932"/>
+            <a:ext cx="3209976" cy="394625"/>
+          </a:xfrm>
+          <a:prstGeom prst="roundRect">
+            <a:avLst/>
+          </a:prstGeom>
+        </p:spPr>
+        <p:style>
+          <a:lnRef idx="2">
+            <a:schemeClr val="accent1">
+              <a:shade val="50000"/>
+            </a:schemeClr>
+          </a:lnRef>
+          <a:fillRef idx="1">
+            <a:schemeClr val="accent1"/>
+          </a:fillRef>
+          <a:effectRef idx="0">
+            <a:schemeClr val="accent1"/>
+          </a:effectRef>
+          <a:fontRef idx="minor">
+            <a:schemeClr val="lt1"/>
+          </a:fontRef>
+        </p:style>
+        <p:txBody>
+          <a:bodyPr rtlCol="0" anchor="ctr"/>
+          <a:lstStyle/>
+          <a:p>
+            <a:pPr algn="ctr"/>
+            <a:r>
+              <a:rPr lang="ko-KR" altLang="en-US" dirty="0"/>
+              <a:t>내용</a:t>
+            </a:r>
+          </a:p>
+        </p:txBody>
+      </p:sp>
+      <p:sp>
+        <p:nvSpPr>
+          <p:cNvPr id="121" name="사각형: 둥근 모서리 120">
+            <a:extLst>
+              <a:ext uri="{FF2B5EF4-FFF2-40B4-BE49-F238E27FC236}">
+                <a16:creationId xmlns:a16="http://schemas.microsoft.com/office/drawing/2014/main" id="{DF3FCBDF-CB6E-4075-809C-E0798E7CC1C0}"/>
+              </a:ext>
+            </a:extLst>
+          </p:cNvPr>
+          <p:cNvSpPr/>
+          <p:nvPr/>
+        </p:nvSpPr>
+        <p:spPr>
+          <a:xfrm>
+            <a:off x="3494316" y="3597318"/>
+            <a:ext cx="3209975" cy="394625"/>
+          </a:xfrm>
+          <a:prstGeom prst="roundRect">
+            <a:avLst/>
+          </a:prstGeom>
+        </p:spPr>
+        <p:style>
+          <a:lnRef idx="2">
+            <a:schemeClr val="accent1">
+              <a:shade val="50000"/>
+            </a:schemeClr>
+          </a:lnRef>
+          <a:fillRef idx="1">
+            <a:schemeClr val="accent1"/>
+          </a:fillRef>
+          <a:effectRef idx="0">
+            <a:schemeClr val="accent1"/>
+          </a:effectRef>
+          <a:fontRef idx="minor">
+            <a:schemeClr val="lt1"/>
+          </a:fontRef>
+        </p:style>
+        <p:txBody>
+          <a:bodyPr rtlCol="0" anchor="ctr"/>
+          <a:lstStyle/>
+          <a:p>
+            <a:pPr algn="ctr"/>
+            <a:r>
+              <a:rPr lang="ko-KR" altLang="en-US" dirty="0"/>
+              <a:t>내용</a:t>
+            </a:r>
+          </a:p>
+        </p:txBody>
+      </p:sp>
+      <p:sp>
+        <p:nvSpPr>
+          <p:cNvPr id="122" name="타원 121">
+            <a:extLst>
+              <a:ext uri="{FF2B5EF4-FFF2-40B4-BE49-F238E27FC236}">
+                <a16:creationId xmlns:a16="http://schemas.microsoft.com/office/drawing/2014/main" id="{B15E8B59-9555-43E8-91A8-945AD93A6EF0}"/>
+              </a:ext>
+            </a:extLst>
+          </p:cNvPr>
+          <p:cNvSpPr/>
+          <p:nvPr/>
+        </p:nvSpPr>
+        <p:spPr>
+          <a:xfrm>
+            <a:off x="3570521" y="2672686"/>
+            <a:ext cx="178764" cy="203826"/>
+          </a:xfrm>
+          <a:prstGeom prst="ellipse">
+            <a:avLst/>
+          </a:prstGeom>
+          <a:noFill/>
+          <a:ln>
+            <a:solidFill>
+              <a:schemeClr val="tx1"/>
+            </a:solidFill>
+          </a:ln>
+        </p:spPr>
+        <p:style>
+          <a:lnRef idx="2">
+            <a:schemeClr val="accent1">
+              <a:shade val="50000"/>
+            </a:schemeClr>
+          </a:lnRef>
+          <a:fillRef idx="1">
+            <a:schemeClr val="accent1"/>
+          </a:fillRef>
+          <a:effectRef idx="0">
+            <a:schemeClr val="accent1"/>
+          </a:effectRef>
+          <a:fontRef idx="minor">
+            <a:schemeClr val="lt1"/>
+          </a:fontRef>
+        </p:style>
+        <p:txBody>
+          <a:bodyPr rtlCol="0" anchor="ctr"/>
+          <a:lstStyle/>
+          <a:p>
+            <a:pPr algn="ctr"/>
+            <a:endParaRPr lang="ko-KR" altLang="en-US"/>
+          </a:p>
+        </p:txBody>
+      </p:sp>
+      <p:sp>
+        <p:nvSpPr>
+          <p:cNvPr id="123" name="TextBox 122">
+            <a:extLst>
+              <a:ext uri="{FF2B5EF4-FFF2-40B4-BE49-F238E27FC236}">
+                <a16:creationId xmlns:a16="http://schemas.microsoft.com/office/drawing/2014/main" id="{625B0AED-68E9-493B-938C-7E5445598491}"/>
+              </a:ext>
+            </a:extLst>
+          </p:cNvPr>
+          <p:cNvSpPr txBox="1"/>
+          <p:nvPr/>
+        </p:nvSpPr>
+        <p:spPr>
+          <a:xfrm>
+            <a:off x="3735073" y="2683892"/>
+            <a:ext cx="723275" cy="230832"/>
+          </a:xfrm>
+          <a:prstGeom prst="rect">
+            <a:avLst/>
+          </a:prstGeom>
+          <a:noFill/>
+        </p:spPr>
+        <p:txBody>
+          <a:bodyPr wrap="square" rtlCol="0">
+            <a:spAutoFit/>
+          </a:bodyPr>
+          <a:lstStyle/>
+          <a:p>
+            <a:r>
+              <a:rPr lang="ko-KR" altLang="en-US" sz="900" dirty="0"/>
+              <a:t>닉네임</a:t>
+            </a:r>
+            <a:r>
+              <a:rPr lang="en-US" altLang="ko-KR" sz="900" dirty="0"/>
+              <a:t>1</a:t>
+            </a:r>
+            <a:endParaRPr lang="ko-KR" altLang="en-US" sz="900" dirty="0"/>
+          </a:p>
+        </p:txBody>
+      </p:sp>
+      <p:sp>
+        <p:nvSpPr>
+          <p:cNvPr id="124" name="타원 123">
+            <a:extLst>
+              <a:ext uri="{FF2B5EF4-FFF2-40B4-BE49-F238E27FC236}">
+                <a16:creationId xmlns:a16="http://schemas.microsoft.com/office/drawing/2014/main" id="{77720341-1A05-4CC5-96E2-7DB31706D7BA}"/>
+              </a:ext>
+            </a:extLst>
+          </p:cNvPr>
+          <p:cNvSpPr/>
+          <p:nvPr/>
+        </p:nvSpPr>
+        <p:spPr>
+          <a:xfrm>
+            <a:off x="3584733" y="3359657"/>
+            <a:ext cx="178764" cy="203826"/>
+          </a:xfrm>
+          <a:prstGeom prst="ellipse">
+            <a:avLst/>
+          </a:prstGeom>
+          <a:noFill/>
+          <a:ln>
+            <a:solidFill>
+              <a:schemeClr val="tx1"/>
+            </a:solidFill>
+          </a:ln>
+        </p:spPr>
+        <p:style>
+          <a:lnRef idx="2">
+            <a:schemeClr val="accent1">
+              <a:shade val="50000"/>
+            </a:schemeClr>
+          </a:lnRef>
+          <a:fillRef idx="1">
+            <a:schemeClr val="accent1"/>
+          </a:fillRef>
+          <a:effectRef idx="0">
+            <a:schemeClr val="accent1"/>
+          </a:effectRef>
+          <a:fontRef idx="minor">
+            <a:schemeClr val="lt1"/>
+          </a:fontRef>
+        </p:style>
+        <p:txBody>
+          <a:bodyPr rtlCol="0" anchor="ctr"/>
+          <a:lstStyle/>
+          <a:p>
+            <a:pPr algn="ctr"/>
+            <a:endParaRPr lang="ko-KR" altLang="en-US"/>
+          </a:p>
+        </p:txBody>
+      </p:sp>
+      <p:sp>
+        <p:nvSpPr>
+          <p:cNvPr id="125" name="TextBox 124">
+            <a:extLst>
+              <a:ext uri="{FF2B5EF4-FFF2-40B4-BE49-F238E27FC236}">
+                <a16:creationId xmlns:a16="http://schemas.microsoft.com/office/drawing/2014/main" id="{9D19CFD0-76B3-4402-A00C-CCC6073DEA9F}"/>
+              </a:ext>
+            </a:extLst>
+          </p:cNvPr>
+          <p:cNvSpPr txBox="1"/>
+          <p:nvPr/>
+        </p:nvSpPr>
+        <p:spPr>
+          <a:xfrm>
+            <a:off x="3749285" y="3370863"/>
+            <a:ext cx="723275" cy="230832"/>
+          </a:xfrm>
+          <a:prstGeom prst="rect">
+            <a:avLst/>
+          </a:prstGeom>
+          <a:noFill/>
+        </p:spPr>
+        <p:txBody>
+          <a:bodyPr wrap="square" rtlCol="0">
+            <a:spAutoFit/>
+          </a:bodyPr>
+          <a:lstStyle/>
+          <a:p>
+            <a:r>
+              <a:rPr lang="ko-KR" altLang="en-US" sz="900" dirty="0"/>
+              <a:t>닉네임</a:t>
+            </a:r>
+            <a:r>
+              <a:rPr lang="en-US" altLang="ko-KR" sz="900" dirty="0"/>
+              <a:t>2</a:t>
+            </a:r>
+            <a:endParaRPr lang="ko-KR" altLang="en-US" sz="900" dirty="0"/>
+          </a:p>
+        </p:txBody>
+      </p:sp>
+      <p:sp>
+        <p:nvSpPr>
+          <p:cNvPr id="137" name="사각형: 둥근 모서리 136">
+            <a:extLst>
+              <a:ext uri="{FF2B5EF4-FFF2-40B4-BE49-F238E27FC236}">
+                <a16:creationId xmlns:a16="http://schemas.microsoft.com/office/drawing/2014/main" id="{DAF23040-D116-4BEE-B32C-FFE6B6153499}"/>
+              </a:ext>
+            </a:extLst>
+          </p:cNvPr>
+          <p:cNvSpPr/>
+          <p:nvPr/>
+        </p:nvSpPr>
+        <p:spPr>
+          <a:xfrm>
+            <a:off x="3494316" y="4265318"/>
+            <a:ext cx="3209975" cy="394625"/>
+          </a:xfrm>
+          <a:prstGeom prst="roundRect">
+            <a:avLst/>
+          </a:prstGeom>
+        </p:spPr>
+        <p:style>
+          <a:lnRef idx="2">
+            <a:schemeClr val="accent1">
+              <a:shade val="50000"/>
+            </a:schemeClr>
+          </a:lnRef>
+          <a:fillRef idx="1">
+            <a:schemeClr val="accent1"/>
+          </a:fillRef>
+          <a:effectRef idx="0">
+            <a:schemeClr val="accent1"/>
+          </a:effectRef>
+          <a:fontRef idx="minor">
+            <a:schemeClr val="lt1"/>
+          </a:fontRef>
+        </p:style>
+        <p:txBody>
+          <a:bodyPr rtlCol="0" anchor="ctr"/>
+          <a:lstStyle/>
+          <a:p>
+            <a:pPr algn="ctr"/>
+            <a:r>
+              <a:rPr lang="ko-KR" altLang="en-US" dirty="0"/>
+              <a:t>내용</a:t>
+            </a:r>
+          </a:p>
+        </p:txBody>
+      </p:sp>
+      <p:sp>
+        <p:nvSpPr>
+          <p:cNvPr id="138" name="타원 137">
+            <a:extLst>
+              <a:ext uri="{FF2B5EF4-FFF2-40B4-BE49-F238E27FC236}">
+                <a16:creationId xmlns:a16="http://schemas.microsoft.com/office/drawing/2014/main" id="{2FC2F31A-1955-4A22-9303-0160B4813AF9}"/>
+              </a:ext>
+            </a:extLst>
+          </p:cNvPr>
+          <p:cNvSpPr/>
+          <p:nvPr/>
+        </p:nvSpPr>
+        <p:spPr>
+          <a:xfrm>
+            <a:off x="3584733" y="4027657"/>
+            <a:ext cx="178764" cy="203826"/>
+          </a:xfrm>
+          <a:prstGeom prst="ellipse">
+            <a:avLst/>
+          </a:prstGeom>
+          <a:noFill/>
+          <a:ln>
+            <a:solidFill>
+              <a:schemeClr val="tx1"/>
+            </a:solidFill>
+          </a:ln>
+        </p:spPr>
+        <p:style>
+          <a:lnRef idx="2">
+            <a:schemeClr val="accent1">
+              <a:shade val="50000"/>
+            </a:schemeClr>
+          </a:lnRef>
+          <a:fillRef idx="1">
+            <a:schemeClr val="accent1"/>
+          </a:fillRef>
+          <a:effectRef idx="0">
+            <a:schemeClr val="accent1"/>
+          </a:effectRef>
+          <a:fontRef idx="minor">
+            <a:schemeClr val="lt1"/>
+          </a:fontRef>
+        </p:style>
+        <p:txBody>
+          <a:bodyPr rtlCol="0" anchor="ctr"/>
+          <a:lstStyle/>
+          <a:p>
+            <a:pPr algn="ctr"/>
+            <a:endParaRPr lang="ko-KR" altLang="en-US"/>
+          </a:p>
+        </p:txBody>
+      </p:sp>
+      <p:sp>
+        <p:nvSpPr>
+          <p:cNvPr id="139" name="TextBox 138">
+            <a:extLst>
+              <a:ext uri="{FF2B5EF4-FFF2-40B4-BE49-F238E27FC236}">
+                <a16:creationId xmlns:a16="http://schemas.microsoft.com/office/drawing/2014/main" id="{0F780F69-52A0-420C-B455-4FACD22ACFFF}"/>
+              </a:ext>
+            </a:extLst>
+          </p:cNvPr>
+          <p:cNvSpPr txBox="1"/>
+          <p:nvPr/>
+        </p:nvSpPr>
+        <p:spPr>
+          <a:xfrm>
+            <a:off x="3749285" y="4038863"/>
+            <a:ext cx="723275" cy="230832"/>
+          </a:xfrm>
+          <a:prstGeom prst="rect">
+            <a:avLst/>
+          </a:prstGeom>
+          <a:noFill/>
+        </p:spPr>
+        <p:txBody>
+          <a:bodyPr wrap="square" rtlCol="0">
+            <a:spAutoFit/>
+          </a:bodyPr>
+          <a:lstStyle/>
+          <a:p>
+            <a:r>
+              <a:rPr lang="ko-KR" altLang="en-US" sz="900" dirty="0"/>
+              <a:t>닉네임</a:t>
+            </a:r>
+            <a:r>
+              <a:rPr lang="en-US" altLang="ko-KR" sz="900" dirty="0"/>
+              <a:t>3</a:t>
+            </a:r>
+            <a:endParaRPr lang="ko-KR" altLang="en-US" sz="900" dirty="0"/>
+          </a:p>
+        </p:txBody>
+      </p:sp>
+      <p:sp>
+        <p:nvSpPr>
+          <p:cNvPr id="2" name="TextBox 1">
+            <a:extLst>
+              <a:ext uri="{FF2B5EF4-FFF2-40B4-BE49-F238E27FC236}">
+                <a16:creationId xmlns:a16="http://schemas.microsoft.com/office/drawing/2014/main" id="{A98BCEBB-440B-4FA9-B5CC-21E41434E827}"/>
+              </a:ext>
+            </a:extLst>
+          </p:cNvPr>
+          <p:cNvSpPr txBox="1"/>
+          <p:nvPr/>
+        </p:nvSpPr>
+        <p:spPr>
+          <a:xfrm>
+            <a:off x="2949336" y="5818683"/>
+            <a:ext cx="5142755" cy="369332"/>
+          </a:xfrm>
+          <a:prstGeom prst="rect">
+            <a:avLst/>
+          </a:prstGeom>
+          <a:noFill/>
+        </p:spPr>
+        <p:txBody>
+          <a:bodyPr wrap="none" rtlCol="0">
+            <a:spAutoFit/>
+          </a:bodyPr>
+          <a:lstStyle/>
+          <a:p>
+            <a:r>
+              <a:rPr lang="ko-KR" altLang="en-US" dirty="0"/>
+              <a:t>채팅 내용은 상하 스크롤로 위에 내용 확인 가능</a:t>
+            </a:r>
+          </a:p>
+        </p:txBody>
+      </p:sp>
+      <p:sp>
+        <p:nvSpPr>
+          <p:cNvPr id="45" name="TextBox 44">
+            <a:extLst>
+              <a:ext uri="{FF2B5EF4-FFF2-40B4-BE49-F238E27FC236}">
+                <a16:creationId xmlns:a16="http://schemas.microsoft.com/office/drawing/2014/main" id="{5B1CF336-D764-4D9A-A389-B2C40CFA3C99}"/>
+              </a:ext>
+            </a:extLst>
+          </p:cNvPr>
+          <p:cNvSpPr txBox="1"/>
+          <p:nvPr/>
+        </p:nvSpPr>
+        <p:spPr>
+          <a:xfrm>
+            <a:off x="11508508" y="6289963"/>
+            <a:ext cx="311304" cy="369332"/>
+          </a:xfrm>
+          <a:prstGeom prst="rect">
+            <a:avLst/>
+          </a:prstGeom>
+          <a:noFill/>
+        </p:spPr>
+        <p:txBody>
+          <a:bodyPr wrap="none" rtlCol="0">
+            <a:spAutoFit/>
+          </a:bodyPr>
+          <a:lstStyle/>
+          <a:p>
+            <a:r>
+              <a:rPr lang="en-US" altLang="ko-KR" dirty="0"/>
+              <a:t>1</a:t>
+            </a:r>
+            <a:endParaRPr lang="ko-KR" altLang="en-US" dirty="0"/>
+          </a:p>
+        </p:txBody>
+      </p:sp>
+      <p:sp>
+        <p:nvSpPr>
+          <p:cNvPr id="46" name="TextBox 45">
+            <a:extLst>
+              <a:ext uri="{FF2B5EF4-FFF2-40B4-BE49-F238E27FC236}">
+                <a16:creationId xmlns:a16="http://schemas.microsoft.com/office/drawing/2014/main" id="{A6D69477-6D03-43C3-8DAD-5F767B40C5D2}"/>
+              </a:ext>
+            </a:extLst>
+          </p:cNvPr>
+          <p:cNvSpPr txBox="1"/>
+          <p:nvPr/>
+        </p:nvSpPr>
+        <p:spPr>
+          <a:xfrm>
+            <a:off x="37779" y="1043754"/>
+            <a:ext cx="1055097" cy="400110"/>
+          </a:xfrm>
+          <a:prstGeom prst="rect">
+            <a:avLst/>
+          </a:prstGeom>
+          <a:noFill/>
+        </p:spPr>
+        <p:txBody>
+          <a:bodyPr wrap="none" rtlCol="0">
+            <a:spAutoFit/>
+          </a:bodyPr>
+          <a:lstStyle/>
+          <a:p>
+            <a:r>
+              <a:rPr lang="ko-KR" altLang="en-US" sz="2000" b="1" dirty="0"/>
+              <a:t>지도 </a:t>
+            </a:r>
+            <a:r>
+              <a:rPr lang="en-US" altLang="ko-KR" sz="2000" b="1" dirty="0"/>
+              <a:t>UI</a:t>
+            </a:r>
+            <a:endParaRPr lang="ko-KR" altLang="en-US" sz="1600" b="1" dirty="0"/>
+          </a:p>
+        </p:txBody>
+      </p:sp>
+      <p:sp>
+        <p:nvSpPr>
+          <p:cNvPr id="47" name="직사각형 46">
+            <a:extLst>
+              <a:ext uri="{FF2B5EF4-FFF2-40B4-BE49-F238E27FC236}">
+                <a16:creationId xmlns:a16="http://schemas.microsoft.com/office/drawing/2014/main" id="{94667296-1920-44F7-AC25-D45E249F72B4}"/>
+              </a:ext>
+            </a:extLst>
+          </p:cNvPr>
+          <p:cNvSpPr/>
+          <p:nvPr/>
+        </p:nvSpPr>
+        <p:spPr>
+          <a:xfrm flipH="1">
+            <a:off x="1130655" y="1034474"/>
+            <a:ext cx="45719" cy="369332"/>
+          </a:xfrm>
+          <a:prstGeom prst="rect">
+            <a:avLst/>
+          </a:prstGeom>
+          <a:solidFill>
+            <a:schemeClr val="tx1"/>
+          </a:solidFill>
+          <a:ln>
+            <a:noFill/>
+          </a:ln>
+        </p:spPr>
+        <p:style>
+          <a:lnRef idx="2">
+            <a:schemeClr val="accent1">
+              <a:shade val="50000"/>
+            </a:schemeClr>
+          </a:lnRef>
+          <a:fillRef idx="1">
+            <a:schemeClr val="accent1"/>
+          </a:fillRef>
+          <a:effectRef idx="0">
+            <a:schemeClr val="accent1"/>
+          </a:effectRef>
+          <a:fontRef idx="minor">
+            <a:schemeClr val="lt1"/>
+          </a:fontRef>
+        </p:style>
+        <p:txBody>
+          <a:bodyPr rtlCol="0" anchor="ctr"/>
+          <a:lstStyle/>
+          <a:p>
+            <a:pPr algn="ctr"/>
+            <a:endParaRPr lang="ko-KR" altLang="en-US"/>
+          </a:p>
+        </p:txBody>
+      </p:sp>
+      <p:sp>
+        <p:nvSpPr>
+          <p:cNvPr id="48" name="TextBox 47">
+            <a:extLst>
+              <a:ext uri="{FF2B5EF4-FFF2-40B4-BE49-F238E27FC236}">
+                <a16:creationId xmlns:a16="http://schemas.microsoft.com/office/drawing/2014/main" id="{A3EF6E99-5422-4434-AC5A-88490FD45AA7}"/>
+              </a:ext>
+            </a:extLst>
+          </p:cNvPr>
+          <p:cNvSpPr txBox="1"/>
+          <p:nvPr/>
+        </p:nvSpPr>
+        <p:spPr>
+          <a:xfrm>
+            <a:off x="1166095" y="1054590"/>
+            <a:ext cx="1657826" cy="400110"/>
+          </a:xfrm>
+          <a:prstGeom prst="rect">
+            <a:avLst/>
+          </a:prstGeom>
+          <a:noFill/>
+        </p:spPr>
+        <p:txBody>
+          <a:bodyPr wrap="none" rtlCol="0">
+            <a:spAutoFit/>
+          </a:bodyPr>
+          <a:lstStyle/>
+          <a:p>
+            <a:r>
+              <a:rPr lang="ko-KR" altLang="en-US" sz="2000" b="1" dirty="0"/>
+              <a:t>상세 지도 </a:t>
+            </a:r>
+            <a:r>
+              <a:rPr lang="en-US" altLang="ko-KR" sz="2000" b="1" dirty="0"/>
+              <a:t>UI</a:t>
+            </a:r>
+            <a:endParaRPr lang="ko-KR" altLang="en-US" sz="1600" b="1" dirty="0"/>
+          </a:p>
+        </p:txBody>
+      </p:sp>
+      <p:sp>
+        <p:nvSpPr>
+          <p:cNvPr id="49" name="직사각형 48">
+            <a:extLst>
+              <a:ext uri="{FF2B5EF4-FFF2-40B4-BE49-F238E27FC236}">
+                <a16:creationId xmlns:a16="http://schemas.microsoft.com/office/drawing/2014/main" id="{5F274BD1-9ABC-45B5-8862-1E5A0BB37537}"/>
+              </a:ext>
+            </a:extLst>
+          </p:cNvPr>
+          <p:cNvSpPr/>
+          <p:nvPr/>
+        </p:nvSpPr>
+        <p:spPr>
+          <a:xfrm flipH="1">
+            <a:off x="2789122" y="1043434"/>
+            <a:ext cx="45719" cy="369332"/>
+          </a:xfrm>
+          <a:prstGeom prst="rect">
+            <a:avLst/>
+          </a:prstGeom>
+          <a:solidFill>
+            <a:schemeClr val="tx1"/>
+          </a:solidFill>
+          <a:ln>
+            <a:noFill/>
+          </a:ln>
+        </p:spPr>
+        <p:style>
+          <a:lnRef idx="2">
+            <a:schemeClr val="accent1">
+              <a:shade val="50000"/>
+            </a:schemeClr>
+          </a:lnRef>
+          <a:fillRef idx="1">
+            <a:schemeClr val="accent1"/>
+          </a:fillRef>
+          <a:effectRef idx="0">
+            <a:schemeClr val="accent1"/>
+          </a:effectRef>
+          <a:fontRef idx="minor">
+            <a:schemeClr val="lt1"/>
+          </a:fontRef>
+        </p:style>
+        <p:txBody>
+          <a:bodyPr rtlCol="0" anchor="ctr"/>
+          <a:lstStyle/>
+          <a:p>
+            <a:pPr algn="ctr"/>
+            <a:endParaRPr lang="ko-KR" altLang="en-US"/>
+          </a:p>
+        </p:txBody>
+      </p:sp>
+      <p:sp>
+        <p:nvSpPr>
+          <p:cNvPr id="50" name="TextBox 49">
+            <a:extLst>
+              <a:ext uri="{FF2B5EF4-FFF2-40B4-BE49-F238E27FC236}">
+                <a16:creationId xmlns:a16="http://schemas.microsoft.com/office/drawing/2014/main" id="{AB9F9C3B-3CA2-48A8-908F-AB7BFCD73E5B}"/>
+              </a:ext>
+            </a:extLst>
+          </p:cNvPr>
+          <p:cNvSpPr txBox="1"/>
+          <p:nvPr/>
+        </p:nvSpPr>
+        <p:spPr>
+          <a:xfrm>
+            <a:off x="2789122" y="1065572"/>
+            <a:ext cx="1804354" cy="369332"/>
+          </a:xfrm>
+          <a:prstGeom prst="rect">
+            <a:avLst/>
+          </a:prstGeom>
+          <a:noFill/>
+        </p:spPr>
+        <p:txBody>
+          <a:bodyPr wrap="square">
+            <a:spAutoFit/>
+          </a:bodyPr>
+          <a:lstStyle/>
+          <a:p>
+            <a:r>
+              <a:rPr lang="ko-KR" altLang="en-US" sz="1800" b="1" dirty="0"/>
+              <a:t>인 게임 설정 창</a:t>
+            </a:r>
+            <a:endParaRPr lang="ko-KR" altLang="en-US" dirty="0"/>
+          </a:p>
+        </p:txBody>
+      </p:sp>
+      <p:sp>
+        <p:nvSpPr>
+          <p:cNvPr id="51" name="TextBox 50">
+            <a:extLst>
+              <a:ext uri="{FF2B5EF4-FFF2-40B4-BE49-F238E27FC236}">
+                <a16:creationId xmlns:a16="http://schemas.microsoft.com/office/drawing/2014/main" id="{637F18A2-CBDF-45D8-B7BA-FFC399229F03}"/>
+              </a:ext>
+            </a:extLst>
+          </p:cNvPr>
+          <p:cNvSpPr txBox="1"/>
+          <p:nvPr/>
+        </p:nvSpPr>
+        <p:spPr>
+          <a:xfrm>
+            <a:off x="4593476" y="1028045"/>
+            <a:ext cx="1300356" cy="400110"/>
+          </a:xfrm>
+          <a:prstGeom prst="rect">
+            <a:avLst/>
+          </a:prstGeom>
+          <a:noFill/>
+        </p:spPr>
+        <p:txBody>
+          <a:bodyPr wrap="none" rtlCol="0">
+            <a:spAutoFit/>
+          </a:bodyPr>
+          <a:lstStyle/>
+          <a:p>
+            <a:r>
+              <a:rPr lang="ko-KR" altLang="en-US" sz="2000" b="1" dirty="0"/>
+              <a:t>시체 발견</a:t>
+            </a:r>
+            <a:endParaRPr lang="ko-KR" altLang="en-US" sz="1600" b="1" dirty="0"/>
+          </a:p>
+        </p:txBody>
+      </p:sp>
+      <p:sp>
+        <p:nvSpPr>
+          <p:cNvPr id="52" name="직사각형 51">
+            <a:extLst>
+              <a:ext uri="{FF2B5EF4-FFF2-40B4-BE49-F238E27FC236}">
+                <a16:creationId xmlns:a16="http://schemas.microsoft.com/office/drawing/2014/main" id="{342F2A5B-282F-4C6D-B5FD-6EA168C135AF}"/>
+              </a:ext>
+            </a:extLst>
+          </p:cNvPr>
+          <p:cNvSpPr/>
+          <p:nvPr/>
+        </p:nvSpPr>
+        <p:spPr>
+          <a:xfrm flipH="1">
+            <a:off x="4582073" y="1043434"/>
+            <a:ext cx="45719" cy="369332"/>
+          </a:xfrm>
+          <a:prstGeom prst="rect">
+            <a:avLst/>
+          </a:prstGeom>
+          <a:solidFill>
+            <a:schemeClr val="tx1"/>
+          </a:solidFill>
+          <a:ln>
+            <a:noFill/>
+          </a:ln>
+        </p:spPr>
+        <p:style>
+          <a:lnRef idx="2">
+            <a:schemeClr val="accent1">
+              <a:shade val="50000"/>
+            </a:schemeClr>
+          </a:lnRef>
+          <a:fillRef idx="1">
+            <a:schemeClr val="accent1"/>
+          </a:fillRef>
+          <a:effectRef idx="0">
+            <a:schemeClr val="accent1"/>
+          </a:effectRef>
+          <a:fontRef idx="minor">
+            <a:schemeClr val="lt1"/>
+          </a:fontRef>
+        </p:style>
+        <p:txBody>
+          <a:bodyPr rtlCol="0" anchor="ctr"/>
+          <a:lstStyle/>
+          <a:p>
+            <a:pPr algn="ctr"/>
+            <a:endParaRPr lang="ko-KR" altLang="en-US"/>
+          </a:p>
+        </p:txBody>
+      </p:sp>
+      <p:sp>
+        <p:nvSpPr>
+          <p:cNvPr id="53" name="직사각형 52">
+            <a:extLst>
+              <a:ext uri="{FF2B5EF4-FFF2-40B4-BE49-F238E27FC236}">
+                <a16:creationId xmlns:a16="http://schemas.microsoft.com/office/drawing/2014/main" id="{934ED787-C040-4D56-9CC8-5A7752795219}"/>
+              </a:ext>
+            </a:extLst>
+          </p:cNvPr>
+          <p:cNvSpPr/>
+          <p:nvPr/>
+        </p:nvSpPr>
+        <p:spPr>
+          <a:xfrm flipH="1">
+            <a:off x="5846097" y="1052400"/>
+            <a:ext cx="45719" cy="369332"/>
+          </a:xfrm>
+          <a:prstGeom prst="rect">
+            <a:avLst/>
+          </a:prstGeom>
+          <a:solidFill>
+            <a:schemeClr val="tx1"/>
+          </a:solidFill>
+          <a:ln>
+            <a:noFill/>
+          </a:ln>
+        </p:spPr>
+        <p:style>
+          <a:lnRef idx="2">
+            <a:schemeClr val="accent1">
+              <a:shade val="50000"/>
+            </a:schemeClr>
+          </a:lnRef>
+          <a:fillRef idx="1">
+            <a:schemeClr val="accent1"/>
+          </a:fillRef>
+          <a:effectRef idx="0">
+            <a:schemeClr val="accent1"/>
+          </a:effectRef>
+          <a:fontRef idx="minor">
+            <a:schemeClr val="lt1"/>
+          </a:fontRef>
+        </p:style>
+        <p:txBody>
+          <a:bodyPr rtlCol="0" anchor="ctr"/>
+          <a:lstStyle/>
+          <a:p>
+            <a:pPr algn="ctr"/>
+            <a:endParaRPr lang="ko-KR" altLang="en-US"/>
+          </a:p>
+        </p:txBody>
+      </p:sp>
+      <p:sp>
+        <p:nvSpPr>
+          <p:cNvPr id="54" name="TextBox 53">
+            <a:extLst>
+              <a:ext uri="{FF2B5EF4-FFF2-40B4-BE49-F238E27FC236}">
+                <a16:creationId xmlns:a16="http://schemas.microsoft.com/office/drawing/2014/main" id="{D9196220-159C-4C04-A057-0B78E96416F5}"/>
+              </a:ext>
+            </a:extLst>
+          </p:cNvPr>
+          <p:cNvSpPr txBox="1"/>
+          <p:nvPr/>
+        </p:nvSpPr>
+        <p:spPr>
+          <a:xfrm>
+            <a:off x="5891816" y="1049021"/>
+            <a:ext cx="1459243" cy="369332"/>
+          </a:xfrm>
+          <a:prstGeom prst="rect">
+            <a:avLst/>
+          </a:prstGeom>
+          <a:noFill/>
+        </p:spPr>
+        <p:txBody>
+          <a:bodyPr wrap="square">
+            <a:spAutoFit/>
+          </a:bodyPr>
+          <a:lstStyle/>
+          <a:p>
+            <a:r>
+              <a:rPr lang="ko-KR" altLang="en-US" sz="1800" b="1" dirty="0"/>
+              <a:t>회의 </a:t>
+            </a:r>
+            <a:r>
+              <a:rPr lang="en-US" altLang="ko-KR" sz="1800" b="1" dirty="0"/>
+              <a:t>/ </a:t>
+            </a:r>
+            <a:r>
+              <a:rPr lang="ko-KR" altLang="en-US" sz="1800" b="1" dirty="0"/>
+              <a:t>채팅 </a:t>
+            </a:r>
+            <a:endParaRPr lang="ko-KR" altLang="en-US" dirty="0"/>
+          </a:p>
+        </p:txBody>
+      </p:sp>
+      <p:sp>
+        <p:nvSpPr>
+          <p:cNvPr id="57" name="TextBox 56">
+            <a:extLst>
+              <a:ext uri="{FF2B5EF4-FFF2-40B4-BE49-F238E27FC236}">
+                <a16:creationId xmlns:a16="http://schemas.microsoft.com/office/drawing/2014/main" id="{19937574-FA27-42F6-BB9C-7537B4BB7908}"/>
+              </a:ext>
+            </a:extLst>
+          </p:cNvPr>
+          <p:cNvSpPr txBox="1"/>
+          <p:nvPr/>
+        </p:nvSpPr>
+        <p:spPr>
+          <a:xfrm>
+            <a:off x="646546" y="255627"/>
+            <a:ext cx="4230254" cy="523220"/>
+          </a:xfrm>
+          <a:prstGeom prst="rect">
+            <a:avLst/>
+          </a:prstGeom>
+          <a:noFill/>
+        </p:spPr>
+        <p:txBody>
+          <a:bodyPr wrap="square" rtlCol="0">
+            <a:spAutoFit/>
+          </a:bodyPr>
+          <a:lstStyle/>
+          <a:p>
+            <a:r>
+              <a:rPr lang="en-US" altLang="ko-KR" sz="2800" b="1" dirty="0"/>
+              <a:t>UI</a:t>
+            </a:r>
+          </a:p>
+        </p:txBody>
+      </p:sp>
+    </p:spTree>
+    <p:extLst>
+      <p:ext uri="{BB962C8B-B14F-4D97-AF65-F5344CB8AC3E}">
+        <p14:creationId xmlns:p14="http://schemas.microsoft.com/office/powerpoint/2010/main" val="2690627913"/>
+      </p:ext>
+    </p:extLst>
+  </p:cSld>
+  <p:clrMapOvr>
+    <a:masterClrMapping/>
+  </p:clrMapOvr>
+</p:sld>
+</file>
+
+<file path=ppt/slides/slide18.xml><?xml version="1.0" encoding="utf-8"?>
+<p:sld xmlns:a="http://schemas.openxmlformats.org/drawingml/2006/main" xmlns:r="http://schemas.openxmlformats.org/officeDocument/2006/relationships" xmlns:p="http://schemas.openxmlformats.org/presentationml/2006/main">
+  <p:cSld>
+    <p:spTree>
+      <p:nvGrpSpPr>
+        <p:cNvPr id="1" name=""/>
+        <p:cNvGrpSpPr/>
+        <p:nvPr/>
+      </p:nvGrpSpPr>
+      <p:grpSpPr>
+        <a:xfrm>
+          <a:off x="0" y="0"/>
+          <a:ext cx="0" cy="0"/>
+          <a:chOff x="0" y="0"/>
+          <a:chExt cx="0" cy="0"/>
+        </a:xfrm>
+      </p:grpSpPr>
+      <p:sp>
+        <p:nvSpPr>
+          <p:cNvPr id="56" name="순서도: 대체 처리 55">
+            <a:extLst>
+              <a:ext uri="{FF2B5EF4-FFF2-40B4-BE49-F238E27FC236}">
+                <a16:creationId xmlns:a16="http://schemas.microsoft.com/office/drawing/2014/main" id="{17E9539D-1240-4422-AF9F-519265EC292B}"/>
+              </a:ext>
+            </a:extLst>
+          </p:cNvPr>
+          <p:cNvSpPr/>
+          <p:nvPr/>
+        </p:nvSpPr>
+        <p:spPr>
+          <a:xfrm>
+            <a:off x="5888606" y="836979"/>
+            <a:ext cx="1300355" cy="612648"/>
+          </a:xfrm>
+          <a:prstGeom prst="flowChartAlternateProcess">
+            <a:avLst/>
+          </a:prstGeom>
+          <a:solidFill>
+            <a:schemeClr val="accent4">
+              <a:lumMod val="40000"/>
+              <a:lumOff val="60000"/>
+            </a:schemeClr>
+          </a:solidFill>
+          <a:ln>
+            <a:noFill/>
+          </a:ln>
+        </p:spPr>
+        <p:style>
+          <a:lnRef idx="2">
+            <a:schemeClr val="accent1">
+              <a:shade val="50000"/>
+            </a:schemeClr>
+          </a:lnRef>
+          <a:fillRef idx="1">
+            <a:schemeClr val="accent1"/>
+          </a:fillRef>
+          <a:effectRef idx="0">
+            <a:schemeClr val="accent1"/>
+          </a:effectRef>
+          <a:fontRef idx="minor">
+            <a:schemeClr val="lt1"/>
+          </a:fontRef>
+        </p:style>
+        <p:txBody>
+          <a:bodyPr rtlCol="0" anchor="ctr"/>
+          <a:lstStyle/>
+          <a:p>
+            <a:pPr algn="ctr"/>
+            <a:endParaRPr lang="ko-KR" altLang="en-US"/>
+          </a:p>
+        </p:txBody>
+      </p:sp>
+      <p:sp>
+        <p:nvSpPr>
+          <p:cNvPr id="4" name="직사각형 3">
+            <a:extLst>
+              <a:ext uri="{FF2B5EF4-FFF2-40B4-BE49-F238E27FC236}">
+                <a16:creationId xmlns:a16="http://schemas.microsoft.com/office/drawing/2014/main" id="{AE93FE2A-85FE-4157-951C-FC2FADBB3B34}"/>
+              </a:ext>
+            </a:extLst>
+          </p:cNvPr>
+          <p:cNvSpPr/>
+          <p:nvPr/>
+        </p:nvSpPr>
+        <p:spPr>
+          <a:xfrm>
+            <a:off x="0" y="0"/>
+            <a:ext cx="12192000" cy="1034474"/>
+          </a:xfrm>
+          <a:prstGeom prst="rect">
+            <a:avLst/>
+          </a:prstGeom>
+          <a:solidFill>
+            <a:schemeClr val="accent5">
+              <a:lumMod val="60000"/>
+              <a:lumOff val="40000"/>
+            </a:schemeClr>
+          </a:solidFill>
+        </p:spPr>
+        <p:style>
+          <a:lnRef idx="2">
+            <a:schemeClr val="accent1">
+              <a:shade val="50000"/>
+            </a:schemeClr>
+          </a:lnRef>
+          <a:fillRef idx="1">
+            <a:schemeClr val="accent1"/>
+          </a:fillRef>
+          <a:effectRef idx="0">
+            <a:schemeClr val="accent1"/>
+          </a:effectRef>
+          <a:fontRef idx="minor">
+            <a:schemeClr val="lt1"/>
+          </a:fontRef>
+        </p:style>
+        <p:txBody>
+          <a:bodyPr rtlCol="0" anchor="ctr"/>
+          <a:lstStyle/>
+          <a:p>
+            <a:pPr algn="ctr"/>
+            <a:endParaRPr lang="ko-KR" altLang="en-US" dirty="0"/>
+          </a:p>
+        </p:txBody>
+      </p:sp>
+      <p:sp>
+        <p:nvSpPr>
+          <p:cNvPr id="46" name="TextBox 45">
+            <a:extLst>
+              <a:ext uri="{FF2B5EF4-FFF2-40B4-BE49-F238E27FC236}">
+                <a16:creationId xmlns:a16="http://schemas.microsoft.com/office/drawing/2014/main" id="{A6D69477-6D03-43C3-8DAD-5F767B40C5D2}"/>
+              </a:ext>
+            </a:extLst>
+          </p:cNvPr>
+          <p:cNvSpPr txBox="1"/>
+          <p:nvPr/>
+        </p:nvSpPr>
+        <p:spPr>
+          <a:xfrm>
+            <a:off x="37779" y="1043754"/>
+            <a:ext cx="1055097" cy="400110"/>
+          </a:xfrm>
+          <a:prstGeom prst="rect">
+            <a:avLst/>
+          </a:prstGeom>
+          <a:noFill/>
+        </p:spPr>
+        <p:txBody>
+          <a:bodyPr wrap="none" rtlCol="0">
+            <a:spAutoFit/>
+          </a:bodyPr>
+          <a:lstStyle/>
+          <a:p>
+            <a:r>
+              <a:rPr lang="ko-KR" altLang="en-US" sz="2000" b="1" dirty="0"/>
+              <a:t>지도 </a:t>
+            </a:r>
+            <a:r>
+              <a:rPr lang="en-US" altLang="ko-KR" sz="2000" b="1" dirty="0"/>
+              <a:t>UI</a:t>
+            </a:r>
+            <a:endParaRPr lang="ko-KR" altLang="en-US" sz="1600" b="1" dirty="0"/>
+          </a:p>
+        </p:txBody>
+      </p:sp>
+      <p:sp>
+        <p:nvSpPr>
+          <p:cNvPr id="47" name="직사각형 46">
+            <a:extLst>
+              <a:ext uri="{FF2B5EF4-FFF2-40B4-BE49-F238E27FC236}">
+                <a16:creationId xmlns:a16="http://schemas.microsoft.com/office/drawing/2014/main" id="{94667296-1920-44F7-AC25-D45E249F72B4}"/>
+              </a:ext>
+            </a:extLst>
+          </p:cNvPr>
+          <p:cNvSpPr/>
+          <p:nvPr/>
+        </p:nvSpPr>
+        <p:spPr>
+          <a:xfrm flipH="1">
+            <a:off x="1130655" y="1034474"/>
+            <a:ext cx="45719" cy="369332"/>
+          </a:xfrm>
+          <a:prstGeom prst="rect">
+            <a:avLst/>
+          </a:prstGeom>
+          <a:solidFill>
+            <a:schemeClr val="tx1"/>
+          </a:solidFill>
+          <a:ln>
+            <a:noFill/>
+          </a:ln>
+        </p:spPr>
+        <p:style>
+          <a:lnRef idx="2">
+            <a:schemeClr val="accent1">
+              <a:shade val="50000"/>
+            </a:schemeClr>
+          </a:lnRef>
+          <a:fillRef idx="1">
+            <a:schemeClr val="accent1"/>
+          </a:fillRef>
+          <a:effectRef idx="0">
+            <a:schemeClr val="accent1"/>
+          </a:effectRef>
+          <a:fontRef idx="minor">
+            <a:schemeClr val="lt1"/>
+          </a:fontRef>
+        </p:style>
+        <p:txBody>
+          <a:bodyPr rtlCol="0" anchor="ctr"/>
+          <a:lstStyle/>
+          <a:p>
+            <a:pPr algn="ctr"/>
+            <a:endParaRPr lang="ko-KR" altLang="en-US"/>
+          </a:p>
+        </p:txBody>
+      </p:sp>
+      <p:sp>
+        <p:nvSpPr>
+          <p:cNvPr id="48" name="TextBox 47">
+            <a:extLst>
+              <a:ext uri="{FF2B5EF4-FFF2-40B4-BE49-F238E27FC236}">
+                <a16:creationId xmlns:a16="http://schemas.microsoft.com/office/drawing/2014/main" id="{A3EF6E99-5422-4434-AC5A-88490FD45AA7}"/>
+              </a:ext>
+            </a:extLst>
+          </p:cNvPr>
+          <p:cNvSpPr txBox="1"/>
+          <p:nvPr/>
+        </p:nvSpPr>
+        <p:spPr>
+          <a:xfrm>
+            <a:off x="1166095" y="1054590"/>
+            <a:ext cx="1657826" cy="400110"/>
+          </a:xfrm>
+          <a:prstGeom prst="rect">
+            <a:avLst/>
+          </a:prstGeom>
+          <a:noFill/>
+        </p:spPr>
+        <p:txBody>
+          <a:bodyPr wrap="none" rtlCol="0">
+            <a:spAutoFit/>
+          </a:bodyPr>
+          <a:lstStyle/>
+          <a:p>
+            <a:r>
+              <a:rPr lang="ko-KR" altLang="en-US" sz="2000" b="1" dirty="0"/>
+              <a:t>상세 지도 </a:t>
+            </a:r>
+            <a:r>
+              <a:rPr lang="en-US" altLang="ko-KR" sz="2000" b="1" dirty="0"/>
+              <a:t>UI</a:t>
+            </a:r>
+            <a:endParaRPr lang="ko-KR" altLang="en-US" sz="1600" b="1" dirty="0"/>
+          </a:p>
+        </p:txBody>
+      </p:sp>
+      <p:sp>
+        <p:nvSpPr>
+          <p:cNvPr id="49" name="직사각형 48">
+            <a:extLst>
+              <a:ext uri="{FF2B5EF4-FFF2-40B4-BE49-F238E27FC236}">
+                <a16:creationId xmlns:a16="http://schemas.microsoft.com/office/drawing/2014/main" id="{5F274BD1-9ABC-45B5-8862-1E5A0BB37537}"/>
+              </a:ext>
+            </a:extLst>
+          </p:cNvPr>
+          <p:cNvSpPr/>
+          <p:nvPr/>
+        </p:nvSpPr>
+        <p:spPr>
+          <a:xfrm flipH="1">
+            <a:off x="2789122" y="1043434"/>
+            <a:ext cx="45719" cy="369332"/>
+          </a:xfrm>
+          <a:prstGeom prst="rect">
+            <a:avLst/>
+          </a:prstGeom>
+          <a:solidFill>
+            <a:schemeClr val="tx1"/>
+          </a:solidFill>
+          <a:ln>
+            <a:noFill/>
+          </a:ln>
+        </p:spPr>
+        <p:style>
+          <a:lnRef idx="2">
+            <a:schemeClr val="accent1">
+              <a:shade val="50000"/>
+            </a:schemeClr>
+          </a:lnRef>
+          <a:fillRef idx="1">
+            <a:schemeClr val="accent1"/>
+          </a:fillRef>
+          <a:effectRef idx="0">
+            <a:schemeClr val="accent1"/>
+          </a:effectRef>
+          <a:fontRef idx="minor">
+            <a:schemeClr val="lt1"/>
+          </a:fontRef>
+        </p:style>
+        <p:txBody>
+          <a:bodyPr rtlCol="0" anchor="ctr"/>
+          <a:lstStyle/>
+          <a:p>
+            <a:pPr algn="ctr"/>
+            <a:endParaRPr lang="ko-KR" altLang="en-US"/>
+          </a:p>
+        </p:txBody>
+      </p:sp>
+      <p:sp>
+        <p:nvSpPr>
+          <p:cNvPr id="50" name="TextBox 49">
+            <a:extLst>
+              <a:ext uri="{FF2B5EF4-FFF2-40B4-BE49-F238E27FC236}">
+                <a16:creationId xmlns:a16="http://schemas.microsoft.com/office/drawing/2014/main" id="{AB9F9C3B-3CA2-48A8-908F-AB7BFCD73E5B}"/>
+              </a:ext>
+            </a:extLst>
+          </p:cNvPr>
+          <p:cNvSpPr txBox="1"/>
+          <p:nvPr/>
+        </p:nvSpPr>
+        <p:spPr>
+          <a:xfrm>
+            <a:off x="2789122" y="1065572"/>
+            <a:ext cx="1804354" cy="369332"/>
+          </a:xfrm>
+          <a:prstGeom prst="rect">
+            <a:avLst/>
+          </a:prstGeom>
+          <a:noFill/>
+        </p:spPr>
+        <p:txBody>
+          <a:bodyPr wrap="square">
+            <a:spAutoFit/>
+          </a:bodyPr>
+          <a:lstStyle/>
+          <a:p>
+            <a:r>
+              <a:rPr lang="ko-KR" altLang="en-US" sz="1800" b="1" dirty="0"/>
+              <a:t>인 게임 설정 창</a:t>
+            </a:r>
+            <a:endParaRPr lang="ko-KR" altLang="en-US" dirty="0"/>
+          </a:p>
+        </p:txBody>
+      </p:sp>
+      <p:sp>
+        <p:nvSpPr>
+          <p:cNvPr id="51" name="TextBox 50">
+            <a:extLst>
+              <a:ext uri="{FF2B5EF4-FFF2-40B4-BE49-F238E27FC236}">
+                <a16:creationId xmlns:a16="http://schemas.microsoft.com/office/drawing/2014/main" id="{637F18A2-CBDF-45D8-B7BA-FFC399229F03}"/>
+              </a:ext>
+            </a:extLst>
+          </p:cNvPr>
+          <p:cNvSpPr txBox="1"/>
+          <p:nvPr/>
+        </p:nvSpPr>
+        <p:spPr>
+          <a:xfrm>
+            <a:off x="4593476" y="1028045"/>
+            <a:ext cx="1300356" cy="400110"/>
+          </a:xfrm>
+          <a:prstGeom prst="rect">
+            <a:avLst/>
+          </a:prstGeom>
+          <a:noFill/>
+        </p:spPr>
+        <p:txBody>
+          <a:bodyPr wrap="none" rtlCol="0">
+            <a:spAutoFit/>
+          </a:bodyPr>
+          <a:lstStyle/>
+          <a:p>
+            <a:r>
+              <a:rPr lang="ko-KR" altLang="en-US" sz="2000" b="1" dirty="0"/>
+              <a:t>시체 발견</a:t>
+            </a:r>
+            <a:endParaRPr lang="ko-KR" altLang="en-US" sz="1600" b="1" dirty="0"/>
+          </a:p>
+        </p:txBody>
+      </p:sp>
+      <p:sp>
+        <p:nvSpPr>
+          <p:cNvPr id="52" name="직사각형 51">
+            <a:extLst>
+              <a:ext uri="{FF2B5EF4-FFF2-40B4-BE49-F238E27FC236}">
+                <a16:creationId xmlns:a16="http://schemas.microsoft.com/office/drawing/2014/main" id="{342F2A5B-282F-4C6D-B5FD-6EA168C135AF}"/>
+              </a:ext>
+            </a:extLst>
+          </p:cNvPr>
+          <p:cNvSpPr/>
+          <p:nvPr/>
+        </p:nvSpPr>
+        <p:spPr>
+          <a:xfrm flipH="1">
+            <a:off x="4582073" y="1043434"/>
+            <a:ext cx="45719" cy="369332"/>
+          </a:xfrm>
+          <a:prstGeom prst="rect">
+            <a:avLst/>
+          </a:prstGeom>
+          <a:solidFill>
+            <a:schemeClr val="tx1"/>
+          </a:solidFill>
+          <a:ln>
+            <a:noFill/>
+          </a:ln>
+        </p:spPr>
+        <p:style>
+          <a:lnRef idx="2">
+            <a:schemeClr val="accent1">
+              <a:shade val="50000"/>
+            </a:schemeClr>
+          </a:lnRef>
+          <a:fillRef idx="1">
+            <a:schemeClr val="accent1"/>
+          </a:fillRef>
+          <a:effectRef idx="0">
+            <a:schemeClr val="accent1"/>
+          </a:effectRef>
+          <a:fontRef idx="minor">
+            <a:schemeClr val="lt1"/>
+          </a:fontRef>
+        </p:style>
+        <p:txBody>
+          <a:bodyPr rtlCol="0" anchor="ctr"/>
+          <a:lstStyle/>
+          <a:p>
+            <a:pPr algn="ctr"/>
+            <a:endParaRPr lang="ko-KR" altLang="en-US"/>
+          </a:p>
+        </p:txBody>
+      </p:sp>
+      <p:sp>
+        <p:nvSpPr>
+          <p:cNvPr id="53" name="직사각형 52">
+            <a:extLst>
+              <a:ext uri="{FF2B5EF4-FFF2-40B4-BE49-F238E27FC236}">
+                <a16:creationId xmlns:a16="http://schemas.microsoft.com/office/drawing/2014/main" id="{934ED787-C040-4D56-9CC8-5A7752795219}"/>
+              </a:ext>
+            </a:extLst>
+          </p:cNvPr>
+          <p:cNvSpPr/>
+          <p:nvPr/>
+        </p:nvSpPr>
+        <p:spPr>
+          <a:xfrm flipH="1">
+            <a:off x="5846097" y="1052400"/>
+            <a:ext cx="45719" cy="369332"/>
+          </a:xfrm>
+          <a:prstGeom prst="rect">
+            <a:avLst/>
+          </a:prstGeom>
+          <a:solidFill>
+            <a:schemeClr val="tx1"/>
+          </a:solidFill>
+          <a:ln>
+            <a:noFill/>
+          </a:ln>
+        </p:spPr>
+        <p:style>
+          <a:lnRef idx="2">
+            <a:schemeClr val="accent1">
+              <a:shade val="50000"/>
+            </a:schemeClr>
+          </a:lnRef>
+          <a:fillRef idx="1">
+            <a:schemeClr val="accent1"/>
+          </a:fillRef>
+          <a:effectRef idx="0">
+            <a:schemeClr val="accent1"/>
+          </a:effectRef>
+          <a:fontRef idx="minor">
+            <a:schemeClr val="lt1"/>
+          </a:fontRef>
+        </p:style>
+        <p:txBody>
+          <a:bodyPr rtlCol="0" anchor="ctr"/>
+          <a:lstStyle/>
+          <a:p>
+            <a:pPr algn="ctr"/>
+            <a:endParaRPr lang="ko-KR" altLang="en-US"/>
+          </a:p>
+        </p:txBody>
+      </p:sp>
+      <p:sp>
+        <p:nvSpPr>
+          <p:cNvPr id="54" name="TextBox 53">
+            <a:extLst>
+              <a:ext uri="{FF2B5EF4-FFF2-40B4-BE49-F238E27FC236}">
+                <a16:creationId xmlns:a16="http://schemas.microsoft.com/office/drawing/2014/main" id="{D9196220-159C-4C04-A057-0B78E96416F5}"/>
+              </a:ext>
+            </a:extLst>
+          </p:cNvPr>
+          <p:cNvSpPr txBox="1"/>
+          <p:nvPr/>
+        </p:nvSpPr>
+        <p:spPr>
+          <a:xfrm>
+            <a:off x="5891816" y="1049021"/>
+            <a:ext cx="1459243" cy="369332"/>
+          </a:xfrm>
+          <a:prstGeom prst="rect">
+            <a:avLst/>
+          </a:prstGeom>
+          <a:noFill/>
+        </p:spPr>
+        <p:txBody>
+          <a:bodyPr wrap="square">
+            <a:spAutoFit/>
+          </a:bodyPr>
+          <a:lstStyle/>
+          <a:p>
+            <a:r>
+              <a:rPr lang="ko-KR" altLang="en-US" sz="1800" b="1" dirty="0"/>
+              <a:t>회의 </a:t>
+            </a:r>
+            <a:r>
+              <a:rPr lang="en-US" altLang="ko-KR" sz="1800" b="1" dirty="0"/>
+              <a:t>/ </a:t>
+            </a:r>
+            <a:r>
+              <a:rPr lang="ko-KR" altLang="en-US" sz="1800" b="1" dirty="0"/>
+              <a:t>채팅 </a:t>
+            </a:r>
+            <a:endParaRPr lang="ko-KR" altLang="en-US" dirty="0"/>
+          </a:p>
+        </p:txBody>
+      </p:sp>
+      <p:sp>
+        <p:nvSpPr>
+          <p:cNvPr id="57" name="TextBox 56">
+            <a:extLst>
+              <a:ext uri="{FF2B5EF4-FFF2-40B4-BE49-F238E27FC236}">
+                <a16:creationId xmlns:a16="http://schemas.microsoft.com/office/drawing/2014/main" id="{19937574-FA27-42F6-BB9C-7537B4BB7908}"/>
+              </a:ext>
+            </a:extLst>
+          </p:cNvPr>
+          <p:cNvSpPr txBox="1"/>
+          <p:nvPr/>
+        </p:nvSpPr>
+        <p:spPr>
+          <a:xfrm>
+            <a:off x="646546" y="255627"/>
+            <a:ext cx="4230254" cy="523220"/>
+          </a:xfrm>
+          <a:prstGeom prst="rect">
+            <a:avLst/>
+          </a:prstGeom>
+          <a:noFill/>
+        </p:spPr>
+        <p:txBody>
+          <a:bodyPr wrap="square" rtlCol="0">
+            <a:spAutoFit/>
+          </a:bodyPr>
+          <a:lstStyle/>
+          <a:p>
+            <a:r>
+              <a:rPr lang="en-US" altLang="ko-KR" sz="2800" b="1" dirty="0"/>
+              <a:t>UI</a:t>
+            </a:r>
+          </a:p>
+        </p:txBody>
+      </p:sp>
+      <p:grpSp>
+        <p:nvGrpSpPr>
+          <p:cNvPr id="7" name="그룹 6">
+            <a:extLst>
+              <a:ext uri="{FF2B5EF4-FFF2-40B4-BE49-F238E27FC236}">
+                <a16:creationId xmlns:a16="http://schemas.microsoft.com/office/drawing/2014/main" id="{B52302A4-B1D5-87A3-E103-B3F304D3D487}"/>
+              </a:ext>
+            </a:extLst>
+          </p:cNvPr>
+          <p:cNvGrpSpPr/>
+          <p:nvPr/>
+        </p:nvGrpSpPr>
+        <p:grpSpPr>
+          <a:xfrm>
+            <a:off x="555112" y="2260687"/>
+            <a:ext cx="3980399" cy="1998645"/>
+            <a:chOff x="1006045" y="3321026"/>
+            <a:chExt cx="3980399" cy="1998645"/>
+          </a:xfrm>
+        </p:grpSpPr>
+        <p:sp>
+          <p:nvSpPr>
+            <p:cNvPr id="58" name="사각형: 둥근 모서리 57">
+              <a:extLst>
+                <a:ext uri="{FF2B5EF4-FFF2-40B4-BE49-F238E27FC236}">
+                  <a16:creationId xmlns:a16="http://schemas.microsoft.com/office/drawing/2014/main" id="{E22F3F47-814D-F5E5-41A4-4CB2B1143EEE}"/>
+                </a:ext>
+              </a:extLst>
+            </p:cNvPr>
+            <p:cNvSpPr/>
+            <p:nvPr/>
+          </p:nvSpPr>
+          <p:spPr>
+            <a:xfrm rot="5400000">
+              <a:off x="1996922" y="2330149"/>
+              <a:ext cx="1998645" cy="3980399"/>
+            </a:xfrm>
+            <a:prstGeom prst="roundRect">
+              <a:avLst/>
+            </a:prstGeom>
+            <a:noFill/>
+            <a:ln w="38100">
+              <a:solidFill>
+                <a:schemeClr val="tx1"/>
+              </a:solidFill>
+            </a:ln>
+          </p:spPr>
+          <p:style>
+            <a:lnRef idx="2">
+              <a:schemeClr val="accent1">
+                <a:shade val="50000"/>
+              </a:schemeClr>
+            </a:lnRef>
+            <a:fillRef idx="1">
+              <a:schemeClr val="accent1"/>
+            </a:fillRef>
+            <a:effectRef idx="0">
+              <a:schemeClr val="accent1"/>
+            </a:effectRef>
+            <a:fontRef idx="minor">
+              <a:schemeClr val="lt1"/>
+            </a:fontRef>
+          </p:style>
+          <p:txBody>
+            <a:bodyPr rtlCol="0" anchor="ctr"/>
+            <a:lstStyle/>
+            <a:p>
+              <a:pPr algn="ctr"/>
+              <a:endParaRPr lang="ko-KR" altLang="en-US" dirty="0"/>
+            </a:p>
+          </p:txBody>
+        </p:sp>
+        <p:pic>
+          <p:nvPicPr>
+            <p:cNvPr id="59" name="그림 58" descr="텍스트, 인형이(가) 표시된 사진&#10;&#10;자동 생성된 설명">
+              <a:extLst>
+                <a:ext uri="{FF2B5EF4-FFF2-40B4-BE49-F238E27FC236}">
+                  <a16:creationId xmlns:a16="http://schemas.microsoft.com/office/drawing/2014/main" id="{E6833584-45B2-6AEF-15F2-EA24BAD71793}"/>
+                </a:ext>
+              </a:extLst>
+            </p:cNvPr>
+            <p:cNvPicPr>
+              <a:picLocks noChangeAspect="1"/>
+            </p:cNvPicPr>
+            <p:nvPr/>
+          </p:nvPicPr>
+          <p:blipFill>
+            <a:blip r:embed="rId3">
+              <a:extLst>
+                <a:ext uri="{28A0092B-C50C-407E-A947-70E740481C1C}">
+                  <a14:useLocalDpi xmlns:a14="http://schemas.microsoft.com/office/drawing/2010/main" val="0"/>
+                </a:ext>
+              </a:extLst>
+            </a:blip>
+            <a:stretch>
+              <a:fillRect/>
+            </a:stretch>
+          </p:blipFill>
+          <p:spPr>
+            <a:xfrm>
+              <a:off x="2579941" y="4074765"/>
+              <a:ext cx="887506" cy="887506"/>
+            </a:xfrm>
+            <a:prstGeom prst="rect">
+              <a:avLst/>
+            </a:prstGeom>
+          </p:spPr>
+        </p:pic>
+        <p:sp>
+          <p:nvSpPr>
+            <p:cNvPr id="5" name="직사각형 4">
+              <a:extLst>
+                <a:ext uri="{FF2B5EF4-FFF2-40B4-BE49-F238E27FC236}">
+                  <a16:creationId xmlns:a16="http://schemas.microsoft.com/office/drawing/2014/main" id="{F57512A4-327F-271E-9B04-6784F4713E4F}"/>
+                </a:ext>
+              </a:extLst>
+            </p:cNvPr>
+            <p:cNvSpPr/>
+            <p:nvPr/>
+          </p:nvSpPr>
+          <p:spPr>
+            <a:xfrm>
+              <a:off x="1027528" y="3625189"/>
+              <a:ext cx="3933826" cy="449576"/>
+            </a:xfrm>
+            <a:prstGeom prst="rect">
+              <a:avLst/>
+            </a:prstGeom>
+            <a:solidFill>
+              <a:schemeClr val="bg1"/>
+            </a:solidFill>
+          </p:spPr>
+          <p:style>
+            <a:lnRef idx="2">
+              <a:schemeClr val="dk1">
+                <a:shade val="50000"/>
+              </a:schemeClr>
+            </a:lnRef>
+            <a:fillRef idx="1">
+              <a:schemeClr val="dk1"/>
+            </a:fillRef>
+            <a:effectRef idx="0">
+              <a:schemeClr val="dk1"/>
+            </a:effectRef>
+            <a:fontRef idx="minor">
+              <a:schemeClr val="lt1"/>
+            </a:fontRef>
+          </p:style>
+          <p:txBody>
+            <a:bodyPr rtlCol="0" anchor="ctr"/>
+            <a:lstStyle/>
+            <a:p>
+              <a:pPr algn="ctr"/>
+              <a:r>
+                <a:rPr lang="ko-KR" altLang="en-US" sz="800" dirty="0">
+                  <a:solidFill>
+                    <a:schemeClr val="tx1"/>
+                  </a:solidFill>
+                </a:rPr>
+                <a:t>섬 곳곳을 누비며 생존을 하던 </a:t>
+              </a:r>
+              <a:r>
+                <a:rPr lang="en-US" altLang="ko-KR" sz="800" dirty="0">
+                  <a:solidFill>
+                    <a:schemeClr val="tx1"/>
+                  </a:solidFill>
+                </a:rPr>
+                <a:t>[</a:t>
+              </a:r>
+              <a:r>
+                <a:rPr lang="ko-KR" altLang="en-US" sz="800" dirty="0">
+                  <a:solidFill>
+                    <a:schemeClr val="tx1"/>
+                  </a:solidFill>
+                </a:rPr>
+                <a:t>닉네임</a:t>
+              </a:r>
+              <a:r>
+                <a:rPr lang="en-US" altLang="ko-KR" sz="800" dirty="0">
+                  <a:solidFill>
+                    <a:schemeClr val="tx1"/>
+                  </a:solidFill>
+                </a:rPr>
+                <a:t>]</a:t>
+              </a:r>
+              <a:r>
+                <a:rPr lang="ko-KR" altLang="en-US" sz="800" dirty="0">
+                  <a:solidFill>
+                    <a:schemeClr val="tx1"/>
+                  </a:solidFill>
+                </a:rPr>
+                <a:t>은</a:t>
+              </a:r>
+              <a:r>
+                <a:rPr lang="en-US" altLang="ko-KR" sz="800" dirty="0">
+                  <a:solidFill>
+                    <a:schemeClr val="tx1"/>
+                  </a:solidFill>
+                </a:rPr>
+                <a:t>(</a:t>
+              </a:r>
+              <a:r>
+                <a:rPr lang="ko-KR" altLang="en-US" sz="800" dirty="0">
+                  <a:solidFill>
+                    <a:schemeClr val="tx1"/>
+                  </a:solidFill>
+                </a:rPr>
+                <a:t>는</a:t>
+              </a:r>
+              <a:r>
+                <a:rPr lang="en-US" altLang="ko-KR" sz="800" dirty="0">
+                  <a:solidFill>
+                    <a:schemeClr val="tx1"/>
+                  </a:solidFill>
+                </a:rPr>
+                <a:t>)</a:t>
+              </a:r>
+              <a:endParaRPr lang="ko-KR" altLang="en-US" sz="800" dirty="0">
+                <a:solidFill>
+                  <a:schemeClr val="tx1"/>
+                </a:solidFill>
+              </a:endParaRPr>
+            </a:p>
+          </p:txBody>
+        </p:sp>
+      </p:grpSp>
+      <p:grpSp>
+        <p:nvGrpSpPr>
+          <p:cNvPr id="9" name="그룹 8">
+            <a:extLst>
+              <a:ext uri="{FF2B5EF4-FFF2-40B4-BE49-F238E27FC236}">
+                <a16:creationId xmlns:a16="http://schemas.microsoft.com/office/drawing/2014/main" id="{394424F1-B742-E54B-4D45-B0157E3E3C14}"/>
+              </a:ext>
+            </a:extLst>
+          </p:cNvPr>
+          <p:cNvGrpSpPr/>
+          <p:nvPr/>
+        </p:nvGrpSpPr>
+        <p:grpSpPr>
+          <a:xfrm>
+            <a:off x="5846097" y="2286606"/>
+            <a:ext cx="3980399" cy="1998645"/>
+            <a:chOff x="6864900" y="2062519"/>
+            <a:chExt cx="3980399" cy="1998645"/>
+          </a:xfrm>
+        </p:grpSpPr>
+        <p:sp>
+          <p:nvSpPr>
+            <p:cNvPr id="60" name="사각형: 둥근 모서리 59">
+              <a:extLst>
+                <a:ext uri="{FF2B5EF4-FFF2-40B4-BE49-F238E27FC236}">
+                  <a16:creationId xmlns:a16="http://schemas.microsoft.com/office/drawing/2014/main" id="{7AD51C71-1257-2931-0347-6C6FD8E2C7CF}"/>
+                </a:ext>
+              </a:extLst>
+            </p:cNvPr>
+            <p:cNvSpPr/>
+            <p:nvPr/>
+          </p:nvSpPr>
+          <p:spPr>
+            <a:xfrm rot="5400000">
+              <a:off x="7855777" y="1071642"/>
+              <a:ext cx="1998645" cy="3980399"/>
+            </a:xfrm>
+            <a:prstGeom prst="roundRect">
+              <a:avLst/>
+            </a:prstGeom>
+            <a:noFill/>
+            <a:ln w="38100">
+              <a:solidFill>
+                <a:schemeClr val="tx1"/>
+              </a:solidFill>
+            </a:ln>
+          </p:spPr>
+          <p:style>
+            <a:lnRef idx="2">
+              <a:schemeClr val="accent1">
+                <a:shade val="50000"/>
+              </a:schemeClr>
+            </a:lnRef>
+            <a:fillRef idx="1">
+              <a:schemeClr val="accent1"/>
+            </a:fillRef>
+            <a:effectRef idx="0">
+              <a:schemeClr val="accent1"/>
+            </a:effectRef>
+            <a:fontRef idx="minor">
+              <a:schemeClr val="lt1"/>
+            </a:fontRef>
+          </p:style>
+          <p:txBody>
+            <a:bodyPr rtlCol="0" anchor="ctr"/>
+            <a:lstStyle/>
+            <a:p>
+              <a:pPr algn="ctr"/>
+              <a:endParaRPr lang="ko-KR" altLang="en-US" dirty="0"/>
+            </a:p>
+          </p:txBody>
+        </p:sp>
+        <p:pic>
+          <p:nvPicPr>
+            <p:cNvPr id="61" name="그림 60" descr="텍스트, 인형이(가) 표시된 사진&#10;&#10;자동 생성된 설명">
+              <a:extLst>
+                <a:ext uri="{FF2B5EF4-FFF2-40B4-BE49-F238E27FC236}">
+                  <a16:creationId xmlns:a16="http://schemas.microsoft.com/office/drawing/2014/main" id="{2955DA8A-274F-5C2D-7C45-F35F69C580E2}"/>
+                </a:ext>
+              </a:extLst>
+            </p:cNvPr>
+            <p:cNvPicPr>
+              <a:picLocks noChangeAspect="1"/>
+            </p:cNvPicPr>
+            <p:nvPr/>
+          </p:nvPicPr>
+          <p:blipFill>
+            <a:blip r:embed="rId3">
+              <a:extLst>
+                <a:ext uri="{28A0092B-C50C-407E-A947-70E740481C1C}">
+                  <a14:useLocalDpi xmlns:a14="http://schemas.microsoft.com/office/drawing/2010/main" val="0"/>
+                </a:ext>
+              </a:extLst>
+            </a:blip>
+            <a:stretch>
+              <a:fillRect/>
+            </a:stretch>
+          </p:blipFill>
+          <p:spPr>
+            <a:xfrm>
+              <a:off x="8438796" y="2816258"/>
+              <a:ext cx="887506" cy="887506"/>
+            </a:xfrm>
+            <a:prstGeom prst="rect">
+              <a:avLst/>
+            </a:prstGeom>
+          </p:spPr>
+        </p:pic>
+        <p:sp>
+          <p:nvSpPr>
+            <p:cNvPr id="62" name="직사각형 61">
+              <a:extLst>
+                <a:ext uri="{FF2B5EF4-FFF2-40B4-BE49-F238E27FC236}">
+                  <a16:creationId xmlns:a16="http://schemas.microsoft.com/office/drawing/2014/main" id="{1AA750A9-9156-693A-2590-F31E5E0A0C80}"/>
+                </a:ext>
+              </a:extLst>
+            </p:cNvPr>
+            <p:cNvSpPr/>
+            <p:nvPr/>
+          </p:nvSpPr>
+          <p:spPr>
+            <a:xfrm>
+              <a:off x="6886383" y="2366682"/>
+              <a:ext cx="3933826" cy="449576"/>
+            </a:xfrm>
+            <a:prstGeom prst="rect">
+              <a:avLst/>
+            </a:prstGeom>
+            <a:solidFill>
+              <a:schemeClr val="bg1"/>
+            </a:solidFill>
+          </p:spPr>
+          <p:style>
+            <a:lnRef idx="2">
+              <a:schemeClr val="dk1">
+                <a:shade val="50000"/>
+              </a:schemeClr>
+            </a:lnRef>
+            <a:fillRef idx="1">
+              <a:schemeClr val="dk1"/>
+            </a:fillRef>
+            <a:effectRef idx="0">
+              <a:schemeClr val="dk1"/>
+            </a:effectRef>
+            <a:fontRef idx="minor">
+              <a:schemeClr val="lt1"/>
+            </a:fontRef>
+          </p:style>
+          <p:txBody>
+            <a:bodyPr rtlCol="0" anchor="ctr"/>
+            <a:lstStyle/>
+            <a:p>
+              <a:pPr algn="ctr"/>
+              <a:r>
+                <a:rPr lang="ko-KR" altLang="en-US" sz="700" dirty="0">
+                  <a:solidFill>
+                    <a:schemeClr val="tx1"/>
+                  </a:solidFill>
+                </a:rPr>
+                <a:t>섬 곳곳을 누비며 생존을 하던 </a:t>
+              </a:r>
+              <a:r>
+                <a:rPr lang="en-US" altLang="ko-KR" sz="700" dirty="0">
+                  <a:solidFill>
+                    <a:schemeClr val="tx1"/>
+                  </a:solidFill>
+                </a:rPr>
+                <a:t>[</a:t>
+              </a:r>
+              <a:r>
+                <a:rPr lang="ko-KR" altLang="en-US" sz="700" dirty="0">
+                  <a:solidFill>
+                    <a:schemeClr val="tx1"/>
+                  </a:solidFill>
+                </a:rPr>
+                <a:t>닉네임</a:t>
+              </a:r>
+              <a:r>
+                <a:rPr lang="en-US" altLang="ko-KR" sz="700" dirty="0">
+                  <a:solidFill>
+                    <a:schemeClr val="tx1"/>
+                  </a:solidFill>
+                </a:rPr>
+                <a:t>]</a:t>
+              </a:r>
+              <a:r>
+                <a:rPr lang="ko-KR" altLang="en-US" sz="700" dirty="0">
+                  <a:solidFill>
+                    <a:schemeClr val="tx1"/>
+                  </a:solidFill>
+                </a:rPr>
+                <a:t>은</a:t>
+              </a:r>
+              <a:r>
+                <a:rPr lang="en-US" altLang="ko-KR" sz="700" dirty="0">
+                  <a:solidFill>
+                    <a:schemeClr val="tx1"/>
+                  </a:solidFill>
+                </a:rPr>
+                <a:t>(</a:t>
+              </a:r>
+              <a:r>
+                <a:rPr lang="ko-KR" altLang="en-US" sz="700" dirty="0">
+                  <a:solidFill>
+                    <a:schemeClr val="tx1"/>
+                  </a:solidFill>
+                </a:rPr>
+                <a:t>는</a:t>
+              </a:r>
+              <a:r>
+                <a:rPr lang="en-US" altLang="ko-KR" sz="700" dirty="0">
+                  <a:solidFill>
+                    <a:schemeClr val="tx1"/>
+                  </a:solidFill>
+                </a:rPr>
+                <a:t>)</a:t>
+              </a:r>
+            </a:p>
+            <a:p>
+              <a:pPr algn="ctr"/>
+              <a:r>
+                <a:rPr lang="ko-KR" altLang="en-US" sz="900" b="1" dirty="0">
+                  <a:solidFill>
+                    <a:schemeClr val="tx1"/>
+                  </a:solidFill>
+                </a:rPr>
+                <a:t>납치자</a:t>
+              </a:r>
+              <a:r>
+                <a:rPr lang="ko-KR" altLang="en-US" sz="700" dirty="0">
+                  <a:solidFill>
+                    <a:schemeClr val="tx1"/>
+                  </a:solidFill>
+                </a:rPr>
+                <a:t> 였습니다</a:t>
+              </a:r>
+              <a:r>
+                <a:rPr lang="en-US" altLang="ko-KR" sz="700" dirty="0">
+                  <a:solidFill>
+                    <a:schemeClr val="tx1"/>
+                  </a:solidFill>
+                </a:rPr>
+                <a:t>.</a:t>
+              </a:r>
+              <a:br>
+                <a:rPr lang="en-US" altLang="ko-KR" sz="700" dirty="0">
+                  <a:solidFill>
+                    <a:schemeClr val="tx1"/>
+                  </a:solidFill>
+                </a:rPr>
+              </a:br>
+              <a:r>
+                <a:rPr lang="ko-KR" altLang="en-US" sz="700" dirty="0">
+                  <a:solidFill>
+                    <a:schemeClr val="tx1"/>
+                  </a:solidFill>
+                </a:rPr>
+                <a:t>모두 그</a:t>
+              </a:r>
+              <a:r>
+                <a:rPr lang="en-US" altLang="ko-KR" sz="700" dirty="0">
+                  <a:solidFill>
+                    <a:schemeClr val="tx1"/>
+                  </a:solidFill>
+                </a:rPr>
+                <a:t>(</a:t>
+              </a:r>
+              <a:r>
+                <a:rPr lang="ko-KR" altLang="en-US" sz="700" dirty="0">
+                  <a:solidFill>
+                    <a:schemeClr val="tx1"/>
+                  </a:solidFill>
+                </a:rPr>
+                <a:t>그녀</a:t>
+              </a:r>
+              <a:r>
+                <a:rPr lang="en-US" altLang="ko-KR" sz="700" dirty="0">
+                  <a:solidFill>
+                    <a:schemeClr val="tx1"/>
+                  </a:solidFill>
+                </a:rPr>
+                <a:t>)</a:t>
+              </a:r>
+              <a:r>
+                <a:rPr lang="ko-KR" altLang="en-US" sz="700" dirty="0">
+                  <a:solidFill>
+                    <a:schemeClr val="tx1"/>
+                  </a:solidFill>
+                </a:rPr>
+                <a:t>를 향해 돌을 던져주세요</a:t>
+              </a:r>
+            </a:p>
+          </p:txBody>
+        </p:sp>
+      </p:grpSp>
+      <p:sp>
+        <p:nvSpPr>
+          <p:cNvPr id="6" name="화살표: 오른쪽 5">
+            <a:extLst>
+              <a:ext uri="{FF2B5EF4-FFF2-40B4-BE49-F238E27FC236}">
+                <a16:creationId xmlns:a16="http://schemas.microsoft.com/office/drawing/2014/main" id="{3DE2938E-240A-7AEE-0088-2899F9EA6B96}"/>
+              </a:ext>
+            </a:extLst>
+          </p:cNvPr>
+          <p:cNvSpPr/>
+          <p:nvPr/>
+        </p:nvSpPr>
+        <p:spPr>
+          <a:xfrm>
+            <a:off x="4889849" y="3014426"/>
+            <a:ext cx="601909" cy="387246"/>
+          </a:xfrm>
+          <a:prstGeom prst="rightArrow">
+            <a:avLst/>
+          </a:prstGeom>
+        </p:spPr>
+        <p:style>
+          <a:lnRef idx="2">
+            <a:schemeClr val="dk1">
+              <a:shade val="50000"/>
+            </a:schemeClr>
+          </a:lnRef>
+          <a:fillRef idx="1">
+            <a:schemeClr val="dk1"/>
+          </a:fillRef>
+          <a:effectRef idx="0">
+            <a:schemeClr val="dk1"/>
+          </a:effectRef>
+          <a:fontRef idx="minor">
+            <a:schemeClr val="lt1"/>
+          </a:fontRef>
+        </p:style>
+        <p:txBody>
+          <a:bodyPr rtlCol="0" anchor="ctr"/>
+          <a:lstStyle/>
+          <a:p>
+            <a:pPr algn="ctr"/>
+            <a:endParaRPr lang="ko-KR" altLang="en-US"/>
+          </a:p>
+        </p:txBody>
+      </p:sp>
+      <p:sp>
+        <p:nvSpPr>
+          <p:cNvPr id="8" name="직사각형 7">
+            <a:extLst>
+              <a:ext uri="{FF2B5EF4-FFF2-40B4-BE49-F238E27FC236}">
+                <a16:creationId xmlns:a16="http://schemas.microsoft.com/office/drawing/2014/main" id="{C6C2644F-C3CF-50B1-96E2-10467E5BAD1D}"/>
+              </a:ext>
+            </a:extLst>
+          </p:cNvPr>
+          <p:cNvSpPr/>
+          <p:nvPr/>
+        </p:nvSpPr>
+        <p:spPr>
+          <a:xfrm>
+            <a:off x="539180" y="1667729"/>
+            <a:ext cx="914400" cy="369332"/>
+          </a:xfrm>
+          <a:prstGeom prst="rect">
+            <a:avLst/>
+          </a:prstGeom>
+        </p:spPr>
+        <p:style>
+          <a:lnRef idx="2">
+            <a:schemeClr val="dk1">
+              <a:shade val="50000"/>
+            </a:schemeClr>
+          </a:lnRef>
+          <a:fillRef idx="1">
+            <a:schemeClr val="dk1"/>
+          </a:fillRef>
+          <a:effectRef idx="0">
+            <a:schemeClr val="dk1"/>
+          </a:effectRef>
+          <a:fontRef idx="minor">
+            <a:schemeClr val="lt1"/>
+          </a:fontRef>
+        </p:style>
+        <p:txBody>
+          <a:bodyPr rtlCol="0" anchor="ctr"/>
+          <a:lstStyle/>
+          <a:p>
+            <a:pPr algn="ctr"/>
+            <a:r>
+              <a:rPr lang="ko-KR" altLang="en-US" sz="1200" dirty="0"/>
+              <a:t>납치자</a:t>
+            </a:r>
+          </a:p>
+        </p:txBody>
+      </p:sp>
+      <p:sp>
+        <p:nvSpPr>
+          <p:cNvPr id="10" name="직사각형 9">
+            <a:extLst>
+              <a:ext uri="{FF2B5EF4-FFF2-40B4-BE49-F238E27FC236}">
+                <a16:creationId xmlns:a16="http://schemas.microsoft.com/office/drawing/2014/main" id="{D5BB5889-A32C-1F59-B71B-B90FE54303B1}"/>
+              </a:ext>
+            </a:extLst>
+          </p:cNvPr>
+          <p:cNvSpPr/>
+          <p:nvPr/>
+        </p:nvSpPr>
+        <p:spPr>
+          <a:xfrm>
+            <a:off x="10062992" y="2037061"/>
+            <a:ext cx="2021432" cy="2248190"/>
+          </a:xfrm>
+          <a:prstGeom prst="rect">
+            <a:avLst/>
+          </a:prstGeom>
+          <a:noFill/>
+          <a:ln>
+            <a:solidFill>
+              <a:schemeClr val="tx1"/>
+            </a:solidFill>
+          </a:ln>
+        </p:spPr>
+        <p:style>
+          <a:lnRef idx="2">
+            <a:schemeClr val="accent1">
+              <a:shade val="50000"/>
+            </a:schemeClr>
+          </a:lnRef>
+          <a:fillRef idx="1">
+            <a:schemeClr val="accent1"/>
+          </a:fillRef>
+          <a:effectRef idx="0">
+            <a:schemeClr val="accent1"/>
+          </a:effectRef>
+          <a:fontRef idx="minor">
+            <a:schemeClr val="lt1"/>
+          </a:fontRef>
+        </p:style>
+        <p:txBody>
+          <a:bodyPr rtlCol="0" anchor="ctr"/>
+          <a:lstStyle/>
+          <a:p>
+            <a:pPr algn="ctr"/>
+            <a:r>
+              <a:rPr lang="en-US" altLang="ko-KR" sz="1000" dirty="0">
+                <a:solidFill>
+                  <a:schemeClr val="tx1"/>
+                </a:solidFill>
+              </a:rPr>
+              <a:t>5</a:t>
+            </a:r>
+            <a:r>
+              <a:rPr lang="ko-KR" altLang="en-US" sz="1000" dirty="0">
+                <a:solidFill>
+                  <a:schemeClr val="tx1"/>
+                </a:solidFill>
+              </a:rPr>
+              <a:t>초간 화면이 유지되며</a:t>
+            </a:r>
+            <a:endParaRPr lang="en-US" altLang="ko-KR" sz="1000" dirty="0">
+              <a:solidFill>
+                <a:schemeClr val="tx1"/>
+              </a:solidFill>
+            </a:endParaRPr>
+          </a:p>
+          <a:p>
+            <a:pPr algn="ctr"/>
+            <a:endParaRPr lang="en-US" altLang="ko-KR" sz="1000" dirty="0">
+              <a:solidFill>
+                <a:schemeClr val="tx1"/>
+              </a:solidFill>
+            </a:endParaRPr>
+          </a:p>
+          <a:p>
+            <a:pPr algn="ctr"/>
+            <a:r>
+              <a:rPr lang="ko-KR" altLang="en-US" sz="1000" dirty="0">
+                <a:solidFill>
+                  <a:schemeClr val="tx1"/>
+                </a:solidFill>
+              </a:rPr>
+              <a:t>화면을 터지하면 좌우에서</a:t>
+            </a:r>
+            <a:br>
+              <a:rPr lang="en-US" altLang="ko-KR" sz="1000" dirty="0">
+                <a:solidFill>
+                  <a:schemeClr val="tx1"/>
+                </a:solidFill>
+              </a:rPr>
+            </a:br>
+            <a:r>
+              <a:rPr lang="ko-KR" altLang="en-US" sz="1000" dirty="0">
+                <a:solidFill>
+                  <a:schemeClr val="tx1"/>
+                </a:solidFill>
+              </a:rPr>
+              <a:t>돌이 날아갑니다</a:t>
+            </a:r>
+            <a:r>
+              <a:rPr lang="en-US" altLang="ko-KR" sz="1000" dirty="0">
+                <a:solidFill>
+                  <a:schemeClr val="tx1"/>
+                </a:solidFill>
+              </a:rPr>
+              <a:t>.</a:t>
+            </a:r>
+            <a:br>
+              <a:rPr lang="en-US" altLang="ko-KR" sz="1000" dirty="0">
+                <a:solidFill>
+                  <a:schemeClr val="tx1"/>
+                </a:solidFill>
+              </a:rPr>
+            </a:br>
+            <a:br>
+              <a:rPr lang="en-US" altLang="ko-KR" sz="1000" dirty="0">
+                <a:solidFill>
+                  <a:schemeClr val="tx1"/>
+                </a:solidFill>
+              </a:rPr>
+            </a:br>
+            <a:r>
+              <a:rPr lang="en-US" altLang="ko-KR" sz="1000" dirty="0">
+                <a:solidFill>
+                  <a:schemeClr val="tx1"/>
+                </a:solidFill>
+              </a:rPr>
+              <a:t>3</a:t>
+            </a:r>
+            <a:r>
+              <a:rPr lang="ko-KR" altLang="en-US" sz="1000" dirty="0">
+                <a:solidFill>
+                  <a:schemeClr val="tx1"/>
+                </a:solidFill>
+              </a:rPr>
+              <a:t>초 동안 돌이 날아갑니다</a:t>
+            </a:r>
+            <a:r>
+              <a:rPr lang="en-US" altLang="ko-KR" sz="1000" dirty="0">
+                <a:solidFill>
+                  <a:schemeClr val="tx1"/>
+                </a:solidFill>
+              </a:rPr>
+              <a:t>.</a:t>
+            </a:r>
+          </a:p>
+          <a:p>
+            <a:pPr algn="ctr"/>
+            <a:endParaRPr lang="en-US" altLang="ko-KR" sz="1100" dirty="0">
+              <a:solidFill>
+                <a:schemeClr val="tx1"/>
+              </a:solidFill>
+            </a:endParaRPr>
+          </a:p>
+          <a:p>
+            <a:pPr algn="ctr"/>
+            <a:r>
+              <a:rPr lang="en-US" altLang="ko-KR" sz="900" dirty="0">
+                <a:solidFill>
+                  <a:schemeClr val="tx1"/>
+                </a:solidFill>
+              </a:rPr>
+              <a:t> 3</a:t>
+            </a:r>
+            <a:r>
+              <a:rPr lang="ko-KR" altLang="en-US" sz="900" dirty="0">
+                <a:solidFill>
+                  <a:schemeClr val="tx1"/>
+                </a:solidFill>
+              </a:rPr>
+              <a:t>초가 지나면 캐릭터가 쓰러집니다</a:t>
+            </a:r>
+            <a:r>
+              <a:rPr lang="en-US" altLang="ko-KR" sz="900" dirty="0">
+                <a:solidFill>
+                  <a:schemeClr val="tx1"/>
+                </a:solidFill>
+              </a:rPr>
+              <a:t>.</a:t>
+            </a:r>
+            <a:endParaRPr lang="ko-KR" altLang="en-US" sz="900" dirty="0">
+              <a:solidFill>
+                <a:schemeClr val="tx1"/>
+              </a:solidFill>
+            </a:endParaRPr>
+          </a:p>
+        </p:txBody>
+      </p:sp>
+    </p:spTree>
+    <p:extLst>
+      <p:ext uri="{BB962C8B-B14F-4D97-AF65-F5344CB8AC3E}">
+        <p14:creationId xmlns:p14="http://schemas.microsoft.com/office/powerpoint/2010/main" val="1904591000"/>
       </p:ext>
     </p:extLst>
   </p:cSld>
